--- a/Project/Минипроект Белоуса Фёдора.pptx
+++ b/Project/Минипроект Белоуса Фёдора.pptx
@@ -2,8 +2,18 @@
 <file path=ppt/presentation.xml><?xml version="1.0" encoding="utf-8"?>
 <p:presentation xmlns:a="http://schemas.openxmlformats.org/drawingml/2006/main" xmlns:r="http://schemas.openxmlformats.org/officeDocument/2006/relationships" xmlns:p="http://schemas.openxmlformats.org/presentationml/2006/main" saveSubsetFonts="1">
   <p:sldMasterIdLst>
-    <p:sldMasterId id="2147483648" r:id="rId1"/>
+    <p:sldMasterId id="2147483660" r:id="rId1"/>
   </p:sldMasterIdLst>
+  <p:sldIdLst>
+    <p:sldId id="256" r:id="rId2"/>
+    <p:sldId id="257" r:id="rId3"/>
+    <p:sldId id="258" r:id="rId4"/>
+    <p:sldId id="259" r:id="rId5"/>
+    <p:sldId id="260" r:id="rId6"/>
+    <p:sldId id="261" r:id="rId7"/>
+    <p:sldId id="262" r:id="rId8"/>
+    <p:sldId id="263" r:id="rId9"/>
+  </p:sldIdLst>
   <p:sldSz cx="9144000" cy="6858000" type="screen4x3"/>
   <p:notesSz cx="6858000" cy="9144000"/>
   <p:defaultTextStyle>
@@ -105,7 +115,7 @@
 </file>
 
 <file path=ppt/slideLayouts/slideLayout1.xml><?xml version="1.0" encoding="utf-8"?>
-<p:sldLayout xmlns:a="http://schemas.openxmlformats.org/drawingml/2006/main" xmlns:r="http://schemas.openxmlformats.org/officeDocument/2006/relationships" xmlns:p="http://schemas.openxmlformats.org/presentationml/2006/main" type="title" preserve="1">
+<p:sldLayout xmlns:a="http://schemas.openxmlformats.org/drawingml/2006/main" xmlns:r="http://schemas.openxmlformats.org/officeDocument/2006/relationships" xmlns:p="http://schemas.openxmlformats.org/presentationml/2006/main" showMasterSp="0" type="title" preserve="1">
   <p:cSld name="Титульный слайд">
     <p:spTree>
       <p:nvGrpSpPr>
@@ -121,37 +131,99 @@
           <a:chExt cx="0" cy="0"/>
         </a:xfrm>
       </p:grpSpPr>
-      <p:sp>
-        <p:nvSpPr>
-          <p:cNvPr id="2" name="Заголовок 1"/>
-          <p:cNvSpPr>
-            <a:spLocks noGrp="1"/>
-          </p:cNvSpPr>
-          <p:nvPr>
-            <p:ph type="ctrTitle"/>
-          </p:nvPr>
-        </p:nvSpPr>
+      <p:pic>
+        <p:nvPicPr>
+          <p:cNvPr id="7" name="Picture 6" descr="horizon.png"/>
+          <p:cNvPicPr>
+            <a:picLocks noChangeAspect="1"/>
+          </p:cNvPicPr>
+          <p:nvPr/>
+        </p:nvPicPr>
+        <p:blipFill>
+          <a:blip r:embed="rId2" cstate="print"/>
+          <a:srcRect t="33333"/>
+          <a:stretch>
+            <a:fillRect/>
+          </a:stretch>
+        </p:blipFill>
         <p:spPr>
           <a:xfrm>
-            <a:off x="685800" y="2130425"/>
-            <a:ext cx="7772400" cy="1470025"/>
-          </a:xfrm>
-        </p:spPr>
+            <a:off x="0" y="0"/>
+            <a:ext cx="9144000" cy="4572000"/>
+          </a:xfrm>
+          <a:prstGeom prst="rect">
+            <a:avLst/>
+          </a:prstGeom>
+        </p:spPr>
+      </p:pic>
+      <p:sp>
+        <p:nvSpPr>
+          <p:cNvPr id="4" name="Date Placeholder 3"/>
+          <p:cNvSpPr>
+            <a:spLocks noGrp="1"/>
+          </p:cNvSpPr>
+          <p:nvPr>
+            <p:ph type="dt" sz="half" idx="10"/>
+          </p:nvPr>
+        </p:nvSpPr>
+        <p:spPr/>
         <p:txBody>
           <a:bodyPr/>
           <a:lstStyle/>
           <a:p>
-            <a:r>
-              <a:rPr lang="ru-RU" smtClean="0"/>
-              <a:t>Образец заголовка</a:t>
-            </a:r>
+            <a:fld id="{B4C71EC6-210F-42DE-9C53-41977AD35B3D}" type="datetimeFigureOut">
+              <a:rPr lang="ru-RU" smtClean="0"/>
+              <a:t>02.01.2019</a:t>
+            </a:fld>
             <a:endParaRPr lang="ru-RU"/>
           </a:p>
         </p:txBody>
       </p:sp>
       <p:sp>
         <p:nvSpPr>
-          <p:cNvPr id="3" name="Подзаголовок 2"/>
+          <p:cNvPr id="5" name="Footer Placeholder 4"/>
+          <p:cNvSpPr>
+            <a:spLocks noGrp="1"/>
+          </p:cNvSpPr>
+          <p:nvPr>
+            <p:ph type="ftr" sz="quarter" idx="11"/>
+          </p:nvPr>
+        </p:nvSpPr>
+        <p:spPr/>
+        <p:txBody>
+          <a:bodyPr/>
+          <a:lstStyle/>
+          <a:p>
+            <a:endParaRPr lang="ru-RU"/>
+          </a:p>
+        </p:txBody>
+      </p:sp>
+      <p:sp>
+        <p:nvSpPr>
+          <p:cNvPr id="6" name="Slide Number Placeholder 5"/>
+          <p:cNvSpPr>
+            <a:spLocks noGrp="1"/>
+          </p:cNvSpPr>
+          <p:nvPr>
+            <p:ph type="sldNum" sz="quarter" idx="12"/>
+          </p:nvPr>
+        </p:nvSpPr>
+        <p:spPr/>
+        <p:txBody>
+          <a:bodyPr/>
+          <a:lstStyle/>
+          <a:p>
+            <a:fld id="{B19B0651-EE4F-4900-A07F-96A6BFA9D0F0}" type="slidenum">
+              <a:rPr lang="ru-RU" smtClean="0"/>
+              <a:t>‹#›</a:t>
+            </a:fld>
+            <a:endParaRPr lang="ru-RU"/>
+          </a:p>
+        </p:txBody>
+      </p:sp>
+      <p:sp>
+        <p:nvSpPr>
+          <p:cNvPr id="3" name="Subtitle 2"/>
           <p:cNvSpPr>
             <a:spLocks noGrp="1"/>
           </p:cNvSpPr>
@@ -161,20 +233,20 @@
         </p:nvSpPr>
         <p:spPr>
           <a:xfrm>
-            <a:off x="1371600" y="3886200"/>
+            <a:off x="1219200" y="3886200"/>
             <a:ext cx="6400800" cy="1752600"/>
           </a:xfrm>
         </p:spPr>
         <p:txBody>
-          <a:bodyPr/>
+          <a:bodyPr>
+            <a:normAutofit/>
+          </a:bodyPr>
           <a:lstStyle>
             <a:lvl1pPr marL="0" indent="0" algn="ctr">
               <a:buNone/>
-              <a:defRPr>
+              <a:defRPr sz="1700" baseline="0">
                 <a:solidFill>
-                  <a:schemeClr val="tx1">
-                    <a:tint val="75000"/>
-                  </a:schemeClr>
+                  <a:schemeClr val="tx2"/>
                 </a:solidFill>
               </a:defRPr>
             </a:lvl1pPr>
@@ -264,72 +336,39 @@
               <a:rPr lang="ru-RU" smtClean="0"/>
               <a:t>Образец подзаголовка</a:t>
             </a:r>
-            <a:endParaRPr lang="ru-RU"/>
-          </a:p>
-        </p:txBody>
-      </p:sp>
-      <p:sp>
-        <p:nvSpPr>
-          <p:cNvPr id="4" name="Дата 3"/>
-          <p:cNvSpPr>
-            <a:spLocks noGrp="1"/>
-          </p:cNvSpPr>
-          <p:nvPr>
-            <p:ph type="dt" sz="half" idx="10"/>
-          </p:nvPr>
-        </p:nvSpPr>
-        <p:spPr/>
+            <a:endParaRPr lang="en-US" dirty="0"/>
+          </a:p>
+        </p:txBody>
+      </p:sp>
+      <p:sp>
+        <p:nvSpPr>
+          <p:cNvPr id="2" name="Title 1"/>
+          <p:cNvSpPr>
+            <a:spLocks noGrp="1"/>
+          </p:cNvSpPr>
+          <p:nvPr>
+            <p:ph type="ctrTitle"/>
+          </p:nvPr>
+        </p:nvSpPr>
+        <p:spPr>
+          <a:xfrm>
+            <a:off x="685800" y="2007888"/>
+            <a:ext cx="7772400" cy="1470025"/>
+          </a:xfrm>
+        </p:spPr>
         <p:txBody>
           <a:bodyPr/>
-          <a:lstStyle/>
-          <a:p>
-            <a:fld id="{B4C71EC6-210F-42DE-9C53-41977AD35B3D}" type="datetimeFigureOut">
-              <a:rPr lang="ru-RU" smtClean="0"/>
-              <a:t>12.11.2009</a:t>
-            </a:fld>
-            <a:endParaRPr lang="ru-RU"/>
-          </a:p>
-        </p:txBody>
-      </p:sp>
-      <p:sp>
-        <p:nvSpPr>
-          <p:cNvPr id="5" name="Нижний колонтитул 4"/>
-          <p:cNvSpPr>
-            <a:spLocks noGrp="1"/>
-          </p:cNvSpPr>
-          <p:nvPr>
-            <p:ph type="ftr" sz="quarter" idx="11"/>
-          </p:nvPr>
-        </p:nvSpPr>
-        <p:spPr/>
-        <p:txBody>
-          <a:bodyPr/>
-          <a:lstStyle/>
-          <a:p>
-            <a:endParaRPr lang="ru-RU"/>
-          </a:p>
-        </p:txBody>
-      </p:sp>
-      <p:sp>
-        <p:nvSpPr>
-          <p:cNvPr id="6" name="Номер слайда 5"/>
-          <p:cNvSpPr>
-            <a:spLocks noGrp="1"/>
-          </p:cNvSpPr>
-          <p:nvPr>
-            <p:ph type="sldNum" sz="quarter" idx="12"/>
-          </p:nvPr>
-        </p:nvSpPr>
-        <p:spPr/>
-        <p:txBody>
-          <a:bodyPr/>
-          <a:lstStyle/>
-          <a:p>
-            <a:fld id="{B19B0651-EE4F-4900-A07F-96A6BFA9D0F0}" type="slidenum">
-              <a:rPr lang="ru-RU" smtClean="0"/>
-              <a:t>‹#›</a:t>
-            </a:fld>
-            <a:endParaRPr lang="ru-RU"/>
+          <a:lstStyle>
+            <a:lvl1pPr algn="ctr">
+              <a:defRPr sz="3200"/>
+            </a:lvl1pPr>
+          </a:lstStyle>
+          <a:p>
+            <a:r>
+              <a:rPr lang="ru-RU" smtClean="0"/>
+              <a:t>Образец заголовка</a:t>
+            </a:r>
+            <a:endParaRPr lang="en-US" dirty="0"/>
           </a:p>
         </p:txBody>
       </p:sp>
@@ -360,7 +399,7 @@
       </p:grpSpPr>
       <p:sp>
         <p:nvSpPr>
-          <p:cNvPr id="2" name="Заголовок 1"/>
+          <p:cNvPr id="2" name="Title 1"/>
           <p:cNvSpPr>
             <a:spLocks noGrp="1"/>
           </p:cNvSpPr>
@@ -377,13 +416,13 @@
               <a:rPr lang="ru-RU" smtClean="0"/>
               <a:t>Образец заголовка</a:t>
             </a:r>
-            <a:endParaRPr lang="ru-RU"/>
-          </a:p>
-        </p:txBody>
-      </p:sp>
-      <p:sp>
-        <p:nvSpPr>
-          <p:cNvPr id="3" name="Вертикальный текст 2"/>
+            <a:endParaRPr lang="en-US" dirty="0"/>
+          </a:p>
+        </p:txBody>
+      </p:sp>
+      <p:sp>
+        <p:nvSpPr>
+          <p:cNvPr id="3" name="Vertical Text Placeholder 2"/>
           <p:cNvSpPr>
             <a:spLocks noGrp="1"/>
           </p:cNvSpPr>
@@ -429,13 +468,13 @@
               <a:rPr lang="ru-RU" smtClean="0"/>
               <a:t>Пятый уровень</a:t>
             </a:r>
-            <a:endParaRPr lang="ru-RU"/>
-          </a:p>
-        </p:txBody>
-      </p:sp>
-      <p:sp>
-        <p:nvSpPr>
-          <p:cNvPr id="4" name="Дата 3"/>
+            <a:endParaRPr lang="en-US"/>
+          </a:p>
+        </p:txBody>
+      </p:sp>
+      <p:sp>
+        <p:nvSpPr>
+          <p:cNvPr id="4" name="Date Placeholder 3"/>
           <p:cNvSpPr>
             <a:spLocks noGrp="1"/>
           </p:cNvSpPr>
@@ -450,7 +489,7 @@
           <a:p>
             <a:fld id="{B4C71EC6-210F-42DE-9C53-41977AD35B3D}" type="datetimeFigureOut">
               <a:rPr lang="ru-RU" smtClean="0"/>
-              <a:t>12.11.2009</a:t>
+              <a:t>02.01.2019</a:t>
             </a:fld>
             <a:endParaRPr lang="ru-RU"/>
           </a:p>
@@ -458,7 +497,7 @@
       </p:sp>
       <p:sp>
         <p:nvSpPr>
-          <p:cNvPr id="5" name="Нижний колонтитул 4"/>
+          <p:cNvPr id="5" name="Footer Placeholder 4"/>
           <p:cNvSpPr>
             <a:spLocks noGrp="1"/>
           </p:cNvSpPr>
@@ -477,7 +516,7 @@
       </p:sp>
       <p:sp>
         <p:nvSpPr>
-          <p:cNvPr id="6" name="Номер слайда 5"/>
+          <p:cNvPr id="6" name="Slide Number Placeholder 5"/>
           <p:cNvSpPr>
             <a:spLocks noGrp="1"/>
           </p:cNvSpPr>
@@ -525,7 +564,7 @@
       </p:grpSpPr>
       <p:sp>
         <p:nvSpPr>
-          <p:cNvPr id="2" name="Вертикальный заголовок 1"/>
+          <p:cNvPr id="2" name="Vertical Title 1"/>
           <p:cNvSpPr>
             <a:spLocks noGrp="1"/>
           </p:cNvSpPr>
@@ -547,13 +586,13 @@
               <a:rPr lang="ru-RU" smtClean="0"/>
               <a:t>Образец заголовка</a:t>
             </a:r>
-            <a:endParaRPr lang="ru-RU"/>
-          </a:p>
-        </p:txBody>
-      </p:sp>
-      <p:sp>
-        <p:nvSpPr>
-          <p:cNvPr id="3" name="Вертикальный текст 2"/>
+            <a:endParaRPr lang="en-US" dirty="0"/>
+          </a:p>
+        </p:txBody>
+      </p:sp>
+      <p:sp>
+        <p:nvSpPr>
+          <p:cNvPr id="3" name="Vertical Text Placeholder 2"/>
           <p:cNvSpPr>
             <a:spLocks noGrp="1"/>
           </p:cNvSpPr>
@@ -604,13 +643,13 @@
               <a:rPr lang="ru-RU" smtClean="0"/>
               <a:t>Пятый уровень</a:t>
             </a:r>
-            <a:endParaRPr lang="ru-RU"/>
-          </a:p>
-        </p:txBody>
-      </p:sp>
-      <p:sp>
-        <p:nvSpPr>
-          <p:cNvPr id="4" name="Дата 3"/>
+            <a:endParaRPr lang="en-US"/>
+          </a:p>
+        </p:txBody>
+      </p:sp>
+      <p:sp>
+        <p:nvSpPr>
+          <p:cNvPr id="4" name="Date Placeholder 3"/>
           <p:cNvSpPr>
             <a:spLocks noGrp="1"/>
           </p:cNvSpPr>
@@ -625,7 +664,7 @@
           <a:p>
             <a:fld id="{B4C71EC6-210F-42DE-9C53-41977AD35B3D}" type="datetimeFigureOut">
               <a:rPr lang="ru-RU" smtClean="0"/>
-              <a:t>12.11.2009</a:t>
+              <a:t>02.01.2019</a:t>
             </a:fld>
             <a:endParaRPr lang="ru-RU"/>
           </a:p>
@@ -633,7 +672,7 @@
       </p:sp>
       <p:sp>
         <p:nvSpPr>
-          <p:cNvPr id="5" name="Нижний колонтитул 4"/>
+          <p:cNvPr id="5" name="Footer Placeholder 4"/>
           <p:cNvSpPr>
             <a:spLocks noGrp="1"/>
           </p:cNvSpPr>
@@ -652,7 +691,7 @@
       </p:sp>
       <p:sp>
         <p:nvSpPr>
-          <p:cNvPr id="6" name="Номер слайда 5"/>
+          <p:cNvPr id="6" name="Slide Number Placeholder 5"/>
           <p:cNvSpPr>
             <a:spLocks noGrp="1"/>
           </p:cNvSpPr>
@@ -700,7 +739,7 @@
       </p:grpSpPr>
       <p:sp>
         <p:nvSpPr>
-          <p:cNvPr id="2" name="Заголовок 1"/>
+          <p:cNvPr id="2" name="Title 1"/>
           <p:cNvSpPr>
             <a:spLocks noGrp="1"/>
           </p:cNvSpPr>
@@ -708,89 +747,42 @@
             <p:ph type="title"/>
           </p:nvPr>
         </p:nvSpPr>
+        <p:spPr>
+          <a:xfrm>
+            <a:off x="609600" y="274638"/>
+            <a:ext cx="7924800" cy="1143000"/>
+          </a:xfrm>
+        </p:spPr>
+        <p:txBody>
+          <a:bodyPr/>
+          <a:lstStyle/>
+          <a:p>
+            <a:r>
+              <a:rPr lang="ru-RU" smtClean="0"/>
+              <a:t>Образец заголовка</a:t>
+            </a:r>
+            <a:endParaRPr lang="en-US" dirty="0"/>
+          </a:p>
+        </p:txBody>
+      </p:sp>
+      <p:sp>
+        <p:nvSpPr>
+          <p:cNvPr id="4" name="Date Placeholder 3"/>
+          <p:cNvSpPr>
+            <a:spLocks noGrp="1"/>
+          </p:cNvSpPr>
+          <p:nvPr>
+            <p:ph type="dt" sz="half" idx="10"/>
+          </p:nvPr>
+        </p:nvSpPr>
         <p:spPr/>
         <p:txBody>
           <a:bodyPr/>
           <a:lstStyle/>
           <a:p>
-            <a:r>
-              <a:rPr lang="ru-RU" smtClean="0"/>
-              <a:t>Образец заголовка</a:t>
-            </a:r>
-            <a:endParaRPr lang="ru-RU"/>
-          </a:p>
-        </p:txBody>
-      </p:sp>
-      <p:sp>
-        <p:nvSpPr>
-          <p:cNvPr id="3" name="Содержимое 2"/>
-          <p:cNvSpPr>
-            <a:spLocks noGrp="1"/>
-          </p:cNvSpPr>
-          <p:nvPr>
-            <p:ph idx="1"/>
-          </p:nvPr>
-        </p:nvSpPr>
-        <p:spPr/>
-        <p:txBody>
-          <a:bodyPr/>
-          <a:lstStyle/>
-          <a:p>
-            <a:pPr lvl="0"/>
-            <a:r>
-              <a:rPr lang="ru-RU" smtClean="0"/>
-              <a:t>Образец текста</a:t>
-            </a:r>
-          </a:p>
-          <a:p>
-            <a:pPr lvl="1"/>
-            <a:r>
-              <a:rPr lang="ru-RU" smtClean="0"/>
-              <a:t>Второй уровень</a:t>
-            </a:r>
-          </a:p>
-          <a:p>
-            <a:pPr lvl="2"/>
-            <a:r>
-              <a:rPr lang="ru-RU" smtClean="0"/>
-              <a:t>Третий уровень</a:t>
-            </a:r>
-          </a:p>
-          <a:p>
-            <a:pPr lvl="3"/>
-            <a:r>
-              <a:rPr lang="ru-RU" smtClean="0"/>
-              <a:t>Четвертый уровень</a:t>
-            </a:r>
-          </a:p>
-          <a:p>
-            <a:pPr lvl="4"/>
-            <a:r>
-              <a:rPr lang="ru-RU" smtClean="0"/>
-              <a:t>Пятый уровень</a:t>
-            </a:r>
-            <a:endParaRPr lang="ru-RU"/>
-          </a:p>
-        </p:txBody>
-      </p:sp>
-      <p:sp>
-        <p:nvSpPr>
-          <p:cNvPr id="4" name="Дата 3"/>
-          <p:cNvSpPr>
-            <a:spLocks noGrp="1"/>
-          </p:cNvSpPr>
-          <p:nvPr>
-            <p:ph type="dt" sz="half" idx="10"/>
-          </p:nvPr>
-        </p:nvSpPr>
-        <p:spPr/>
-        <p:txBody>
-          <a:bodyPr/>
-          <a:lstStyle/>
-          <a:p>
             <a:fld id="{B4C71EC6-210F-42DE-9C53-41977AD35B3D}" type="datetimeFigureOut">
               <a:rPr lang="ru-RU" smtClean="0"/>
-              <a:t>12.11.2009</a:t>
+              <a:t>02.01.2019</a:t>
             </a:fld>
             <a:endParaRPr lang="ru-RU"/>
           </a:p>
@@ -798,7 +790,7 @@
       </p:sp>
       <p:sp>
         <p:nvSpPr>
-          <p:cNvPr id="5" name="Нижний колонтитул 4"/>
+          <p:cNvPr id="5" name="Footer Placeholder 4"/>
           <p:cNvSpPr>
             <a:spLocks noGrp="1"/>
           </p:cNvSpPr>
@@ -817,7 +809,7 @@
       </p:sp>
       <p:sp>
         <p:nvSpPr>
-          <p:cNvPr id="6" name="Номер слайда 5"/>
+          <p:cNvPr id="6" name="Slide Number Placeholder 5"/>
           <p:cNvSpPr>
             <a:spLocks noGrp="1"/>
           </p:cNvSpPr>
@@ -835,6 +827,63 @@
               <a:t>‹#›</a:t>
             </a:fld>
             <a:endParaRPr lang="ru-RU"/>
+          </a:p>
+        </p:txBody>
+      </p:sp>
+      <p:sp>
+        <p:nvSpPr>
+          <p:cNvPr id="8" name="Content Placeholder 7"/>
+          <p:cNvSpPr>
+            <a:spLocks noGrp="1"/>
+          </p:cNvSpPr>
+          <p:nvPr>
+            <p:ph sz="quarter" idx="13"/>
+          </p:nvPr>
+        </p:nvSpPr>
+        <p:spPr>
+          <a:xfrm>
+            <a:off x="609600" y="1600200"/>
+            <a:ext cx="7924800" cy="4114800"/>
+          </a:xfrm>
+        </p:spPr>
+        <p:txBody>
+          <a:bodyPr/>
+          <a:lstStyle/>
+          <a:p>
+            <a:pPr lvl="0"/>
+            <a:r>
+              <a:rPr lang="ru-RU" smtClean="0"/>
+              <a:t>Образец текста</a:t>
+            </a:r>
+          </a:p>
+          <a:p>
+            <a:pPr lvl="1"/>
+            <a:r>
+              <a:rPr lang="ru-RU" smtClean="0"/>
+              <a:t>Второй уровень</a:t>
+            </a:r>
+          </a:p>
+          <a:p>
+            <a:pPr lvl="2"/>
+            <a:r>
+              <a:rPr lang="ru-RU" smtClean="0"/>
+              <a:t>Третий уровень</a:t>
+            </a:r>
+          </a:p>
+          <a:p>
+            <a:pPr lvl="3"/>
+            <a:r>
+              <a:rPr lang="ru-RU" smtClean="0"/>
+              <a:t>Четвертый уровень</a:t>
+            </a:r>
+          </a:p>
+          <a:p>
+            <a:pPr lvl="4"/>
+            <a:r>
+              <a:rPr lang="ru-RU" smtClean="0"/>
+              <a:t>Пятый уровень</a:t>
+            </a:r>
+            <a:endParaRPr lang="en-US" dirty="0"/>
           </a:p>
         </p:txBody>
       </p:sp>
@@ -847,7 +896,7 @@
 </file>
 
 <file path=ppt/slideLayouts/slideLayout3.xml><?xml version="1.0" encoding="utf-8"?>
-<p:sldLayout xmlns:a="http://schemas.openxmlformats.org/drawingml/2006/main" xmlns:r="http://schemas.openxmlformats.org/officeDocument/2006/relationships" xmlns:p="http://schemas.openxmlformats.org/presentationml/2006/main" type="secHead" preserve="1">
+<p:sldLayout xmlns:a="http://schemas.openxmlformats.org/drawingml/2006/main" xmlns:r="http://schemas.openxmlformats.org/officeDocument/2006/relationships" xmlns:p="http://schemas.openxmlformats.org/presentationml/2006/main" showMasterSp="0" type="secHead" preserve="1">
   <p:cSld name="Заголовок раздела">
     <p:spTree>
       <p:nvGrpSpPr>
@@ -865,7 +914,7 @@
       </p:grpSpPr>
       <p:sp>
         <p:nvSpPr>
-          <p:cNvPr id="2" name="Заголовок 1"/>
+          <p:cNvPr id="2" name="Title 1"/>
           <p:cNvSpPr>
             <a:spLocks noGrp="1"/>
           </p:cNvSpPr>
@@ -875,15 +924,15 @@
         </p:nvSpPr>
         <p:spPr>
           <a:xfrm>
-            <a:off x="722313" y="4406900"/>
-            <a:ext cx="7772400" cy="1362075"/>
+            <a:off x="609600" y="4962525"/>
+            <a:ext cx="7885113" cy="1362075"/>
           </a:xfrm>
         </p:spPr>
         <p:txBody>
           <a:bodyPr anchor="t"/>
           <a:lstStyle>
             <a:lvl1pPr algn="l">
-              <a:defRPr sz="4000" b="1" cap="all"/>
+              <a:defRPr sz="3200" b="0" i="0" cap="all" baseline="0"/>
             </a:lvl1pPr>
           </a:lstStyle>
           <a:p>
@@ -891,13 +940,13 @@
               <a:rPr lang="ru-RU" smtClean="0"/>
               <a:t>Образец заголовка</a:t>
             </a:r>
-            <a:endParaRPr lang="ru-RU"/>
-          </a:p>
-        </p:txBody>
-      </p:sp>
-      <p:sp>
-        <p:nvSpPr>
-          <p:cNvPr id="3" name="Текст 2"/>
+            <a:endParaRPr lang="en-US" dirty="0"/>
+          </a:p>
+        </p:txBody>
+      </p:sp>
+      <p:sp>
+        <p:nvSpPr>
+          <p:cNvPr id="3" name="Text Placeholder 2"/>
           <p:cNvSpPr>
             <a:spLocks noGrp="1"/>
           </p:cNvSpPr>
@@ -907,20 +956,20 @@
         </p:nvSpPr>
         <p:spPr>
           <a:xfrm>
-            <a:off x="722313" y="2906713"/>
-            <a:ext cx="7772400" cy="1500187"/>
-          </a:xfrm>
-        </p:spPr>
-        <p:txBody>
-          <a:bodyPr anchor="b"/>
+            <a:off x="609600" y="3462338"/>
+            <a:ext cx="7885113" cy="1500187"/>
+          </a:xfrm>
+        </p:spPr>
+        <p:txBody>
+          <a:bodyPr anchor="b">
+            <a:normAutofit/>
+          </a:bodyPr>
           <a:lstStyle>
             <a:lvl1pPr marL="0" indent="0">
               <a:buNone/>
-              <a:defRPr sz="2000">
+              <a:defRPr sz="1700" baseline="0">
                 <a:solidFill>
-                  <a:schemeClr val="tx1">
-                    <a:tint val="75000"/>
-                  </a:schemeClr>
+                  <a:schemeClr val="tx2"/>
                 </a:solidFill>
               </a:defRPr>
             </a:lvl1pPr>
@@ -1016,7 +1065,7 @@
       </p:sp>
       <p:sp>
         <p:nvSpPr>
-          <p:cNvPr id="4" name="Дата 3"/>
+          <p:cNvPr id="4" name="Date Placeholder 3"/>
           <p:cNvSpPr>
             <a:spLocks noGrp="1"/>
           </p:cNvSpPr>
@@ -1031,7 +1080,7 @@
           <a:p>
             <a:fld id="{B4C71EC6-210F-42DE-9C53-41977AD35B3D}" type="datetimeFigureOut">
               <a:rPr lang="ru-RU" smtClean="0"/>
-              <a:t>12.11.2009</a:t>
+              <a:t>02.01.2019</a:t>
             </a:fld>
             <a:endParaRPr lang="ru-RU"/>
           </a:p>
@@ -1039,7 +1088,7 @@
       </p:sp>
       <p:sp>
         <p:nvSpPr>
-          <p:cNvPr id="5" name="Нижний колонтитул 4"/>
+          <p:cNvPr id="5" name="Footer Placeholder 4"/>
           <p:cNvSpPr>
             <a:spLocks noGrp="1"/>
           </p:cNvSpPr>
@@ -1058,7 +1107,7 @@
       </p:sp>
       <p:sp>
         <p:nvSpPr>
-          <p:cNvPr id="6" name="Номер слайда 5"/>
+          <p:cNvPr id="6" name="Slide Number Placeholder 5"/>
           <p:cNvSpPr>
             <a:spLocks noGrp="1"/>
           </p:cNvSpPr>
@@ -1106,72 +1155,57 @@
       </p:grpSpPr>
       <p:sp>
         <p:nvSpPr>
-          <p:cNvPr id="2" name="Заголовок 1"/>
-          <p:cNvSpPr>
-            <a:spLocks noGrp="1"/>
-          </p:cNvSpPr>
-          <p:nvPr>
-            <p:ph type="title"/>
-          </p:nvPr>
-        </p:nvSpPr>
-        <p:spPr/>
-        <p:txBody>
-          <a:bodyPr/>
-          <a:lstStyle/>
-          <a:p>
-            <a:r>
-              <a:rPr lang="ru-RU" smtClean="0"/>
-              <a:t>Образец заголовка</a:t>
-            </a:r>
-            <a:endParaRPr lang="ru-RU"/>
-          </a:p>
-        </p:txBody>
-      </p:sp>
-      <p:sp>
-        <p:nvSpPr>
-          <p:cNvPr id="3" name="Содержимое 2"/>
-          <p:cNvSpPr>
-            <a:spLocks noGrp="1"/>
-          </p:cNvSpPr>
-          <p:nvPr>
-            <p:ph sz="half" idx="1"/>
+          <p:cNvPr id="11" name="Content Placeholder 10"/>
+          <p:cNvSpPr>
+            <a:spLocks noGrp="1"/>
+          </p:cNvSpPr>
+          <p:nvPr>
+            <p:ph sz="quarter" idx="13"/>
           </p:nvPr>
         </p:nvSpPr>
         <p:spPr>
           <a:xfrm>
-            <a:off x="457200" y="1600200"/>
-            <a:ext cx="4038600" cy="4525963"/>
+            <a:off x="609600" y="1600200"/>
+            <a:ext cx="3733800" cy="4114800"/>
           </a:xfrm>
         </p:spPr>
         <p:txBody>
           <a:bodyPr/>
           <a:lstStyle>
-            <a:lvl1pPr>
-              <a:defRPr sz="2800"/>
-            </a:lvl1pPr>
-            <a:lvl2pPr>
-              <a:defRPr sz="2400"/>
-            </a:lvl2pPr>
-            <a:lvl3pPr>
-              <a:defRPr sz="2000"/>
-            </a:lvl3pPr>
-            <a:lvl4pPr>
-              <a:defRPr sz="1800"/>
-            </a:lvl4pPr>
             <a:lvl5pPr>
-              <a:defRPr sz="1800"/>
+              <a:defRPr/>
             </a:lvl5pPr>
             <a:lvl6pPr>
-              <a:defRPr sz="1800"/>
+              <a:buClr>
+                <a:schemeClr val="tx2"/>
+              </a:buClr>
+              <a:buFont typeface="Arial" pitchFamily="34" charset="0"/>
+              <a:buChar char="•"/>
+              <a:defRPr/>
             </a:lvl6pPr>
             <a:lvl7pPr>
-              <a:defRPr sz="1800"/>
+              <a:buClr>
+                <a:schemeClr val="tx2"/>
+              </a:buClr>
+              <a:buFont typeface="Arial" pitchFamily="34" charset="0"/>
+              <a:buChar char="•"/>
+              <a:defRPr/>
             </a:lvl7pPr>
             <a:lvl8pPr>
-              <a:defRPr sz="1800"/>
+              <a:buClr>
+                <a:schemeClr val="tx2"/>
+              </a:buClr>
+              <a:buFont typeface="Arial" pitchFamily="34" charset="0"/>
+              <a:buChar char="•"/>
+              <a:defRPr/>
             </a:lvl8pPr>
             <a:lvl9pPr>
-              <a:defRPr sz="1800"/>
+              <a:buClr>
+                <a:schemeClr val="tx2"/>
+              </a:buClr>
+              <a:buFont typeface="Arial" pitchFamily="34" charset="0"/>
+              <a:buChar char="•"/>
+              <a:defRPr/>
             </a:lvl9pPr>
           </a:lstStyle>
           <a:p>
@@ -1208,55 +1242,52 @@
               <a:rPr lang="ru-RU" smtClean="0"/>
               <a:t>Пятый уровень</a:t>
             </a:r>
-            <a:endParaRPr lang="ru-RU"/>
-          </a:p>
-        </p:txBody>
-      </p:sp>
-      <p:sp>
-        <p:nvSpPr>
-          <p:cNvPr id="4" name="Содержимое 3"/>
-          <p:cNvSpPr>
-            <a:spLocks noGrp="1"/>
-          </p:cNvSpPr>
-          <p:nvPr>
-            <p:ph sz="half" idx="2"/>
+            <a:endParaRPr lang="en-US" dirty="0" smtClean="0"/>
+          </a:p>
+        </p:txBody>
+      </p:sp>
+      <p:sp>
+        <p:nvSpPr>
+          <p:cNvPr id="13" name="Content Placeholder 12"/>
+          <p:cNvSpPr>
+            <a:spLocks noGrp="1"/>
+          </p:cNvSpPr>
+          <p:nvPr>
+            <p:ph sz="quarter" idx="14"/>
           </p:nvPr>
         </p:nvSpPr>
         <p:spPr>
           <a:xfrm>
-            <a:off x="4648200" y="1600200"/>
-            <a:ext cx="4038600" cy="4525963"/>
+            <a:off x="4800600" y="1600200"/>
+            <a:ext cx="3733800" cy="4114800"/>
           </a:xfrm>
         </p:spPr>
         <p:txBody>
           <a:bodyPr/>
           <a:lstStyle>
-            <a:lvl1pPr>
-              <a:defRPr sz="2800"/>
-            </a:lvl1pPr>
-            <a:lvl2pPr>
-              <a:defRPr sz="2400"/>
-            </a:lvl2pPr>
-            <a:lvl3pPr>
-              <a:defRPr sz="2000"/>
-            </a:lvl3pPr>
-            <a:lvl4pPr>
-              <a:defRPr sz="1800"/>
-            </a:lvl4pPr>
-            <a:lvl5pPr>
-              <a:defRPr sz="1800"/>
-            </a:lvl5pPr>
             <a:lvl6pPr>
-              <a:defRPr sz="1800"/>
+              <a:buClr>
+                <a:schemeClr val="tx2"/>
+              </a:buClr>
+              <a:defRPr/>
             </a:lvl6pPr>
             <a:lvl7pPr>
-              <a:defRPr sz="1800"/>
+              <a:buClr>
+                <a:schemeClr val="tx2"/>
+              </a:buClr>
+              <a:defRPr/>
             </a:lvl7pPr>
             <a:lvl8pPr>
-              <a:defRPr sz="1800"/>
+              <a:buClr>
+                <a:schemeClr val="tx2"/>
+              </a:buClr>
+              <a:defRPr/>
             </a:lvl8pPr>
             <a:lvl9pPr>
-              <a:defRPr sz="1800"/>
+              <a:buClr>
+                <a:schemeClr val="tx2"/>
+              </a:buClr>
+              <a:defRPr/>
             </a:lvl9pPr>
           </a:lstStyle>
           <a:p>
@@ -1293,13 +1324,41 @@
               <a:rPr lang="ru-RU" smtClean="0"/>
               <a:t>Пятый уровень</a:t>
             </a:r>
-            <a:endParaRPr lang="ru-RU"/>
-          </a:p>
-        </p:txBody>
-      </p:sp>
-      <p:sp>
-        <p:nvSpPr>
-          <p:cNvPr id="5" name="Дата 4"/>
+            <a:endParaRPr lang="en-US" dirty="0" smtClean="0"/>
+          </a:p>
+        </p:txBody>
+      </p:sp>
+      <p:sp>
+        <p:nvSpPr>
+          <p:cNvPr id="2" name="Title 1"/>
+          <p:cNvSpPr>
+            <a:spLocks noGrp="1"/>
+          </p:cNvSpPr>
+          <p:nvPr>
+            <p:ph type="title"/>
+          </p:nvPr>
+        </p:nvSpPr>
+        <p:spPr>
+          <a:xfrm>
+            <a:off x="609600" y="274638"/>
+            <a:ext cx="7924800" cy="1143000"/>
+          </a:xfrm>
+        </p:spPr>
+        <p:txBody>
+          <a:bodyPr/>
+          <a:lstStyle/>
+          <a:p>
+            <a:r>
+              <a:rPr lang="ru-RU" smtClean="0"/>
+              <a:t>Образец заголовка</a:t>
+            </a:r>
+            <a:endParaRPr lang="en-US" dirty="0"/>
+          </a:p>
+        </p:txBody>
+      </p:sp>
+      <p:sp>
+        <p:nvSpPr>
+          <p:cNvPr id="5" name="Date Placeholder 4"/>
           <p:cNvSpPr>
             <a:spLocks noGrp="1"/>
           </p:cNvSpPr>
@@ -1314,7 +1373,7 @@
           <a:p>
             <a:fld id="{B4C71EC6-210F-42DE-9C53-41977AD35B3D}" type="datetimeFigureOut">
               <a:rPr lang="ru-RU" smtClean="0"/>
-              <a:t>12.11.2009</a:t>
+              <a:t>02.01.2019</a:t>
             </a:fld>
             <a:endParaRPr lang="ru-RU"/>
           </a:p>
@@ -1322,7 +1381,7 @@
       </p:sp>
       <p:sp>
         <p:nvSpPr>
-          <p:cNvPr id="6" name="Нижний колонтитул 5"/>
+          <p:cNvPr id="6" name="Footer Placeholder 5"/>
           <p:cNvSpPr>
             <a:spLocks noGrp="1"/>
           </p:cNvSpPr>
@@ -1341,7 +1400,7 @@
       </p:sp>
       <p:sp>
         <p:nvSpPr>
-          <p:cNvPr id="7" name="Номер слайда 6"/>
+          <p:cNvPr id="7" name="Slide Number Placeholder 6"/>
           <p:cNvSpPr>
             <a:spLocks noGrp="1"/>
           </p:cNvSpPr>
@@ -1389,7 +1448,171 @@
       </p:grpSpPr>
       <p:sp>
         <p:nvSpPr>
-          <p:cNvPr id="2" name="Заголовок 1"/>
+          <p:cNvPr id="13" name="Content Placeholder 12"/>
+          <p:cNvSpPr>
+            <a:spLocks noGrp="1"/>
+          </p:cNvSpPr>
+          <p:nvPr>
+            <p:ph sz="quarter" idx="14"/>
+          </p:nvPr>
+        </p:nvSpPr>
+        <p:spPr>
+          <a:xfrm>
+            <a:off x="4800600" y="2209800"/>
+            <a:ext cx="3733800" cy="3505200"/>
+          </a:xfrm>
+        </p:spPr>
+        <p:txBody>
+          <a:bodyPr/>
+          <a:lstStyle>
+            <a:lvl6pPr>
+              <a:buClr>
+                <a:schemeClr val="tx2"/>
+              </a:buClr>
+              <a:defRPr/>
+            </a:lvl6pPr>
+            <a:lvl7pPr>
+              <a:buClr>
+                <a:schemeClr val="tx2"/>
+              </a:buClr>
+              <a:defRPr/>
+            </a:lvl7pPr>
+            <a:lvl8pPr>
+              <a:buClr>
+                <a:schemeClr val="tx2"/>
+              </a:buClr>
+              <a:defRPr/>
+            </a:lvl8pPr>
+            <a:lvl9pPr>
+              <a:buClr>
+                <a:schemeClr val="tx2"/>
+              </a:buClr>
+              <a:defRPr/>
+            </a:lvl9pPr>
+          </a:lstStyle>
+          <a:p>
+            <a:pPr lvl="0"/>
+            <a:r>
+              <a:rPr lang="ru-RU" smtClean="0"/>
+              <a:t>Образец текста</a:t>
+            </a:r>
+          </a:p>
+          <a:p>
+            <a:pPr lvl="1"/>
+            <a:r>
+              <a:rPr lang="ru-RU" smtClean="0"/>
+              <a:t>Второй уровень</a:t>
+            </a:r>
+          </a:p>
+          <a:p>
+            <a:pPr lvl="2"/>
+            <a:r>
+              <a:rPr lang="ru-RU" smtClean="0"/>
+              <a:t>Третий уровень</a:t>
+            </a:r>
+          </a:p>
+          <a:p>
+            <a:pPr lvl="3"/>
+            <a:r>
+              <a:rPr lang="ru-RU" smtClean="0"/>
+              <a:t>Четвертый уровень</a:t>
+            </a:r>
+          </a:p>
+          <a:p>
+            <a:pPr lvl="4"/>
+            <a:r>
+              <a:rPr lang="ru-RU" smtClean="0"/>
+              <a:t>Пятый уровень</a:t>
+            </a:r>
+            <a:endParaRPr lang="en-US" dirty="0" smtClean="0"/>
+          </a:p>
+        </p:txBody>
+      </p:sp>
+      <p:sp>
+        <p:nvSpPr>
+          <p:cNvPr id="11" name="Content Placeholder 10"/>
+          <p:cNvSpPr>
+            <a:spLocks noGrp="1"/>
+          </p:cNvSpPr>
+          <p:nvPr>
+            <p:ph sz="quarter" idx="13"/>
+          </p:nvPr>
+        </p:nvSpPr>
+        <p:spPr>
+          <a:xfrm>
+            <a:off x="609600" y="2209800"/>
+            <a:ext cx="3733800" cy="3505200"/>
+          </a:xfrm>
+        </p:spPr>
+        <p:txBody>
+          <a:bodyPr/>
+          <a:lstStyle>
+            <a:lvl6pPr>
+              <a:buClr>
+                <a:schemeClr val="tx2"/>
+              </a:buClr>
+              <a:defRPr/>
+            </a:lvl6pPr>
+            <a:lvl7pPr>
+              <a:buClr>
+                <a:schemeClr val="tx2"/>
+              </a:buClr>
+              <a:defRPr/>
+            </a:lvl7pPr>
+            <a:lvl8pPr>
+              <a:buClr>
+                <a:schemeClr val="tx2"/>
+              </a:buClr>
+              <a:defRPr/>
+            </a:lvl8pPr>
+            <a:lvl9pPr>
+              <a:buClr>
+                <a:schemeClr val="tx2"/>
+              </a:buClr>
+              <a:defRPr/>
+            </a:lvl9pPr>
+          </a:lstStyle>
+          <a:p>
+            <a:pPr lvl="0"/>
+            <a:r>
+              <a:rPr lang="ru-RU" smtClean="0"/>
+              <a:t>Образец текста</a:t>
+            </a:r>
+          </a:p>
+          <a:p>
+            <a:pPr lvl="1"/>
+            <a:r>
+              <a:rPr lang="ru-RU" smtClean="0"/>
+              <a:t>Второй уровень</a:t>
+            </a:r>
+          </a:p>
+          <a:p>
+            <a:pPr lvl="2"/>
+            <a:r>
+              <a:rPr lang="ru-RU" smtClean="0"/>
+              <a:t>Третий уровень</a:t>
+            </a:r>
+          </a:p>
+          <a:p>
+            <a:pPr lvl="3"/>
+            <a:r>
+              <a:rPr lang="ru-RU" smtClean="0"/>
+              <a:t>Четвертый уровень</a:t>
+            </a:r>
+          </a:p>
+          <a:p>
+            <a:pPr lvl="4"/>
+            <a:r>
+              <a:rPr lang="ru-RU" smtClean="0"/>
+              <a:t>Пятый уровень</a:t>
+            </a:r>
+            <a:endParaRPr lang="en-US" dirty="0" smtClean="0"/>
+          </a:p>
+        </p:txBody>
+      </p:sp>
+      <p:sp>
+        <p:nvSpPr>
+          <p:cNvPr id="2" name="Title 1"/>
           <p:cNvSpPr>
             <a:spLocks noGrp="1"/>
           </p:cNvSpPr>
@@ -1397,7 +1620,12 @@
             <p:ph type="title"/>
           </p:nvPr>
         </p:nvSpPr>
-        <p:spPr/>
+        <p:spPr>
+          <a:xfrm>
+            <a:off x="609600" y="274638"/>
+            <a:ext cx="7924800" cy="1143000"/>
+          </a:xfrm>
+        </p:spPr>
         <p:txBody>
           <a:bodyPr/>
           <a:lstStyle>
@@ -1410,13 +1638,13 @@
               <a:rPr lang="ru-RU" smtClean="0"/>
               <a:t>Образец заголовка</a:t>
             </a:r>
-            <a:endParaRPr lang="ru-RU"/>
-          </a:p>
-        </p:txBody>
-      </p:sp>
-      <p:sp>
-        <p:nvSpPr>
-          <p:cNvPr id="3" name="Текст 2"/>
+            <a:endParaRPr lang="en-US" dirty="0"/>
+          </a:p>
+        </p:txBody>
+      </p:sp>
+      <p:sp>
+        <p:nvSpPr>
+          <p:cNvPr id="3" name="Text Placeholder 2"/>
           <p:cNvSpPr>
             <a:spLocks noGrp="1"/>
           </p:cNvSpPr>
@@ -1426,16 +1654,22 @@
         </p:nvSpPr>
         <p:spPr>
           <a:xfrm>
-            <a:off x="457200" y="1535113"/>
-            <a:ext cx="4040188" cy="639762"/>
-          </a:xfrm>
-        </p:spPr>
-        <p:txBody>
-          <a:bodyPr anchor="b"/>
+            <a:off x="609600" y="1600199"/>
+            <a:ext cx="3733800" cy="574675"/>
+          </a:xfrm>
+        </p:spPr>
+        <p:txBody>
+          <a:bodyPr anchor="b">
+            <a:normAutofit/>
+          </a:bodyPr>
           <a:lstStyle>
             <a:lvl1pPr marL="0" indent="0">
               <a:buNone/>
-              <a:defRPr sz="2400" b="1"/>
+              <a:defRPr sz="1700" b="0" i="0" baseline="0">
+                <a:solidFill>
+                  <a:schemeClr val="tx2"/>
+                </a:solidFill>
+              </a:defRPr>
             </a:lvl1pPr>
             <a:lvl2pPr marL="457200" indent="0">
               <a:buNone/>
@@ -1481,111 +1715,32 @@
       </p:sp>
       <p:sp>
         <p:nvSpPr>
-          <p:cNvPr id="4" name="Содержимое 3"/>
-          <p:cNvSpPr>
-            <a:spLocks noGrp="1"/>
-          </p:cNvSpPr>
-          <p:nvPr>
-            <p:ph sz="half" idx="2"/>
+          <p:cNvPr id="5" name="Text Placeholder 4"/>
+          <p:cNvSpPr>
+            <a:spLocks noGrp="1"/>
+          </p:cNvSpPr>
+          <p:nvPr>
+            <p:ph type="body" sz="quarter" idx="3"/>
           </p:nvPr>
         </p:nvSpPr>
         <p:spPr>
           <a:xfrm>
-            <a:off x="457200" y="2174875"/>
-            <a:ext cx="4040188" cy="3951288"/>
-          </a:xfrm>
-        </p:spPr>
-        <p:txBody>
-          <a:bodyPr/>
-          <a:lstStyle>
-            <a:lvl1pPr>
-              <a:defRPr sz="2400"/>
-            </a:lvl1pPr>
-            <a:lvl2pPr>
-              <a:defRPr sz="2000"/>
-            </a:lvl2pPr>
-            <a:lvl3pPr>
-              <a:defRPr sz="1800"/>
-            </a:lvl3pPr>
-            <a:lvl4pPr>
-              <a:defRPr sz="1600"/>
-            </a:lvl4pPr>
-            <a:lvl5pPr>
-              <a:defRPr sz="1600"/>
-            </a:lvl5pPr>
-            <a:lvl6pPr>
-              <a:defRPr sz="1600"/>
-            </a:lvl6pPr>
-            <a:lvl7pPr>
-              <a:defRPr sz="1600"/>
-            </a:lvl7pPr>
-            <a:lvl8pPr>
-              <a:defRPr sz="1600"/>
-            </a:lvl8pPr>
-            <a:lvl9pPr>
-              <a:defRPr sz="1600"/>
-            </a:lvl9pPr>
-          </a:lstStyle>
-          <a:p>
-            <a:pPr lvl="0"/>
-            <a:r>
-              <a:rPr lang="ru-RU" smtClean="0"/>
-              <a:t>Образец текста</a:t>
-            </a:r>
-          </a:p>
-          <a:p>
-            <a:pPr lvl="1"/>
-            <a:r>
-              <a:rPr lang="ru-RU" smtClean="0"/>
-              <a:t>Второй уровень</a:t>
-            </a:r>
-          </a:p>
-          <a:p>
-            <a:pPr lvl="2"/>
-            <a:r>
-              <a:rPr lang="ru-RU" smtClean="0"/>
-              <a:t>Третий уровень</a:t>
-            </a:r>
-          </a:p>
-          <a:p>
-            <a:pPr lvl="3"/>
-            <a:r>
-              <a:rPr lang="ru-RU" smtClean="0"/>
-              <a:t>Четвертый уровень</a:t>
-            </a:r>
-          </a:p>
-          <a:p>
-            <a:pPr lvl="4"/>
-            <a:r>
-              <a:rPr lang="ru-RU" smtClean="0"/>
-              <a:t>Пятый уровень</a:t>
-            </a:r>
-            <a:endParaRPr lang="ru-RU"/>
-          </a:p>
-        </p:txBody>
-      </p:sp>
-      <p:sp>
-        <p:nvSpPr>
-          <p:cNvPr id="5" name="Текст 4"/>
-          <p:cNvSpPr>
-            <a:spLocks noGrp="1"/>
-          </p:cNvSpPr>
-          <p:nvPr>
-            <p:ph type="body" sz="quarter" idx="3"/>
-          </p:nvPr>
-        </p:nvSpPr>
-        <p:spPr>
-          <a:xfrm>
-            <a:off x="4645025" y="1535113"/>
-            <a:ext cx="4041775" cy="639762"/>
-          </a:xfrm>
-        </p:spPr>
-        <p:txBody>
-          <a:bodyPr anchor="b"/>
+            <a:off x="4800600" y="1600199"/>
+            <a:ext cx="3733800" cy="574675"/>
+          </a:xfrm>
+        </p:spPr>
+        <p:txBody>
+          <a:bodyPr anchor="b">
+            <a:normAutofit/>
+          </a:bodyPr>
           <a:lstStyle>
             <a:lvl1pPr marL="0" indent="0">
               <a:buNone/>
-              <a:defRPr sz="2400" b="1"/>
+              <a:defRPr sz="1700" b="0" i="0" baseline="0">
+                <a:solidFill>
+                  <a:schemeClr val="tx2"/>
+                </a:solidFill>
+              </a:defRPr>
             </a:lvl1pPr>
             <a:lvl2pPr marL="457200" indent="0">
               <a:buNone/>
@@ -1631,107 +1786,22 @@
       </p:sp>
       <p:sp>
         <p:nvSpPr>
-          <p:cNvPr id="6" name="Содержимое 5"/>
-          <p:cNvSpPr>
-            <a:spLocks noGrp="1"/>
-          </p:cNvSpPr>
-          <p:nvPr>
-            <p:ph sz="quarter" idx="4"/>
-          </p:nvPr>
-        </p:nvSpPr>
-        <p:spPr>
-          <a:xfrm>
-            <a:off x="4645025" y="2174875"/>
-            <a:ext cx="4041775" cy="3951288"/>
-          </a:xfrm>
-        </p:spPr>
+          <p:cNvPr id="7" name="Date Placeholder 6"/>
+          <p:cNvSpPr>
+            <a:spLocks noGrp="1"/>
+          </p:cNvSpPr>
+          <p:nvPr>
+            <p:ph type="dt" sz="half" idx="10"/>
+          </p:nvPr>
+        </p:nvSpPr>
+        <p:spPr/>
         <p:txBody>
           <a:bodyPr/>
-          <a:lstStyle>
-            <a:lvl1pPr>
-              <a:defRPr sz="2400"/>
-            </a:lvl1pPr>
-            <a:lvl2pPr>
-              <a:defRPr sz="2000"/>
-            </a:lvl2pPr>
-            <a:lvl3pPr>
-              <a:defRPr sz="1800"/>
-            </a:lvl3pPr>
-            <a:lvl4pPr>
-              <a:defRPr sz="1600"/>
-            </a:lvl4pPr>
-            <a:lvl5pPr>
-              <a:defRPr sz="1600"/>
-            </a:lvl5pPr>
-            <a:lvl6pPr>
-              <a:defRPr sz="1600"/>
-            </a:lvl6pPr>
-            <a:lvl7pPr>
-              <a:defRPr sz="1600"/>
-            </a:lvl7pPr>
-            <a:lvl8pPr>
-              <a:defRPr sz="1600"/>
-            </a:lvl8pPr>
-            <a:lvl9pPr>
-              <a:defRPr sz="1600"/>
-            </a:lvl9pPr>
-          </a:lstStyle>
-          <a:p>
-            <a:pPr lvl="0"/>
-            <a:r>
-              <a:rPr lang="ru-RU" smtClean="0"/>
-              <a:t>Образец текста</a:t>
-            </a:r>
-          </a:p>
-          <a:p>
-            <a:pPr lvl="1"/>
-            <a:r>
-              <a:rPr lang="ru-RU" smtClean="0"/>
-              <a:t>Второй уровень</a:t>
-            </a:r>
-          </a:p>
-          <a:p>
-            <a:pPr lvl="2"/>
-            <a:r>
-              <a:rPr lang="ru-RU" smtClean="0"/>
-              <a:t>Третий уровень</a:t>
-            </a:r>
-          </a:p>
-          <a:p>
-            <a:pPr lvl="3"/>
-            <a:r>
-              <a:rPr lang="ru-RU" smtClean="0"/>
-              <a:t>Четвертый уровень</a:t>
-            </a:r>
-          </a:p>
-          <a:p>
-            <a:pPr lvl="4"/>
-            <a:r>
-              <a:rPr lang="ru-RU" smtClean="0"/>
-              <a:t>Пятый уровень</a:t>
-            </a:r>
-            <a:endParaRPr lang="ru-RU"/>
-          </a:p>
-        </p:txBody>
-      </p:sp>
-      <p:sp>
-        <p:nvSpPr>
-          <p:cNvPr id="7" name="Дата 6"/>
-          <p:cNvSpPr>
-            <a:spLocks noGrp="1"/>
-          </p:cNvSpPr>
-          <p:nvPr>
-            <p:ph type="dt" sz="half" idx="10"/>
-          </p:nvPr>
-        </p:nvSpPr>
-        <p:spPr/>
-        <p:txBody>
-          <a:bodyPr/>
           <a:lstStyle/>
           <a:p>
             <a:fld id="{B4C71EC6-210F-42DE-9C53-41977AD35B3D}" type="datetimeFigureOut">
               <a:rPr lang="ru-RU" smtClean="0"/>
-              <a:t>12.11.2009</a:t>
+              <a:t>02.01.2019</a:t>
             </a:fld>
             <a:endParaRPr lang="ru-RU"/>
           </a:p>
@@ -1739,7 +1809,7 @@
       </p:sp>
       <p:sp>
         <p:nvSpPr>
-          <p:cNvPr id="8" name="Нижний колонтитул 7"/>
+          <p:cNvPr id="8" name="Footer Placeholder 7"/>
           <p:cNvSpPr>
             <a:spLocks noGrp="1"/>
           </p:cNvSpPr>
@@ -1758,7 +1828,7 @@
       </p:sp>
       <p:sp>
         <p:nvSpPr>
-          <p:cNvPr id="9" name="Номер слайда 8"/>
+          <p:cNvPr id="9" name="Slide Number Placeholder 8"/>
           <p:cNvSpPr>
             <a:spLocks noGrp="1"/>
           </p:cNvSpPr>
@@ -1806,7 +1876,7 @@
       </p:grpSpPr>
       <p:sp>
         <p:nvSpPr>
-          <p:cNvPr id="2" name="Заголовок 1"/>
+          <p:cNvPr id="2" name="Title 1"/>
           <p:cNvSpPr>
             <a:spLocks noGrp="1"/>
           </p:cNvSpPr>
@@ -1814,37 +1884,42 @@
             <p:ph type="title"/>
           </p:nvPr>
         </p:nvSpPr>
+        <p:spPr>
+          <a:xfrm>
+            <a:off x="609600" y="274638"/>
+            <a:ext cx="7924800" cy="1143000"/>
+          </a:xfrm>
+        </p:spPr>
+        <p:txBody>
+          <a:bodyPr/>
+          <a:lstStyle/>
+          <a:p>
+            <a:r>
+              <a:rPr lang="ru-RU" smtClean="0"/>
+              <a:t>Образец заголовка</a:t>
+            </a:r>
+            <a:endParaRPr lang="en-US" dirty="0"/>
+          </a:p>
+        </p:txBody>
+      </p:sp>
+      <p:sp>
+        <p:nvSpPr>
+          <p:cNvPr id="3" name="Date Placeholder 2"/>
+          <p:cNvSpPr>
+            <a:spLocks noGrp="1"/>
+          </p:cNvSpPr>
+          <p:nvPr>
+            <p:ph type="dt" sz="half" idx="10"/>
+          </p:nvPr>
+        </p:nvSpPr>
         <p:spPr/>
         <p:txBody>
           <a:bodyPr/>
           <a:lstStyle/>
           <a:p>
-            <a:r>
-              <a:rPr lang="ru-RU" smtClean="0"/>
-              <a:t>Образец заголовка</a:t>
-            </a:r>
-            <a:endParaRPr lang="ru-RU"/>
-          </a:p>
-        </p:txBody>
-      </p:sp>
-      <p:sp>
-        <p:nvSpPr>
-          <p:cNvPr id="3" name="Дата 2"/>
-          <p:cNvSpPr>
-            <a:spLocks noGrp="1"/>
-          </p:cNvSpPr>
-          <p:nvPr>
-            <p:ph type="dt" sz="half" idx="10"/>
-          </p:nvPr>
-        </p:nvSpPr>
-        <p:spPr/>
-        <p:txBody>
-          <a:bodyPr/>
-          <a:lstStyle/>
-          <a:p>
             <a:fld id="{B4C71EC6-210F-42DE-9C53-41977AD35B3D}" type="datetimeFigureOut">
               <a:rPr lang="ru-RU" smtClean="0"/>
-              <a:t>12.11.2009</a:t>
+              <a:t>02.01.2019</a:t>
             </a:fld>
             <a:endParaRPr lang="ru-RU"/>
           </a:p>
@@ -1852,7 +1927,7 @@
       </p:sp>
       <p:sp>
         <p:nvSpPr>
-          <p:cNvPr id="4" name="Нижний колонтитул 3"/>
+          <p:cNvPr id="4" name="Footer Placeholder 3"/>
           <p:cNvSpPr>
             <a:spLocks noGrp="1"/>
           </p:cNvSpPr>
@@ -1871,7 +1946,7 @@
       </p:sp>
       <p:sp>
         <p:nvSpPr>
-          <p:cNvPr id="5" name="Номер слайда 4"/>
+          <p:cNvPr id="5" name="Slide Number Placeholder 4"/>
           <p:cNvSpPr>
             <a:spLocks noGrp="1"/>
           </p:cNvSpPr>
@@ -1919,7 +1994,7 @@
       </p:grpSpPr>
       <p:sp>
         <p:nvSpPr>
-          <p:cNvPr id="2" name="Дата 1"/>
+          <p:cNvPr id="2" name="Date Placeholder 1"/>
           <p:cNvSpPr>
             <a:spLocks noGrp="1"/>
           </p:cNvSpPr>
@@ -1934,7 +2009,7 @@
           <a:p>
             <a:fld id="{B4C71EC6-210F-42DE-9C53-41977AD35B3D}" type="datetimeFigureOut">
               <a:rPr lang="ru-RU" smtClean="0"/>
-              <a:t>12.11.2009</a:t>
+              <a:t>02.01.2019</a:t>
             </a:fld>
             <a:endParaRPr lang="ru-RU"/>
           </a:p>
@@ -1942,7 +2017,7 @@
       </p:sp>
       <p:sp>
         <p:nvSpPr>
-          <p:cNvPr id="3" name="Нижний колонтитул 2"/>
+          <p:cNvPr id="3" name="Footer Placeholder 2"/>
           <p:cNvSpPr>
             <a:spLocks noGrp="1"/>
           </p:cNvSpPr>
@@ -1961,7 +2036,7 @@
       </p:sp>
       <p:sp>
         <p:nvSpPr>
-          <p:cNvPr id="4" name="Номер слайда 3"/>
+          <p:cNvPr id="4" name="Slide Number Placeholder 3"/>
           <p:cNvSpPr>
             <a:spLocks noGrp="1"/>
           </p:cNvSpPr>
@@ -2009,7 +2084,64 @@
       </p:grpSpPr>
       <p:sp>
         <p:nvSpPr>
-          <p:cNvPr id="2" name="Заголовок 1"/>
+          <p:cNvPr id="9" name="Content Placeholder 8"/>
+          <p:cNvSpPr>
+            <a:spLocks noGrp="1"/>
+          </p:cNvSpPr>
+          <p:nvPr>
+            <p:ph sz="quarter" idx="13"/>
+          </p:nvPr>
+        </p:nvSpPr>
+        <p:spPr>
+          <a:xfrm>
+            <a:off x="3962400" y="1447800"/>
+            <a:ext cx="4648200" cy="4267200"/>
+          </a:xfrm>
+        </p:spPr>
+        <p:txBody>
+          <a:bodyPr/>
+          <a:lstStyle/>
+          <a:p>
+            <a:pPr lvl="0"/>
+            <a:r>
+              <a:rPr lang="ru-RU" smtClean="0"/>
+              <a:t>Образец текста</a:t>
+            </a:r>
+          </a:p>
+          <a:p>
+            <a:pPr lvl="1"/>
+            <a:r>
+              <a:rPr lang="ru-RU" smtClean="0"/>
+              <a:t>Второй уровень</a:t>
+            </a:r>
+          </a:p>
+          <a:p>
+            <a:pPr lvl="2"/>
+            <a:r>
+              <a:rPr lang="ru-RU" smtClean="0"/>
+              <a:t>Третий уровень</a:t>
+            </a:r>
+          </a:p>
+          <a:p>
+            <a:pPr lvl="3"/>
+            <a:r>
+              <a:rPr lang="ru-RU" smtClean="0"/>
+              <a:t>Четвертый уровень</a:t>
+            </a:r>
+          </a:p>
+          <a:p>
+            <a:pPr lvl="4"/>
+            <a:r>
+              <a:rPr lang="ru-RU" smtClean="0"/>
+              <a:t>Пятый уровень</a:t>
+            </a:r>
+            <a:endParaRPr lang="en-US" dirty="0"/>
+          </a:p>
+        </p:txBody>
+      </p:sp>
+      <p:sp>
+        <p:nvSpPr>
+          <p:cNvPr id="2" name="Title 1"/>
           <p:cNvSpPr>
             <a:spLocks noGrp="1"/>
           </p:cNvSpPr>
@@ -2019,15 +2151,19 @@
         </p:nvSpPr>
         <p:spPr>
           <a:xfrm>
-            <a:off x="457200" y="273050"/>
-            <a:ext cx="3008313" cy="1162050"/>
+            <a:off x="612648" y="1447800"/>
+            <a:ext cx="2971800" cy="1097280"/>
           </a:xfrm>
         </p:spPr>
         <p:txBody>
           <a:bodyPr anchor="b"/>
           <a:lstStyle>
             <a:lvl1pPr algn="l">
-              <a:defRPr sz="2000" b="1"/>
+              <a:defRPr sz="1800" b="0" i="0" cap="none" baseline="0">
+                <a:solidFill>
+                  <a:schemeClr val="tx2"/>
+                </a:solidFill>
+              </a:defRPr>
             </a:lvl1pPr>
           </a:lstStyle>
           <a:p>
@@ -2035,113 +2171,30 @@
               <a:rPr lang="ru-RU" smtClean="0"/>
               <a:t>Образец заголовка</a:t>
             </a:r>
-            <a:endParaRPr lang="ru-RU"/>
-          </a:p>
-        </p:txBody>
-      </p:sp>
-      <p:sp>
-        <p:nvSpPr>
-          <p:cNvPr id="3" name="Содержимое 2"/>
-          <p:cNvSpPr>
-            <a:spLocks noGrp="1"/>
-          </p:cNvSpPr>
-          <p:nvPr>
-            <p:ph idx="1"/>
+            <a:endParaRPr lang="en-US" dirty="0"/>
+          </a:p>
+        </p:txBody>
+      </p:sp>
+      <p:sp>
+        <p:nvSpPr>
+          <p:cNvPr id="4" name="Text Placeholder 3"/>
+          <p:cNvSpPr>
+            <a:spLocks noGrp="1"/>
+          </p:cNvSpPr>
+          <p:nvPr>
+            <p:ph type="body" sz="half" idx="2"/>
           </p:nvPr>
         </p:nvSpPr>
         <p:spPr>
           <a:xfrm>
-            <a:off x="3575050" y="273050"/>
-            <a:ext cx="5111750" cy="5853113"/>
-          </a:xfrm>
-        </p:spPr>
-        <p:txBody>
-          <a:bodyPr/>
-          <a:lstStyle>
-            <a:lvl1pPr>
-              <a:defRPr sz="3200"/>
-            </a:lvl1pPr>
-            <a:lvl2pPr>
-              <a:defRPr sz="2800"/>
-            </a:lvl2pPr>
-            <a:lvl3pPr>
-              <a:defRPr sz="2400"/>
-            </a:lvl3pPr>
-            <a:lvl4pPr>
-              <a:defRPr sz="2000"/>
-            </a:lvl4pPr>
-            <a:lvl5pPr>
-              <a:defRPr sz="2000"/>
-            </a:lvl5pPr>
-            <a:lvl6pPr>
-              <a:defRPr sz="2000"/>
-            </a:lvl6pPr>
-            <a:lvl7pPr>
-              <a:defRPr sz="2000"/>
-            </a:lvl7pPr>
-            <a:lvl8pPr>
-              <a:defRPr sz="2000"/>
-            </a:lvl8pPr>
-            <a:lvl9pPr>
-              <a:defRPr sz="2000"/>
-            </a:lvl9pPr>
-          </a:lstStyle>
-          <a:p>
-            <a:pPr lvl="0"/>
-            <a:r>
-              <a:rPr lang="ru-RU" smtClean="0"/>
-              <a:t>Образец текста</a:t>
-            </a:r>
-          </a:p>
-          <a:p>
-            <a:pPr lvl="1"/>
-            <a:r>
-              <a:rPr lang="ru-RU" smtClean="0"/>
-              <a:t>Второй уровень</a:t>
-            </a:r>
-          </a:p>
-          <a:p>
-            <a:pPr lvl="2"/>
-            <a:r>
-              <a:rPr lang="ru-RU" smtClean="0"/>
-              <a:t>Третий уровень</a:t>
-            </a:r>
-          </a:p>
-          <a:p>
-            <a:pPr lvl="3"/>
-            <a:r>
-              <a:rPr lang="ru-RU" smtClean="0"/>
-              <a:t>Четвертый уровень</a:t>
-            </a:r>
-          </a:p>
-          <a:p>
-            <a:pPr lvl="4"/>
-            <a:r>
-              <a:rPr lang="ru-RU" smtClean="0"/>
-              <a:t>Пятый уровень</a:t>
-            </a:r>
-            <a:endParaRPr lang="ru-RU"/>
-          </a:p>
-        </p:txBody>
-      </p:sp>
-      <p:sp>
-        <p:nvSpPr>
-          <p:cNvPr id="4" name="Текст 3"/>
-          <p:cNvSpPr>
-            <a:spLocks noGrp="1"/>
-          </p:cNvSpPr>
-          <p:nvPr>
-            <p:ph type="body" sz="half" idx="2"/>
-          </p:nvPr>
-        </p:nvSpPr>
-        <p:spPr>
-          <a:xfrm>
-            <a:off x="457200" y="1435100"/>
-            <a:ext cx="3008313" cy="4691063"/>
-          </a:xfrm>
-        </p:spPr>
-        <p:txBody>
-          <a:bodyPr/>
+            <a:off x="612648" y="2547891"/>
+            <a:ext cx="2971800" cy="3167109"/>
+          </a:xfrm>
+        </p:spPr>
+        <p:txBody>
+          <a:bodyPr tIns="9144">
+            <a:normAutofit/>
+          </a:bodyPr>
           <a:lstStyle>
             <a:lvl1pPr marL="0" indent="0">
               <a:buNone/>
@@ -2191,7 +2244,7 @@
       </p:sp>
       <p:sp>
         <p:nvSpPr>
-          <p:cNvPr id="5" name="Дата 4"/>
+          <p:cNvPr id="5" name="Date Placeholder 4"/>
           <p:cNvSpPr>
             <a:spLocks noGrp="1"/>
           </p:cNvSpPr>
@@ -2206,7 +2259,7 @@
           <a:p>
             <a:fld id="{B4C71EC6-210F-42DE-9C53-41977AD35B3D}" type="datetimeFigureOut">
               <a:rPr lang="ru-RU" smtClean="0"/>
-              <a:t>12.11.2009</a:t>
+              <a:t>02.01.2019</a:t>
             </a:fld>
             <a:endParaRPr lang="ru-RU"/>
           </a:p>
@@ -2214,7 +2267,7 @@
       </p:sp>
       <p:sp>
         <p:nvSpPr>
-          <p:cNvPr id="6" name="Нижний колонтитул 5"/>
+          <p:cNvPr id="6" name="Footer Placeholder 5"/>
           <p:cNvSpPr>
             <a:spLocks noGrp="1"/>
           </p:cNvSpPr>
@@ -2233,7 +2286,7 @@
       </p:sp>
       <p:sp>
         <p:nvSpPr>
-          <p:cNvPr id="7" name="Номер слайда 6"/>
+          <p:cNvPr id="7" name="Slide Number Placeholder 6"/>
           <p:cNvSpPr>
             <a:spLocks noGrp="1"/>
           </p:cNvSpPr>
@@ -2263,7 +2316,7 @@
 </file>
 
 <file path=ppt/slideLayouts/slideLayout9.xml><?xml version="1.0" encoding="utf-8"?>
-<p:sldLayout xmlns:a="http://schemas.openxmlformats.org/drawingml/2006/main" xmlns:r="http://schemas.openxmlformats.org/officeDocument/2006/relationships" xmlns:p="http://schemas.openxmlformats.org/presentationml/2006/main" type="picTx" preserve="1">
+<p:sldLayout xmlns:a="http://schemas.openxmlformats.org/drawingml/2006/main" xmlns:r="http://schemas.openxmlformats.org/officeDocument/2006/relationships" xmlns:p="http://schemas.openxmlformats.org/presentationml/2006/main" showMasterSp="0" type="picTx" preserve="1">
   <p:cSld name="Рисунок с подписью">
     <p:spTree>
       <p:nvGrpSpPr>
@@ -2279,9 +2332,33 @@
           <a:chExt cx="0" cy="0"/>
         </a:xfrm>
       </p:grpSpPr>
-      <p:sp>
-        <p:nvSpPr>
-          <p:cNvPr id="2" name="Заголовок 1"/>
+      <p:pic>
+        <p:nvPicPr>
+          <p:cNvPr id="11" name="Picture 10" descr="horizon.png"/>
+          <p:cNvPicPr>
+            <a:picLocks noChangeAspect="1"/>
+          </p:cNvPicPr>
+          <p:nvPr/>
+        </p:nvPicPr>
+        <p:blipFill>
+          <a:blip r:embed="rId2" cstate="print"/>
+          <a:stretch>
+            <a:fillRect/>
+          </a:stretch>
+        </p:blipFill>
+        <p:spPr>
+          <a:xfrm>
+            <a:off x="0" y="0"/>
+            <a:ext cx="9144000" cy="6858000"/>
+          </a:xfrm>
+          <a:prstGeom prst="rect">
+            <a:avLst/>
+          </a:prstGeom>
+        </p:spPr>
+      </p:pic>
+      <p:sp>
+        <p:nvSpPr>
+          <p:cNvPr id="2" name="Title 1"/>
           <p:cNvSpPr>
             <a:spLocks noGrp="1"/>
           </p:cNvSpPr>
@@ -2291,15 +2368,19 @@
         </p:nvSpPr>
         <p:spPr>
           <a:xfrm>
-            <a:off x="1792288" y="4800600"/>
-            <a:ext cx="5486400" cy="566738"/>
+            <a:off x="609600" y="1447800"/>
+            <a:ext cx="2971800" cy="1097280"/>
           </a:xfrm>
         </p:spPr>
         <p:txBody>
           <a:bodyPr anchor="b"/>
           <a:lstStyle>
             <a:lvl1pPr algn="l">
-              <a:defRPr sz="2000" b="1"/>
+              <a:defRPr sz="1800" b="0" i="0" cap="none" baseline="0">
+                <a:solidFill>
+                  <a:schemeClr val="tx2"/>
+                </a:solidFill>
+              </a:defRPr>
             </a:lvl1pPr>
           </a:lstStyle>
           <a:p>
@@ -2307,13 +2388,13 @@
               <a:rPr lang="ru-RU" smtClean="0"/>
               <a:t>Образец заголовка</a:t>
             </a:r>
-            <a:endParaRPr lang="ru-RU"/>
-          </a:p>
-        </p:txBody>
-      </p:sp>
-      <p:sp>
-        <p:nvSpPr>
-          <p:cNvPr id="3" name="Рисунок 2"/>
+            <a:endParaRPr lang="en-US" dirty="0"/>
+          </a:p>
+        </p:txBody>
+      </p:sp>
+      <p:sp>
+        <p:nvSpPr>
+          <p:cNvPr id="3" name="Picture Placeholder 2"/>
           <p:cNvSpPr>
             <a:spLocks noGrp="1"/>
           </p:cNvSpPr>
@@ -2323,16 +2404,250 @@
         </p:nvSpPr>
         <p:spPr>
           <a:xfrm>
-            <a:off x="1792288" y="612775"/>
-            <a:ext cx="5486400" cy="4114800"/>
-          </a:xfrm>
-        </p:spPr>
-        <p:txBody>
-          <a:bodyPr/>
+            <a:off x="4657344" y="1447800"/>
+            <a:ext cx="3419856" cy="3474720"/>
+          </a:xfrm>
+          <a:custGeom>
+            <a:avLst/>
+            <a:gdLst>
+              <a:gd name="connsiteX0" fmla="*/ 0 w 3419856"/>
+              <a:gd name="connsiteY0" fmla="*/ 74450 h 3429000"/>
+              <a:gd name="connsiteX1" fmla="*/ 21806 w 3419856"/>
+              <a:gd name="connsiteY1" fmla="*/ 21806 h 3429000"/>
+              <a:gd name="connsiteX2" fmla="*/ 74450 w 3419856"/>
+              <a:gd name="connsiteY2" fmla="*/ 0 h 3429000"/>
+              <a:gd name="connsiteX3" fmla="*/ 3345406 w 3419856"/>
+              <a:gd name="connsiteY3" fmla="*/ 0 h 3429000"/>
+              <a:gd name="connsiteX4" fmla="*/ 3398050 w 3419856"/>
+              <a:gd name="connsiteY4" fmla="*/ 21806 h 3429000"/>
+              <a:gd name="connsiteX5" fmla="*/ 3419856 w 3419856"/>
+              <a:gd name="connsiteY5" fmla="*/ 74450 h 3429000"/>
+              <a:gd name="connsiteX6" fmla="*/ 3419856 w 3419856"/>
+              <a:gd name="connsiteY6" fmla="*/ 3354550 h 3429000"/>
+              <a:gd name="connsiteX7" fmla="*/ 3398050 w 3419856"/>
+              <a:gd name="connsiteY7" fmla="*/ 3407194 h 3429000"/>
+              <a:gd name="connsiteX8" fmla="*/ 3345406 w 3419856"/>
+              <a:gd name="connsiteY8" fmla="*/ 3429000 h 3429000"/>
+              <a:gd name="connsiteX9" fmla="*/ 74450 w 3419856"/>
+              <a:gd name="connsiteY9" fmla="*/ 3429000 h 3429000"/>
+              <a:gd name="connsiteX10" fmla="*/ 21806 w 3419856"/>
+              <a:gd name="connsiteY10" fmla="*/ 3407194 h 3429000"/>
+              <a:gd name="connsiteX11" fmla="*/ 0 w 3419856"/>
+              <a:gd name="connsiteY11" fmla="*/ 3354550 h 3429000"/>
+              <a:gd name="connsiteX12" fmla="*/ 0 w 3419856"/>
+              <a:gd name="connsiteY12" fmla="*/ 74450 h 3429000"/>
+              <a:gd name="connsiteX0" fmla="*/ 0 w 3419856"/>
+              <a:gd name="connsiteY0" fmla="*/ 74450 h 3429000"/>
+              <a:gd name="connsiteX1" fmla="*/ 21806 w 3419856"/>
+              <a:gd name="connsiteY1" fmla="*/ 21806 h 3429000"/>
+              <a:gd name="connsiteX2" fmla="*/ 74450 w 3419856"/>
+              <a:gd name="connsiteY2" fmla="*/ 0 h 3429000"/>
+              <a:gd name="connsiteX3" fmla="*/ 3345406 w 3419856"/>
+              <a:gd name="connsiteY3" fmla="*/ 0 h 3429000"/>
+              <a:gd name="connsiteX4" fmla="*/ 3398050 w 3419856"/>
+              <a:gd name="connsiteY4" fmla="*/ 21806 h 3429000"/>
+              <a:gd name="connsiteX5" fmla="*/ 3419856 w 3419856"/>
+              <a:gd name="connsiteY5" fmla="*/ 74450 h 3429000"/>
+              <a:gd name="connsiteX6" fmla="*/ 3419856 w 3419856"/>
+              <a:gd name="connsiteY6" fmla="*/ 3354550 h 3429000"/>
+              <a:gd name="connsiteX7" fmla="*/ 3398050 w 3419856"/>
+              <a:gd name="connsiteY7" fmla="*/ 3407194 h 3429000"/>
+              <a:gd name="connsiteX8" fmla="*/ 3345406 w 3419856"/>
+              <a:gd name="connsiteY8" fmla="*/ 3429000 h 3429000"/>
+              <a:gd name="connsiteX9" fmla="*/ 21806 w 3419856"/>
+              <a:gd name="connsiteY9" fmla="*/ 3407194 h 3429000"/>
+              <a:gd name="connsiteX10" fmla="*/ 0 w 3419856"/>
+              <a:gd name="connsiteY10" fmla="*/ 3354550 h 3429000"/>
+              <a:gd name="connsiteX11" fmla="*/ 0 w 3419856"/>
+              <a:gd name="connsiteY11" fmla="*/ 74450 h 3429000"/>
+              <a:gd name="connsiteX0" fmla="*/ 0 w 3964392"/>
+              <a:gd name="connsiteY0" fmla="*/ 74450 h 3415968"/>
+              <a:gd name="connsiteX1" fmla="*/ 21806 w 3964392"/>
+              <a:gd name="connsiteY1" fmla="*/ 21806 h 3415968"/>
+              <a:gd name="connsiteX2" fmla="*/ 74450 w 3964392"/>
+              <a:gd name="connsiteY2" fmla="*/ 0 h 3415968"/>
+              <a:gd name="connsiteX3" fmla="*/ 3345406 w 3964392"/>
+              <a:gd name="connsiteY3" fmla="*/ 0 h 3415968"/>
+              <a:gd name="connsiteX4" fmla="*/ 3398050 w 3964392"/>
+              <a:gd name="connsiteY4" fmla="*/ 21806 h 3415968"/>
+              <a:gd name="connsiteX5" fmla="*/ 3419856 w 3964392"/>
+              <a:gd name="connsiteY5" fmla="*/ 74450 h 3415968"/>
+              <a:gd name="connsiteX6" fmla="*/ 3419856 w 3964392"/>
+              <a:gd name="connsiteY6" fmla="*/ 3354550 h 3415968"/>
+              <a:gd name="connsiteX7" fmla="*/ 3398050 w 3964392"/>
+              <a:gd name="connsiteY7" fmla="*/ 3407194 h 3415968"/>
+              <a:gd name="connsiteX8" fmla="*/ 21806 w 3964392"/>
+              <a:gd name="connsiteY8" fmla="*/ 3407194 h 3415968"/>
+              <a:gd name="connsiteX9" fmla="*/ 0 w 3964392"/>
+              <a:gd name="connsiteY9" fmla="*/ 3354550 h 3415968"/>
+              <a:gd name="connsiteX10" fmla="*/ 0 w 3964392"/>
+              <a:gd name="connsiteY10" fmla="*/ 74450 h 3415968"/>
+              <a:gd name="connsiteX0" fmla="*/ 0 w 3964392"/>
+              <a:gd name="connsiteY0" fmla="*/ 74450 h 3415968"/>
+              <a:gd name="connsiteX1" fmla="*/ 21806 w 3964392"/>
+              <a:gd name="connsiteY1" fmla="*/ 21806 h 3415968"/>
+              <a:gd name="connsiteX2" fmla="*/ 74450 w 3964392"/>
+              <a:gd name="connsiteY2" fmla="*/ 0 h 3415968"/>
+              <a:gd name="connsiteX3" fmla="*/ 3345406 w 3964392"/>
+              <a:gd name="connsiteY3" fmla="*/ 0 h 3415968"/>
+              <a:gd name="connsiteX4" fmla="*/ 3398050 w 3964392"/>
+              <a:gd name="connsiteY4" fmla="*/ 21806 h 3415968"/>
+              <a:gd name="connsiteX5" fmla="*/ 3419856 w 3964392"/>
+              <a:gd name="connsiteY5" fmla="*/ 74450 h 3415968"/>
+              <a:gd name="connsiteX6" fmla="*/ 3419856 w 3964392"/>
+              <a:gd name="connsiteY6" fmla="*/ 3354550 h 3415968"/>
+              <a:gd name="connsiteX7" fmla="*/ 3398050 w 3964392"/>
+              <a:gd name="connsiteY7" fmla="*/ 3407194 h 3415968"/>
+              <a:gd name="connsiteX8" fmla="*/ 21806 w 3964392"/>
+              <a:gd name="connsiteY8" fmla="*/ 3407194 h 3415968"/>
+              <a:gd name="connsiteX9" fmla="*/ 0 w 3964392"/>
+              <a:gd name="connsiteY9" fmla="*/ 3354550 h 3415968"/>
+              <a:gd name="connsiteX10" fmla="*/ 0 w 3964392"/>
+              <a:gd name="connsiteY10" fmla="*/ 74450 h 3415968"/>
+              <a:gd name="connsiteX0" fmla="*/ 0 w 3968026"/>
+              <a:gd name="connsiteY0" fmla="*/ 74450 h 3910007"/>
+              <a:gd name="connsiteX1" fmla="*/ 21806 w 3968026"/>
+              <a:gd name="connsiteY1" fmla="*/ 21806 h 3910007"/>
+              <a:gd name="connsiteX2" fmla="*/ 74450 w 3968026"/>
+              <a:gd name="connsiteY2" fmla="*/ 0 h 3910007"/>
+              <a:gd name="connsiteX3" fmla="*/ 3345406 w 3968026"/>
+              <a:gd name="connsiteY3" fmla="*/ 0 h 3910007"/>
+              <a:gd name="connsiteX4" fmla="*/ 3398050 w 3968026"/>
+              <a:gd name="connsiteY4" fmla="*/ 21806 h 3910007"/>
+              <a:gd name="connsiteX5" fmla="*/ 3419856 w 3968026"/>
+              <a:gd name="connsiteY5" fmla="*/ 74450 h 3910007"/>
+              <a:gd name="connsiteX6" fmla="*/ 3419856 w 3968026"/>
+              <a:gd name="connsiteY6" fmla="*/ 3354550 h 3910007"/>
+              <a:gd name="connsiteX7" fmla="*/ 3398050 w 3968026"/>
+              <a:gd name="connsiteY7" fmla="*/ 3407194 h 3910007"/>
+              <a:gd name="connsiteX8" fmla="*/ 0 w 3968026"/>
+              <a:gd name="connsiteY8" fmla="*/ 3354550 h 3910007"/>
+              <a:gd name="connsiteX9" fmla="*/ 0 w 3968026"/>
+              <a:gd name="connsiteY9" fmla="*/ 74450 h 3910007"/>
+              <a:gd name="connsiteX0" fmla="*/ 0 w 3419856"/>
+              <a:gd name="connsiteY0" fmla="*/ 74450 h 3901233"/>
+              <a:gd name="connsiteX1" fmla="*/ 21806 w 3419856"/>
+              <a:gd name="connsiteY1" fmla="*/ 21806 h 3901233"/>
+              <a:gd name="connsiteX2" fmla="*/ 74450 w 3419856"/>
+              <a:gd name="connsiteY2" fmla="*/ 0 h 3901233"/>
+              <a:gd name="connsiteX3" fmla="*/ 3345406 w 3419856"/>
+              <a:gd name="connsiteY3" fmla="*/ 0 h 3901233"/>
+              <a:gd name="connsiteX4" fmla="*/ 3398050 w 3419856"/>
+              <a:gd name="connsiteY4" fmla="*/ 21806 h 3901233"/>
+              <a:gd name="connsiteX5" fmla="*/ 3419856 w 3419856"/>
+              <a:gd name="connsiteY5" fmla="*/ 74450 h 3901233"/>
+              <a:gd name="connsiteX6" fmla="*/ 3419856 w 3419856"/>
+              <a:gd name="connsiteY6" fmla="*/ 3354550 h 3901233"/>
+              <a:gd name="connsiteX7" fmla="*/ 0 w 3419856"/>
+              <a:gd name="connsiteY7" fmla="*/ 3354550 h 3901233"/>
+              <a:gd name="connsiteX8" fmla="*/ 0 w 3419856"/>
+              <a:gd name="connsiteY8" fmla="*/ 74450 h 3901233"/>
+              <a:gd name="connsiteX0" fmla="*/ 0 w 3419856"/>
+              <a:gd name="connsiteY0" fmla="*/ 74450 h 3354550"/>
+              <a:gd name="connsiteX1" fmla="*/ 21806 w 3419856"/>
+              <a:gd name="connsiteY1" fmla="*/ 21806 h 3354550"/>
+              <a:gd name="connsiteX2" fmla="*/ 74450 w 3419856"/>
+              <a:gd name="connsiteY2" fmla="*/ 0 h 3354550"/>
+              <a:gd name="connsiteX3" fmla="*/ 3345406 w 3419856"/>
+              <a:gd name="connsiteY3" fmla="*/ 0 h 3354550"/>
+              <a:gd name="connsiteX4" fmla="*/ 3398050 w 3419856"/>
+              <a:gd name="connsiteY4" fmla="*/ 21806 h 3354550"/>
+              <a:gd name="connsiteX5" fmla="*/ 3419856 w 3419856"/>
+              <a:gd name="connsiteY5" fmla="*/ 74450 h 3354550"/>
+              <a:gd name="connsiteX6" fmla="*/ 3419856 w 3419856"/>
+              <a:gd name="connsiteY6" fmla="*/ 3354550 h 3354550"/>
+              <a:gd name="connsiteX7" fmla="*/ 0 w 3419856"/>
+              <a:gd name="connsiteY7" fmla="*/ 3354550 h 3354550"/>
+              <a:gd name="connsiteX8" fmla="*/ 0 w 3419856"/>
+              <a:gd name="connsiteY8" fmla="*/ 74450 h 3354550"/>
+            </a:gdLst>
+            <a:ahLst/>
+            <a:cxnLst>
+              <a:cxn ang="0">
+                <a:pos x="connsiteX0" y="connsiteY0"/>
+              </a:cxn>
+              <a:cxn ang="0">
+                <a:pos x="connsiteX1" y="connsiteY1"/>
+              </a:cxn>
+              <a:cxn ang="0">
+                <a:pos x="connsiteX2" y="connsiteY2"/>
+              </a:cxn>
+              <a:cxn ang="0">
+                <a:pos x="connsiteX3" y="connsiteY3"/>
+              </a:cxn>
+              <a:cxn ang="0">
+                <a:pos x="connsiteX4" y="connsiteY4"/>
+              </a:cxn>
+              <a:cxn ang="0">
+                <a:pos x="connsiteX5" y="connsiteY5"/>
+              </a:cxn>
+              <a:cxn ang="0">
+                <a:pos x="connsiteX6" y="connsiteY6"/>
+              </a:cxn>
+              <a:cxn ang="0">
+                <a:pos x="connsiteX7" y="connsiteY7"/>
+              </a:cxn>
+              <a:cxn ang="0">
+                <a:pos x="connsiteX8" y="connsiteY8"/>
+              </a:cxn>
+            </a:cxnLst>
+            <a:rect l="l" t="t" r="r" b="b"/>
+            <a:pathLst>
+              <a:path w="3419856" h="3354550">
+                <a:moveTo>
+                  <a:pt x="0" y="74450"/>
+                </a:moveTo>
+                <a:cubicBezTo>
+                  <a:pt x="0" y="54705"/>
+                  <a:pt x="7844" y="35768"/>
+                  <a:pt x="21806" y="21806"/>
+                </a:cubicBezTo>
+                <a:cubicBezTo>
+                  <a:pt x="35768" y="7844"/>
+                  <a:pt x="54705" y="0"/>
+                  <a:pt x="74450" y="0"/>
+                </a:cubicBezTo>
+                <a:lnTo>
+                  <a:pt x="3345406" y="0"/>
+                </a:lnTo>
+                <a:cubicBezTo>
+                  <a:pt x="3365151" y="0"/>
+                  <a:pt x="3384088" y="7844"/>
+                  <a:pt x="3398050" y="21806"/>
+                </a:cubicBezTo>
+                <a:cubicBezTo>
+                  <a:pt x="3412012" y="35768"/>
+                  <a:pt x="3419856" y="54705"/>
+                  <a:pt x="3419856" y="74450"/>
+                </a:cubicBezTo>
+                <a:lnTo>
+                  <a:pt x="3419856" y="3354550"/>
+                </a:lnTo>
+                <a:lnTo>
+                  <a:pt x="0" y="3354550"/>
+                </a:lnTo>
+                <a:lnTo>
+                  <a:pt x="0" y="74450"/>
+                </a:lnTo>
+                <a:close/>
+              </a:path>
+            </a:pathLst>
+          </a:custGeom>
+        </p:spPr>
+        <p:txBody>
+          <a:bodyPr>
+            <a:normAutofit/>
+          </a:bodyPr>
           <a:lstStyle>
-            <a:lvl1pPr marL="0" indent="0">
+            <a:lvl1pPr marL="0" indent="0" algn="ctr">
               <a:buNone/>
-              <a:defRPr sz="3200"/>
+              <a:defRPr sz="2000" baseline="0">
+                <a:solidFill>
+                  <a:schemeClr val="tx1">
+                    <a:lumMod val="65000"/>
+                  </a:schemeClr>
+                </a:solidFill>
+              </a:defRPr>
             </a:lvl1pPr>
             <a:lvl2pPr marL="457200" indent="0">
               <a:buNone/>
@@ -2368,13 +2683,17 @@
             </a:lvl9pPr>
           </a:lstStyle>
           <a:p>
-            <a:endParaRPr lang="ru-RU"/>
-          </a:p>
-        </p:txBody>
-      </p:sp>
-      <p:sp>
-        <p:nvSpPr>
-          <p:cNvPr id="4" name="Текст 3"/>
+            <a:r>
+              <a:rPr lang="ru-RU" smtClean="0"/>
+              <a:t>Вставка рисунка</a:t>
+            </a:r>
+            <a:endParaRPr lang="en-US" dirty="0"/>
+          </a:p>
+        </p:txBody>
+      </p:sp>
+      <p:sp>
+        <p:nvSpPr>
+          <p:cNvPr id="4" name="Text Placeholder 3"/>
           <p:cNvSpPr>
             <a:spLocks noGrp="1"/>
           </p:cNvSpPr>
@@ -2384,12 +2703,14 @@
         </p:nvSpPr>
         <p:spPr>
           <a:xfrm>
-            <a:off x="1792288" y="5367338"/>
-            <a:ext cx="5486400" cy="804862"/>
-          </a:xfrm>
-        </p:spPr>
-        <p:txBody>
-          <a:bodyPr/>
+            <a:off x="609600" y="2547890"/>
+            <a:ext cx="2971800" cy="2405109"/>
+          </a:xfrm>
+        </p:spPr>
+        <p:txBody>
+          <a:bodyPr tIns="9144">
+            <a:normAutofit/>
+          </a:bodyPr>
           <a:lstStyle>
             <a:lvl1pPr marL="0" indent="0">
               <a:buNone/>
@@ -2439,7 +2760,7 @@
       </p:sp>
       <p:sp>
         <p:nvSpPr>
-          <p:cNvPr id="5" name="Дата 4"/>
+          <p:cNvPr id="5" name="Date Placeholder 4"/>
           <p:cNvSpPr>
             <a:spLocks noGrp="1"/>
           </p:cNvSpPr>
@@ -2454,7 +2775,7 @@
           <a:p>
             <a:fld id="{B4C71EC6-210F-42DE-9C53-41977AD35B3D}" type="datetimeFigureOut">
               <a:rPr lang="ru-RU" smtClean="0"/>
-              <a:t>12.11.2009</a:t>
+              <a:t>02.01.2019</a:t>
             </a:fld>
             <a:endParaRPr lang="ru-RU"/>
           </a:p>
@@ -2462,7 +2783,7 @@
       </p:sp>
       <p:sp>
         <p:nvSpPr>
-          <p:cNvPr id="6" name="Нижний колонтитул 5"/>
+          <p:cNvPr id="6" name="Footer Placeholder 5"/>
           <p:cNvSpPr>
             <a:spLocks noGrp="1"/>
           </p:cNvSpPr>
@@ -2481,7 +2802,7 @@
       </p:sp>
       <p:sp>
         <p:nvSpPr>
-          <p:cNvPr id="7" name="Номер слайда 6"/>
+          <p:cNvPr id="7" name="Slide Number Placeholder 6"/>
           <p:cNvSpPr>
             <a:spLocks noGrp="1"/>
           </p:cNvSpPr>
@@ -2514,7 +2835,7 @@
 <p:sldMaster xmlns:a="http://schemas.openxmlformats.org/drawingml/2006/main" xmlns:r="http://schemas.openxmlformats.org/officeDocument/2006/relationships" xmlns:p="http://schemas.openxmlformats.org/presentationml/2006/main">
   <p:cSld>
     <p:bg>
-      <p:bgRef idx="1001">
+      <p:bgRef idx="1002">
         <a:schemeClr val="bg1"/>
       </p:bgRef>
     </p:bg>
@@ -2532,59 +2853,83 @@
           <a:chExt cx="0" cy="0"/>
         </a:xfrm>
       </p:grpSpPr>
-      <p:sp>
-        <p:nvSpPr>
-          <p:cNvPr id="2" name="Заголовок 1"/>
-          <p:cNvSpPr>
-            <a:spLocks noGrp="1"/>
-          </p:cNvSpPr>
-          <p:nvPr>
-            <p:ph type="title"/>
-          </p:nvPr>
-        </p:nvSpPr>
+      <p:pic>
+        <p:nvPicPr>
+          <p:cNvPr id="7" name="Picture 6" descr="horizon.png"/>
+          <p:cNvPicPr>
+            <a:picLocks noChangeAspect="1"/>
+          </p:cNvPicPr>
+          <p:nvPr/>
+        </p:nvPicPr>
+        <p:blipFill>
+          <a:blip r:embed="rId13" cstate="print"/>
+          <a:stretch>
+            <a:fillRect/>
+          </a:stretch>
+        </p:blipFill>
         <p:spPr>
           <a:xfrm>
-            <a:off x="457200" y="274638"/>
-            <a:ext cx="8229600" cy="1143000"/>
+            <a:off x="0" y="0"/>
+            <a:ext cx="9144000" cy="6858000"/>
           </a:xfrm>
           <a:prstGeom prst="rect">
             <a:avLst/>
           </a:prstGeom>
         </p:spPr>
-        <p:txBody>
-          <a:bodyPr vert="horz" lIns="91440" tIns="45720" rIns="91440" bIns="45720" rtlCol="0" anchor="ctr">
-            <a:normAutofit/>
-          </a:bodyPr>
-          <a:lstStyle/>
-          <a:p>
-            <a:r>
-              <a:rPr lang="ru-RU" smtClean="0"/>
-              <a:t>Образец заголовка</a:t>
-            </a:r>
-            <a:endParaRPr lang="ru-RU"/>
-          </a:p>
-        </p:txBody>
-      </p:sp>
-      <p:sp>
-        <p:nvSpPr>
-          <p:cNvPr id="3" name="Текст 2"/>
-          <p:cNvSpPr>
-            <a:spLocks noGrp="1"/>
-          </p:cNvSpPr>
-          <p:nvPr>
-            <p:ph type="body" idx="1"/>
+      </p:pic>
+      <p:sp>
+        <p:nvSpPr>
+          <p:cNvPr id="2" name="Title Placeholder 1"/>
+          <p:cNvSpPr>
+            <a:spLocks noGrp="1"/>
+          </p:cNvSpPr>
+          <p:nvPr>
+            <p:ph type="title"/>
           </p:nvPr>
         </p:nvSpPr>
         <p:spPr>
           <a:xfrm>
-            <a:off x="457200" y="1600200"/>
-            <a:ext cx="8229600" cy="4525963"/>
+            <a:off x="609600" y="274638"/>
+            <a:ext cx="7924800" cy="1143000"/>
           </a:xfrm>
           <a:prstGeom prst="rect">
             <a:avLst/>
           </a:prstGeom>
         </p:spPr>
         <p:txBody>
+          <a:bodyPr vert="horz" lIns="91440" tIns="45720" rIns="91440" bIns="45720" rtlCol="0" anchor="b" anchorCtr="0">
+            <a:noAutofit/>
+          </a:bodyPr>
+          <a:lstStyle/>
+          <a:p>
+            <a:r>
+              <a:rPr lang="ru-RU" smtClean="0"/>
+              <a:t>Образец заголовка</a:t>
+            </a:r>
+            <a:endParaRPr lang="en-US" dirty="0"/>
+          </a:p>
+        </p:txBody>
+      </p:sp>
+      <p:sp>
+        <p:nvSpPr>
+          <p:cNvPr id="3" name="Text Placeholder 2"/>
+          <p:cNvSpPr>
+            <a:spLocks noGrp="1"/>
+          </p:cNvSpPr>
+          <p:nvPr>
+            <p:ph type="body" idx="1"/>
+          </p:nvPr>
+        </p:nvSpPr>
+        <p:spPr>
+          <a:xfrm>
+            <a:off x="609600" y="1600200"/>
+            <a:ext cx="7924800" cy="4525963"/>
+          </a:xfrm>
+          <a:prstGeom prst="rect">
+            <a:avLst/>
+          </a:prstGeom>
+        </p:spPr>
+        <p:txBody>
           <a:bodyPr vert="horz" lIns="91440" tIns="45720" rIns="91440" bIns="45720" rtlCol="0">
             <a:normAutofit/>
           </a:bodyPr>
@@ -2623,13 +2968,13 @@
               <a:rPr lang="ru-RU" smtClean="0"/>
               <a:t>Пятый уровень</a:t>
             </a:r>
-            <a:endParaRPr lang="ru-RU"/>
-          </a:p>
-        </p:txBody>
-      </p:sp>
-      <p:sp>
-        <p:nvSpPr>
-          <p:cNvPr id="4" name="Дата 3"/>
+            <a:endParaRPr lang="en-US" dirty="0" smtClean="0"/>
+          </a:p>
+        </p:txBody>
+      </p:sp>
+      <p:sp>
+        <p:nvSpPr>
+          <p:cNvPr id="4" name="Date Placeholder 3"/>
           <p:cNvSpPr>
             <a:spLocks noGrp="1"/>
           </p:cNvSpPr>
@@ -2639,8 +2984,8 @@
         </p:nvSpPr>
         <p:spPr>
           <a:xfrm>
-            <a:off x="457200" y="6356350"/>
-            <a:ext cx="2133600" cy="365125"/>
+            <a:off x="5715000" y="6356350"/>
+            <a:ext cx="1524000" cy="365125"/>
           </a:xfrm>
           <a:prstGeom prst="rect">
             <a:avLst/>
@@ -2649,12 +2994,10 @@
         <p:txBody>
           <a:bodyPr vert="horz" lIns="91440" tIns="45720" rIns="91440" bIns="45720" rtlCol="0" anchor="ctr"/>
           <a:lstStyle>
-            <a:lvl1pPr algn="l">
-              <a:defRPr sz="1200">
+            <a:lvl1pPr algn="r">
+              <a:defRPr sz="1000" strike="noStrike" spc="60" baseline="0">
                 <a:solidFill>
-                  <a:schemeClr val="tx1">
-                    <a:tint val="75000"/>
-                  </a:schemeClr>
+                  <a:schemeClr val="tx1"/>
                 </a:solidFill>
               </a:defRPr>
             </a:lvl1pPr>
@@ -2662,7 +3005,7 @@
           <a:p>
             <a:fld id="{B4C71EC6-210F-42DE-9C53-41977AD35B3D}" type="datetimeFigureOut">
               <a:rPr lang="ru-RU" smtClean="0"/>
-              <a:t>12.11.2009</a:t>
+              <a:t>02.01.2019</a:t>
             </a:fld>
             <a:endParaRPr lang="ru-RU"/>
           </a:p>
@@ -2670,7 +3013,7 @@
       </p:sp>
       <p:sp>
         <p:nvSpPr>
-          <p:cNvPr id="5" name="Нижний колонтитул 4"/>
+          <p:cNvPr id="5" name="Footer Placeholder 4"/>
           <p:cNvSpPr>
             <a:spLocks noGrp="1"/>
           </p:cNvSpPr>
@@ -2680,7 +3023,7 @@
         </p:nvSpPr>
         <p:spPr>
           <a:xfrm>
-            <a:off x="3124200" y="6356350"/>
+            <a:off x="609600" y="6356350"/>
             <a:ext cx="2895600" cy="365125"/>
           </a:xfrm>
           <a:prstGeom prst="rect">
@@ -2690,12 +3033,10 @@
         <p:txBody>
           <a:bodyPr vert="horz" lIns="91440" tIns="45720" rIns="91440" bIns="45720" rtlCol="0" anchor="ctr"/>
           <a:lstStyle>
-            <a:lvl1pPr algn="ctr">
-              <a:defRPr sz="1200">
+            <a:lvl1pPr algn="l">
+              <a:defRPr sz="1000" cap="all" spc="60" baseline="0">
                 <a:solidFill>
-                  <a:schemeClr val="tx1">
-                    <a:tint val="75000"/>
-                  </a:schemeClr>
+                  <a:schemeClr val="tx1"/>
                 </a:solidFill>
               </a:defRPr>
             </a:lvl1pPr>
@@ -2707,7 +3048,7 @@
       </p:sp>
       <p:sp>
         <p:nvSpPr>
-          <p:cNvPr id="6" name="Номер слайда 5"/>
+          <p:cNvPr id="6" name="Slide Number Placeholder 5"/>
           <p:cNvSpPr>
             <a:spLocks noGrp="1"/>
           </p:cNvSpPr>
@@ -2717,8 +3058,8 @@
         </p:nvSpPr>
         <p:spPr>
           <a:xfrm>
-            <a:off x="6553200" y="6356350"/>
-            <a:ext cx="2133600" cy="365125"/>
+            <a:off x="7543800" y="6356350"/>
+            <a:ext cx="990600" cy="365125"/>
           </a:xfrm>
           <a:prstGeom prst="rect">
             <a:avLst/>
@@ -2728,11 +3069,9 @@
           <a:bodyPr vert="horz" lIns="91440" tIns="45720" rIns="91440" bIns="45720" rtlCol="0" anchor="ctr"/>
           <a:lstStyle>
             <a:lvl1pPr algn="r">
-              <a:defRPr sz="1200">
+              <a:defRPr sz="1100" baseline="0">
                 <a:solidFill>
-                  <a:schemeClr val="tx1">
-                    <a:tint val="75000"/>
-                  </a:schemeClr>
+                  <a:schemeClr val="tx1"/>
                 </a:solidFill>
               </a:defRPr>
             </a:lvl1pPr>
@@ -2748,28 +3087,28 @@
       </p:sp>
     </p:spTree>
   </p:cSld>
-  <p:clrMap bg1="lt1" tx1="dk1" bg2="lt2" tx2="dk2" accent1="accent1" accent2="accent2" accent3="accent3" accent4="accent4" accent5="accent5" accent6="accent6" hlink="hlink" folHlink="folHlink"/>
+  <p:clrMap bg1="dk1" tx1="lt1" bg2="dk2" tx2="lt2" accent1="accent1" accent2="accent2" accent3="accent3" accent4="accent4" accent5="accent5" accent6="accent6" hlink="hlink" folHlink="folHlink"/>
   <p:sldLayoutIdLst>
-    <p:sldLayoutId id="2147483649" r:id="rId1"/>
-    <p:sldLayoutId id="2147483650" r:id="rId2"/>
-    <p:sldLayoutId id="2147483651" r:id="rId3"/>
-    <p:sldLayoutId id="2147483652" r:id="rId4"/>
-    <p:sldLayoutId id="2147483653" r:id="rId5"/>
-    <p:sldLayoutId id="2147483654" r:id="rId6"/>
-    <p:sldLayoutId id="2147483655" r:id="rId7"/>
-    <p:sldLayoutId id="2147483656" r:id="rId8"/>
-    <p:sldLayoutId id="2147483657" r:id="rId9"/>
-    <p:sldLayoutId id="2147483658" r:id="rId10"/>
-    <p:sldLayoutId id="2147483659" r:id="rId11"/>
+    <p:sldLayoutId id="2147483661" r:id="rId1"/>
+    <p:sldLayoutId id="2147483662" r:id="rId2"/>
+    <p:sldLayoutId id="2147483663" r:id="rId3"/>
+    <p:sldLayoutId id="2147483664" r:id="rId4"/>
+    <p:sldLayoutId id="2147483665" r:id="rId5"/>
+    <p:sldLayoutId id="2147483666" r:id="rId6"/>
+    <p:sldLayoutId id="2147483667" r:id="rId7"/>
+    <p:sldLayoutId id="2147483668" r:id="rId8"/>
+    <p:sldLayoutId id="2147483669" r:id="rId9"/>
+    <p:sldLayoutId id="2147483670" r:id="rId10"/>
+    <p:sldLayoutId id="2147483671" r:id="rId11"/>
   </p:sldLayoutIdLst>
   <p:txStyles>
     <p:titleStyle>
-      <a:lvl1pPr algn="ctr" defTabSz="914400" rtl="0" eaLnBrk="1" latinLnBrk="0" hangingPunct="1">
+      <a:lvl1pPr algn="l" defTabSz="914400" rtl="0" eaLnBrk="1" latinLnBrk="0" hangingPunct="1">
         <a:spcBef>
           <a:spcPct val="0"/>
         </a:spcBef>
         <a:buNone/>
-        <a:defRPr sz="4400" kern="1200">
+        <a:defRPr sz="3000" kern="1200" cap="all" spc="50" baseline="0">
           <a:solidFill>
             <a:schemeClr val="tx1"/>
           </a:solidFill>
@@ -2778,15 +3117,80 @@
           <a:cs typeface="+mj-cs"/>
         </a:defRPr>
       </a:lvl1pPr>
+      <a:lvl2pPr eaLnBrk="1" hangingPunct="1">
+        <a:defRPr>
+          <a:solidFill>
+            <a:schemeClr val="tx2"/>
+          </a:solidFill>
+        </a:defRPr>
+      </a:lvl2pPr>
+      <a:lvl3pPr eaLnBrk="1" hangingPunct="1">
+        <a:defRPr>
+          <a:solidFill>
+            <a:schemeClr val="tx2"/>
+          </a:solidFill>
+        </a:defRPr>
+      </a:lvl3pPr>
+      <a:lvl4pPr eaLnBrk="1" hangingPunct="1">
+        <a:defRPr>
+          <a:solidFill>
+            <a:schemeClr val="tx2"/>
+          </a:solidFill>
+        </a:defRPr>
+      </a:lvl4pPr>
+      <a:lvl5pPr eaLnBrk="1" hangingPunct="1">
+        <a:defRPr>
+          <a:solidFill>
+            <a:schemeClr val="tx2"/>
+          </a:solidFill>
+        </a:defRPr>
+      </a:lvl5pPr>
+      <a:lvl6pPr eaLnBrk="1" hangingPunct="1">
+        <a:defRPr>
+          <a:solidFill>
+            <a:schemeClr val="tx2"/>
+          </a:solidFill>
+        </a:defRPr>
+      </a:lvl6pPr>
+      <a:lvl7pPr eaLnBrk="1" hangingPunct="1">
+        <a:defRPr>
+          <a:solidFill>
+            <a:schemeClr val="tx2"/>
+          </a:solidFill>
+        </a:defRPr>
+      </a:lvl7pPr>
+      <a:lvl8pPr eaLnBrk="1" hangingPunct="1">
+        <a:defRPr>
+          <a:solidFill>
+            <a:schemeClr val="tx2"/>
+          </a:solidFill>
+        </a:defRPr>
+      </a:lvl8pPr>
+      <a:lvl9pPr eaLnBrk="1" hangingPunct="1">
+        <a:defRPr>
+          <a:solidFill>
+            <a:schemeClr val="tx2"/>
+          </a:solidFill>
+        </a:defRPr>
+      </a:lvl9pPr>
     </p:titleStyle>
     <p:bodyStyle>
       <a:lvl1pPr marL="342900" indent="-342900" algn="l" defTabSz="914400" rtl="0" eaLnBrk="1" latinLnBrk="0" hangingPunct="1">
+        <a:lnSpc>
+          <a:spcPct val="100000"/>
+        </a:lnSpc>
         <a:spcBef>
           <a:spcPct val="20000"/>
         </a:spcBef>
+        <a:spcAft>
+          <a:spcPts val="600"/>
+        </a:spcAft>
+        <a:buClr>
+          <a:schemeClr val="tx2"/>
+        </a:buClr>
         <a:buFont typeface="Arial" pitchFamily="34" charset="0"/>
         <a:buChar char="•"/>
-        <a:defRPr sz="3200" kern="1200">
+        <a:defRPr sz="1700" kern="1200" spc="30" baseline="0">
           <a:solidFill>
             <a:schemeClr val="tx1"/>
           </a:solidFill>
@@ -2796,12 +3200,21 @@
         </a:defRPr>
       </a:lvl1pPr>
       <a:lvl2pPr marL="742950" indent="-285750" algn="l" defTabSz="914400" rtl="0" eaLnBrk="1" latinLnBrk="0" hangingPunct="1">
+        <a:lnSpc>
+          <a:spcPct val="100000"/>
+        </a:lnSpc>
         <a:spcBef>
           <a:spcPct val="20000"/>
         </a:spcBef>
+        <a:spcAft>
+          <a:spcPts val="600"/>
+        </a:spcAft>
+        <a:buClr>
+          <a:schemeClr val="tx2"/>
+        </a:buClr>
         <a:buFont typeface="Arial" pitchFamily="34" charset="0"/>
-        <a:buChar char="–"/>
-        <a:defRPr sz="2800" kern="1200">
+        <a:buChar char="•"/>
+        <a:defRPr sz="1700" kern="1200" spc="30" baseline="0">
           <a:solidFill>
             <a:schemeClr val="tx1"/>
           </a:solidFill>
@@ -2811,12 +3224,21 @@
         </a:defRPr>
       </a:lvl2pPr>
       <a:lvl3pPr marL="1143000" indent="-228600" algn="l" defTabSz="914400" rtl="0" eaLnBrk="1" latinLnBrk="0" hangingPunct="1">
+        <a:lnSpc>
+          <a:spcPct val="100000"/>
+        </a:lnSpc>
         <a:spcBef>
           <a:spcPct val="20000"/>
         </a:spcBef>
+        <a:spcAft>
+          <a:spcPts val="600"/>
+        </a:spcAft>
+        <a:buClr>
+          <a:schemeClr val="tx2"/>
+        </a:buClr>
         <a:buFont typeface="Arial" pitchFamily="34" charset="0"/>
         <a:buChar char="•"/>
-        <a:defRPr sz="2400" kern="1200">
+        <a:defRPr sz="1700" kern="1200" spc="30" baseline="0">
           <a:solidFill>
             <a:schemeClr val="tx1"/>
           </a:solidFill>
@@ -2826,12 +3248,21 @@
         </a:defRPr>
       </a:lvl3pPr>
       <a:lvl4pPr marL="1600200" indent="-228600" algn="l" defTabSz="914400" rtl="0" eaLnBrk="1" latinLnBrk="0" hangingPunct="1">
+        <a:lnSpc>
+          <a:spcPct val="100000"/>
+        </a:lnSpc>
         <a:spcBef>
           <a:spcPct val="20000"/>
         </a:spcBef>
+        <a:spcAft>
+          <a:spcPts val="600"/>
+        </a:spcAft>
+        <a:buClr>
+          <a:schemeClr val="tx2"/>
+        </a:buClr>
         <a:buFont typeface="Arial" pitchFamily="34" charset="0"/>
-        <a:buChar char="–"/>
-        <a:defRPr sz="2000" kern="1200">
+        <a:buChar char="•"/>
+        <a:defRPr sz="1700" kern="1200" spc="30" baseline="0">
           <a:solidFill>
             <a:schemeClr val="tx1"/>
           </a:solidFill>
@@ -2841,12 +3272,21 @@
         </a:defRPr>
       </a:lvl4pPr>
       <a:lvl5pPr marL="2057400" indent="-228600" algn="l" defTabSz="914400" rtl="0" eaLnBrk="1" latinLnBrk="0" hangingPunct="1">
+        <a:lnSpc>
+          <a:spcPct val="100000"/>
+        </a:lnSpc>
         <a:spcBef>
           <a:spcPct val="20000"/>
         </a:spcBef>
+        <a:spcAft>
+          <a:spcPts val="600"/>
+        </a:spcAft>
+        <a:buClr>
+          <a:schemeClr val="tx2"/>
+        </a:buClr>
         <a:buFont typeface="Arial" pitchFamily="34" charset="0"/>
-        <a:buChar char="»"/>
-        <a:defRPr sz="2000" kern="1200">
+        <a:buChar char="•"/>
+        <a:defRPr sz="1700" kern="1200" spc="30" baseline="0">
           <a:solidFill>
             <a:schemeClr val="tx1"/>
           </a:solidFill>
@@ -2856,12 +3296,21 @@
         </a:defRPr>
       </a:lvl5pPr>
       <a:lvl6pPr marL="2514600" indent="-228600" algn="l" defTabSz="914400" rtl="0" eaLnBrk="1" latinLnBrk="0" hangingPunct="1">
+        <a:lnSpc>
+          <a:spcPct val="100000"/>
+        </a:lnSpc>
         <a:spcBef>
           <a:spcPct val="20000"/>
         </a:spcBef>
+        <a:spcAft>
+          <a:spcPts val="600"/>
+        </a:spcAft>
+        <a:buClr>
+          <a:schemeClr val="tx2"/>
+        </a:buClr>
         <a:buFont typeface="Arial" pitchFamily="34" charset="0"/>
         <a:buChar char="•"/>
-        <a:defRPr sz="2000" kern="1200">
+        <a:defRPr sz="1700" kern="1200">
           <a:solidFill>
             <a:schemeClr val="tx1"/>
           </a:solidFill>
@@ -2871,12 +3320,21 @@
         </a:defRPr>
       </a:lvl6pPr>
       <a:lvl7pPr marL="2971800" indent="-228600" algn="l" defTabSz="914400" rtl="0" eaLnBrk="1" latinLnBrk="0" hangingPunct="1">
+        <a:lnSpc>
+          <a:spcPct val="100000"/>
+        </a:lnSpc>
         <a:spcBef>
           <a:spcPct val="20000"/>
         </a:spcBef>
+        <a:spcAft>
+          <a:spcPts val="600"/>
+        </a:spcAft>
+        <a:buClr>
+          <a:schemeClr val="tx2"/>
+        </a:buClr>
         <a:buFont typeface="Arial" pitchFamily="34" charset="0"/>
         <a:buChar char="•"/>
-        <a:defRPr sz="2000" kern="1200">
+        <a:defRPr sz="1700" kern="1200">
           <a:solidFill>
             <a:schemeClr val="tx1"/>
           </a:solidFill>
@@ -2886,12 +3344,21 @@
         </a:defRPr>
       </a:lvl7pPr>
       <a:lvl8pPr marL="3429000" indent="-228600" algn="l" defTabSz="914400" rtl="0" eaLnBrk="1" latinLnBrk="0" hangingPunct="1">
+        <a:lnSpc>
+          <a:spcPct val="100000"/>
+        </a:lnSpc>
         <a:spcBef>
           <a:spcPct val="20000"/>
         </a:spcBef>
+        <a:spcAft>
+          <a:spcPts val="600"/>
+        </a:spcAft>
+        <a:buClr>
+          <a:schemeClr val="tx2"/>
+        </a:buClr>
         <a:buFont typeface="Arial" pitchFamily="34" charset="0"/>
         <a:buChar char="•"/>
-        <a:defRPr sz="2000" kern="1200">
+        <a:defRPr sz="1700" kern="1200">
           <a:solidFill>
             <a:schemeClr val="tx1"/>
           </a:solidFill>
@@ -2901,12 +3368,21 @@
         </a:defRPr>
       </a:lvl8pPr>
       <a:lvl9pPr marL="3886200" indent="-228600" algn="l" defTabSz="914400" rtl="0" eaLnBrk="1" latinLnBrk="0" hangingPunct="1">
+        <a:lnSpc>
+          <a:spcPct val="100000"/>
+        </a:lnSpc>
         <a:spcBef>
           <a:spcPct val="20000"/>
         </a:spcBef>
+        <a:spcAft>
+          <a:spcPts val="600"/>
+        </a:spcAft>
+        <a:buClr>
+          <a:schemeClr val="tx2"/>
+        </a:buClr>
         <a:buFont typeface="Arial" pitchFamily="34" charset="0"/>
         <a:buChar char="•"/>
-        <a:defRPr sz="2000" kern="1200">
+        <a:defRPr sz="1700" kern="1200">
           <a:solidFill>
             <a:schemeClr val="tx1"/>
           </a:solidFill>
@@ -2918,7 +3394,7 @@
     </p:bodyStyle>
     <p:otherStyle>
       <a:defPPr>
-        <a:defRPr lang="ru-RU"/>
+        <a:defRPr lang="en-US"/>
       </a:defPPr>
       <a:lvl1pPr marL="0" algn="l" defTabSz="914400" rtl="0" eaLnBrk="1" latinLnBrk="0" hangingPunct="1">
         <a:defRPr sz="1800" kern="1200">
@@ -3015,93 +3491,2615 @@
 </p:sldMaster>
 </file>
 
+<file path=ppt/slides/slide1.xml><?xml version="1.0" encoding="utf-8"?>
+<p:sld xmlns:a="http://schemas.openxmlformats.org/drawingml/2006/main" xmlns:r="http://schemas.openxmlformats.org/officeDocument/2006/relationships" xmlns:p="http://schemas.openxmlformats.org/presentationml/2006/main">
+  <p:cSld>
+    <p:spTree>
+      <p:nvGrpSpPr>
+        <p:cNvPr id="1" name=""/>
+        <p:cNvGrpSpPr/>
+        <p:nvPr/>
+      </p:nvGrpSpPr>
+      <p:grpSpPr>
+        <a:xfrm>
+          <a:off x="0" y="0"/>
+          <a:ext cx="0" cy="0"/>
+          <a:chOff x="0" y="0"/>
+          <a:chExt cx="0" cy="0"/>
+        </a:xfrm>
+      </p:grpSpPr>
+      <p:sp>
+        <p:nvSpPr>
+          <p:cNvPr id="3" name="Подзаголовок 2"/>
+          <p:cNvSpPr>
+            <a:spLocks noGrp="1"/>
+          </p:cNvSpPr>
+          <p:nvPr>
+            <p:ph type="subTitle" idx="1"/>
+          </p:nvPr>
+        </p:nvSpPr>
+        <p:spPr/>
+        <p:txBody>
+          <a:bodyPr>
+            <a:normAutofit/>
+          </a:bodyPr>
+          <a:lstStyle/>
+          <a:p>
+            <a:r>
+              <a:rPr lang="ru-RU" sz="1400" dirty="0" smtClean="0">
+                <a:latin typeface="Times New Roman" panose="02020603050405020304" pitchFamily="18" charset="0"/>
+                <a:cs typeface="Times New Roman" panose="02020603050405020304" pitchFamily="18" charset="0"/>
+              </a:rPr>
+              <a:t>Проект Белоуса Фёдора</a:t>
+            </a:r>
+          </a:p>
+          <a:p>
+            <a:r>
+              <a:rPr lang="ru-RU" sz="1400" dirty="0" smtClean="0">
+                <a:latin typeface="Times New Roman" panose="02020603050405020304" pitchFamily="18" charset="0"/>
+                <a:cs typeface="Times New Roman" panose="02020603050405020304" pitchFamily="18" charset="0"/>
+              </a:rPr>
+              <a:t>Ученика 9им класса</a:t>
+            </a:r>
+            <a:endParaRPr lang="ru-RU" sz="1400" dirty="0">
+              <a:latin typeface="Times New Roman" panose="02020603050405020304" pitchFamily="18" charset="0"/>
+              <a:cs typeface="Times New Roman" panose="02020603050405020304" pitchFamily="18" charset="0"/>
+            </a:endParaRPr>
+          </a:p>
+        </p:txBody>
+      </p:sp>
+      <p:sp>
+        <p:nvSpPr>
+          <p:cNvPr id="2" name="Заголовок 1"/>
+          <p:cNvSpPr>
+            <a:spLocks noGrp="1"/>
+          </p:cNvSpPr>
+          <p:nvPr>
+            <p:ph type="ctrTitle"/>
+          </p:nvPr>
+        </p:nvSpPr>
+        <p:spPr/>
+        <p:txBody>
+          <a:bodyPr/>
+          <a:lstStyle/>
+          <a:p>
+            <a:r>
+              <a:rPr lang="ru-RU" dirty="0" smtClean="0">
+                <a:latin typeface="Times New Roman" panose="02020603050405020304" pitchFamily="18" charset="0"/>
+                <a:cs typeface="Times New Roman" panose="02020603050405020304" pitchFamily="18" charset="0"/>
+              </a:rPr>
+              <a:t>Фоторедактор</a:t>
+            </a:r>
+            <a:endParaRPr lang="ru-RU" dirty="0">
+              <a:latin typeface="Times New Roman" panose="02020603050405020304" pitchFamily="18" charset="0"/>
+              <a:cs typeface="Times New Roman" panose="02020603050405020304" pitchFamily="18" charset="0"/>
+            </a:endParaRPr>
+          </a:p>
+        </p:txBody>
+      </p:sp>
+    </p:spTree>
+    <p:extLst>
+      <p:ext uri="{BB962C8B-B14F-4D97-AF65-F5344CB8AC3E}">
+        <p14:creationId xmlns:p14="http://schemas.microsoft.com/office/powerpoint/2010/main" val="3583882139"/>
+      </p:ext>
+    </p:extLst>
+  </p:cSld>
+  <p:clrMapOvr>
+    <a:masterClrMapping/>
+  </p:clrMapOvr>
+  <mc:AlternateContent xmlns:mc="http://schemas.openxmlformats.org/markup-compatibility/2006">
+    <mc:Choice xmlns:p14="http://schemas.microsoft.com/office/powerpoint/2010/main" Requires="p14">
+      <p:transition spd="med" p14:dur="700">
+        <p:fade/>
+      </p:transition>
+    </mc:Choice>
+    <mc:Fallback>
+      <p:transition spd="med">
+        <p:fade/>
+      </p:transition>
+    </mc:Fallback>
+  </mc:AlternateContent>
+  <p:timing>
+    <p:tnLst>
+      <p:par>
+        <p:cTn id="1" dur="indefinite" restart="never" nodeType="tmRoot"/>
+      </p:par>
+    </p:tnLst>
+  </p:timing>
+</p:sld>
+</file>
+
+<file path=ppt/slides/slide2.xml><?xml version="1.0" encoding="utf-8"?>
+<p:sld xmlns:a="http://schemas.openxmlformats.org/drawingml/2006/main" xmlns:r="http://schemas.openxmlformats.org/officeDocument/2006/relationships" xmlns:p="http://schemas.openxmlformats.org/presentationml/2006/main">
+  <p:cSld>
+    <p:spTree>
+      <p:nvGrpSpPr>
+        <p:cNvPr id="1" name=""/>
+        <p:cNvGrpSpPr/>
+        <p:nvPr/>
+      </p:nvGrpSpPr>
+      <p:grpSpPr>
+        <a:xfrm>
+          <a:off x="0" y="0"/>
+          <a:ext cx="0" cy="0"/>
+          <a:chOff x="0" y="0"/>
+          <a:chExt cx="0" cy="0"/>
+        </a:xfrm>
+      </p:grpSpPr>
+      <p:sp>
+        <p:nvSpPr>
+          <p:cNvPr id="2" name="Заголовок 1"/>
+          <p:cNvSpPr>
+            <a:spLocks noGrp="1"/>
+          </p:cNvSpPr>
+          <p:nvPr>
+            <p:ph type="title"/>
+          </p:nvPr>
+        </p:nvSpPr>
+        <p:spPr/>
+        <p:txBody>
+          <a:bodyPr/>
+          <a:lstStyle/>
+          <a:p>
+            <a:pPr algn="ctr"/>
+            <a:r>
+              <a:rPr lang="ru-RU" dirty="0" smtClean="0">
+                <a:latin typeface="Times New Roman" panose="02020603050405020304" pitchFamily="18" charset="0"/>
+                <a:cs typeface="Times New Roman" panose="02020603050405020304" pitchFamily="18" charset="0"/>
+              </a:rPr>
+              <a:t>Цель и задачи</a:t>
+            </a:r>
+            <a:endParaRPr lang="ru-RU" dirty="0">
+              <a:latin typeface="Times New Roman" panose="02020603050405020304" pitchFamily="18" charset="0"/>
+              <a:cs typeface="Times New Roman" panose="02020603050405020304" pitchFamily="18" charset="0"/>
+            </a:endParaRPr>
+          </a:p>
+        </p:txBody>
+      </p:sp>
+      <p:sp>
+        <p:nvSpPr>
+          <p:cNvPr id="3" name="TextBox 2"/>
+          <p:cNvSpPr txBox="1"/>
+          <p:nvPr/>
+        </p:nvSpPr>
+        <p:spPr>
+          <a:xfrm>
+            <a:off x="539552" y="1916832"/>
+            <a:ext cx="8136904" cy="3139321"/>
+          </a:xfrm>
+          <a:prstGeom prst="rect">
+            <a:avLst/>
+          </a:prstGeom>
+          <a:noFill/>
+        </p:spPr>
+        <p:txBody>
+          <a:bodyPr wrap="square" rtlCol="0">
+            <a:spAutoFit/>
+          </a:bodyPr>
+          <a:lstStyle/>
+          <a:p>
+            <a:r>
+              <a:rPr lang="ru-RU" b="1" dirty="0" smtClean="0">
+                <a:latin typeface="Times New Roman" panose="02020603050405020304" pitchFamily="18" charset="0"/>
+                <a:cs typeface="Times New Roman" panose="02020603050405020304" pitchFamily="18" charset="0"/>
+              </a:rPr>
+              <a:t>Цель:</a:t>
+            </a:r>
+          </a:p>
+          <a:p>
+            <a:pPr marL="285750" indent="-285750">
+              <a:buFont typeface="Arial" panose="020B0604020202020204" pitchFamily="34" charset="0"/>
+              <a:buChar char="•"/>
+            </a:pPr>
+            <a:r>
+              <a:rPr lang="ru-RU" dirty="0" smtClean="0">
+                <a:latin typeface="Times New Roman" panose="02020603050405020304" pitchFamily="18" charset="0"/>
+                <a:cs typeface="Times New Roman" panose="02020603050405020304" pitchFamily="18" charset="0"/>
+              </a:rPr>
+              <a:t>Создать простой фото редактор;</a:t>
+            </a:r>
+          </a:p>
+          <a:p>
+            <a:r>
+              <a:rPr lang="ru-RU" b="1" dirty="0" smtClean="0">
+                <a:latin typeface="Times New Roman" panose="02020603050405020304" pitchFamily="18" charset="0"/>
+                <a:cs typeface="Times New Roman" panose="02020603050405020304" pitchFamily="18" charset="0"/>
+              </a:rPr>
+              <a:t>Задачи:</a:t>
+            </a:r>
+          </a:p>
+          <a:p>
+            <a:pPr marL="285750" indent="-285750">
+              <a:buFont typeface="Arial" panose="020B0604020202020204" pitchFamily="34" charset="0"/>
+              <a:buChar char="•"/>
+            </a:pPr>
+            <a:r>
+              <a:rPr lang="ru-RU" dirty="0" smtClean="0">
+                <a:latin typeface="Times New Roman" panose="02020603050405020304" pitchFamily="18" charset="0"/>
+                <a:cs typeface="Times New Roman" panose="02020603050405020304" pitchFamily="18" charset="0"/>
+              </a:rPr>
+              <a:t>Изучить возможности аналогичных программ;</a:t>
+            </a:r>
+          </a:p>
+          <a:p>
+            <a:pPr marL="285750" indent="-285750">
+              <a:buFont typeface="Arial" panose="020B0604020202020204" pitchFamily="34" charset="0"/>
+              <a:buChar char="•"/>
+            </a:pPr>
+            <a:r>
+              <a:rPr lang="ru-RU" dirty="0" smtClean="0">
+                <a:latin typeface="Times New Roman" panose="02020603050405020304" pitchFamily="18" charset="0"/>
+                <a:cs typeface="Times New Roman" panose="02020603050405020304" pitchFamily="18" charset="0"/>
+              </a:rPr>
+              <a:t>Определить возможности фоторедактора;</a:t>
+            </a:r>
+          </a:p>
+          <a:p>
+            <a:pPr marL="285750" indent="-285750">
+              <a:buFont typeface="Arial" panose="020B0604020202020204" pitchFamily="34" charset="0"/>
+              <a:buChar char="•"/>
+            </a:pPr>
+            <a:r>
+              <a:rPr lang="ru-RU" dirty="0" smtClean="0">
+                <a:latin typeface="Times New Roman" panose="02020603050405020304" pitchFamily="18" charset="0"/>
+                <a:cs typeface="Times New Roman" panose="02020603050405020304" pitchFamily="18" charset="0"/>
+              </a:rPr>
+              <a:t>Создать дизайн окна;</a:t>
+            </a:r>
+          </a:p>
+          <a:p>
+            <a:pPr marL="285750" indent="-285750">
+              <a:buFont typeface="Arial" panose="020B0604020202020204" pitchFamily="34" charset="0"/>
+              <a:buChar char="•"/>
+            </a:pPr>
+            <a:r>
+              <a:rPr lang="ru-RU" dirty="0" smtClean="0">
+                <a:latin typeface="Times New Roman" panose="02020603050405020304" pitchFamily="18" charset="0"/>
+                <a:cs typeface="Times New Roman" panose="02020603050405020304" pitchFamily="18" charset="0"/>
+              </a:rPr>
+              <a:t>Составить алгоритмическую цепочку редактора;</a:t>
+            </a:r>
+          </a:p>
+          <a:p>
+            <a:pPr marL="285750" indent="-285750">
+              <a:buFont typeface="Arial" panose="020B0604020202020204" pitchFamily="34" charset="0"/>
+              <a:buChar char="•"/>
+            </a:pPr>
+            <a:r>
+              <a:rPr lang="ru-RU" dirty="0" smtClean="0">
+                <a:latin typeface="Times New Roman" panose="02020603050405020304" pitchFamily="18" charset="0"/>
+                <a:cs typeface="Times New Roman" panose="02020603050405020304" pitchFamily="18" charset="0"/>
+              </a:rPr>
+              <a:t>Инициализировать основные классы;</a:t>
+            </a:r>
+          </a:p>
+          <a:p>
+            <a:pPr marL="285750" indent="-285750">
+              <a:buFont typeface="Arial" panose="020B0604020202020204" pitchFamily="34" charset="0"/>
+              <a:buChar char="•"/>
+            </a:pPr>
+            <a:r>
+              <a:rPr lang="ru-RU" dirty="0" smtClean="0">
+                <a:latin typeface="Times New Roman" panose="02020603050405020304" pitchFamily="18" charset="0"/>
+                <a:cs typeface="Times New Roman" panose="02020603050405020304" pitchFamily="18" charset="0"/>
+              </a:rPr>
+              <a:t>Инициализировать и прописать все функции редактора;</a:t>
+            </a:r>
+          </a:p>
+          <a:p>
+            <a:pPr marL="285750" indent="-285750">
+              <a:buFont typeface="Arial" panose="020B0604020202020204" pitchFamily="34" charset="0"/>
+              <a:buChar char="•"/>
+            </a:pPr>
+            <a:r>
+              <a:rPr lang="ru-RU" dirty="0" smtClean="0">
+                <a:latin typeface="Times New Roman" panose="02020603050405020304" pitchFamily="18" charset="0"/>
+                <a:cs typeface="Times New Roman" panose="02020603050405020304" pitchFamily="18" charset="0"/>
+              </a:rPr>
+              <a:t>Проверить работу всех функций;</a:t>
+            </a:r>
+          </a:p>
+          <a:p>
+            <a:pPr marL="285750" indent="-285750">
+              <a:buFont typeface="Arial" panose="020B0604020202020204" pitchFamily="34" charset="0"/>
+              <a:buChar char="•"/>
+            </a:pPr>
+            <a:r>
+              <a:rPr lang="ru-RU" dirty="0" smtClean="0">
+                <a:latin typeface="Times New Roman" panose="02020603050405020304" pitchFamily="18" charset="0"/>
+                <a:cs typeface="Times New Roman" panose="02020603050405020304" pitchFamily="18" charset="0"/>
+              </a:rPr>
+              <a:t>Написать пояснительную записку и подготовиться к защите проекта.</a:t>
+            </a:r>
+          </a:p>
+        </p:txBody>
+      </p:sp>
+    </p:spTree>
+    <p:extLst>
+      <p:ext uri="{BB962C8B-B14F-4D97-AF65-F5344CB8AC3E}">
+        <p14:creationId xmlns:p14="http://schemas.microsoft.com/office/powerpoint/2010/main" val="3613529429"/>
+      </p:ext>
+    </p:extLst>
+  </p:cSld>
+  <p:clrMapOvr>
+    <a:masterClrMapping/>
+  </p:clrMapOvr>
+  <mc:AlternateContent xmlns:mc="http://schemas.openxmlformats.org/markup-compatibility/2006">
+    <mc:Choice xmlns:p14="http://schemas.microsoft.com/office/powerpoint/2010/main" Requires="p14">
+      <p:transition spd="med" p14:dur="700">
+        <p:fade/>
+      </p:transition>
+    </mc:Choice>
+    <mc:Fallback>
+      <p:transition spd="med">
+        <p:fade/>
+      </p:transition>
+    </mc:Fallback>
+  </mc:AlternateContent>
+  <p:timing>
+    <p:tnLst>
+      <p:par>
+        <p:cTn id="1" dur="indefinite" restart="never" nodeType="tmRoot"/>
+      </p:par>
+    </p:tnLst>
+  </p:timing>
+</p:sld>
+</file>
+
+<file path=ppt/slides/slide3.xml><?xml version="1.0" encoding="utf-8"?>
+<p:sld xmlns:a="http://schemas.openxmlformats.org/drawingml/2006/main" xmlns:r="http://schemas.openxmlformats.org/officeDocument/2006/relationships" xmlns:p="http://schemas.openxmlformats.org/presentationml/2006/main">
+  <p:cSld>
+    <p:spTree>
+      <p:nvGrpSpPr>
+        <p:cNvPr id="1" name=""/>
+        <p:cNvGrpSpPr/>
+        <p:nvPr/>
+      </p:nvGrpSpPr>
+      <p:grpSpPr>
+        <a:xfrm>
+          <a:off x="0" y="0"/>
+          <a:ext cx="0" cy="0"/>
+          <a:chOff x="0" y="0"/>
+          <a:chExt cx="0" cy="0"/>
+        </a:xfrm>
+      </p:grpSpPr>
+      <p:sp>
+        <p:nvSpPr>
+          <p:cNvPr id="2" name="Заголовок 1"/>
+          <p:cNvSpPr>
+            <a:spLocks noGrp="1"/>
+          </p:cNvSpPr>
+          <p:nvPr>
+            <p:ph type="title"/>
+          </p:nvPr>
+        </p:nvSpPr>
+        <p:spPr/>
+        <p:txBody>
+          <a:bodyPr/>
+          <a:lstStyle/>
+          <a:p>
+            <a:pPr algn="ctr"/>
+            <a:r>
+              <a:rPr lang="ru-RU" dirty="0" smtClean="0">
+                <a:latin typeface="Times New Roman" panose="02020603050405020304" pitchFamily="18" charset="0"/>
+                <a:cs typeface="Times New Roman" panose="02020603050405020304" pitchFamily="18" charset="0"/>
+              </a:rPr>
+              <a:t>Актуальность</a:t>
+            </a:r>
+            <a:endParaRPr lang="ru-RU" dirty="0">
+              <a:latin typeface="Times New Roman" panose="02020603050405020304" pitchFamily="18" charset="0"/>
+              <a:cs typeface="Times New Roman" panose="02020603050405020304" pitchFamily="18" charset="0"/>
+            </a:endParaRPr>
+          </a:p>
+        </p:txBody>
+      </p:sp>
+      <p:sp>
+        <p:nvSpPr>
+          <p:cNvPr id="3" name="TextBox 2"/>
+          <p:cNvSpPr txBox="1"/>
+          <p:nvPr/>
+        </p:nvSpPr>
+        <p:spPr>
+          <a:xfrm>
+            <a:off x="467544" y="1772816"/>
+            <a:ext cx="8280920" cy="1200329"/>
+          </a:xfrm>
+          <a:prstGeom prst="rect">
+            <a:avLst/>
+          </a:prstGeom>
+          <a:noFill/>
+        </p:spPr>
+        <p:txBody>
+          <a:bodyPr wrap="square" rtlCol="0">
+            <a:spAutoFit/>
+          </a:bodyPr>
+          <a:lstStyle/>
+          <a:p>
+            <a:r>
+              <a:rPr lang="ru-RU" dirty="0" smtClean="0">
+                <a:latin typeface="Times New Roman" panose="02020603050405020304" pitchFamily="18" charset="0"/>
+                <a:cs typeface="Times New Roman" panose="02020603050405020304" pitchFamily="18" charset="0"/>
+              </a:rPr>
+              <a:t>Сейчас существует большое множество различных редакторов, но они не всегда способны отредактировать фотографию так как мне надо, а если и могут, то не всегда они общедоступны, поэтому я решил написать фоторедактор с простейшими функциями.</a:t>
+            </a:r>
+            <a:endParaRPr lang="ru-RU" dirty="0">
+              <a:latin typeface="Times New Roman" panose="02020603050405020304" pitchFamily="18" charset="0"/>
+              <a:cs typeface="Times New Roman" panose="02020603050405020304" pitchFamily="18" charset="0"/>
+            </a:endParaRPr>
+          </a:p>
+        </p:txBody>
+      </p:sp>
+    </p:spTree>
+    <p:extLst>
+      <p:ext uri="{BB962C8B-B14F-4D97-AF65-F5344CB8AC3E}">
+        <p14:creationId xmlns:p14="http://schemas.microsoft.com/office/powerpoint/2010/main" val="3986253848"/>
+      </p:ext>
+    </p:extLst>
+  </p:cSld>
+  <p:clrMapOvr>
+    <a:masterClrMapping/>
+  </p:clrMapOvr>
+  <mc:AlternateContent xmlns:mc="http://schemas.openxmlformats.org/markup-compatibility/2006">
+    <mc:Choice xmlns:p14="http://schemas.microsoft.com/office/powerpoint/2010/main" Requires="p14">
+      <p:transition spd="med" p14:dur="700">
+        <p:fade/>
+      </p:transition>
+    </mc:Choice>
+    <mc:Fallback>
+      <p:transition spd="med">
+        <p:fade/>
+      </p:transition>
+    </mc:Fallback>
+  </mc:AlternateContent>
+  <p:timing>
+    <p:tnLst>
+      <p:par>
+        <p:cTn id="1" dur="indefinite" restart="never" nodeType="tmRoot"/>
+      </p:par>
+    </p:tnLst>
+  </p:timing>
+</p:sld>
+</file>
+
+<file path=ppt/slides/slide4.xml><?xml version="1.0" encoding="utf-8"?>
+<p:sld xmlns:a="http://schemas.openxmlformats.org/drawingml/2006/main" xmlns:r="http://schemas.openxmlformats.org/officeDocument/2006/relationships" xmlns:p="http://schemas.openxmlformats.org/presentationml/2006/main">
+  <p:cSld>
+    <p:spTree>
+      <p:nvGrpSpPr>
+        <p:cNvPr id="1" name=""/>
+        <p:cNvGrpSpPr/>
+        <p:nvPr/>
+      </p:nvGrpSpPr>
+      <p:grpSpPr>
+        <a:xfrm>
+          <a:off x="0" y="0"/>
+          <a:ext cx="0" cy="0"/>
+          <a:chOff x="0" y="0"/>
+          <a:chExt cx="0" cy="0"/>
+        </a:xfrm>
+      </p:grpSpPr>
+      <p:sp>
+        <p:nvSpPr>
+          <p:cNvPr id="2" name="Заголовок 1"/>
+          <p:cNvSpPr>
+            <a:spLocks noGrp="1"/>
+          </p:cNvSpPr>
+          <p:nvPr>
+            <p:ph type="title"/>
+          </p:nvPr>
+        </p:nvSpPr>
+        <p:spPr/>
+        <p:txBody>
+          <a:bodyPr/>
+          <a:lstStyle/>
+          <a:p>
+            <a:pPr algn="ctr"/>
+            <a:r>
+              <a:rPr lang="ru-RU" dirty="0" smtClean="0">
+                <a:latin typeface="Times New Roman" panose="02020603050405020304" pitchFamily="18" charset="0"/>
+                <a:cs typeface="Times New Roman" panose="02020603050405020304" pitchFamily="18" charset="0"/>
+              </a:rPr>
+              <a:t>Этапы работы над проектом</a:t>
+            </a:r>
+            <a:endParaRPr lang="ru-RU" dirty="0">
+              <a:latin typeface="Times New Roman" panose="02020603050405020304" pitchFamily="18" charset="0"/>
+              <a:cs typeface="Times New Roman" panose="02020603050405020304" pitchFamily="18" charset="0"/>
+            </a:endParaRPr>
+          </a:p>
+        </p:txBody>
+      </p:sp>
+      <p:sp>
+        <p:nvSpPr>
+          <p:cNvPr id="3" name="TextBox 2"/>
+          <p:cNvSpPr txBox="1"/>
+          <p:nvPr/>
+        </p:nvSpPr>
+        <p:spPr>
+          <a:xfrm>
+            <a:off x="467544" y="1772816"/>
+            <a:ext cx="8208912" cy="2031325"/>
+          </a:xfrm>
+          <a:prstGeom prst="rect">
+            <a:avLst/>
+          </a:prstGeom>
+          <a:noFill/>
+        </p:spPr>
+        <p:txBody>
+          <a:bodyPr wrap="square" rtlCol="0">
+            <a:spAutoFit/>
+          </a:bodyPr>
+          <a:lstStyle/>
+          <a:p>
+            <a:pPr marL="342900" indent="-342900">
+              <a:buFont typeface="+mj-lt"/>
+              <a:buAutoNum type="arabicPeriod"/>
+            </a:pPr>
+            <a:r>
+              <a:rPr lang="ru-RU" dirty="0" smtClean="0"/>
+              <a:t>Определение возможностей фоторедактора, которые я смогу осуществить на момент написания этого  проекта;</a:t>
+            </a:r>
+          </a:p>
+          <a:p>
+            <a:pPr marL="342900" indent="-342900">
+              <a:buFont typeface="+mj-lt"/>
+              <a:buAutoNum type="arabicPeriod"/>
+            </a:pPr>
+            <a:r>
+              <a:rPr lang="ru-RU" dirty="0" smtClean="0"/>
+              <a:t>Создание дизайна окна, который будет использоваться кодом фоторедактора и будет прост в обращении; </a:t>
+            </a:r>
+          </a:p>
+          <a:p>
+            <a:pPr marL="342900" indent="-342900">
+              <a:buFont typeface="+mj-lt"/>
+              <a:buAutoNum type="arabicPeriod"/>
+            </a:pPr>
+            <a:r>
+              <a:rPr lang="ru-RU" dirty="0" smtClean="0"/>
+              <a:t>Составление алгоритмической цепочки, по которой будут взаимодействовать функции моего проекта;</a:t>
+            </a:r>
+          </a:p>
+          <a:p>
+            <a:pPr marL="342900" indent="-342900">
+              <a:buFont typeface="+mj-lt"/>
+              <a:buAutoNum type="arabicPeriod"/>
+            </a:pPr>
+            <a:r>
+              <a:rPr lang="ru-RU" dirty="0" smtClean="0"/>
+              <a:t>Постепенное написание функций проекта и их тестирование.</a:t>
+            </a:r>
+            <a:endParaRPr lang="ru-RU" dirty="0"/>
+          </a:p>
+        </p:txBody>
+      </p:sp>
+    </p:spTree>
+    <p:extLst>
+      <p:ext uri="{BB962C8B-B14F-4D97-AF65-F5344CB8AC3E}">
+        <p14:creationId xmlns:p14="http://schemas.microsoft.com/office/powerpoint/2010/main" val="873732169"/>
+      </p:ext>
+    </p:extLst>
+  </p:cSld>
+  <p:clrMapOvr>
+    <a:masterClrMapping/>
+  </p:clrMapOvr>
+  <mc:AlternateContent xmlns:mc="http://schemas.openxmlformats.org/markup-compatibility/2006">
+    <mc:Choice xmlns:p14="http://schemas.microsoft.com/office/powerpoint/2010/main" Requires="p14">
+      <p:transition spd="med" p14:dur="700">
+        <p:fade/>
+      </p:transition>
+    </mc:Choice>
+    <mc:Fallback>
+      <p:transition spd="med">
+        <p:fade/>
+      </p:transition>
+    </mc:Fallback>
+  </mc:AlternateContent>
+  <p:timing>
+    <p:tnLst>
+      <p:par>
+        <p:cTn id="1" dur="indefinite" restart="never" nodeType="tmRoot"/>
+      </p:par>
+    </p:tnLst>
+  </p:timing>
+</p:sld>
+</file>
+
+<file path=ppt/slides/slide5.xml><?xml version="1.0" encoding="utf-8"?>
+<p:sld xmlns:a="http://schemas.openxmlformats.org/drawingml/2006/main" xmlns:r="http://schemas.openxmlformats.org/officeDocument/2006/relationships" xmlns:p="http://schemas.openxmlformats.org/presentationml/2006/main">
+  <p:cSld>
+    <p:spTree>
+      <p:nvGrpSpPr>
+        <p:cNvPr id="1" name=""/>
+        <p:cNvGrpSpPr/>
+        <p:nvPr/>
+      </p:nvGrpSpPr>
+      <p:grpSpPr>
+        <a:xfrm>
+          <a:off x="0" y="0"/>
+          <a:ext cx="0" cy="0"/>
+          <a:chOff x="0" y="0"/>
+          <a:chExt cx="0" cy="0"/>
+        </a:xfrm>
+      </p:grpSpPr>
+      <p:sp>
+        <p:nvSpPr>
+          <p:cNvPr id="2" name="Заголовок 1"/>
+          <p:cNvSpPr>
+            <a:spLocks noGrp="1"/>
+          </p:cNvSpPr>
+          <p:nvPr>
+            <p:ph type="title"/>
+          </p:nvPr>
+        </p:nvSpPr>
+        <p:spPr/>
+        <p:txBody>
+          <a:bodyPr>
+            <a:normAutofit/>
+          </a:bodyPr>
+          <a:lstStyle/>
+          <a:p>
+            <a:pPr algn="ctr"/>
+            <a:r>
+              <a:rPr lang="ru-RU" dirty="0" smtClean="0">
+                <a:latin typeface="+mn-lt"/>
+              </a:rPr>
+              <a:t>Описание проекта.</a:t>
+            </a:r>
+            <a:br>
+              <a:rPr lang="ru-RU" dirty="0" smtClean="0">
+                <a:latin typeface="+mn-lt"/>
+              </a:rPr>
+            </a:br>
+            <a:r>
+              <a:rPr lang="ru-RU" dirty="0" smtClean="0">
+                <a:latin typeface="+mn-lt"/>
+              </a:rPr>
+              <a:t>Ввод </a:t>
+            </a:r>
+            <a:r>
+              <a:rPr lang="en-US" dirty="0" smtClean="0">
+                <a:latin typeface="+mn-lt"/>
+              </a:rPr>
+              <a:t>/</a:t>
+            </a:r>
+            <a:r>
+              <a:rPr lang="ru-RU" dirty="0" smtClean="0">
+                <a:latin typeface="+mn-lt"/>
+              </a:rPr>
+              <a:t> вывод.</a:t>
+            </a:r>
+            <a:endParaRPr lang="ru-RU" dirty="0">
+              <a:latin typeface="+mn-lt"/>
+            </a:endParaRPr>
+          </a:p>
+        </p:txBody>
+      </p:sp>
+      <p:sp>
+        <p:nvSpPr>
+          <p:cNvPr id="3" name="TextBox 2"/>
+          <p:cNvSpPr txBox="1"/>
+          <p:nvPr/>
+        </p:nvSpPr>
+        <p:spPr>
+          <a:xfrm>
+            <a:off x="467544" y="1628800"/>
+            <a:ext cx="8280920" cy="1754326"/>
+          </a:xfrm>
+          <a:prstGeom prst="rect">
+            <a:avLst/>
+          </a:prstGeom>
+          <a:noFill/>
+        </p:spPr>
+        <p:txBody>
+          <a:bodyPr wrap="square" rtlCol="0">
+            <a:spAutoFit/>
+          </a:bodyPr>
+          <a:lstStyle/>
+          <a:p>
+            <a:r>
+              <a:rPr lang="ru-RU" b="1" dirty="0" smtClean="0"/>
+              <a:t>Ввод:</a:t>
+            </a:r>
+          </a:p>
+          <a:p>
+            <a:r>
+              <a:rPr lang="ru-RU" dirty="0" smtClean="0"/>
+              <a:t>При активации программы фоторедактора, пользователю предоставляется окно через активные элементы которого он может воздействовать на фотографию.</a:t>
+            </a:r>
+          </a:p>
+          <a:p>
+            <a:r>
+              <a:rPr lang="ru-RU" b="1" dirty="0" smtClean="0"/>
+              <a:t>Вывод:</a:t>
+            </a:r>
+            <a:endParaRPr lang="ru-RU" dirty="0" smtClean="0"/>
+          </a:p>
+          <a:p>
+            <a:r>
+              <a:rPr lang="ru-RU" dirty="0"/>
+              <a:t>П</a:t>
+            </a:r>
+            <a:r>
+              <a:rPr lang="ru-RU" dirty="0" smtClean="0"/>
+              <a:t>ри активации определённого элемента окна, фотография, загруженная в программу будет соответственно изменяться.</a:t>
+            </a:r>
+            <a:endParaRPr lang="ru-RU" dirty="0"/>
+          </a:p>
+        </p:txBody>
+      </p:sp>
+    </p:spTree>
+    <p:extLst>
+      <p:ext uri="{BB962C8B-B14F-4D97-AF65-F5344CB8AC3E}">
+        <p14:creationId xmlns:p14="http://schemas.microsoft.com/office/powerpoint/2010/main" val="3826351632"/>
+      </p:ext>
+    </p:extLst>
+  </p:cSld>
+  <p:clrMapOvr>
+    <a:masterClrMapping/>
+  </p:clrMapOvr>
+  <mc:AlternateContent xmlns:mc="http://schemas.openxmlformats.org/markup-compatibility/2006">
+    <mc:Choice xmlns:p14="http://schemas.microsoft.com/office/powerpoint/2010/main" Requires="p14">
+      <p:transition spd="med" p14:dur="700">
+        <p:fade/>
+      </p:transition>
+    </mc:Choice>
+    <mc:Fallback>
+      <p:transition spd="med">
+        <p:fade/>
+      </p:transition>
+    </mc:Fallback>
+  </mc:AlternateContent>
+  <p:timing>
+    <p:tnLst>
+      <p:par>
+        <p:cTn id="1" dur="indefinite" restart="never" nodeType="tmRoot"/>
+      </p:par>
+    </p:tnLst>
+  </p:timing>
+</p:sld>
+</file>
+
+<file path=ppt/slides/slide6.xml><?xml version="1.0" encoding="utf-8"?>
+<p:sld xmlns:a="http://schemas.openxmlformats.org/drawingml/2006/main" xmlns:r="http://schemas.openxmlformats.org/officeDocument/2006/relationships" xmlns:p="http://schemas.openxmlformats.org/presentationml/2006/main">
+  <p:cSld>
+    <p:spTree>
+      <p:nvGrpSpPr>
+        <p:cNvPr id="1" name=""/>
+        <p:cNvGrpSpPr/>
+        <p:nvPr/>
+      </p:nvGrpSpPr>
+      <p:grpSpPr>
+        <a:xfrm>
+          <a:off x="0" y="0"/>
+          <a:ext cx="0" cy="0"/>
+          <a:chOff x="0" y="0"/>
+          <a:chExt cx="0" cy="0"/>
+        </a:xfrm>
+      </p:grpSpPr>
+      <p:sp>
+        <p:nvSpPr>
+          <p:cNvPr id="2" name="Заголовок 1"/>
+          <p:cNvSpPr>
+            <a:spLocks noGrp="1"/>
+          </p:cNvSpPr>
+          <p:nvPr>
+            <p:ph type="title"/>
+          </p:nvPr>
+        </p:nvSpPr>
+        <p:spPr/>
+        <p:txBody>
+          <a:bodyPr>
+            <a:normAutofit/>
+          </a:bodyPr>
+          <a:lstStyle/>
+          <a:p>
+            <a:pPr algn="ctr"/>
+            <a:r>
+              <a:rPr lang="ru-RU" dirty="0">
+                <a:latin typeface="+mn-lt"/>
+              </a:rPr>
+              <a:t>Описание проекта.</a:t>
+            </a:r>
+            <a:br>
+              <a:rPr lang="ru-RU" dirty="0">
+                <a:latin typeface="+mn-lt"/>
+              </a:rPr>
+            </a:br>
+            <a:r>
+              <a:rPr lang="ru-RU" dirty="0" smtClean="0">
+                <a:latin typeface="+mn-lt"/>
+              </a:rPr>
+              <a:t>Структура кода.</a:t>
+            </a:r>
+            <a:endParaRPr lang="ru-RU" dirty="0">
+              <a:latin typeface="+mn-lt"/>
+            </a:endParaRPr>
+          </a:p>
+        </p:txBody>
+      </p:sp>
+      <p:sp>
+        <p:nvSpPr>
+          <p:cNvPr id="4" name="Скругленный прямоугольник 3"/>
+          <p:cNvSpPr/>
+          <p:nvPr/>
+        </p:nvSpPr>
+        <p:spPr>
+          <a:xfrm>
+            <a:off x="827584" y="1772816"/>
+            <a:ext cx="792088" cy="360040"/>
+          </a:xfrm>
+          <a:prstGeom prst="roundRect">
+            <a:avLst/>
+          </a:prstGeom>
+        </p:spPr>
+        <p:style>
+          <a:lnRef idx="2">
+            <a:schemeClr val="accent1">
+              <a:shade val="50000"/>
+            </a:schemeClr>
+          </a:lnRef>
+          <a:fillRef idx="1">
+            <a:schemeClr val="accent1"/>
+          </a:fillRef>
+          <a:effectRef idx="0">
+            <a:schemeClr val="accent1"/>
+          </a:effectRef>
+          <a:fontRef idx="minor">
+            <a:schemeClr val="lt1"/>
+          </a:fontRef>
+        </p:style>
+        <p:txBody>
+          <a:bodyPr rtlCol="0" anchor="ctr"/>
+          <a:lstStyle/>
+          <a:p>
+            <a:pPr algn="ctr"/>
+            <a:r>
+              <a:rPr lang="en-US" sz="1050" dirty="0" err="1"/>
+              <a:t>QWidget</a:t>
+            </a:r>
+            <a:endParaRPr lang="ru-RU" sz="1050" dirty="0"/>
+          </a:p>
+        </p:txBody>
+      </p:sp>
+      <p:sp>
+        <p:nvSpPr>
+          <p:cNvPr id="5" name="Скругленный прямоугольник 4"/>
+          <p:cNvSpPr/>
+          <p:nvPr/>
+        </p:nvSpPr>
+        <p:spPr>
+          <a:xfrm>
+            <a:off x="827584" y="2348880"/>
+            <a:ext cx="792088" cy="360040"/>
+          </a:xfrm>
+          <a:prstGeom prst="roundRect">
+            <a:avLst/>
+          </a:prstGeom>
+        </p:spPr>
+        <p:style>
+          <a:lnRef idx="2">
+            <a:schemeClr val="accent1">
+              <a:shade val="50000"/>
+            </a:schemeClr>
+          </a:lnRef>
+          <a:fillRef idx="1">
+            <a:schemeClr val="accent1"/>
+          </a:fillRef>
+          <a:effectRef idx="0">
+            <a:schemeClr val="accent1"/>
+          </a:effectRef>
+          <a:fontRef idx="minor">
+            <a:schemeClr val="lt1"/>
+          </a:fontRef>
+        </p:style>
+        <p:txBody>
+          <a:bodyPr rtlCol="0" anchor="ctr"/>
+          <a:lstStyle/>
+          <a:p>
+            <a:pPr algn="ctr"/>
+            <a:r>
+              <a:rPr lang="en-US" sz="1050" dirty="0"/>
+              <a:t>Error</a:t>
+            </a:r>
+            <a:endParaRPr lang="ru-RU" sz="1050" dirty="0"/>
+          </a:p>
+        </p:txBody>
+      </p:sp>
+      <p:sp>
+        <p:nvSpPr>
+          <p:cNvPr id="6" name="Скругленный прямоугольник 5"/>
+          <p:cNvSpPr/>
+          <p:nvPr/>
+        </p:nvSpPr>
+        <p:spPr>
+          <a:xfrm>
+            <a:off x="2951820" y="1772816"/>
+            <a:ext cx="1080120" cy="360040"/>
+          </a:xfrm>
+          <a:prstGeom prst="roundRect">
+            <a:avLst/>
+          </a:prstGeom>
+        </p:spPr>
+        <p:style>
+          <a:lnRef idx="2">
+            <a:schemeClr val="accent1">
+              <a:shade val="50000"/>
+            </a:schemeClr>
+          </a:lnRef>
+          <a:fillRef idx="1">
+            <a:schemeClr val="accent1"/>
+          </a:fillRef>
+          <a:effectRef idx="0">
+            <a:schemeClr val="accent1"/>
+          </a:effectRef>
+          <a:fontRef idx="minor">
+            <a:schemeClr val="lt1"/>
+          </a:fontRef>
+        </p:style>
+        <p:txBody>
+          <a:bodyPr rtlCol="0" anchor="ctr"/>
+          <a:lstStyle/>
+          <a:p>
+            <a:pPr algn="ctr"/>
+            <a:r>
+              <a:rPr lang="en-US" sz="1050" dirty="0" err="1"/>
+              <a:t>QMainWindow</a:t>
+            </a:r>
+            <a:endParaRPr lang="ru-RU" sz="1050" dirty="0"/>
+          </a:p>
+        </p:txBody>
+      </p:sp>
+      <p:sp>
+        <p:nvSpPr>
+          <p:cNvPr id="7" name="Скругленный прямоугольник 6"/>
+          <p:cNvSpPr/>
+          <p:nvPr/>
+        </p:nvSpPr>
+        <p:spPr>
+          <a:xfrm>
+            <a:off x="5652120" y="1780206"/>
+            <a:ext cx="936104" cy="360040"/>
+          </a:xfrm>
+          <a:prstGeom prst="roundRect">
+            <a:avLst/>
+          </a:prstGeom>
+        </p:spPr>
+        <p:style>
+          <a:lnRef idx="2">
+            <a:schemeClr val="accent1">
+              <a:shade val="50000"/>
+            </a:schemeClr>
+          </a:lnRef>
+          <a:fillRef idx="1">
+            <a:schemeClr val="accent1"/>
+          </a:fillRef>
+          <a:effectRef idx="0">
+            <a:schemeClr val="accent1"/>
+          </a:effectRef>
+          <a:fontRef idx="minor">
+            <a:schemeClr val="lt1"/>
+          </a:fontRef>
+        </p:style>
+        <p:txBody>
+          <a:bodyPr rtlCol="0" anchor="ctr"/>
+          <a:lstStyle/>
+          <a:p>
+            <a:pPr algn="ctr"/>
+            <a:r>
+              <a:rPr lang="en-US" sz="1050" dirty="0" err="1"/>
+              <a:t>Editor_tools</a:t>
+            </a:r>
+            <a:endParaRPr lang="ru-RU" sz="1050" dirty="0"/>
+          </a:p>
+        </p:txBody>
+      </p:sp>
+      <p:sp>
+        <p:nvSpPr>
+          <p:cNvPr id="9" name="Скругленный прямоугольник 8"/>
+          <p:cNvSpPr/>
+          <p:nvPr/>
+        </p:nvSpPr>
+        <p:spPr>
+          <a:xfrm>
+            <a:off x="3023828" y="2348880"/>
+            <a:ext cx="936104" cy="360040"/>
+          </a:xfrm>
+          <a:prstGeom prst="roundRect">
+            <a:avLst/>
+          </a:prstGeom>
+        </p:spPr>
+        <p:style>
+          <a:lnRef idx="2">
+            <a:schemeClr val="accent1">
+              <a:shade val="50000"/>
+            </a:schemeClr>
+          </a:lnRef>
+          <a:fillRef idx="1">
+            <a:schemeClr val="accent1"/>
+          </a:fillRef>
+          <a:effectRef idx="0">
+            <a:schemeClr val="accent1"/>
+          </a:effectRef>
+          <a:fontRef idx="minor">
+            <a:schemeClr val="lt1"/>
+          </a:fontRef>
+        </p:style>
+        <p:txBody>
+          <a:bodyPr rtlCol="0" anchor="ctr"/>
+          <a:lstStyle/>
+          <a:p>
+            <a:pPr algn="ctr"/>
+            <a:r>
+              <a:rPr lang="en-US" sz="1000" dirty="0" err="1"/>
+              <a:t>Photo_Editor</a:t>
+            </a:r>
+            <a:endParaRPr lang="ru-RU" sz="1000" dirty="0"/>
+          </a:p>
+        </p:txBody>
+      </p:sp>
+      <p:sp>
+        <p:nvSpPr>
+          <p:cNvPr id="12" name="Скругленный прямоугольник 11"/>
+          <p:cNvSpPr/>
+          <p:nvPr/>
+        </p:nvSpPr>
+        <p:spPr>
+          <a:xfrm>
+            <a:off x="827584" y="3068960"/>
+            <a:ext cx="792088" cy="360040"/>
+          </a:xfrm>
+          <a:prstGeom prst="roundRect">
+            <a:avLst/>
+          </a:prstGeom>
+        </p:spPr>
+        <p:style>
+          <a:lnRef idx="2">
+            <a:schemeClr val="accent1">
+              <a:shade val="50000"/>
+            </a:schemeClr>
+          </a:lnRef>
+          <a:fillRef idx="1">
+            <a:schemeClr val="accent1"/>
+          </a:fillRef>
+          <a:effectRef idx="0">
+            <a:schemeClr val="accent1"/>
+          </a:effectRef>
+          <a:fontRef idx="minor">
+            <a:schemeClr val="lt1"/>
+          </a:fontRef>
+        </p:style>
+        <p:txBody>
+          <a:bodyPr rtlCol="0" anchor="ctr"/>
+          <a:lstStyle/>
+          <a:p>
+            <a:pPr algn="ctr"/>
+            <a:r>
+              <a:rPr lang="en-US" sz="1000" dirty="0" err="1"/>
+              <a:t>i</a:t>
+            </a:r>
+            <a:r>
+              <a:rPr lang="en-US" sz="1000" dirty="0" err="1" smtClean="0"/>
+              <a:t>nit</a:t>
+            </a:r>
+            <a:r>
+              <a:rPr lang="en-US" sz="1000" dirty="0" smtClean="0"/>
+              <a:t>()</a:t>
+            </a:r>
+            <a:endParaRPr lang="ru-RU" sz="1000" dirty="0"/>
+          </a:p>
+        </p:txBody>
+      </p:sp>
+      <p:sp>
+        <p:nvSpPr>
+          <p:cNvPr id="13" name="Скругленный прямоугольник 12"/>
+          <p:cNvSpPr/>
+          <p:nvPr/>
+        </p:nvSpPr>
+        <p:spPr>
+          <a:xfrm>
+            <a:off x="3959932" y="3041340"/>
+            <a:ext cx="792088" cy="360040"/>
+          </a:xfrm>
+          <a:prstGeom prst="roundRect">
+            <a:avLst/>
+          </a:prstGeom>
+        </p:spPr>
+        <p:style>
+          <a:lnRef idx="2">
+            <a:schemeClr val="accent1">
+              <a:shade val="50000"/>
+            </a:schemeClr>
+          </a:lnRef>
+          <a:fillRef idx="1">
+            <a:schemeClr val="accent1"/>
+          </a:fillRef>
+          <a:effectRef idx="0">
+            <a:schemeClr val="accent1"/>
+          </a:effectRef>
+          <a:fontRef idx="minor">
+            <a:schemeClr val="lt1"/>
+          </a:fontRef>
+        </p:style>
+        <p:txBody>
+          <a:bodyPr rtlCol="0" anchor="ctr"/>
+          <a:lstStyle/>
+          <a:p>
+            <a:pPr algn="ctr"/>
+            <a:r>
+              <a:rPr lang="en-US" sz="1000" dirty="0" smtClean="0"/>
+              <a:t>base()</a:t>
+            </a:r>
+            <a:endParaRPr lang="ru-RU" sz="1000" dirty="0"/>
+          </a:p>
+        </p:txBody>
+      </p:sp>
+      <p:sp>
+        <p:nvSpPr>
+          <p:cNvPr id="14" name="Скругленный прямоугольник 13"/>
+          <p:cNvSpPr/>
+          <p:nvPr/>
+        </p:nvSpPr>
+        <p:spPr>
+          <a:xfrm>
+            <a:off x="2015716" y="3041340"/>
+            <a:ext cx="792088" cy="360040"/>
+          </a:xfrm>
+          <a:prstGeom prst="roundRect">
+            <a:avLst/>
+          </a:prstGeom>
+        </p:spPr>
+        <p:style>
+          <a:lnRef idx="2">
+            <a:schemeClr val="accent1">
+              <a:shade val="50000"/>
+            </a:schemeClr>
+          </a:lnRef>
+          <a:fillRef idx="1">
+            <a:schemeClr val="accent1"/>
+          </a:fillRef>
+          <a:effectRef idx="0">
+            <a:schemeClr val="accent1"/>
+          </a:effectRef>
+          <a:fontRef idx="minor">
+            <a:schemeClr val="lt1"/>
+          </a:fontRef>
+        </p:style>
+        <p:txBody>
+          <a:bodyPr rtlCol="0" anchor="ctr"/>
+          <a:lstStyle/>
+          <a:p>
+            <a:pPr algn="ctr"/>
+            <a:r>
+              <a:rPr lang="en-US" sz="1000" dirty="0" err="1"/>
+              <a:t>init</a:t>
+            </a:r>
+            <a:r>
+              <a:rPr lang="en-US" sz="1000" dirty="0" smtClean="0"/>
+              <a:t>()</a:t>
+            </a:r>
+            <a:endParaRPr lang="ru-RU" sz="1000" dirty="0"/>
+          </a:p>
+        </p:txBody>
+      </p:sp>
+      <p:sp>
+        <p:nvSpPr>
+          <p:cNvPr id="15" name="Скругленный прямоугольник 14"/>
+          <p:cNvSpPr/>
+          <p:nvPr/>
+        </p:nvSpPr>
+        <p:spPr>
+          <a:xfrm>
+            <a:off x="4860032" y="2428278"/>
+            <a:ext cx="792088" cy="360040"/>
+          </a:xfrm>
+          <a:prstGeom prst="roundRect">
+            <a:avLst/>
+          </a:prstGeom>
+        </p:spPr>
+        <p:style>
+          <a:lnRef idx="2">
+            <a:schemeClr val="accent1">
+              <a:shade val="50000"/>
+            </a:schemeClr>
+          </a:lnRef>
+          <a:fillRef idx="1">
+            <a:schemeClr val="accent1"/>
+          </a:fillRef>
+          <a:effectRef idx="0">
+            <a:schemeClr val="accent1"/>
+          </a:effectRef>
+          <a:fontRef idx="minor">
+            <a:schemeClr val="lt1"/>
+          </a:fontRef>
+        </p:style>
+        <p:txBody>
+          <a:bodyPr rtlCol="0" anchor="ctr"/>
+          <a:lstStyle/>
+          <a:p>
+            <a:pPr algn="ctr"/>
+            <a:r>
+              <a:rPr lang="en-US" sz="1000" dirty="0" err="1"/>
+              <a:t>init</a:t>
+            </a:r>
+            <a:r>
+              <a:rPr lang="en-US" sz="1000" dirty="0" smtClean="0"/>
+              <a:t>()</a:t>
+            </a:r>
+            <a:endParaRPr lang="ru-RU" sz="1000" dirty="0"/>
+          </a:p>
+        </p:txBody>
+      </p:sp>
+      <p:sp>
+        <p:nvSpPr>
+          <p:cNvPr id="16" name="Скругленный прямоугольник 15"/>
+          <p:cNvSpPr/>
+          <p:nvPr/>
+        </p:nvSpPr>
+        <p:spPr>
+          <a:xfrm>
+            <a:off x="7812360" y="2428278"/>
+            <a:ext cx="792088" cy="360040"/>
+          </a:xfrm>
+          <a:prstGeom prst="roundRect">
+            <a:avLst/>
+          </a:prstGeom>
+        </p:spPr>
+        <p:style>
+          <a:lnRef idx="2">
+            <a:schemeClr val="accent1">
+              <a:shade val="50000"/>
+            </a:schemeClr>
+          </a:lnRef>
+          <a:fillRef idx="1">
+            <a:schemeClr val="accent1"/>
+          </a:fillRef>
+          <a:effectRef idx="0">
+            <a:schemeClr val="accent1"/>
+          </a:effectRef>
+          <a:fontRef idx="minor">
+            <a:schemeClr val="lt1"/>
+          </a:fontRef>
+        </p:style>
+        <p:txBody>
+          <a:bodyPr rtlCol="0" anchor="ctr"/>
+          <a:lstStyle/>
+          <a:p>
+            <a:pPr algn="ctr"/>
+            <a:r>
+              <a:rPr lang="en-US" sz="1000" dirty="0" err="1"/>
+              <a:t>negativ</a:t>
+            </a:r>
+            <a:r>
+              <a:rPr lang="en-US" sz="1000" dirty="0" smtClean="0"/>
+              <a:t>()</a:t>
+            </a:r>
+            <a:endParaRPr lang="ru-RU" sz="1000" dirty="0"/>
+          </a:p>
+        </p:txBody>
+      </p:sp>
+      <p:cxnSp>
+        <p:nvCxnSpPr>
+          <p:cNvPr id="22" name="Прямая со стрелкой 21"/>
+          <p:cNvCxnSpPr>
+            <a:stCxn id="6" idx="2"/>
+            <a:endCxn id="9" idx="0"/>
+          </p:cNvCxnSpPr>
+          <p:nvPr/>
+        </p:nvCxnSpPr>
+        <p:spPr>
+          <a:xfrm>
+            <a:off x="3491880" y="2132856"/>
+            <a:ext cx="0" cy="216024"/>
+          </a:xfrm>
+          <a:prstGeom prst="straightConnector1">
+            <a:avLst/>
+          </a:prstGeom>
+          <a:ln>
+            <a:tailEnd type="arrow"/>
+          </a:ln>
+        </p:spPr>
+        <p:style>
+          <a:lnRef idx="1">
+            <a:schemeClr val="accent1"/>
+          </a:lnRef>
+          <a:fillRef idx="0">
+            <a:schemeClr val="accent1"/>
+          </a:fillRef>
+          <a:effectRef idx="0">
+            <a:schemeClr val="accent1"/>
+          </a:effectRef>
+          <a:fontRef idx="minor">
+            <a:schemeClr val="tx1"/>
+          </a:fontRef>
+        </p:style>
+      </p:cxnSp>
+      <p:cxnSp>
+        <p:nvCxnSpPr>
+          <p:cNvPr id="24" name="Прямая со стрелкой 23"/>
+          <p:cNvCxnSpPr>
+            <a:stCxn id="4" idx="2"/>
+            <a:endCxn id="5" idx="0"/>
+          </p:cNvCxnSpPr>
+          <p:nvPr/>
+        </p:nvCxnSpPr>
+        <p:spPr>
+          <a:xfrm>
+            <a:off x="1223628" y="2132856"/>
+            <a:ext cx="0" cy="216024"/>
+          </a:xfrm>
+          <a:prstGeom prst="straightConnector1">
+            <a:avLst/>
+          </a:prstGeom>
+          <a:ln>
+            <a:tailEnd type="arrow"/>
+          </a:ln>
+        </p:spPr>
+        <p:style>
+          <a:lnRef idx="1">
+            <a:schemeClr val="accent1"/>
+          </a:lnRef>
+          <a:fillRef idx="0">
+            <a:schemeClr val="accent1"/>
+          </a:fillRef>
+          <a:effectRef idx="0">
+            <a:schemeClr val="accent1"/>
+          </a:effectRef>
+          <a:fontRef idx="minor">
+            <a:schemeClr val="tx1"/>
+          </a:fontRef>
+        </p:style>
+      </p:cxnSp>
+      <p:cxnSp>
+        <p:nvCxnSpPr>
+          <p:cNvPr id="26" name="Прямая со стрелкой 25"/>
+          <p:cNvCxnSpPr>
+            <a:stCxn id="5" idx="2"/>
+            <a:endCxn id="12" idx="0"/>
+          </p:cNvCxnSpPr>
+          <p:nvPr/>
+        </p:nvCxnSpPr>
+        <p:spPr>
+          <a:xfrm>
+            <a:off x="1223628" y="2708920"/>
+            <a:ext cx="0" cy="360040"/>
+          </a:xfrm>
+          <a:prstGeom prst="straightConnector1">
+            <a:avLst/>
+          </a:prstGeom>
+          <a:ln>
+            <a:tailEnd type="arrow"/>
+          </a:ln>
+        </p:spPr>
+        <p:style>
+          <a:lnRef idx="1">
+            <a:schemeClr val="accent1"/>
+          </a:lnRef>
+          <a:fillRef idx="0">
+            <a:schemeClr val="accent1"/>
+          </a:fillRef>
+          <a:effectRef idx="0">
+            <a:schemeClr val="accent1"/>
+          </a:effectRef>
+          <a:fontRef idx="minor">
+            <a:schemeClr val="tx1"/>
+          </a:fontRef>
+        </p:style>
+      </p:cxnSp>
+      <p:sp>
+        <p:nvSpPr>
+          <p:cNvPr id="33" name="Скругленный прямоугольник 32"/>
+          <p:cNvSpPr/>
+          <p:nvPr/>
+        </p:nvSpPr>
+        <p:spPr>
+          <a:xfrm>
+            <a:off x="7812360" y="2974294"/>
+            <a:ext cx="792088" cy="360040"/>
+          </a:xfrm>
+          <a:prstGeom prst="roundRect">
+            <a:avLst/>
+          </a:prstGeom>
+        </p:spPr>
+        <p:style>
+          <a:lnRef idx="2">
+            <a:schemeClr val="accent1">
+              <a:shade val="50000"/>
+            </a:schemeClr>
+          </a:lnRef>
+          <a:fillRef idx="1">
+            <a:schemeClr val="accent1"/>
+          </a:fillRef>
+          <a:effectRef idx="0">
+            <a:schemeClr val="accent1"/>
+          </a:effectRef>
+          <a:fontRef idx="minor">
+            <a:schemeClr val="lt1"/>
+          </a:fontRef>
+        </p:style>
+        <p:txBody>
+          <a:bodyPr rtlCol="0" anchor="ctr"/>
+          <a:lstStyle/>
+          <a:p>
+            <a:pPr algn="ctr"/>
+            <a:r>
+              <a:rPr lang="en-US" sz="1050" dirty="0"/>
+              <a:t>black</a:t>
+            </a:r>
+            <a:r>
+              <a:rPr lang="en-US" sz="1050" dirty="0" smtClean="0"/>
+              <a:t>()</a:t>
+            </a:r>
+            <a:endParaRPr lang="ru-RU" sz="1050" dirty="0"/>
+          </a:p>
+        </p:txBody>
+      </p:sp>
+      <p:sp>
+        <p:nvSpPr>
+          <p:cNvPr id="34" name="Скругленный прямоугольник 33"/>
+          <p:cNvSpPr/>
+          <p:nvPr/>
+        </p:nvSpPr>
+        <p:spPr>
+          <a:xfrm>
+            <a:off x="7812360" y="3481014"/>
+            <a:ext cx="792088" cy="360040"/>
+          </a:xfrm>
+          <a:prstGeom prst="roundRect">
+            <a:avLst/>
+          </a:prstGeom>
+        </p:spPr>
+        <p:style>
+          <a:lnRef idx="2">
+            <a:schemeClr val="accent1">
+              <a:shade val="50000"/>
+            </a:schemeClr>
+          </a:lnRef>
+          <a:fillRef idx="1">
+            <a:schemeClr val="accent1"/>
+          </a:fillRef>
+          <a:effectRef idx="0">
+            <a:schemeClr val="accent1"/>
+          </a:effectRef>
+          <a:fontRef idx="minor">
+            <a:schemeClr val="lt1"/>
+          </a:fontRef>
+        </p:style>
+        <p:txBody>
+          <a:bodyPr rtlCol="0" anchor="ctr"/>
+          <a:lstStyle/>
+          <a:p>
+            <a:pPr algn="ctr"/>
+            <a:r>
+              <a:rPr lang="en-US" sz="1050" dirty="0"/>
+              <a:t>frame</a:t>
+            </a:r>
+            <a:r>
+              <a:rPr lang="en-US" sz="1050" dirty="0" smtClean="0"/>
+              <a:t>()</a:t>
+            </a:r>
+            <a:endParaRPr lang="ru-RU" sz="1050" dirty="0"/>
+          </a:p>
+        </p:txBody>
+      </p:sp>
+      <p:sp>
+        <p:nvSpPr>
+          <p:cNvPr id="35" name="Скругленный прямоугольник 34"/>
+          <p:cNvSpPr/>
+          <p:nvPr/>
+        </p:nvSpPr>
+        <p:spPr>
+          <a:xfrm>
+            <a:off x="7812360" y="3994647"/>
+            <a:ext cx="792088" cy="360040"/>
+          </a:xfrm>
+          <a:prstGeom prst="roundRect">
+            <a:avLst/>
+          </a:prstGeom>
+        </p:spPr>
+        <p:style>
+          <a:lnRef idx="2">
+            <a:schemeClr val="accent1">
+              <a:shade val="50000"/>
+            </a:schemeClr>
+          </a:lnRef>
+          <a:fillRef idx="1">
+            <a:schemeClr val="accent1"/>
+          </a:fillRef>
+          <a:effectRef idx="0">
+            <a:schemeClr val="accent1"/>
+          </a:effectRef>
+          <a:fontRef idx="minor">
+            <a:schemeClr val="lt1"/>
+          </a:fontRef>
+        </p:style>
+        <p:txBody>
+          <a:bodyPr rtlCol="0" anchor="ctr"/>
+          <a:lstStyle/>
+          <a:p>
+            <a:pPr algn="ctr"/>
+            <a:r>
+              <a:rPr lang="en-US" sz="1050" dirty="0" err="1"/>
+              <a:t>recoloring_picture</a:t>
+            </a:r>
+            <a:r>
+              <a:rPr lang="en-US" sz="1050" dirty="0" smtClean="0"/>
+              <a:t>()</a:t>
+            </a:r>
+            <a:endParaRPr lang="ru-RU" sz="1050" dirty="0"/>
+          </a:p>
+        </p:txBody>
+      </p:sp>
+      <p:sp>
+        <p:nvSpPr>
+          <p:cNvPr id="37" name="Скругленный прямоугольник 36"/>
+          <p:cNvSpPr/>
+          <p:nvPr/>
+        </p:nvSpPr>
+        <p:spPr>
+          <a:xfrm>
+            <a:off x="6120170" y="2431420"/>
+            <a:ext cx="1033623" cy="360040"/>
+          </a:xfrm>
+          <a:prstGeom prst="roundRect">
+            <a:avLst/>
+          </a:prstGeom>
+        </p:spPr>
+        <p:style>
+          <a:lnRef idx="2">
+            <a:schemeClr val="accent1">
+              <a:shade val="50000"/>
+            </a:schemeClr>
+          </a:lnRef>
+          <a:fillRef idx="1">
+            <a:schemeClr val="accent1"/>
+          </a:fillRef>
+          <a:effectRef idx="0">
+            <a:schemeClr val="accent1"/>
+          </a:effectRef>
+          <a:fontRef idx="minor">
+            <a:schemeClr val="lt1"/>
+          </a:fontRef>
+        </p:style>
+        <p:txBody>
+          <a:bodyPr rtlCol="0" anchor="ctr"/>
+          <a:lstStyle/>
+          <a:p>
+            <a:pPr algn="ctr"/>
+            <a:r>
+              <a:rPr lang="en-US" sz="1000" dirty="0" err="1"/>
+              <a:t>copy_picture</a:t>
+            </a:r>
+            <a:r>
+              <a:rPr lang="en-US" sz="1000" dirty="0" smtClean="0"/>
+              <a:t>()</a:t>
+            </a:r>
+            <a:endParaRPr lang="ru-RU" sz="1000" dirty="0"/>
+          </a:p>
+        </p:txBody>
+      </p:sp>
+      <p:sp>
+        <p:nvSpPr>
+          <p:cNvPr id="38" name="Скругленный прямоугольник 37"/>
+          <p:cNvSpPr/>
+          <p:nvPr/>
+        </p:nvSpPr>
+        <p:spPr>
+          <a:xfrm>
+            <a:off x="6120171" y="2977436"/>
+            <a:ext cx="1033622" cy="360040"/>
+          </a:xfrm>
+          <a:prstGeom prst="roundRect">
+            <a:avLst/>
+          </a:prstGeom>
+        </p:spPr>
+        <p:style>
+          <a:lnRef idx="2">
+            <a:schemeClr val="accent1">
+              <a:shade val="50000"/>
+            </a:schemeClr>
+          </a:lnRef>
+          <a:fillRef idx="1">
+            <a:schemeClr val="accent1"/>
+          </a:fillRef>
+          <a:effectRef idx="0">
+            <a:schemeClr val="accent1"/>
+          </a:effectRef>
+          <a:fontRef idx="minor">
+            <a:schemeClr val="lt1"/>
+          </a:fontRef>
+        </p:style>
+        <p:txBody>
+          <a:bodyPr rtlCol="0" anchor="ctr"/>
+          <a:lstStyle/>
+          <a:p>
+            <a:pPr algn="ctr"/>
+            <a:r>
+              <a:rPr lang="en-US" sz="1000" dirty="0" err="1"/>
+              <a:t>new_picture</a:t>
+            </a:r>
+            <a:r>
+              <a:rPr lang="en-US" sz="1000" dirty="0" smtClean="0"/>
+              <a:t>()</a:t>
+            </a:r>
+            <a:endParaRPr lang="ru-RU" sz="1000" dirty="0"/>
+          </a:p>
+        </p:txBody>
+      </p:sp>
+      <p:sp>
+        <p:nvSpPr>
+          <p:cNvPr id="39" name="Скругленный прямоугольник 38"/>
+          <p:cNvSpPr/>
+          <p:nvPr/>
+        </p:nvSpPr>
+        <p:spPr>
+          <a:xfrm>
+            <a:off x="6120171" y="3484156"/>
+            <a:ext cx="1033622" cy="360040"/>
+          </a:xfrm>
+          <a:prstGeom prst="roundRect">
+            <a:avLst/>
+          </a:prstGeom>
+        </p:spPr>
+        <p:style>
+          <a:lnRef idx="2">
+            <a:schemeClr val="accent1">
+              <a:shade val="50000"/>
+            </a:schemeClr>
+          </a:lnRef>
+          <a:fillRef idx="1">
+            <a:schemeClr val="accent1"/>
+          </a:fillRef>
+          <a:effectRef idx="0">
+            <a:schemeClr val="accent1"/>
+          </a:effectRef>
+          <a:fontRef idx="minor">
+            <a:schemeClr val="lt1"/>
+          </a:fontRef>
+        </p:style>
+        <p:txBody>
+          <a:bodyPr rtlCol="0" anchor="ctr"/>
+          <a:lstStyle/>
+          <a:p>
+            <a:pPr algn="ctr"/>
+            <a:r>
+              <a:rPr lang="en-US" sz="1000" dirty="0" err="1"/>
+              <a:t>exit_picture</a:t>
+            </a:r>
+            <a:r>
+              <a:rPr lang="en-US" sz="1000" dirty="0" smtClean="0"/>
+              <a:t>()</a:t>
+            </a:r>
+            <a:endParaRPr lang="ru-RU" sz="1000" dirty="0"/>
+          </a:p>
+        </p:txBody>
+      </p:sp>
+      <p:sp>
+        <p:nvSpPr>
+          <p:cNvPr id="40" name="Скругленный прямоугольник 39"/>
+          <p:cNvSpPr/>
+          <p:nvPr/>
+        </p:nvSpPr>
+        <p:spPr>
+          <a:xfrm>
+            <a:off x="6120173" y="3997789"/>
+            <a:ext cx="1033620" cy="360040"/>
+          </a:xfrm>
+          <a:prstGeom prst="roundRect">
+            <a:avLst/>
+          </a:prstGeom>
+        </p:spPr>
+        <p:style>
+          <a:lnRef idx="2">
+            <a:schemeClr val="accent1">
+              <a:shade val="50000"/>
+            </a:schemeClr>
+          </a:lnRef>
+          <a:fillRef idx="1">
+            <a:schemeClr val="accent1"/>
+          </a:fillRef>
+          <a:effectRef idx="0">
+            <a:schemeClr val="accent1"/>
+          </a:effectRef>
+          <a:fontRef idx="minor">
+            <a:schemeClr val="lt1"/>
+          </a:fontRef>
+        </p:style>
+        <p:txBody>
+          <a:bodyPr rtlCol="0" anchor="ctr"/>
+          <a:lstStyle/>
+          <a:p>
+            <a:pPr algn="ctr"/>
+            <a:r>
+              <a:rPr lang="en-US" sz="1000" dirty="0" err="1"/>
+              <a:t>roted_l</a:t>
+            </a:r>
+            <a:r>
+              <a:rPr lang="en-US" sz="1000" dirty="0" smtClean="0"/>
+              <a:t>()</a:t>
+            </a:r>
+            <a:endParaRPr lang="ru-RU" sz="1000" dirty="0"/>
+          </a:p>
+        </p:txBody>
+      </p:sp>
+      <p:sp>
+        <p:nvSpPr>
+          <p:cNvPr id="41" name="Скругленный прямоугольник 40"/>
+          <p:cNvSpPr/>
+          <p:nvPr/>
+        </p:nvSpPr>
+        <p:spPr>
+          <a:xfrm>
+            <a:off x="6120171" y="4535750"/>
+            <a:ext cx="1033622" cy="360040"/>
+          </a:xfrm>
+          <a:prstGeom prst="roundRect">
+            <a:avLst/>
+          </a:prstGeom>
+        </p:spPr>
+        <p:style>
+          <a:lnRef idx="2">
+            <a:schemeClr val="accent1">
+              <a:shade val="50000"/>
+            </a:schemeClr>
+          </a:lnRef>
+          <a:fillRef idx="1">
+            <a:schemeClr val="accent1"/>
+          </a:fillRef>
+          <a:effectRef idx="0">
+            <a:schemeClr val="accent1"/>
+          </a:effectRef>
+          <a:fontRef idx="minor">
+            <a:schemeClr val="lt1"/>
+          </a:fontRef>
+        </p:style>
+        <p:txBody>
+          <a:bodyPr rtlCol="0" anchor="ctr"/>
+          <a:lstStyle/>
+          <a:p>
+            <a:pPr algn="ctr"/>
+            <a:r>
+              <a:rPr lang="en-US" sz="1000" dirty="0" err="1" smtClean="0"/>
+              <a:t>roted_r</a:t>
+            </a:r>
+            <a:r>
+              <a:rPr lang="en-US" sz="1000" dirty="0" smtClean="0"/>
+              <a:t>()</a:t>
+            </a:r>
+            <a:endParaRPr lang="ru-RU" sz="1000" dirty="0"/>
+          </a:p>
+        </p:txBody>
+      </p:sp>
+      <p:sp>
+        <p:nvSpPr>
+          <p:cNvPr id="42" name="Скругленный прямоугольник 41"/>
+          <p:cNvSpPr/>
+          <p:nvPr/>
+        </p:nvSpPr>
+        <p:spPr>
+          <a:xfrm>
+            <a:off x="6120171" y="5088326"/>
+            <a:ext cx="1033622" cy="360040"/>
+          </a:xfrm>
+          <a:prstGeom prst="roundRect">
+            <a:avLst/>
+          </a:prstGeom>
+        </p:spPr>
+        <p:style>
+          <a:lnRef idx="2">
+            <a:schemeClr val="accent1">
+              <a:shade val="50000"/>
+            </a:schemeClr>
+          </a:lnRef>
+          <a:fillRef idx="1">
+            <a:schemeClr val="accent1"/>
+          </a:fillRef>
+          <a:effectRef idx="0">
+            <a:schemeClr val="accent1"/>
+          </a:effectRef>
+          <a:fontRef idx="minor">
+            <a:schemeClr val="lt1"/>
+          </a:fontRef>
+        </p:style>
+        <p:txBody>
+          <a:bodyPr rtlCol="0" anchor="ctr"/>
+          <a:lstStyle/>
+          <a:p>
+            <a:pPr algn="ctr"/>
+            <a:r>
+              <a:rPr lang="en-US" sz="1000" dirty="0"/>
+              <a:t>sepia</a:t>
+            </a:r>
+            <a:r>
+              <a:rPr lang="en-US" sz="1000" dirty="0" smtClean="0"/>
+              <a:t>()</a:t>
+            </a:r>
+            <a:endParaRPr lang="ru-RU" sz="1000" dirty="0"/>
+          </a:p>
+        </p:txBody>
+      </p:sp>
+      <p:cxnSp>
+        <p:nvCxnSpPr>
+          <p:cNvPr id="46" name="Соединительная линия уступом 45"/>
+          <p:cNvCxnSpPr>
+            <a:stCxn id="7" idx="2"/>
+            <a:endCxn id="37" idx="1"/>
+          </p:cNvCxnSpPr>
+          <p:nvPr/>
+        </p:nvCxnSpPr>
+        <p:spPr>
+          <a:xfrm rot="5400000">
+            <a:off x="5884574" y="2375842"/>
+            <a:ext cx="471194" cy="2"/>
+          </a:xfrm>
+          <a:prstGeom prst="bentConnector4">
+            <a:avLst>
+              <a:gd name="adj1" fmla="val 30897"/>
+              <a:gd name="adj2" fmla="val 11430100000"/>
+            </a:avLst>
+          </a:prstGeom>
+          <a:ln>
+            <a:tailEnd type="arrow"/>
+          </a:ln>
+        </p:spPr>
+        <p:style>
+          <a:lnRef idx="1">
+            <a:schemeClr val="accent1"/>
+          </a:lnRef>
+          <a:fillRef idx="0">
+            <a:schemeClr val="accent1"/>
+          </a:fillRef>
+          <a:effectRef idx="0">
+            <a:schemeClr val="accent1"/>
+          </a:effectRef>
+          <a:fontRef idx="minor">
+            <a:schemeClr val="tx1"/>
+          </a:fontRef>
+        </p:style>
+      </p:cxnSp>
+      <p:cxnSp>
+        <p:nvCxnSpPr>
+          <p:cNvPr id="51" name="Соединительная линия уступом 50"/>
+          <p:cNvCxnSpPr>
+            <a:stCxn id="7" idx="2"/>
+            <a:endCxn id="38" idx="1"/>
+          </p:cNvCxnSpPr>
+          <p:nvPr/>
+        </p:nvCxnSpPr>
+        <p:spPr>
+          <a:xfrm rot="5400000">
+            <a:off x="5611567" y="2648851"/>
+            <a:ext cx="1017210" cy="1"/>
+          </a:xfrm>
+          <a:prstGeom prst="bentConnector4">
+            <a:avLst>
+              <a:gd name="adj1" fmla="val 14450"/>
+              <a:gd name="adj2" fmla="val 22860100000"/>
+            </a:avLst>
+          </a:prstGeom>
+          <a:ln>
+            <a:tailEnd type="arrow"/>
+          </a:ln>
+        </p:spPr>
+        <p:style>
+          <a:lnRef idx="1">
+            <a:schemeClr val="accent1"/>
+          </a:lnRef>
+          <a:fillRef idx="0">
+            <a:schemeClr val="accent1"/>
+          </a:fillRef>
+          <a:effectRef idx="0">
+            <a:schemeClr val="accent1"/>
+          </a:effectRef>
+          <a:fontRef idx="minor">
+            <a:schemeClr val="tx1"/>
+          </a:fontRef>
+        </p:style>
+      </p:cxnSp>
+      <p:cxnSp>
+        <p:nvCxnSpPr>
+          <p:cNvPr id="54" name="Соединительная линия уступом 53"/>
+          <p:cNvCxnSpPr>
+            <a:stCxn id="7" idx="2"/>
+            <a:endCxn id="39" idx="1"/>
+          </p:cNvCxnSpPr>
+          <p:nvPr/>
+        </p:nvCxnSpPr>
+        <p:spPr>
+          <a:xfrm rot="5400000">
+            <a:off x="5358207" y="2902211"/>
+            <a:ext cx="1523930" cy="1"/>
+          </a:xfrm>
+          <a:prstGeom prst="bentConnector4">
+            <a:avLst>
+              <a:gd name="adj1" fmla="val 9043"/>
+              <a:gd name="adj2" fmla="val 22860100000"/>
+            </a:avLst>
+          </a:prstGeom>
+          <a:ln>
+            <a:tailEnd type="arrow"/>
+          </a:ln>
+        </p:spPr>
+        <p:style>
+          <a:lnRef idx="1">
+            <a:schemeClr val="accent1"/>
+          </a:lnRef>
+          <a:fillRef idx="0">
+            <a:schemeClr val="accent1"/>
+          </a:fillRef>
+          <a:effectRef idx="0">
+            <a:schemeClr val="accent1"/>
+          </a:effectRef>
+          <a:fontRef idx="minor">
+            <a:schemeClr val="tx1"/>
+          </a:fontRef>
+        </p:style>
+      </p:cxnSp>
+      <p:cxnSp>
+        <p:nvCxnSpPr>
+          <p:cNvPr id="60" name="Соединительная линия уступом 59"/>
+          <p:cNvCxnSpPr>
+            <a:stCxn id="7" idx="2"/>
+            <a:endCxn id="41" idx="1"/>
+          </p:cNvCxnSpPr>
+          <p:nvPr/>
+        </p:nvCxnSpPr>
+        <p:spPr>
+          <a:xfrm rot="5400000">
+            <a:off x="4832410" y="3428008"/>
+            <a:ext cx="2575524" cy="1"/>
+          </a:xfrm>
+          <a:prstGeom prst="bentConnector4">
+            <a:avLst>
+              <a:gd name="adj1" fmla="val 6080"/>
+              <a:gd name="adj2" fmla="val 22860100000"/>
+            </a:avLst>
+          </a:prstGeom>
+          <a:ln>
+            <a:tailEnd type="arrow"/>
+          </a:ln>
+        </p:spPr>
+        <p:style>
+          <a:lnRef idx="1">
+            <a:schemeClr val="accent1"/>
+          </a:lnRef>
+          <a:fillRef idx="0">
+            <a:schemeClr val="accent1"/>
+          </a:fillRef>
+          <a:effectRef idx="0">
+            <a:schemeClr val="accent1"/>
+          </a:effectRef>
+          <a:fontRef idx="minor">
+            <a:schemeClr val="tx1"/>
+          </a:fontRef>
+        </p:style>
+      </p:cxnSp>
+      <p:cxnSp>
+        <p:nvCxnSpPr>
+          <p:cNvPr id="62" name="Соединительная линия уступом 61"/>
+          <p:cNvCxnSpPr>
+            <a:stCxn id="7" idx="2"/>
+            <a:endCxn id="42" idx="1"/>
+          </p:cNvCxnSpPr>
+          <p:nvPr/>
+        </p:nvCxnSpPr>
+        <p:spPr>
+          <a:xfrm rot="5400000">
+            <a:off x="4556122" y="3704296"/>
+            <a:ext cx="3128100" cy="1"/>
+          </a:xfrm>
+          <a:prstGeom prst="bentConnector4">
+            <a:avLst>
+              <a:gd name="adj1" fmla="val 4867"/>
+              <a:gd name="adj2" fmla="val 22860100000"/>
+            </a:avLst>
+          </a:prstGeom>
+          <a:ln>
+            <a:tailEnd type="arrow"/>
+          </a:ln>
+        </p:spPr>
+        <p:style>
+          <a:lnRef idx="1">
+            <a:schemeClr val="accent1"/>
+          </a:lnRef>
+          <a:fillRef idx="0">
+            <a:schemeClr val="accent1"/>
+          </a:fillRef>
+          <a:effectRef idx="0">
+            <a:schemeClr val="accent1"/>
+          </a:effectRef>
+          <a:fontRef idx="minor">
+            <a:schemeClr val="tx1"/>
+          </a:fontRef>
+        </p:style>
+      </p:cxnSp>
+      <p:cxnSp>
+        <p:nvCxnSpPr>
+          <p:cNvPr id="71" name="Соединительная линия уступом 70"/>
+          <p:cNvCxnSpPr>
+            <a:endCxn id="33" idx="1"/>
+          </p:cNvCxnSpPr>
+          <p:nvPr/>
+        </p:nvCxnSpPr>
+        <p:spPr>
+          <a:xfrm rot="16200000" flipH="1">
+            <a:off x="7186436" y="2528389"/>
+            <a:ext cx="870053" cy="381796"/>
+          </a:xfrm>
+          <a:prstGeom prst="bentConnector2">
+            <a:avLst/>
+          </a:prstGeom>
+          <a:ln>
+            <a:tailEnd type="arrow"/>
+          </a:ln>
+        </p:spPr>
+        <p:style>
+          <a:lnRef idx="1">
+            <a:schemeClr val="accent1"/>
+          </a:lnRef>
+          <a:fillRef idx="0">
+            <a:schemeClr val="accent1"/>
+          </a:fillRef>
+          <a:effectRef idx="0">
+            <a:schemeClr val="accent1"/>
+          </a:effectRef>
+          <a:fontRef idx="minor">
+            <a:schemeClr val="tx1"/>
+          </a:fontRef>
+        </p:style>
+      </p:cxnSp>
+      <p:cxnSp>
+        <p:nvCxnSpPr>
+          <p:cNvPr id="73" name="Соединительная линия уступом 72"/>
+          <p:cNvCxnSpPr>
+            <a:endCxn id="34" idx="1"/>
+          </p:cNvCxnSpPr>
+          <p:nvPr/>
+        </p:nvCxnSpPr>
+        <p:spPr>
+          <a:xfrm rot="16200000" flipH="1">
+            <a:off x="6933077" y="2781750"/>
+            <a:ext cx="1376771" cy="381796"/>
+          </a:xfrm>
+          <a:prstGeom prst="bentConnector2">
+            <a:avLst/>
+          </a:prstGeom>
+          <a:ln>
+            <a:tailEnd type="arrow"/>
+          </a:ln>
+        </p:spPr>
+        <p:style>
+          <a:lnRef idx="1">
+            <a:schemeClr val="accent1"/>
+          </a:lnRef>
+          <a:fillRef idx="0">
+            <a:schemeClr val="accent1"/>
+          </a:fillRef>
+          <a:effectRef idx="0">
+            <a:schemeClr val="accent1"/>
+          </a:effectRef>
+          <a:fontRef idx="minor">
+            <a:schemeClr val="tx1"/>
+          </a:fontRef>
+        </p:style>
+      </p:cxnSp>
+      <p:cxnSp>
+        <p:nvCxnSpPr>
+          <p:cNvPr id="75" name="Соединительная линия уступом 74"/>
+          <p:cNvCxnSpPr>
+            <a:endCxn id="35" idx="1"/>
+          </p:cNvCxnSpPr>
+          <p:nvPr/>
+        </p:nvCxnSpPr>
+        <p:spPr>
+          <a:xfrm rot="16200000" flipH="1">
+            <a:off x="7364646" y="3726952"/>
+            <a:ext cx="513633" cy="381796"/>
+          </a:xfrm>
+          <a:prstGeom prst="bentConnector2">
+            <a:avLst/>
+          </a:prstGeom>
+          <a:ln>
+            <a:tailEnd type="arrow"/>
+          </a:ln>
+        </p:spPr>
+        <p:style>
+          <a:lnRef idx="1">
+            <a:schemeClr val="accent1"/>
+          </a:lnRef>
+          <a:fillRef idx="0">
+            <a:schemeClr val="accent1"/>
+          </a:fillRef>
+          <a:effectRef idx="0">
+            <a:schemeClr val="accent1"/>
+          </a:effectRef>
+          <a:fontRef idx="minor">
+            <a:schemeClr val="tx1"/>
+          </a:fontRef>
+        </p:style>
+      </p:cxnSp>
+      <p:cxnSp>
+        <p:nvCxnSpPr>
+          <p:cNvPr id="81" name="Соединительная линия уступом 80"/>
+          <p:cNvCxnSpPr>
+            <a:stCxn id="7" idx="2"/>
+          </p:cNvCxnSpPr>
+          <p:nvPr/>
+        </p:nvCxnSpPr>
+        <p:spPr>
+          <a:xfrm rot="16200000" flipH="1">
+            <a:off x="6620859" y="1639558"/>
+            <a:ext cx="144016" cy="1145391"/>
+          </a:xfrm>
+          <a:prstGeom prst="bentConnector2">
+            <a:avLst/>
+          </a:prstGeom>
+        </p:spPr>
+        <p:style>
+          <a:lnRef idx="1">
+            <a:schemeClr val="accent1"/>
+          </a:lnRef>
+          <a:fillRef idx="0">
+            <a:schemeClr val="accent1"/>
+          </a:fillRef>
+          <a:effectRef idx="0">
+            <a:schemeClr val="accent1"/>
+          </a:effectRef>
+          <a:fontRef idx="minor">
+            <a:schemeClr val="tx1"/>
+          </a:fontRef>
+        </p:style>
+      </p:cxnSp>
+      <p:cxnSp>
+        <p:nvCxnSpPr>
+          <p:cNvPr id="85" name="Соединительная линия уступом 84"/>
+          <p:cNvCxnSpPr>
+            <a:endCxn id="16" idx="1"/>
+          </p:cNvCxnSpPr>
+          <p:nvPr/>
+        </p:nvCxnSpPr>
+        <p:spPr>
+          <a:xfrm>
+            <a:off x="7041257" y="2284262"/>
+            <a:ext cx="771103" cy="324036"/>
+          </a:xfrm>
+          <a:prstGeom prst="bentConnector3">
+            <a:avLst>
+              <a:gd name="adj1" fmla="val 51174"/>
+            </a:avLst>
+          </a:prstGeom>
+          <a:ln>
+            <a:tailEnd type="arrow"/>
+          </a:ln>
+        </p:spPr>
+        <p:style>
+          <a:lnRef idx="1">
+            <a:schemeClr val="accent1"/>
+          </a:lnRef>
+          <a:fillRef idx="0">
+            <a:schemeClr val="accent1"/>
+          </a:fillRef>
+          <a:effectRef idx="0">
+            <a:schemeClr val="accent1"/>
+          </a:effectRef>
+          <a:fontRef idx="minor">
+            <a:schemeClr val="tx1"/>
+          </a:fontRef>
+        </p:style>
+      </p:cxnSp>
+      <p:cxnSp>
+        <p:nvCxnSpPr>
+          <p:cNvPr id="90" name="Соединительная линия уступом 89"/>
+          <p:cNvCxnSpPr/>
+          <p:nvPr/>
+        </p:nvCxnSpPr>
+        <p:spPr>
+          <a:xfrm rot="5400000">
+            <a:off x="5544108" y="1844824"/>
+            <a:ext cx="288032" cy="864096"/>
+          </a:xfrm>
+          <a:prstGeom prst="bentConnector3">
+            <a:avLst/>
+          </a:prstGeom>
+          <a:ln>
+            <a:tailEnd type="arrow"/>
+          </a:ln>
+        </p:spPr>
+        <p:style>
+          <a:lnRef idx="1">
+            <a:schemeClr val="accent1"/>
+          </a:lnRef>
+          <a:fillRef idx="0">
+            <a:schemeClr val="accent1"/>
+          </a:fillRef>
+          <a:effectRef idx="0">
+            <a:schemeClr val="accent1"/>
+          </a:effectRef>
+          <a:fontRef idx="minor">
+            <a:schemeClr val="tx1"/>
+          </a:fontRef>
+        </p:style>
+      </p:cxnSp>
+      <p:cxnSp>
+        <p:nvCxnSpPr>
+          <p:cNvPr id="92" name="Соединительная линия уступом 91"/>
+          <p:cNvCxnSpPr>
+            <a:stCxn id="9" idx="2"/>
+            <a:endCxn id="13" idx="0"/>
+          </p:cNvCxnSpPr>
+          <p:nvPr/>
+        </p:nvCxnSpPr>
+        <p:spPr>
+          <a:xfrm rot="16200000" flipH="1">
+            <a:off x="3757718" y="2443082"/>
+            <a:ext cx="332420" cy="864096"/>
+          </a:xfrm>
+          <a:prstGeom prst="bentConnector3">
+            <a:avLst/>
+          </a:prstGeom>
+          <a:ln>
+            <a:tailEnd type="arrow"/>
+          </a:ln>
+        </p:spPr>
+        <p:style>
+          <a:lnRef idx="1">
+            <a:schemeClr val="accent1"/>
+          </a:lnRef>
+          <a:fillRef idx="0">
+            <a:schemeClr val="accent1"/>
+          </a:fillRef>
+          <a:effectRef idx="0">
+            <a:schemeClr val="accent1"/>
+          </a:effectRef>
+          <a:fontRef idx="minor">
+            <a:schemeClr val="tx1"/>
+          </a:fontRef>
+        </p:style>
+      </p:cxnSp>
+      <p:cxnSp>
+        <p:nvCxnSpPr>
+          <p:cNvPr id="94" name="Соединительная линия уступом 93"/>
+          <p:cNvCxnSpPr>
+            <a:stCxn id="9" idx="2"/>
+            <a:endCxn id="14" idx="0"/>
+          </p:cNvCxnSpPr>
+          <p:nvPr/>
+        </p:nvCxnSpPr>
+        <p:spPr>
+          <a:xfrm rot="5400000">
+            <a:off x="2785610" y="2335070"/>
+            <a:ext cx="332420" cy="1080120"/>
+          </a:xfrm>
+          <a:prstGeom prst="bentConnector3">
+            <a:avLst/>
+          </a:prstGeom>
+          <a:ln>
+            <a:tailEnd type="arrow"/>
+          </a:ln>
+        </p:spPr>
+        <p:style>
+          <a:lnRef idx="1">
+            <a:schemeClr val="accent1"/>
+          </a:lnRef>
+          <a:fillRef idx="0">
+            <a:schemeClr val="accent1"/>
+          </a:fillRef>
+          <a:effectRef idx="0">
+            <a:schemeClr val="accent1"/>
+          </a:effectRef>
+          <a:fontRef idx="minor">
+            <a:schemeClr val="tx1"/>
+          </a:fontRef>
+        </p:style>
+      </p:cxnSp>
+      <p:cxnSp>
+        <p:nvCxnSpPr>
+          <p:cNvPr id="140" name="Прямая со стрелкой 139"/>
+          <p:cNvCxnSpPr/>
+          <p:nvPr/>
+        </p:nvCxnSpPr>
+        <p:spPr>
+          <a:xfrm>
+            <a:off x="5868144" y="4177809"/>
+            <a:ext cx="252029" cy="0"/>
+          </a:xfrm>
+          <a:prstGeom prst="straightConnector1">
+            <a:avLst/>
+          </a:prstGeom>
+          <a:ln>
+            <a:tailEnd type="arrow"/>
+          </a:ln>
+        </p:spPr>
+        <p:style>
+          <a:lnRef idx="1">
+            <a:schemeClr val="accent1"/>
+          </a:lnRef>
+          <a:fillRef idx="0">
+            <a:schemeClr val="accent1"/>
+          </a:fillRef>
+          <a:effectRef idx="0">
+            <a:schemeClr val="accent1"/>
+          </a:effectRef>
+          <a:fontRef idx="minor">
+            <a:schemeClr val="tx1"/>
+          </a:fontRef>
+        </p:style>
+      </p:cxnSp>
+    </p:spTree>
+    <p:extLst>
+      <p:ext uri="{BB962C8B-B14F-4D97-AF65-F5344CB8AC3E}">
+        <p14:creationId xmlns:p14="http://schemas.microsoft.com/office/powerpoint/2010/main" val="660633200"/>
+      </p:ext>
+    </p:extLst>
+  </p:cSld>
+  <p:clrMapOvr>
+    <a:masterClrMapping/>
+  </p:clrMapOvr>
+  <mc:AlternateContent xmlns:mc="http://schemas.openxmlformats.org/markup-compatibility/2006">
+    <mc:Choice xmlns:p14="http://schemas.microsoft.com/office/powerpoint/2010/main" Requires="p14">
+      <p:transition spd="med" p14:dur="700">
+        <p:fade/>
+      </p:transition>
+    </mc:Choice>
+    <mc:Fallback>
+      <p:transition spd="med">
+        <p:fade/>
+      </p:transition>
+    </mc:Fallback>
+  </mc:AlternateContent>
+  <p:timing>
+    <p:tnLst>
+      <p:par>
+        <p:cTn id="1" dur="indefinite" restart="never" nodeType="tmRoot"/>
+      </p:par>
+    </p:tnLst>
+  </p:timing>
+</p:sld>
+</file>
+
+<file path=ppt/slides/slide7.xml><?xml version="1.0" encoding="utf-8"?>
+<p:sld xmlns:a="http://schemas.openxmlformats.org/drawingml/2006/main" xmlns:r="http://schemas.openxmlformats.org/officeDocument/2006/relationships" xmlns:p="http://schemas.openxmlformats.org/presentationml/2006/main">
+  <p:cSld>
+    <p:spTree>
+      <p:nvGrpSpPr>
+        <p:cNvPr id="1" name=""/>
+        <p:cNvGrpSpPr/>
+        <p:nvPr/>
+      </p:nvGrpSpPr>
+      <p:grpSpPr>
+        <a:xfrm>
+          <a:off x="0" y="0"/>
+          <a:ext cx="0" cy="0"/>
+          <a:chOff x="0" y="0"/>
+          <a:chExt cx="0" cy="0"/>
+        </a:xfrm>
+      </p:grpSpPr>
+      <p:sp>
+        <p:nvSpPr>
+          <p:cNvPr id="2" name="Заголовок 1"/>
+          <p:cNvSpPr>
+            <a:spLocks noGrp="1"/>
+          </p:cNvSpPr>
+          <p:nvPr>
+            <p:ph type="title"/>
+          </p:nvPr>
+        </p:nvSpPr>
+        <p:spPr/>
+        <p:txBody>
+          <a:bodyPr/>
+          <a:lstStyle/>
+          <a:p>
+            <a:pPr algn="ctr"/>
+            <a:r>
+              <a:rPr lang="ru-RU" dirty="0" smtClean="0">
+                <a:latin typeface="Times New Roman" panose="02020603050405020304" pitchFamily="18" charset="0"/>
+                <a:cs typeface="Times New Roman" panose="02020603050405020304" pitchFamily="18" charset="0"/>
+              </a:rPr>
+              <a:t>Заключение</a:t>
+            </a:r>
+            <a:endParaRPr lang="ru-RU" dirty="0">
+              <a:latin typeface="Times New Roman" panose="02020603050405020304" pitchFamily="18" charset="0"/>
+              <a:cs typeface="Times New Roman" panose="02020603050405020304" pitchFamily="18" charset="0"/>
+            </a:endParaRPr>
+          </a:p>
+        </p:txBody>
+      </p:sp>
+      <p:sp>
+        <p:nvSpPr>
+          <p:cNvPr id="3" name="TextBox 2"/>
+          <p:cNvSpPr txBox="1"/>
+          <p:nvPr/>
+        </p:nvSpPr>
+        <p:spPr>
+          <a:xfrm>
+            <a:off x="467544" y="1628800"/>
+            <a:ext cx="8208912" cy="923330"/>
+          </a:xfrm>
+          <a:prstGeom prst="rect">
+            <a:avLst/>
+          </a:prstGeom>
+          <a:noFill/>
+        </p:spPr>
+        <p:txBody>
+          <a:bodyPr wrap="square" rtlCol="0">
+            <a:spAutoFit/>
+          </a:bodyPr>
+          <a:lstStyle/>
+          <a:p>
+            <a:r>
+              <a:rPr lang="ru-RU" dirty="0" smtClean="0"/>
+              <a:t>Мною был реализован фоторедактор, который может поворачивать изображение, применять к изображению фильтр, создавать копии изображений, изменять процентную составляющую цвета в изображении.</a:t>
+            </a:r>
+            <a:endParaRPr lang="ru-RU" dirty="0"/>
+          </a:p>
+        </p:txBody>
+      </p:sp>
+    </p:spTree>
+    <p:extLst>
+      <p:ext uri="{BB962C8B-B14F-4D97-AF65-F5344CB8AC3E}">
+        <p14:creationId xmlns:p14="http://schemas.microsoft.com/office/powerpoint/2010/main" val="66064094"/>
+      </p:ext>
+    </p:extLst>
+  </p:cSld>
+  <p:clrMapOvr>
+    <a:masterClrMapping/>
+  </p:clrMapOvr>
+  <mc:AlternateContent xmlns:mc="http://schemas.openxmlformats.org/markup-compatibility/2006">
+    <mc:Choice xmlns:p14="http://schemas.microsoft.com/office/powerpoint/2010/main" Requires="p14">
+      <p:transition spd="med" p14:dur="700">
+        <p:fade/>
+      </p:transition>
+    </mc:Choice>
+    <mc:Fallback>
+      <p:transition spd="med">
+        <p:fade/>
+      </p:transition>
+    </mc:Fallback>
+  </mc:AlternateContent>
+  <p:timing>
+    <p:tnLst>
+      <p:par>
+        <p:cTn id="1" dur="indefinite" restart="never" nodeType="tmRoot"/>
+      </p:par>
+    </p:tnLst>
+  </p:timing>
+</p:sld>
+</file>
+
+<file path=ppt/slides/slide8.xml><?xml version="1.0" encoding="utf-8"?>
+<p:sld xmlns:a="http://schemas.openxmlformats.org/drawingml/2006/main" xmlns:r="http://schemas.openxmlformats.org/officeDocument/2006/relationships" xmlns:p="http://schemas.openxmlformats.org/presentationml/2006/main">
+  <p:cSld>
+    <p:spTree>
+      <p:nvGrpSpPr>
+        <p:cNvPr id="1" name=""/>
+        <p:cNvGrpSpPr/>
+        <p:nvPr/>
+      </p:nvGrpSpPr>
+      <p:grpSpPr>
+        <a:xfrm>
+          <a:off x="0" y="0"/>
+          <a:ext cx="0" cy="0"/>
+          <a:chOff x="0" y="0"/>
+          <a:chExt cx="0" cy="0"/>
+        </a:xfrm>
+      </p:grpSpPr>
+      <p:sp>
+        <p:nvSpPr>
+          <p:cNvPr id="2" name="Заголовок 1"/>
+          <p:cNvSpPr>
+            <a:spLocks noGrp="1"/>
+          </p:cNvSpPr>
+          <p:nvPr>
+            <p:ph type="title"/>
+          </p:nvPr>
+        </p:nvSpPr>
+        <p:spPr>
+          <a:xfrm>
+            <a:off x="539552" y="2780928"/>
+            <a:ext cx="8229600" cy="1143000"/>
+          </a:xfrm>
+        </p:spPr>
+        <p:txBody>
+          <a:bodyPr/>
+          <a:lstStyle/>
+          <a:p>
+            <a:pPr algn="ctr"/>
+            <a:r>
+              <a:rPr lang="ru-RU" dirty="0" smtClean="0">
+                <a:latin typeface="+mn-lt"/>
+              </a:rPr>
+              <a:t>Спасибо за внимание</a:t>
+            </a:r>
+            <a:endParaRPr lang="ru-RU" dirty="0">
+              <a:latin typeface="+mn-lt"/>
+            </a:endParaRPr>
+          </a:p>
+        </p:txBody>
+      </p:sp>
+    </p:spTree>
+    <p:extLst>
+      <p:ext uri="{BB962C8B-B14F-4D97-AF65-F5344CB8AC3E}">
+        <p14:creationId xmlns:p14="http://schemas.microsoft.com/office/powerpoint/2010/main" val="794929104"/>
+      </p:ext>
+    </p:extLst>
+  </p:cSld>
+  <p:clrMapOvr>
+    <a:masterClrMapping/>
+  </p:clrMapOvr>
+  <mc:AlternateContent xmlns:mc="http://schemas.openxmlformats.org/markup-compatibility/2006">
+    <mc:Choice xmlns:p14="http://schemas.microsoft.com/office/powerpoint/2010/main" Requires="p14">
+      <p:transition spd="med" p14:dur="700">
+        <p:fade/>
+      </p:transition>
+    </mc:Choice>
+    <mc:Fallback>
+      <p:transition spd="med">
+        <p:fade/>
+      </p:transition>
+    </mc:Fallback>
+  </mc:AlternateContent>
+  <p:timing>
+    <p:tnLst>
+      <p:par>
+        <p:cTn id="1" dur="indefinite" restart="never" nodeType="tmRoot"/>
+      </p:par>
+    </p:tnLst>
+  </p:timing>
+</p:sld>
+</file>
+
 <file path=ppt/theme/theme1.xml><?xml version="1.0" encoding="utf-8"?>
-<a:theme xmlns:a="http://schemas.openxmlformats.org/drawingml/2006/main" name="Тема Office">
+<a:theme xmlns:a="http://schemas.openxmlformats.org/drawingml/2006/main" name="Горизонт">
   <a:themeElements>
-    <a:clrScheme name="Стандартная">
+    <a:clrScheme name="Горизонт">
       <a:dk1>
-        <a:sysClr val="windowText" lastClr="000000"/>
+        <a:srgbClr val="000000"/>
       </a:dk1>
       <a:lt1>
-        <a:sysClr val="window" lastClr="FFFFFF"/>
+        <a:srgbClr val="FFFFFF"/>
       </a:lt1>
       <a:dk2>
-        <a:srgbClr val="1F497D"/>
+        <a:srgbClr val="1F2123"/>
       </a:dk2>
       <a:lt2>
-        <a:srgbClr val="EEECE1"/>
+        <a:srgbClr val="DC9E1F"/>
       </a:lt2>
       <a:accent1>
-        <a:srgbClr val="4F81BD"/>
+        <a:srgbClr val="7E97AD"/>
       </a:accent1>
       <a:accent2>
-        <a:srgbClr val="C0504D"/>
+        <a:srgbClr val="CC8E60"/>
       </a:accent2>
       <a:accent3>
-        <a:srgbClr val="9BBB59"/>
+        <a:srgbClr val="7A6A60"/>
       </a:accent3>
       <a:accent4>
-        <a:srgbClr val="8064A2"/>
+        <a:srgbClr val="B4936D"/>
       </a:accent4>
       <a:accent5>
-        <a:srgbClr val="4BACC6"/>
+        <a:srgbClr val="67787B"/>
       </a:accent5>
       <a:accent6>
-        <a:srgbClr val="F79646"/>
+        <a:srgbClr val="9D936F"/>
       </a:accent6>
       <a:hlink>
-        <a:srgbClr val="0000FF"/>
+        <a:srgbClr val="646464"/>
       </a:hlink>
       <a:folHlink>
-        <a:srgbClr val="800080"/>
+        <a:srgbClr val="969696"/>
       </a:folHlink>
     </a:clrScheme>
-    <a:fontScheme name="Стандартная">
+    <a:fontScheme name="Горизонт">
       <a:majorFont>
-        <a:latin typeface="Calibri"/>
+        <a:latin typeface="Arial Narrow"/>
         <a:ea typeface=""/>
         <a:cs typeface=""/>
-        <a:font script="Jpan" typeface="ＭＳ Ｐゴシック"/>
-        <a:font script="Hang" typeface="맑은 고딕"/>
-        <a:font script="Hans" typeface="宋体"/>
-        <a:font script="Hant" typeface="新細明體"/>
-        <a:font script="Arab" typeface="Times New Roman"/>
-        <a:font script="Hebr" typeface="Times New Roman"/>
-        <a:font script="Thai" typeface="Angsana New"/>
-        <a:font script="Ethi" typeface="Nyala"/>
-        <a:font script="Beng" typeface="Vrinda"/>
-        <a:font script="Gujr" typeface="Shruti"/>
-        <a:font script="Khmr" typeface="MoolBoran"/>
-        <a:font script="Knda" typeface="Tunga"/>
-        <a:font script="Guru" typeface="Raavi"/>
-        <a:font script="Cans" typeface="Euphemia"/>
-        <a:font script="Cher" typeface="Plantagenet Cherokee"/>
-        <a:font script="Yiii" typeface="Microsoft Yi Baiti"/>
-        <a:font script="Tibt" typeface="Microsoft Himalaya"/>
-        <a:font script="Thaa" typeface="MV Boli"/>
-        <a:font script="Deva" typeface="Mangal"/>
-        <a:font script="Telu" typeface="Gautami"/>
-        <a:font script="Taml" typeface="Latha"/>
-        <a:font script="Syrc" typeface="Estrangelo Edessa"/>
-        <a:font script="Orya" typeface="Kalinga"/>
-        <a:font script="Mlym" typeface="Kartika"/>
-        <a:font script="Laoo" typeface="DokChampa"/>
-        <a:font script="Sinh" typeface="Iskoola Pota"/>
-        <a:font script="Mong" typeface="Mongolian Baiti"/>
-        <a:font script="Viet" typeface="Times New Roman"/>
-        <a:font script="Uigh" typeface="Microsoft Uighur"/>
-      </a:majorFont>
-      <a:minorFont>
-        <a:latin typeface="Calibri"/>
-        <a:ea typeface=""/>
-        <a:cs typeface=""/>
-        <a:font script="Jpan" typeface="ＭＳ Ｐゴシック"/>
-        <a:font script="Hang" typeface="맑은 고딕"/>
-        <a:font script="Hans" typeface="宋体"/>
-        <a:font script="Hant" typeface="新細明體"/>
+        <a:font script="Jpan" typeface="HGｺﾞｼｯｸM"/>
+        <a:font script="Hang" typeface="HY얕은샘물M"/>
+        <a:font script="Hans" typeface="方正姚体"/>
+        <a:font script="Hant" typeface="微軟正黑體"/>
         <a:font script="Arab" typeface="Arial"/>
-        <a:font script="Hebr" typeface="Arial"/>
-        <a:font script="Thai" typeface="Cordia New"/>
+        <a:font script="Hebr" typeface="Levenim MT"/>
+        <a:font script="Thai" typeface="FreesiaUPC"/>
         <a:font script="Ethi" typeface="Nyala"/>
         <a:font script="Beng" typeface="Vrinda"/>
         <a:font script="Gujr" typeface="Shruti"/>
@@ -3122,11 +6120,47 @@
         <a:font script="Laoo" typeface="DokChampa"/>
         <a:font script="Sinh" typeface="Iskoola Pota"/>
         <a:font script="Mong" typeface="Mongolian Baiti"/>
-        <a:font script="Viet" typeface="Arial"/>
+        <a:font script="Viet" typeface="Tahoma"/>
         <a:font script="Uigh" typeface="Microsoft Uighur"/>
+        <a:font script="Geor" typeface="Sylfaen"/>
+      </a:majorFont>
+      <a:minorFont>
+        <a:latin typeface="Arial Narrow"/>
+        <a:ea typeface=""/>
+        <a:cs typeface=""/>
+        <a:font script="Jpan" typeface="HGｺﾞｼｯｸM"/>
+        <a:font script="Hang" typeface="HY얕은샘물M"/>
+        <a:font script="Hans" typeface="方正姚体"/>
+        <a:font script="Hant" typeface="微軟正黑體"/>
+        <a:font script="Arab" typeface="Arial"/>
+        <a:font script="Hebr" typeface="Levenim MT"/>
+        <a:font script="Thai" typeface="FreesiaUPC"/>
+        <a:font script="Ethi" typeface="Nyala"/>
+        <a:font script="Beng" typeface="Vrinda"/>
+        <a:font script="Gujr" typeface="Shruti"/>
+        <a:font script="Khmr" typeface="DaunPenh"/>
+        <a:font script="Knda" typeface="Tunga"/>
+        <a:font script="Guru" typeface="Raavi"/>
+        <a:font script="Cans" typeface="Euphemia"/>
+        <a:font script="Cher" typeface="Plantagenet Cherokee"/>
+        <a:font script="Yiii" typeface="Microsoft Yi Baiti"/>
+        <a:font script="Tibt" typeface="Microsoft Himalaya"/>
+        <a:font script="Thaa" typeface="MV Boli"/>
+        <a:font script="Deva" typeface="Mangal"/>
+        <a:font script="Telu" typeface="Gautami"/>
+        <a:font script="Taml" typeface="Latha"/>
+        <a:font script="Syrc" typeface="Estrangelo Edessa"/>
+        <a:font script="Orya" typeface="Kalinga"/>
+        <a:font script="Mlym" typeface="Kartika"/>
+        <a:font script="Laoo" typeface="DokChampa"/>
+        <a:font script="Sinh" typeface="Iskoola Pota"/>
+        <a:font script="Mong" typeface="Mongolian Baiti"/>
+        <a:font script="Viet" typeface="Tahoma"/>
+        <a:font script="Uigh" typeface="Microsoft Uighur"/>
+        <a:font script="Geor" typeface="Sylfaen"/>
       </a:minorFont>
     </a:fontScheme>
-    <a:fmtScheme name="Стандартная">
+    <a:fmtScheme name="Горизонт">
       <a:fillStyleLst>
         <a:solidFill>
           <a:schemeClr val="phClr"/>
@@ -3135,68 +6169,62 @@
           <a:gsLst>
             <a:gs pos="0">
               <a:schemeClr val="phClr">
-                <a:tint val="50000"/>
-                <a:satMod val="300000"/>
-              </a:schemeClr>
-            </a:gs>
-            <a:gs pos="35000">
-              <a:schemeClr val="phClr">
-                <a:tint val="37000"/>
-                <a:satMod val="300000"/>
+                <a:tint val="83000"/>
+                <a:shade val="100000"/>
+                <a:satMod val="100000"/>
               </a:schemeClr>
             </a:gs>
             <a:gs pos="100000">
               <a:schemeClr val="phClr">
-                <a:tint val="15000"/>
-                <a:satMod val="350000"/>
+                <a:tint val="61000"/>
+                <a:alpha val="100000"/>
+                <a:satMod val="200000"/>
               </a:schemeClr>
             </a:gs>
           </a:gsLst>
-          <a:lin ang="16200000" scaled="1"/>
+          <a:path path="circle">
+            <a:fillToRect l="100000" t="100000" r="100000" b="100000"/>
+          </a:path>
         </a:gradFill>
         <a:gradFill rotWithShape="1">
           <a:gsLst>
             <a:gs pos="0">
               <a:schemeClr val="phClr">
-                <a:shade val="51000"/>
-                <a:satMod val="130000"/>
-              </a:schemeClr>
-            </a:gs>
-            <a:gs pos="80000">
-              <a:schemeClr val="phClr">
-                <a:shade val="93000"/>
-                <a:satMod val="130000"/>
+                <a:shade val="85000"/>
               </a:schemeClr>
             </a:gs>
             <a:gs pos="100000">
               <a:schemeClr val="phClr">
-                <a:shade val="94000"/>
-                <a:satMod val="135000"/>
+                <a:tint val="90000"/>
+                <a:alpha val="100000"/>
+                <a:satMod val="200000"/>
               </a:schemeClr>
             </a:gs>
           </a:gsLst>
-          <a:lin ang="16200000" scaled="0"/>
+          <a:path path="circle">
+            <a:fillToRect l="100000" t="100000" r="100000" b="100000"/>
+          </a:path>
         </a:gradFill>
       </a:fillStyleLst>
       <a:lnStyleLst>
         <a:ln w="9525" cap="flat" cmpd="sng" algn="ctr">
           <a:solidFill>
-            <a:schemeClr val="phClr">
-              <a:shade val="95000"/>
-              <a:satMod val="105000"/>
-            </a:schemeClr>
+            <a:schemeClr val="phClr"/>
           </a:solidFill>
           <a:prstDash val="solid"/>
         </a:ln>
-        <a:ln w="25400" cap="flat" cmpd="sng" algn="ctr">
+        <a:ln w="10795" cap="flat" cmpd="sng" algn="ctr">
           <a:solidFill>
             <a:schemeClr val="phClr"/>
           </a:solidFill>
           <a:prstDash val="solid"/>
         </a:ln>
-        <a:ln w="38100" cap="flat" cmpd="sng" algn="ctr">
+        <a:ln w="15240" cap="flat" cmpd="sng" algn="ctr">
           <a:solidFill>
-            <a:schemeClr val="phClr"/>
+            <a:schemeClr val="phClr">
+              <a:tint val="25000"/>
+              <a:alpha val="25000"/>
+            </a:schemeClr>
           </a:solidFill>
           <a:prstDash val="solid"/>
         </a:ln>
@@ -3204,27 +6232,27 @@
       <a:effectStyleLst>
         <a:effectStyle>
           <a:effectLst>
-            <a:outerShdw blurRad="40000" dist="20000" dir="5400000" rotWithShape="0">
+            <a:outerShdw blurRad="38100" dist="25400" dir="5400000" rotWithShape="0">
               <a:srgbClr val="000000">
-                <a:alpha val="38000"/>
+                <a:alpha val="40000"/>
               </a:srgbClr>
             </a:outerShdw>
           </a:effectLst>
         </a:effectStyle>
         <a:effectStyle>
           <a:effectLst>
-            <a:outerShdw blurRad="40000" dist="23000" dir="5400000" rotWithShape="0">
+            <a:outerShdw blurRad="50800" dist="42924" dir="5400000" rotWithShape="0">
               <a:srgbClr val="000000">
-                <a:alpha val="35000"/>
+                <a:alpha val="40000"/>
               </a:srgbClr>
             </a:outerShdw>
           </a:effectLst>
         </a:effectStyle>
         <a:effectStyle>
           <a:effectLst>
-            <a:outerShdw blurRad="40000" dist="23000" dir="5400000" rotWithShape="0">
+            <a:outerShdw blurRad="50800" dist="25400" dir="5400000" rotWithShape="0">
               <a:srgbClr val="000000">
-                <a:alpha val="35000"/>
+                <a:alpha val="40000"/>
               </a:srgbClr>
             </a:outerShdw>
           </a:effectLst>
@@ -3232,12 +6260,12 @@
             <a:camera prst="orthographicFront">
               <a:rot lat="0" lon="0" rev="0"/>
             </a:camera>
-            <a:lightRig rig="threePt" dir="t">
-              <a:rot lat="0" lon="0" rev="1200000"/>
+            <a:lightRig rig="flat" dir="t">
+              <a:rot lat="0" lon="0" rev="3600000"/>
             </a:lightRig>
           </a:scene3d>
-          <a:sp3d>
-            <a:bevelT w="63500" h="25400"/>
+          <a:sp3d prstMaterial="flat">
+            <a:bevelT w="34925" h="47625" prst="coolSlant"/>
           </a:sp3d>
         </a:effectStyle>
       </a:effectStyleLst>
@@ -3249,45 +6277,57 @@
           <a:gsLst>
             <a:gs pos="0">
               <a:schemeClr val="phClr">
-                <a:tint val="40000"/>
-                <a:satMod val="350000"/>
+                <a:tint val="96000"/>
+                <a:shade val="100000"/>
+                <a:alpha val="100000"/>
+                <a:satMod val="140000"/>
               </a:schemeClr>
             </a:gs>
-            <a:gs pos="40000">
+            <a:gs pos="31000">
               <a:schemeClr val="phClr">
-                <a:tint val="45000"/>
-                <a:shade val="99000"/>
-                <a:satMod val="350000"/>
+                <a:tint val="100000"/>
+                <a:shade val="90000"/>
+                <a:alpha val="100000"/>
               </a:schemeClr>
             </a:gs>
             <a:gs pos="100000">
               <a:schemeClr val="phClr">
-                <a:shade val="20000"/>
-                <a:satMod val="255000"/>
+                <a:tint val="100000"/>
+                <a:shade val="80000"/>
+                <a:alpha val="100000"/>
               </a:schemeClr>
             </a:gs>
           </a:gsLst>
-          <a:path path="circle">
-            <a:fillToRect l="50000" t="-80000" r="50000" b="180000"/>
-          </a:path>
+          <a:lin ang="5400000" scaled="0"/>
         </a:gradFill>
         <a:gradFill rotWithShape="1">
           <a:gsLst>
             <a:gs pos="0">
               <a:schemeClr val="phClr">
-                <a:tint val="80000"/>
-                <a:satMod val="300000"/>
+                <a:tint val="96000"/>
+                <a:shade val="100000"/>
+                <a:alpha val="100000"/>
+                <a:satMod val="180000"/>
+              </a:schemeClr>
+            </a:gs>
+            <a:gs pos="41000">
+              <a:schemeClr val="phClr">
+                <a:tint val="100000"/>
+                <a:shade val="100000"/>
+                <a:alpha val="100000"/>
+                <a:satMod val="150000"/>
               </a:schemeClr>
             </a:gs>
             <a:gs pos="100000">
               <a:schemeClr val="phClr">
-                <a:shade val="30000"/>
-                <a:satMod val="200000"/>
+                <a:tint val="100000"/>
+                <a:shade val="65000"/>
+                <a:alpha val="100000"/>
               </a:schemeClr>
             </a:gs>
           </a:gsLst>
           <a:path path="circle">
-            <a:fillToRect l="50000" t="50000" r="50000" b="50000"/>
+            <a:fillToRect l="50000" t="80000" r="100000" b="100000"/>
           </a:path>
         </a:gradFill>
       </a:bgFillStyleLst>

--- a/Project/Минипроект Белоуса Фёдора.pptx
+++ b/Project/Минипроект Белоуса Фёдора.pptx
@@ -3587,13 +3587,13 @@
   <p:clrMapOvr>
     <a:masterClrMapping/>
   </p:clrMapOvr>
-  <mc:AlternateContent xmlns:mc="http://schemas.openxmlformats.org/markup-compatibility/2006">
-    <mc:Choice xmlns:p14="http://schemas.microsoft.com/office/powerpoint/2010/main" Requires="p14">
+  <mc:AlternateContent xmlns:mc="http://schemas.openxmlformats.org/markup-compatibility/2006" xmlns:p14="http://schemas.microsoft.com/office/powerpoint/2010/main">
+    <mc:Choice Requires="p14">
       <p:transition spd="med" p14:dur="700">
         <p:fade/>
       </p:transition>
     </mc:Choice>
-    <mc:Fallback>
+    <mc:Fallback xmlns="">
       <p:transition spd="med">
         <p:fade/>
       </p:transition>
@@ -3665,7 +3665,7 @@
         <p:spPr>
           <a:xfrm>
             <a:off x="539552" y="1916832"/>
-            <a:ext cx="8136904" cy="3139321"/>
+            <a:ext cx="8136904" cy="3416320"/>
           </a:xfrm>
           <a:prstGeom prst="rect">
             <a:avLst/>
@@ -3696,8 +3696,21 @@
                 <a:latin typeface="Times New Roman" panose="02020603050405020304" pitchFamily="18" charset="0"/>
                 <a:cs typeface="Times New Roman" panose="02020603050405020304" pitchFamily="18" charset="0"/>
               </a:rPr>
-              <a:t>Создать простой фото редактор;</a:t>
-            </a:r>
+              <a:t>Создать простой фото редактор</a:t>
+            </a:r>
+            <a:r>
+              <a:rPr lang="ru-RU" dirty="0" smtClean="0">
+                <a:latin typeface="Times New Roman" panose="02020603050405020304" pitchFamily="18" charset="0"/>
+                <a:cs typeface="Times New Roman" panose="02020603050405020304" pitchFamily="18" charset="0"/>
+              </a:rPr>
+              <a:t>;</a:t>
+            </a:r>
+          </a:p>
+          <a:p>
+            <a:endParaRPr lang="ru-RU" dirty="0" smtClean="0">
+              <a:latin typeface="Times New Roman" panose="02020603050405020304" pitchFamily="18" charset="0"/>
+              <a:cs typeface="Times New Roman" panose="02020603050405020304" pitchFamily="18" charset="0"/>
+            </a:endParaRPr>
           </a:p>
           <a:p>
             <a:r>
@@ -3824,13 +3837,13 @@
   <p:clrMapOvr>
     <a:masterClrMapping/>
   </p:clrMapOvr>
-  <mc:AlternateContent xmlns:mc="http://schemas.openxmlformats.org/markup-compatibility/2006">
-    <mc:Choice xmlns:p14="http://schemas.microsoft.com/office/powerpoint/2010/main" Requires="p14">
+  <mc:AlternateContent xmlns:mc="http://schemas.openxmlformats.org/markup-compatibility/2006" xmlns:p14="http://schemas.microsoft.com/office/powerpoint/2010/main">
+    <mc:Choice Requires="p14">
       <p:transition spd="med" p14:dur="700">
         <p:fade/>
       </p:transition>
     </mc:Choice>
-    <mc:Fallback>
+    <mc:Fallback xmlns="">
       <p:transition spd="med">
         <p:fade/>
       </p:transition>
@@ -3939,13 +3952,13 @@
   <p:clrMapOvr>
     <a:masterClrMapping/>
   </p:clrMapOvr>
-  <mc:AlternateContent xmlns:mc="http://schemas.openxmlformats.org/markup-compatibility/2006">
-    <mc:Choice xmlns:p14="http://schemas.microsoft.com/office/powerpoint/2010/main" Requires="p14">
+  <mc:AlternateContent xmlns:mc="http://schemas.openxmlformats.org/markup-compatibility/2006" xmlns:p14="http://schemas.microsoft.com/office/powerpoint/2010/main">
+    <mc:Choice Requires="p14">
       <p:transition spd="med" p14:dur="700">
         <p:fade/>
       </p:transition>
     </mc:Choice>
-    <mc:Fallback>
+    <mc:Fallback xmlns="">
       <p:transition spd="med">
         <p:fade/>
       </p:transition>
@@ -4082,13 +4095,13 @@
   <p:clrMapOvr>
     <a:masterClrMapping/>
   </p:clrMapOvr>
-  <mc:AlternateContent xmlns:mc="http://schemas.openxmlformats.org/markup-compatibility/2006">
-    <mc:Choice xmlns:p14="http://schemas.microsoft.com/office/powerpoint/2010/main" Requires="p14">
+  <mc:AlternateContent xmlns:mc="http://schemas.openxmlformats.org/markup-compatibility/2006" xmlns:p14="http://schemas.microsoft.com/office/powerpoint/2010/main">
+    <mc:Choice Requires="p14">
       <p:transition spd="med" p14:dur="700">
         <p:fade/>
       </p:transition>
     </mc:Choice>
-    <mc:Fallback>
+    <mc:Fallback xmlns="">
       <p:transition spd="med">
         <p:fade/>
       </p:transition>
@@ -4237,13 +4250,13 @@
   <p:clrMapOvr>
     <a:masterClrMapping/>
   </p:clrMapOvr>
-  <mc:AlternateContent xmlns:mc="http://schemas.openxmlformats.org/markup-compatibility/2006">
-    <mc:Choice xmlns:p14="http://schemas.microsoft.com/office/powerpoint/2010/main" Requires="p14">
+  <mc:AlternateContent xmlns:mc="http://schemas.openxmlformats.org/markup-compatibility/2006" xmlns:p14="http://schemas.microsoft.com/office/powerpoint/2010/main">
+    <mc:Choice Requires="p14">
       <p:transition spd="med" p14:dur="700">
         <p:fade/>
       </p:transition>
     </mc:Choice>
-    <mc:Fallback>
+    <mc:Fallback xmlns="">
       <p:transition spd="med">
         <p:fade/>
       </p:transition>
@@ -4766,8 +4779,12 @@
           <a:p>
             <a:pPr algn="ctr"/>
             <a:r>
-              <a:rPr lang="en-US" sz="1000" dirty="0" err="1"/>
+              <a:rPr lang="en-US" sz="1000" dirty="0" smtClean="0"/>
               <a:t>negativ</a:t>
+            </a:r>
+            <a:r>
+              <a:rPr lang="en-US" sz="1000" dirty="0"/>
+              <a:t>e</a:t>
             </a:r>
             <a:r>
               <a:rPr lang="en-US" sz="1000" dirty="0" smtClean="0"/>
@@ -5834,13 +5851,13 @@
   <p:clrMapOvr>
     <a:masterClrMapping/>
   </p:clrMapOvr>
-  <mc:AlternateContent xmlns:mc="http://schemas.openxmlformats.org/markup-compatibility/2006">
-    <mc:Choice xmlns:p14="http://schemas.microsoft.com/office/powerpoint/2010/main" Requires="p14">
+  <mc:AlternateContent xmlns:mc="http://schemas.openxmlformats.org/markup-compatibility/2006" xmlns:p14="http://schemas.microsoft.com/office/powerpoint/2010/main">
+    <mc:Choice Requires="p14">
       <p:transition spd="med" p14:dur="700">
         <p:fade/>
       </p:transition>
     </mc:Choice>
-    <mc:Fallback>
+    <mc:Fallback xmlns="">
       <p:transition spd="med">
         <p:fade/>
       </p:transition>
@@ -5943,13 +5960,13 @@
   <p:clrMapOvr>
     <a:masterClrMapping/>
   </p:clrMapOvr>
-  <mc:AlternateContent xmlns:mc="http://schemas.openxmlformats.org/markup-compatibility/2006">
-    <mc:Choice xmlns:p14="http://schemas.microsoft.com/office/powerpoint/2010/main" Requires="p14">
+  <mc:AlternateContent xmlns:mc="http://schemas.openxmlformats.org/markup-compatibility/2006" xmlns:p14="http://schemas.microsoft.com/office/powerpoint/2010/main">
+    <mc:Choice Requires="p14">
       <p:transition spd="med" p14:dur="700">
         <p:fade/>
       </p:transition>
     </mc:Choice>
-    <mc:Fallback>
+    <mc:Fallback xmlns="">
       <p:transition spd="med">
         <p:fade/>
       </p:transition>
@@ -6025,13 +6042,13 @@
   <p:clrMapOvr>
     <a:masterClrMapping/>
   </p:clrMapOvr>
-  <mc:AlternateContent xmlns:mc="http://schemas.openxmlformats.org/markup-compatibility/2006">
-    <mc:Choice xmlns:p14="http://schemas.microsoft.com/office/powerpoint/2010/main" Requires="p14">
+  <mc:AlternateContent xmlns:mc="http://schemas.openxmlformats.org/markup-compatibility/2006" xmlns:p14="http://schemas.microsoft.com/office/powerpoint/2010/main">
+    <mc:Choice Requires="p14">
       <p:transition spd="med" p14:dur="700">
         <p:fade/>
       </p:transition>
     </mc:Choice>
-    <mc:Fallback>
+    <mc:Fallback xmlns="">
       <p:transition spd="med">
         <p:fade/>
       </p:transition>
@@ -6088,18 +6105,18 @@
         <a:srgbClr val="969696"/>
       </a:folHlink>
     </a:clrScheme>
-    <a:fontScheme name="Горизонт">
+    <a:fontScheme name="Классическая">
       <a:majorFont>
-        <a:latin typeface="Arial Narrow"/>
+        <a:latin typeface="Arial"/>
         <a:ea typeface=""/>
         <a:cs typeface=""/>
-        <a:font script="Jpan" typeface="HGｺﾞｼｯｸM"/>
-        <a:font script="Hang" typeface="HY얕은샘물M"/>
-        <a:font script="Hans" typeface="方正姚体"/>
+        <a:font script="Jpan" typeface="ＭＳ Ｐゴシック"/>
+        <a:font script="Hang" typeface="돋움"/>
+        <a:font script="Hans" typeface="黑体"/>
         <a:font script="Hant" typeface="微軟正黑體"/>
         <a:font script="Arab" typeface="Arial"/>
-        <a:font script="Hebr" typeface="Levenim MT"/>
-        <a:font script="Thai" typeface="FreesiaUPC"/>
+        <a:font script="Hebr" typeface="Arial"/>
+        <a:font script="Thai" typeface="Cordia New"/>
         <a:font script="Ethi" typeface="Nyala"/>
         <a:font script="Beng" typeface="Vrinda"/>
         <a:font script="Gujr" typeface="Shruti"/>
@@ -6120,25 +6137,25 @@
         <a:font script="Laoo" typeface="DokChampa"/>
         <a:font script="Sinh" typeface="Iskoola Pota"/>
         <a:font script="Mong" typeface="Mongolian Baiti"/>
-        <a:font script="Viet" typeface="Tahoma"/>
+        <a:font script="Viet" typeface="Arial"/>
         <a:font script="Uigh" typeface="Microsoft Uighur"/>
         <a:font script="Geor" typeface="Sylfaen"/>
       </a:majorFont>
       <a:minorFont>
-        <a:latin typeface="Arial Narrow"/>
+        <a:latin typeface="Times New Roman"/>
         <a:ea typeface=""/>
         <a:cs typeface=""/>
-        <a:font script="Jpan" typeface="HGｺﾞｼｯｸM"/>
-        <a:font script="Hang" typeface="HY얕은샘물M"/>
-        <a:font script="Hans" typeface="方正姚体"/>
-        <a:font script="Hant" typeface="微軟正黑體"/>
-        <a:font script="Arab" typeface="Arial"/>
-        <a:font script="Hebr" typeface="Levenim MT"/>
-        <a:font script="Thai" typeface="FreesiaUPC"/>
+        <a:font script="Jpan" typeface="ＭＳ Ｐ明朝"/>
+        <a:font script="Hang" typeface="바탕"/>
+        <a:font script="Hans" typeface="宋体"/>
+        <a:font script="Hant" typeface="新細明體"/>
+        <a:font script="Arab" typeface="Times New Roman"/>
+        <a:font script="Hebr" typeface="Times New Roman"/>
+        <a:font script="Thai" typeface="Angsana New"/>
         <a:font script="Ethi" typeface="Nyala"/>
         <a:font script="Beng" typeface="Vrinda"/>
         <a:font script="Gujr" typeface="Shruti"/>
-        <a:font script="Khmr" typeface="DaunPenh"/>
+        <a:font script="Khmr" typeface="MoolBoran"/>
         <a:font script="Knda" typeface="Tunga"/>
         <a:font script="Guru" typeface="Raavi"/>
         <a:font script="Cans" typeface="Euphemia"/>
@@ -6155,7 +6172,7 @@
         <a:font script="Laoo" typeface="DokChampa"/>
         <a:font script="Sinh" typeface="Iskoola Pota"/>
         <a:font script="Mong" typeface="Mongolian Baiti"/>
-        <a:font script="Viet" typeface="Tahoma"/>
+        <a:font script="Viet" typeface="Times New Roman"/>
         <a:font script="Uigh" typeface="Microsoft Uighur"/>
         <a:font script="Geor" typeface="Sylfaen"/>
       </a:minorFont>

--- a/Project/Минипроект Белоуса Фёдора.pptx
+++ b/Project/Минипроект Белоуса Фёдора.pptx
@@ -2,7 +2,7 @@
 <file path=ppt/presentation.xml><?xml version="1.0" encoding="utf-8"?>
 <p:presentation xmlns:a="http://schemas.openxmlformats.org/drawingml/2006/main" xmlns:r="http://schemas.openxmlformats.org/officeDocument/2006/relationships" xmlns:p="http://schemas.openxmlformats.org/presentationml/2006/main" saveSubsetFonts="1">
   <p:sldMasterIdLst>
-    <p:sldMasterId id="2147483660" r:id="rId1"/>
+    <p:sldMasterId id="2147483672" r:id="rId1"/>
   </p:sldMasterIdLst>
   <p:sldIdLst>
     <p:sldId id="256" r:id="rId2"/>
@@ -131,31 +131,97 @@
           <a:chExt cx="0" cy="0"/>
         </a:xfrm>
       </p:grpSpPr>
-      <p:pic>
-        <p:nvPicPr>
-          <p:cNvPr id="7" name="Picture 6" descr="horizon.png"/>
-          <p:cNvPicPr>
-            <a:picLocks noChangeAspect="1"/>
-          </p:cNvPicPr>
+      <p:sp>
+        <p:nvSpPr>
+          <p:cNvPr id="7" name="Rectangle 6"/>
+          <p:cNvSpPr/>
           <p:nvPr/>
-        </p:nvPicPr>
-        <p:blipFill>
-          <a:blip r:embed="rId2" cstate="print"/>
-          <a:srcRect t="33333"/>
-          <a:stretch>
-            <a:fillRect/>
-          </a:stretch>
-        </p:blipFill>
+        </p:nvSpPr>
         <p:spPr>
           <a:xfrm>
             <a:off x="0" y="0"/>
-            <a:ext cx="9144000" cy="4572000"/>
+            <a:ext cx="9144000" cy="6858000"/>
           </a:xfrm>
           <a:prstGeom prst="rect">
             <a:avLst/>
           </a:prstGeom>
-        </p:spPr>
-      </p:pic>
+          <a:solidFill>
+            <a:srgbClr val="FFFFFF"/>
+          </a:solidFill>
+          <a:ln>
+            <a:noFill/>
+          </a:ln>
+        </p:spPr>
+        <p:style>
+          <a:lnRef idx="2">
+            <a:schemeClr val="accent1">
+              <a:shade val="50000"/>
+            </a:schemeClr>
+          </a:lnRef>
+          <a:fillRef idx="1">
+            <a:schemeClr val="accent1"/>
+          </a:fillRef>
+          <a:effectRef idx="0">
+            <a:schemeClr val="accent1"/>
+          </a:effectRef>
+          <a:fontRef idx="minor">
+            <a:schemeClr val="lt1"/>
+          </a:fontRef>
+        </p:style>
+        <p:txBody>
+          <a:bodyPr rtlCol="0" anchor="ctr"/>
+          <a:lstStyle/>
+          <a:p>
+            <a:pPr algn="ctr"/>
+            <a:endParaRPr lang="en-US"/>
+          </a:p>
+        </p:txBody>
+      </p:sp>
+      <p:sp useBgFill="1">
+        <p:nvSpPr>
+          <p:cNvPr id="8" name="Rounded Rectangle 7"/>
+          <p:cNvSpPr/>
+          <p:nvPr/>
+        </p:nvSpPr>
+        <p:spPr>
+          <a:xfrm>
+            <a:off x="91440" y="101600"/>
+            <a:ext cx="8961120" cy="6664960"/>
+          </a:xfrm>
+          <a:prstGeom prst="roundRect">
+            <a:avLst>
+              <a:gd name="adj" fmla="val 1735"/>
+            </a:avLst>
+          </a:prstGeom>
+          <a:ln w="12700" cmpd="sng">
+            <a:noFill/>
+          </a:ln>
+        </p:spPr>
+        <p:style>
+          <a:lnRef idx="2">
+            <a:schemeClr val="accent1">
+              <a:shade val="50000"/>
+            </a:schemeClr>
+          </a:lnRef>
+          <a:fillRef idx="1">
+            <a:schemeClr val="accent1"/>
+          </a:fillRef>
+          <a:effectRef idx="0">
+            <a:schemeClr val="accent1"/>
+          </a:effectRef>
+          <a:fontRef idx="minor">
+            <a:schemeClr val="lt1"/>
+          </a:fontRef>
+        </p:style>
+        <p:txBody>
+          <a:bodyPr rtlCol="0" anchor="ctr"/>
+          <a:lstStyle/>
+          <a:p>
+            <a:pPr algn="ctr"/>
+            <a:endParaRPr lang="en-US"/>
+          </a:p>
+        </p:txBody>
+      </p:sp>
       <p:sp>
         <p:nvSpPr>
           <p:cNvPr id="4" name="Date Placeholder 3"/>
@@ -173,7 +239,7 @@
           <a:p>
             <a:fld id="{B4C71EC6-210F-42DE-9C53-41977AD35B3D}" type="datetimeFigureOut">
               <a:rPr lang="ru-RU" smtClean="0"/>
-              <a:t>02.01.2019</a:t>
+              <a:t>03.01.2019</a:t>
             </a:fld>
             <a:endParaRPr lang="ru-RU"/>
           </a:p>
@@ -200,6 +266,206 @@
       </p:sp>
       <p:sp>
         <p:nvSpPr>
+          <p:cNvPr id="9" name="Rectangle 8"/>
+          <p:cNvSpPr/>
+          <p:nvPr/>
+        </p:nvSpPr>
+        <p:spPr>
+          <a:xfrm>
+            <a:off x="345440" y="2942602"/>
+            <a:ext cx="7147931" cy="2463800"/>
+          </a:xfrm>
+          <a:prstGeom prst="rect">
+            <a:avLst/>
+          </a:prstGeom>
+          <a:solidFill>
+            <a:srgbClr val="FFFFFF">
+              <a:alpha val="83000"/>
+            </a:srgbClr>
+          </a:solidFill>
+          <a:ln>
+            <a:noFill/>
+          </a:ln>
+          <a:effectLst>
+            <a:softEdge rad="12700"/>
+          </a:effectLst>
+        </p:spPr>
+        <p:style>
+          <a:lnRef idx="2">
+            <a:schemeClr val="accent1">
+              <a:shade val="50000"/>
+            </a:schemeClr>
+          </a:lnRef>
+          <a:fillRef idx="1">
+            <a:schemeClr val="accent1"/>
+          </a:fillRef>
+          <a:effectRef idx="0">
+            <a:schemeClr val="accent1"/>
+          </a:effectRef>
+          <a:fontRef idx="minor">
+            <a:schemeClr val="lt1"/>
+          </a:fontRef>
+        </p:style>
+        <p:txBody>
+          <a:bodyPr rtlCol="0" anchor="ctr"/>
+          <a:lstStyle/>
+          <a:p>
+            <a:pPr algn="ctr"/>
+            <a:endParaRPr lang="en-US"/>
+          </a:p>
+        </p:txBody>
+      </p:sp>
+      <p:sp>
+        <p:nvSpPr>
+          <p:cNvPr id="12" name="Rectangle 11"/>
+          <p:cNvSpPr/>
+          <p:nvPr/>
+        </p:nvSpPr>
+        <p:spPr>
+          <a:xfrm>
+            <a:off x="7572652" y="2944634"/>
+            <a:ext cx="1190348" cy="2459736"/>
+          </a:xfrm>
+          <a:prstGeom prst="rect">
+            <a:avLst/>
+          </a:prstGeom>
+          <a:solidFill>
+            <a:srgbClr val="FFFFFF">
+              <a:alpha val="83000"/>
+            </a:srgbClr>
+          </a:solidFill>
+          <a:ln>
+            <a:noFill/>
+          </a:ln>
+          <a:effectLst>
+            <a:softEdge rad="12700"/>
+          </a:effectLst>
+        </p:spPr>
+        <p:style>
+          <a:lnRef idx="2">
+            <a:schemeClr val="accent1">
+              <a:shade val="50000"/>
+            </a:schemeClr>
+          </a:lnRef>
+          <a:fillRef idx="1">
+            <a:schemeClr val="accent1"/>
+          </a:fillRef>
+          <a:effectRef idx="0">
+            <a:schemeClr val="accent1"/>
+          </a:effectRef>
+          <a:fontRef idx="minor">
+            <a:schemeClr val="lt1"/>
+          </a:fontRef>
+        </p:style>
+        <p:txBody>
+          <a:bodyPr rtlCol="0" anchor="ctr"/>
+          <a:lstStyle/>
+          <a:p>
+            <a:pPr algn="ctr"/>
+            <a:endParaRPr lang="en-US"/>
+          </a:p>
+        </p:txBody>
+      </p:sp>
+      <p:sp>
+        <p:nvSpPr>
+          <p:cNvPr id="13" name="Rectangle 12"/>
+          <p:cNvSpPr/>
+          <p:nvPr/>
+        </p:nvSpPr>
+        <p:spPr>
+          <a:xfrm>
+            <a:off x="7712714" y="3136658"/>
+            <a:ext cx="910224" cy="2075688"/>
+          </a:xfrm>
+          <a:prstGeom prst="rect">
+            <a:avLst/>
+          </a:prstGeom>
+          <a:solidFill>
+            <a:schemeClr val="accent3">
+              <a:alpha val="70000"/>
+            </a:schemeClr>
+          </a:solidFill>
+          <a:ln w="6350">
+            <a:solidFill>
+              <a:schemeClr val="accent1">
+                <a:lumMod val="75000"/>
+              </a:schemeClr>
+            </a:solidFill>
+          </a:ln>
+        </p:spPr>
+        <p:style>
+          <a:lnRef idx="2">
+            <a:schemeClr val="accent1">
+              <a:shade val="50000"/>
+            </a:schemeClr>
+          </a:lnRef>
+          <a:fillRef idx="1">
+            <a:schemeClr val="accent1"/>
+          </a:fillRef>
+          <a:effectRef idx="0">
+            <a:schemeClr val="accent1"/>
+          </a:effectRef>
+          <a:fontRef idx="minor">
+            <a:schemeClr val="lt1"/>
+          </a:fontRef>
+        </p:style>
+        <p:txBody>
+          <a:bodyPr rtlCol="0" anchor="ctr"/>
+          <a:lstStyle/>
+          <a:p>
+            <a:pPr algn="ctr"/>
+            <a:endParaRPr lang="en-US"/>
+          </a:p>
+        </p:txBody>
+      </p:sp>
+      <p:sp>
+        <p:nvSpPr>
+          <p:cNvPr id="14" name="Rectangle 13"/>
+          <p:cNvSpPr/>
+          <p:nvPr/>
+        </p:nvSpPr>
+        <p:spPr>
+          <a:xfrm>
+            <a:off x="445483" y="3055621"/>
+            <a:ext cx="6947845" cy="2245359"/>
+          </a:xfrm>
+          <a:prstGeom prst="rect">
+            <a:avLst/>
+          </a:prstGeom>
+          <a:solidFill>
+            <a:srgbClr val="FFFFFF"/>
+          </a:solidFill>
+          <a:ln w="6350" cmpd="dbl">
+            <a:noFill/>
+          </a:ln>
+        </p:spPr>
+        <p:style>
+          <a:lnRef idx="2">
+            <a:schemeClr val="accent1">
+              <a:shade val="50000"/>
+            </a:schemeClr>
+          </a:lnRef>
+          <a:fillRef idx="1">
+            <a:schemeClr val="accent1"/>
+          </a:fillRef>
+          <a:effectRef idx="0">
+            <a:schemeClr val="accent1"/>
+          </a:effectRef>
+          <a:fontRef idx="minor">
+            <a:schemeClr val="lt1"/>
+          </a:fontRef>
+        </p:style>
+        <p:txBody>
+          <a:bodyPr rtlCol="0" anchor="ctr"/>
+          <a:lstStyle/>
+          <a:p>
+            <a:pPr algn="ctr"/>
+            <a:endParaRPr lang="en-US"/>
+          </a:p>
+        </p:txBody>
+      </p:sp>
+      <p:sp>
+        <p:nvSpPr>
           <p:cNvPr id="6" name="Slide Number Placeholder 5"/>
           <p:cNvSpPr>
             <a:spLocks noGrp="1"/>
@@ -208,16 +474,125 @@
             <p:ph type="sldNum" sz="quarter" idx="12"/>
           </p:nvPr>
         </p:nvSpPr>
-        <p:spPr/>
+        <p:spPr>
+          <a:xfrm>
+            <a:off x="7786826" y="4625268"/>
+            <a:ext cx="762000" cy="457200"/>
+          </a:xfrm>
+        </p:spPr>
         <p:txBody>
           <a:bodyPr/>
-          <a:lstStyle/>
+          <a:lstStyle>
+            <a:lvl1pPr algn="ctr">
+              <a:defRPr sz="2800">
+                <a:solidFill>
+                  <a:schemeClr val="accent1">
+                    <a:lumMod val="50000"/>
+                  </a:schemeClr>
+                </a:solidFill>
+              </a:defRPr>
+            </a:lvl1pPr>
+          </a:lstStyle>
           <a:p>
             <a:fld id="{B19B0651-EE4F-4900-A07F-96A6BFA9D0F0}" type="slidenum">
               <a:rPr lang="ru-RU" smtClean="0"/>
               <a:t>‹#›</a:t>
             </a:fld>
             <a:endParaRPr lang="ru-RU"/>
+          </a:p>
+        </p:txBody>
+      </p:sp>
+      <p:sp>
+        <p:nvSpPr>
+          <p:cNvPr id="11" name="Rectangle 10"/>
+          <p:cNvSpPr/>
+          <p:nvPr/>
+        </p:nvSpPr>
+        <p:spPr>
+          <a:xfrm>
+            <a:off x="541822" y="4559276"/>
+            <a:ext cx="6755166" cy="664367"/>
+          </a:xfrm>
+          <a:prstGeom prst="rect">
+            <a:avLst/>
+          </a:prstGeom>
+          <a:solidFill>
+            <a:schemeClr val="accent1"/>
+          </a:solidFill>
+          <a:ln w="6350">
+            <a:noFill/>
+          </a:ln>
+        </p:spPr>
+        <p:style>
+          <a:lnRef idx="2">
+            <a:schemeClr val="accent1">
+              <a:shade val="50000"/>
+            </a:schemeClr>
+          </a:lnRef>
+          <a:fillRef idx="1">
+            <a:schemeClr val="accent1"/>
+          </a:fillRef>
+          <a:effectRef idx="0">
+            <a:schemeClr val="accent1"/>
+          </a:effectRef>
+          <a:fontRef idx="minor">
+            <a:schemeClr val="lt1"/>
+          </a:fontRef>
+        </p:style>
+        <p:txBody>
+          <a:bodyPr rtlCol="0" anchor="ctr"/>
+          <a:lstStyle/>
+          <a:p>
+            <a:pPr algn="ctr"/>
+            <a:endParaRPr lang="en-US"/>
+          </a:p>
+        </p:txBody>
+      </p:sp>
+      <p:sp>
+        <p:nvSpPr>
+          <p:cNvPr id="10" name="Rectangle 9"/>
+          <p:cNvSpPr/>
+          <p:nvPr/>
+        </p:nvSpPr>
+        <p:spPr>
+          <a:xfrm>
+            <a:off x="538971" y="3139440"/>
+            <a:ext cx="6760868" cy="2077720"/>
+          </a:xfrm>
+          <a:prstGeom prst="rect">
+            <a:avLst/>
+          </a:prstGeom>
+          <a:noFill/>
+          <a:ln w="6350" cmpd="dbl">
+            <a:solidFill>
+              <a:schemeClr val="accent1">
+                <a:lumMod val="75000"/>
+              </a:schemeClr>
+            </a:solidFill>
+          </a:ln>
+        </p:spPr>
+        <p:style>
+          <a:lnRef idx="2">
+            <a:schemeClr val="accent1">
+              <a:shade val="50000"/>
+            </a:schemeClr>
+          </a:lnRef>
+          <a:fillRef idx="1">
+            <a:schemeClr val="accent1"/>
+          </a:fillRef>
+          <a:effectRef idx="0">
+            <a:schemeClr val="accent1"/>
+          </a:effectRef>
+          <a:fontRef idx="minor">
+            <a:schemeClr val="lt1"/>
+          </a:fontRef>
+        </p:style>
+        <p:txBody>
+          <a:bodyPr rtlCol="0" anchor="ctr"/>
+          <a:lstStyle/>
+          <a:p>
+            <a:pPr algn="ctr"/>
+            <a:endParaRPr lang="en-US"/>
           </a:p>
         </p:txBody>
       </p:sp>
@@ -233,8 +608,8 @@
         </p:nvSpPr>
         <p:spPr>
           <a:xfrm>
-            <a:off x="1219200" y="3886200"/>
-            <a:ext cx="6400800" cy="1752600"/>
+            <a:off x="642805" y="4648200"/>
+            <a:ext cx="6553200" cy="457200"/>
           </a:xfrm>
         </p:spPr>
         <p:txBody>
@@ -244,9 +619,9 @@
           <a:lstStyle>
             <a:lvl1pPr marL="0" indent="0" algn="ctr">
               <a:buNone/>
-              <a:defRPr sz="1700" baseline="0">
+              <a:defRPr sz="1800" cap="all" spc="300" baseline="0">
                 <a:solidFill>
-                  <a:schemeClr val="tx2"/>
+                  <a:srgbClr val="FFFFFF"/>
                 </a:solidFill>
               </a:defRPr>
             </a:lvl1pPr>
@@ -352,15 +727,23 @@
         </p:nvSpPr>
         <p:spPr>
           <a:xfrm>
-            <a:off x="685800" y="2007888"/>
-            <a:ext cx="7772400" cy="1470025"/>
-          </a:xfrm>
-        </p:spPr>
-        <p:txBody>
-          <a:bodyPr/>
+            <a:off x="604705" y="3227033"/>
+            <a:ext cx="6629400" cy="1219201"/>
+          </a:xfrm>
+        </p:spPr>
+        <p:txBody>
+          <a:bodyPr anchor="b" anchorCtr="0">
+            <a:noAutofit/>
+          </a:bodyPr>
           <a:lstStyle>
-            <a:lvl1pPr algn="ctr">
-              <a:defRPr sz="3200"/>
+            <a:lvl1pPr>
+              <a:defRPr sz="4000">
+                <a:solidFill>
+                  <a:schemeClr val="accent1">
+                    <a:lumMod val="50000"/>
+                  </a:schemeClr>
+                </a:solidFill>
+              </a:defRPr>
             </a:lvl1pPr>
           </a:lstStyle>
           <a:p>
@@ -416,7 +799,7 @@
               <a:rPr lang="ru-RU" smtClean="0"/>
               <a:t>Образец заголовка</a:t>
             </a:r>
-            <a:endParaRPr lang="en-US" dirty="0"/>
+            <a:endParaRPr lang="en-US"/>
           </a:p>
         </p:txBody>
       </p:sp>
@@ -489,7 +872,7 @@
           <a:p>
             <a:fld id="{B4C71EC6-210F-42DE-9C53-41977AD35B3D}" type="datetimeFigureOut">
               <a:rPr lang="ru-RU" smtClean="0"/>
-              <a:t>02.01.2019</a:t>
+              <a:t>03.01.2019</a:t>
             </a:fld>
             <a:endParaRPr lang="ru-RU"/>
           </a:p>
@@ -546,7 +929,7 @@
 </file>
 
 <file path=ppt/slideLayouts/slideLayout11.xml><?xml version="1.0" encoding="utf-8"?>
-<p:sldLayout xmlns:a="http://schemas.openxmlformats.org/drawingml/2006/main" xmlns:r="http://schemas.openxmlformats.org/officeDocument/2006/relationships" xmlns:p="http://schemas.openxmlformats.org/presentationml/2006/main" type="vertTitleAndTx" preserve="1">
+<p:sldLayout xmlns:a="http://schemas.openxmlformats.org/drawingml/2006/main" xmlns:r="http://schemas.openxmlformats.org/officeDocument/2006/relationships" xmlns:p="http://schemas.openxmlformats.org/presentationml/2006/main" showMasterSp="0" type="vertTitleAndTx" preserve="1">
   <p:cSld name="Вертикальный заголовок и текст">
     <p:spTree>
       <p:nvGrpSpPr>
@@ -564,6 +947,108 @@
       </p:grpSpPr>
       <p:sp>
         <p:nvSpPr>
+          <p:cNvPr id="7" name="Rectangle 6"/>
+          <p:cNvSpPr/>
+          <p:nvPr/>
+        </p:nvSpPr>
+        <p:spPr>
+          <a:xfrm>
+            <a:off x="6861702" y="228600"/>
+            <a:ext cx="1859280" cy="6122634"/>
+          </a:xfrm>
+          <a:prstGeom prst="rect">
+            <a:avLst/>
+          </a:prstGeom>
+          <a:solidFill>
+            <a:srgbClr val="FFFFFF">
+              <a:alpha val="85000"/>
+            </a:srgbClr>
+          </a:solidFill>
+          <a:ln>
+            <a:noFill/>
+          </a:ln>
+          <a:effectLst/>
+        </p:spPr>
+        <p:style>
+          <a:lnRef idx="2">
+            <a:schemeClr val="accent1">
+              <a:shade val="50000"/>
+            </a:schemeClr>
+          </a:lnRef>
+          <a:fillRef idx="1">
+            <a:schemeClr val="accent1"/>
+          </a:fillRef>
+          <a:effectRef idx="0">
+            <a:schemeClr val="accent1"/>
+          </a:effectRef>
+          <a:fontRef idx="minor">
+            <a:schemeClr val="lt1"/>
+          </a:fontRef>
+        </p:style>
+        <p:txBody>
+          <a:bodyPr rtlCol="0" anchor="ctr"/>
+          <a:lstStyle/>
+          <a:p>
+            <a:pPr marL="0" algn="ctr" defTabSz="914400" rtl="0" eaLnBrk="1" latinLnBrk="0" hangingPunct="1"/>
+            <a:endParaRPr lang="en-US" sz="1800" kern="1200">
+              <a:solidFill>
+                <a:schemeClr val="lt1"/>
+              </a:solidFill>
+              <a:latin typeface="+mn-lt"/>
+              <a:ea typeface="+mn-ea"/>
+              <a:cs typeface="+mn-cs"/>
+            </a:endParaRPr>
+          </a:p>
+        </p:txBody>
+      </p:sp>
+      <p:sp>
+        <p:nvSpPr>
+          <p:cNvPr id="8" name="Rectangle 7"/>
+          <p:cNvSpPr/>
+          <p:nvPr/>
+        </p:nvSpPr>
+        <p:spPr>
+          <a:xfrm>
+            <a:off x="6955225" y="351409"/>
+            <a:ext cx="1672235" cy="5877017"/>
+          </a:xfrm>
+          <a:prstGeom prst="rect">
+            <a:avLst/>
+          </a:prstGeom>
+          <a:solidFill>
+            <a:srgbClr val="FFFFFF"/>
+          </a:solidFill>
+          <a:ln w="6350">
+            <a:noFill/>
+          </a:ln>
+        </p:spPr>
+        <p:style>
+          <a:lnRef idx="2">
+            <a:schemeClr val="accent1">
+              <a:shade val="50000"/>
+            </a:schemeClr>
+          </a:lnRef>
+          <a:fillRef idx="1">
+            <a:schemeClr val="accent1"/>
+          </a:fillRef>
+          <a:effectRef idx="0">
+            <a:schemeClr val="accent1"/>
+          </a:effectRef>
+          <a:fontRef idx="minor">
+            <a:schemeClr val="lt1"/>
+          </a:fontRef>
+        </p:style>
+        <p:txBody>
+          <a:bodyPr rtlCol="0" anchor="ctr"/>
+          <a:lstStyle/>
+          <a:p>
+            <a:pPr algn="ctr"/>
+            <a:endParaRPr lang="en-US"/>
+          </a:p>
+        </p:txBody>
+      </p:sp>
+      <p:sp>
+        <p:nvSpPr>
           <p:cNvPr id="2" name="Vertical Title 1"/>
           <p:cNvSpPr>
             <a:spLocks noGrp="1"/>
@@ -574,8 +1059,8 @@
         </p:nvSpPr>
         <p:spPr>
           <a:xfrm>
-            <a:off x="6629400" y="274638"/>
-            <a:ext cx="2057400" cy="5851525"/>
+            <a:off x="7048577" y="395427"/>
+            <a:ext cx="1485531" cy="5788981"/>
           </a:xfrm>
         </p:spPr>
         <p:txBody>
@@ -602,8 +1087,8 @@
         </p:nvSpPr>
         <p:spPr>
           <a:xfrm>
-            <a:off x="457200" y="274638"/>
-            <a:ext cx="6019800" cy="5851525"/>
+            <a:off x="457200" y="380999"/>
+            <a:ext cx="6172200" cy="5791201"/>
           </a:xfrm>
         </p:spPr>
         <p:txBody>
@@ -643,7 +1128,7 @@
               <a:rPr lang="ru-RU" smtClean="0"/>
               <a:t>Пятый уровень</a:t>
             </a:r>
-            <a:endParaRPr lang="en-US"/>
+            <a:endParaRPr lang="en-US" dirty="0"/>
           </a:p>
         </p:txBody>
       </p:sp>
@@ -664,7 +1149,7 @@
           <a:p>
             <a:fld id="{B4C71EC6-210F-42DE-9C53-41977AD35B3D}" type="datetimeFigureOut">
               <a:rPr lang="ru-RU" smtClean="0"/>
-              <a:t>02.01.2019</a:t>
+              <a:t>03.01.2019</a:t>
             </a:fld>
             <a:endParaRPr lang="ru-RU"/>
           </a:p>
@@ -747,12 +1232,7 @@
             <p:ph type="title"/>
           </p:nvPr>
         </p:nvSpPr>
-        <p:spPr>
-          <a:xfrm>
-            <a:off x="609600" y="274638"/>
-            <a:ext cx="7924800" cy="1143000"/>
-          </a:xfrm>
-        </p:spPr>
+        <p:spPr/>
         <p:txBody>
           <a:bodyPr/>
           <a:lstStyle/>
@@ -761,7 +1241,59 @@
               <a:rPr lang="ru-RU" smtClean="0"/>
               <a:t>Образец заголовка</a:t>
             </a:r>
-            <a:endParaRPr lang="en-US" dirty="0"/>
+            <a:endParaRPr lang="en-US"/>
+          </a:p>
+        </p:txBody>
+      </p:sp>
+      <p:sp>
+        <p:nvSpPr>
+          <p:cNvPr id="3" name="Content Placeholder 2"/>
+          <p:cNvSpPr>
+            <a:spLocks noGrp="1"/>
+          </p:cNvSpPr>
+          <p:nvPr>
+            <p:ph idx="1"/>
+          </p:nvPr>
+        </p:nvSpPr>
+        <p:spPr/>
+        <p:txBody>
+          <a:bodyPr/>
+          <a:lstStyle/>
+          <a:p>
+            <a:pPr lvl="0"/>
+            <a:r>
+              <a:rPr lang="ru-RU" smtClean="0"/>
+              <a:t>Образец текста</a:t>
+            </a:r>
+          </a:p>
+          <a:p>
+            <a:pPr lvl="1"/>
+            <a:r>
+              <a:rPr lang="ru-RU" smtClean="0"/>
+              <a:t>Второй уровень</a:t>
+            </a:r>
+          </a:p>
+          <a:p>
+            <a:pPr lvl="2"/>
+            <a:r>
+              <a:rPr lang="ru-RU" smtClean="0"/>
+              <a:t>Третий уровень</a:t>
+            </a:r>
+          </a:p>
+          <a:p>
+            <a:pPr lvl="3"/>
+            <a:r>
+              <a:rPr lang="ru-RU" smtClean="0"/>
+              <a:t>Четвертый уровень</a:t>
+            </a:r>
+          </a:p>
+          <a:p>
+            <a:pPr lvl="4"/>
+            <a:r>
+              <a:rPr lang="ru-RU" smtClean="0"/>
+              <a:t>Пятый уровень</a:t>
+            </a:r>
+            <a:endParaRPr lang="en-US"/>
           </a:p>
         </p:txBody>
       </p:sp>
@@ -782,7 +1314,7 @@
           <a:p>
             <a:fld id="{B4C71EC6-210F-42DE-9C53-41977AD35B3D}" type="datetimeFigureOut">
               <a:rPr lang="ru-RU" smtClean="0"/>
-              <a:t>02.01.2019</a:t>
+              <a:t>03.01.2019</a:t>
             </a:fld>
             <a:endParaRPr lang="ru-RU"/>
           </a:p>
@@ -827,63 +1359,6 @@
               <a:t>‹#›</a:t>
             </a:fld>
             <a:endParaRPr lang="ru-RU"/>
-          </a:p>
-        </p:txBody>
-      </p:sp>
-      <p:sp>
-        <p:nvSpPr>
-          <p:cNvPr id="8" name="Content Placeholder 7"/>
-          <p:cNvSpPr>
-            <a:spLocks noGrp="1"/>
-          </p:cNvSpPr>
-          <p:nvPr>
-            <p:ph sz="quarter" idx="13"/>
-          </p:nvPr>
-        </p:nvSpPr>
-        <p:spPr>
-          <a:xfrm>
-            <a:off x="609600" y="1600200"/>
-            <a:ext cx="7924800" cy="4114800"/>
-          </a:xfrm>
-        </p:spPr>
-        <p:txBody>
-          <a:bodyPr/>
-          <a:lstStyle/>
-          <a:p>
-            <a:pPr lvl="0"/>
-            <a:r>
-              <a:rPr lang="ru-RU" smtClean="0"/>
-              <a:t>Образец текста</a:t>
-            </a:r>
-          </a:p>
-          <a:p>
-            <a:pPr lvl="1"/>
-            <a:r>
-              <a:rPr lang="ru-RU" smtClean="0"/>
-              <a:t>Второй уровень</a:t>
-            </a:r>
-          </a:p>
-          <a:p>
-            <a:pPr lvl="2"/>
-            <a:r>
-              <a:rPr lang="ru-RU" smtClean="0"/>
-              <a:t>Третий уровень</a:t>
-            </a:r>
-          </a:p>
-          <a:p>
-            <a:pPr lvl="3"/>
-            <a:r>
-              <a:rPr lang="ru-RU" smtClean="0"/>
-              <a:t>Четвертый уровень</a:t>
-            </a:r>
-          </a:p>
-          <a:p>
-            <a:pPr lvl="4"/>
-            <a:r>
-              <a:rPr lang="ru-RU" smtClean="0"/>
-              <a:t>Пятый уровень</a:t>
-            </a:r>
-            <a:endParaRPr lang="en-US" dirty="0"/>
           </a:p>
         </p:txBody>
       </p:sp>
@@ -914,6 +1389,259 @@
       </p:grpSpPr>
       <p:sp>
         <p:nvSpPr>
+          <p:cNvPr id="7" name="Rectangle 6"/>
+          <p:cNvSpPr/>
+          <p:nvPr/>
+        </p:nvSpPr>
+        <p:spPr>
+          <a:xfrm>
+            <a:off x="0" y="0"/>
+            <a:ext cx="9144000" cy="6858000"/>
+          </a:xfrm>
+          <a:prstGeom prst="rect">
+            <a:avLst/>
+          </a:prstGeom>
+          <a:solidFill>
+            <a:srgbClr val="FFFFFF"/>
+          </a:solidFill>
+          <a:ln>
+            <a:noFill/>
+          </a:ln>
+        </p:spPr>
+        <p:style>
+          <a:lnRef idx="2">
+            <a:schemeClr val="accent1">
+              <a:shade val="50000"/>
+            </a:schemeClr>
+          </a:lnRef>
+          <a:fillRef idx="1">
+            <a:schemeClr val="accent1"/>
+          </a:fillRef>
+          <a:effectRef idx="0">
+            <a:schemeClr val="accent1"/>
+          </a:effectRef>
+          <a:fontRef idx="minor">
+            <a:schemeClr val="lt1"/>
+          </a:fontRef>
+        </p:style>
+        <p:txBody>
+          <a:bodyPr rtlCol="0" anchor="ctr"/>
+          <a:lstStyle/>
+          <a:p>
+            <a:pPr algn="ctr"/>
+            <a:endParaRPr lang="en-US"/>
+          </a:p>
+        </p:txBody>
+      </p:sp>
+      <p:sp useBgFill="1">
+        <p:nvSpPr>
+          <p:cNvPr id="8" name="Rounded Rectangle 7"/>
+          <p:cNvSpPr/>
+          <p:nvPr/>
+        </p:nvSpPr>
+        <p:spPr>
+          <a:xfrm>
+            <a:off x="91440" y="101600"/>
+            <a:ext cx="8961120" cy="6664960"/>
+          </a:xfrm>
+          <a:prstGeom prst="roundRect">
+            <a:avLst>
+              <a:gd name="adj" fmla="val 1735"/>
+            </a:avLst>
+          </a:prstGeom>
+          <a:ln w="12700" cmpd="sng">
+            <a:noFill/>
+          </a:ln>
+        </p:spPr>
+        <p:style>
+          <a:lnRef idx="2">
+            <a:schemeClr val="accent1">
+              <a:shade val="50000"/>
+            </a:schemeClr>
+          </a:lnRef>
+          <a:fillRef idx="1">
+            <a:schemeClr val="accent1"/>
+          </a:fillRef>
+          <a:effectRef idx="0">
+            <a:schemeClr val="accent1"/>
+          </a:effectRef>
+          <a:fontRef idx="minor">
+            <a:schemeClr val="lt1"/>
+          </a:fontRef>
+        </p:style>
+        <p:txBody>
+          <a:bodyPr rtlCol="0" anchor="ctr"/>
+          <a:lstStyle/>
+          <a:p>
+            <a:pPr algn="ctr"/>
+            <a:endParaRPr lang="en-US"/>
+          </a:p>
+        </p:txBody>
+      </p:sp>
+      <p:sp>
+        <p:nvSpPr>
+          <p:cNvPr id="4" name="Date Placeholder 3"/>
+          <p:cNvSpPr>
+            <a:spLocks noGrp="1"/>
+          </p:cNvSpPr>
+          <p:nvPr>
+            <p:ph type="dt" sz="half" idx="10"/>
+          </p:nvPr>
+        </p:nvSpPr>
+        <p:spPr/>
+        <p:txBody>
+          <a:bodyPr/>
+          <a:lstStyle/>
+          <a:p>
+            <a:fld id="{B4C71EC6-210F-42DE-9C53-41977AD35B3D}" type="datetimeFigureOut">
+              <a:rPr lang="ru-RU" smtClean="0"/>
+              <a:t>03.01.2019</a:t>
+            </a:fld>
+            <a:endParaRPr lang="ru-RU"/>
+          </a:p>
+        </p:txBody>
+      </p:sp>
+      <p:sp>
+        <p:nvSpPr>
+          <p:cNvPr id="13" name="Rectangle 12"/>
+          <p:cNvSpPr/>
+          <p:nvPr/>
+        </p:nvSpPr>
+        <p:spPr>
+          <a:xfrm>
+            <a:off x="451976" y="2946400"/>
+            <a:ext cx="8265160" cy="2463800"/>
+          </a:xfrm>
+          <a:prstGeom prst="rect">
+            <a:avLst/>
+          </a:prstGeom>
+          <a:solidFill>
+            <a:srgbClr val="FFFFFF">
+              <a:alpha val="83000"/>
+            </a:srgbClr>
+          </a:solidFill>
+          <a:ln>
+            <a:noFill/>
+          </a:ln>
+          <a:effectLst>
+            <a:softEdge rad="12700"/>
+          </a:effectLst>
+        </p:spPr>
+        <p:style>
+          <a:lnRef idx="2">
+            <a:schemeClr val="accent1">
+              <a:shade val="50000"/>
+            </a:schemeClr>
+          </a:lnRef>
+          <a:fillRef idx="1">
+            <a:schemeClr val="accent1"/>
+          </a:fillRef>
+          <a:effectRef idx="0">
+            <a:schemeClr val="accent1"/>
+          </a:effectRef>
+          <a:fontRef idx="minor">
+            <a:schemeClr val="lt1"/>
+          </a:fontRef>
+        </p:style>
+        <p:txBody>
+          <a:bodyPr rtlCol="0" anchor="ctr"/>
+          <a:lstStyle/>
+          <a:p>
+            <a:pPr algn="ctr"/>
+            <a:endParaRPr lang="en-US"/>
+          </a:p>
+        </p:txBody>
+      </p:sp>
+      <p:sp>
+        <p:nvSpPr>
+          <p:cNvPr id="16" name="Rectangle 15"/>
+          <p:cNvSpPr/>
+          <p:nvPr/>
+        </p:nvSpPr>
+        <p:spPr>
+          <a:xfrm>
+            <a:off x="567656" y="3048000"/>
+            <a:ext cx="8033800" cy="2245359"/>
+          </a:xfrm>
+          <a:prstGeom prst="rect">
+            <a:avLst/>
+          </a:prstGeom>
+          <a:solidFill>
+            <a:srgbClr val="FFFFFF"/>
+          </a:solidFill>
+          <a:ln w="6350" cmpd="dbl">
+            <a:noFill/>
+          </a:ln>
+        </p:spPr>
+        <p:style>
+          <a:lnRef idx="2">
+            <a:schemeClr val="accent1">
+              <a:shade val="50000"/>
+            </a:schemeClr>
+          </a:lnRef>
+          <a:fillRef idx="1">
+            <a:schemeClr val="accent1"/>
+          </a:fillRef>
+          <a:effectRef idx="0">
+            <a:schemeClr val="accent1"/>
+          </a:effectRef>
+          <a:fontRef idx="minor">
+            <a:schemeClr val="lt1"/>
+          </a:fontRef>
+        </p:style>
+        <p:txBody>
+          <a:bodyPr rtlCol="0" anchor="ctr"/>
+          <a:lstStyle/>
+          <a:p>
+            <a:pPr algn="ctr"/>
+            <a:endParaRPr lang="en-US"/>
+          </a:p>
+        </p:txBody>
+      </p:sp>
+      <p:sp>
+        <p:nvSpPr>
+          <p:cNvPr id="5" name="Footer Placeholder 4"/>
+          <p:cNvSpPr>
+            <a:spLocks noGrp="1"/>
+          </p:cNvSpPr>
+          <p:nvPr>
+            <p:ph type="ftr" sz="quarter" idx="11"/>
+          </p:nvPr>
+        </p:nvSpPr>
+        <p:spPr/>
+        <p:txBody>
+          <a:bodyPr/>
+          <a:lstStyle/>
+          <a:p>
+            <a:endParaRPr lang="ru-RU"/>
+          </a:p>
+        </p:txBody>
+      </p:sp>
+      <p:sp>
+        <p:nvSpPr>
+          <p:cNvPr id="6" name="Slide Number Placeholder 5"/>
+          <p:cNvSpPr>
+            <a:spLocks noGrp="1"/>
+          </p:cNvSpPr>
+          <p:nvPr>
+            <p:ph type="sldNum" sz="quarter" idx="12"/>
+          </p:nvPr>
+        </p:nvSpPr>
+        <p:spPr/>
+        <p:txBody>
+          <a:bodyPr/>
+          <a:lstStyle/>
+          <a:p>
+            <a:fld id="{B19B0651-EE4F-4900-A07F-96A6BFA9D0F0}" type="slidenum">
+              <a:rPr lang="ru-RU" smtClean="0"/>
+              <a:t>‹#›</a:t>
+            </a:fld>
+            <a:endParaRPr lang="ru-RU"/>
+          </a:p>
+        </p:txBody>
+      </p:sp>
+      <p:sp>
+        <p:nvSpPr>
           <p:cNvPr id="2" name="Title 1"/>
           <p:cNvSpPr>
             <a:spLocks noGrp="1"/>
@@ -924,15 +1652,30 @@
         </p:nvSpPr>
         <p:spPr>
           <a:xfrm>
-            <a:off x="609600" y="4962525"/>
-            <a:ext cx="7885113" cy="1362075"/>
-          </a:xfrm>
-        </p:spPr>
-        <p:txBody>
-          <a:bodyPr anchor="t"/>
+            <a:off x="736456" y="3200399"/>
+            <a:ext cx="7696200" cy="1295401"/>
+          </a:xfrm>
+        </p:spPr>
+        <p:txBody>
+          <a:bodyPr anchor="b" anchorCtr="0">
+            <a:noAutofit/>
+          </a:bodyPr>
           <a:lstStyle>
-            <a:lvl1pPr algn="l">
-              <a:defRPr sz="3200" b="0" i="0" cap="all" baseline="0"/>
+            <a:lvl1pPr algn="ctr" defTabSz="914400" rtl="0" eaLnBrk="1" latinLnBrk="0" hangingPunct="1">
+              <a:spcBef>
+                <a:spcPct val="0"/>
+              </a:spcBef>
+              <a:buNone/>
+              <a:defRPr lang="en-US" sz="4000" kern="1200" cap="all" baseline="0" dirty="0">
+                <a:solidFill>
+                  <a:schemeClr val="accent1">
+                    <a:lumMod val="50000"/>
+                  </a:schemeClr>
+                </a:solidFill>
+                <a:latin typeface="+mj-lt"/>
+                <a:ea typeface="+mj-ea"/>
+                <a:cs typeface="+mj-cs"/>
+              </a:defRPr>
             </a:lvl1pPr>
           </a:lstStyle>
           <a:p>
@@ -941,6 +1684,52 @@
               <a:t>Образец заголовка</a:t>
             </a:r>
             <a:endParaRPr lang="en-US" dirty="0"/>
+          </a:p>
+        </p:txBody>
+      </p:sp>
+      <p:sp>
+        <p:nvSpPr>
+          <p:cNvPr id="15" name="Rectangle 14"/>
+          <p:cNvSpPr/>
+          <p:nvPr/>
+        </p:nvSpPr>
+        <p:spPr>
+          <a:xfrm>
+            <a:off x="675496" y="4541520"/>
+            <a:ext cx="7818120" cy="664367"/>
+          </a:xfrm>
+          <a:prstGeom prst="rect">
+            <a:avLst/>
+          </a:prstGeom>
+          <a:solidFill>
+            <a:schemeClr val="accent1"/>
+          </a:solidFill>
+          <a:ln w="6350">
+            <a:noFill/>
+          </a:ln>
+        </p:spPr>
+        <p:style>
+          <a:lnRef idx="2">
+            <a:schemeClr val="accent1">
+              <a:shade val="50000"/>
+            </a:schemeClr>
+          </a:lnRef>
+          <a:fillRef idx="1">
+            <a:schemeClr val="accent1"/>
+          </a:fillRef>
+          <a:effectRef idx="0">
+            <a:schemeClr val="accent1"/>
+          </a:effectRef>
+          <a:fontRef idx="minor">
+            <a:schemeClr val="lt1"/>
+          </a:fontRef>
+        </p:style>
+        <p:txBody>
+          <a:bodyPr rtlCol="0" anchor="ctr"/>
+          <a:lstStyle/>
+          <a:p>
+            <a:pPr algn="ctr"/>
+            <a:endParaRPr lang="en-US"/>
           </a:p>
         </p:txBody>
       </p:sp>
@@ -956,20 +1745,20 @@
         </p:nvSpPr>
         <p:spPr>
           <a:xfrm>
-            <a:off x="609600" y="3462338"/>
-            <a:ext cx="7885113" cy="1500187"/>
-          </a:xfrm>
-        </p:spPr>
-        <p:txBody>
-          <a:bodyPr anchor="b">
+            <a:off x="736456" y="4607510"/>
+            <a:ext cx="7696200" cy="523783"/>
+          </a:xfrm>
+        </p:spPr>
+        <p:txBody>
+          <a:bodyPr anchor="ctr">
             <a:normAutofit/>
           </a:bodyPr>
           <a:lstStyle>
-            <a:lvl1pPr marL="0" indent="0">
+            <a:lvl1pPr marL="0" indent="0" algn="ctr">
               <a:buNone/>
-              <a:defRPr sz="1700" baseline="0">
+              <a:defRPr sz="2000" cap="all" spc="250" baseline="0">
                 <a:solidFill>
-                  <a:schemeClr val="tx2"/>
+                  <a:srgbClr val="FFFFFF"/>
                 </a:solidFill>
               </a:defRPr>
             </a:lvl1pPr>
@@ -1065,66 +1854,49 @@
       </p:sp>
       <p:sp>
         <p:nvSpPr>
-          <p:cNvPr id="4" name="Date Placeholder 3"/>
-          <p:cNvSpPr>
-            <a:spLocks noGrp="1"/>
-          </p:cNvSpPr>
-          <p:nvPr>
-            <p:ph type="dt" sz="half" idx="10"/>
-          </p:nvPr>
-        </p:nvSpPr>
-        <p:spPr/>
-        <p:txBody>
-          <a:bodyPr/>
-          <a:lstStyle/>
-          <a:p>
-            <a:fld id="{B4C71EC6-210F-42DE-9C53-41977AD35B3D}" type="datetimeFigureOut">
-              <a:rPr lang="ru-RU" smtClean="0"/>
-              <a:t>02.01.2019</a:t>
-            </a:fld>
-            <a:endParaRPr lang="ru-RU"/>
-          </a:p>
-        </p:txBody>
-      </p:sp>
-      <p:sp>
-        <p:nvSpPr>
-          <p:cNvPr id="5" name="Footer Placeholder 4"/>
-          <p:cNvSpPr>
-            <a:spLocks noGrp="1"/>
-          </p:cNvSpPr>
-          <p:nvPr>
-            <p:ph type="ftr" sz="quarter" idx="11"/>
-          </p:nvPr>
-        </p:nvSpPr>
-        <p:spPr/>
-        <p:txBody>
-          <a:bodyPr/>
-          <a:lstStyle/>
-          <a:p>
-            <a:endParaRPr lang="ru-RU"/>
-          </a:p>
-        </p:txBody>
-      </p:sp>
-      <p:sp>
-        <p:nvSpPr>
-          <p:cNvPr id="6" name="Slide Number Placeholder 5"/>
-          <p:cNvSpPr>
-            <a:spLocks noGrp="1"/>
-          </p:cNvSpPr>
-          <p:nvPr>
-            <p:ph type="sldNum" sz="quarter" idx="12"/>
-          </p:nvPr>
-        </p:nvSpPr>
-        <p:spPr/>
-        <p:txBody>
-          <a:bodyPr/>
-          <a:lstStyle/>
-          <a:p>
-            <a:fld id="{B19B0651-EE4F-4900-A07F-96A6BFA9D0F0}" type="slidenum">
-              <a:rPr lang="ru-RU" smtClean="0"/>
-              <a:t>‹#›</a:t>
-            </a:fld>
-            <a:endParaRPr lang="ru-RU"/>
+          <p:cNvPr id="14" name="Rectangle 13"/>
+          <p:cNvSpPr/>
+          <p:nvPr/>
+        </p:nvSpPr>
+        <p:spPr>
+          <a:xfrm>
+            <a:off x="675757" y="3124200"/>
+            <a:ext cx="7817599" cy="2077720"/>
+          </a:xfrm>
+          <a:prstGeom prst="rect">
+            <a:avLst/>
+          </a:prstGeom>
+          <a:noFill/>
+          <a:ln w="6350" cmpd="dbl">
+            <a:solidFill>
+              <a:schemeClr val="accent1">
+                <a:lumMod val="75000"/>
+              </a:schemeClr>
+            </a:solidFill>
+          </a:ln>
+        </p:spPr>
+        <p:style>
+          <a:lnRef idx="2">
+            <a:schemeClr val="accent1">
+              <a:shade val="50000"/>
+            </a:schemeClr>
+          </a:lnRef>
+          <a:fillRef idx="1">
+            <a:schemeClr val="accent1"/>
+          </a:fillRef>
+          <a:effectRef idx="0">
+            <a:schemeClr val="accent1"/>
+          </a:effectRef>
+          <a:fontRef idx="minor">
+            <a:schemeClr val="lt1"/>
+          </a:fontRef>
+        </p:style>
+        <p:txBody>
+          <a:bodyPr rtlCol="0" anchor="ctr"/>
+          <a:lstStyle/>
+          <a:p>
+            <a:pPr algn="ctr"/>
+            <a:endParaRPr lang="en-US"/>
           </a:p>
         </p:txBody>
       </p:sp>
@@ -1155,181 +1927,6 @@
       </p:grpSpPr>
       <p:sp>
         <p:nvSpPr>
-          <p:cNvPr id="11" name="Content Placeholder 10"/>
-          <p:cNvSpPr>
-            <a:spLocks noGrp="1"/>
-          </p:cNvSpPr>
-          <p:nvPr>
-            <p:ph sz="quarter" idx="13"/>
-          </p:nvPr>
-        </p:nvSpPr>
-        <p:spPr>
-          <a:xfrm>
-            <a:off x="609600" y="1600200"/>
-            <a:ext cx="3733800" cy="4114800"/>
-          </a:xfrm>
-        </p:spPr>
-        <p:txBody>
-          <a:bodyPr/>
-          <a:lstStyle>
-            <a:lvl5pPr>
-              <a:defRPr/>
-            </a:lvl5pPr>
-            <a:lvl6pPr>
-              <a:buClr>
-                <a:schemeClr val="tx2"/>
-              </a:buClr>
-              <a:buFont typeface="Arial" pitchFamily="34" charset="0"/>
-              <a:buChar char="•"/>
-              <a:defRPr/>
-            </a:lvl6pPr>
-            <a:lvl7pPr>
-              <a:buClr>
-                <a:schemeClr val="tx2"/>
-              </a:buClr>
-              <a:buFont typeface="Arial" pitchFamily="34" charset="0"/>
-              <a:buChar char="•"/>
-              <a:defRPr/>
-            </a:lvl7pPr>
-            <a:lvl8pPr>
-              <a:buClr>
-                <a:schemeClr val="tx2"/>
-              </a:buClr>
-              <a:buFont typeface="Arial" pitchFamily="34" charset="0"/>
-              <a:buChar char="•"/>
-              <a:defRPr/>
-            </a:lvl8pPr>
-            <a:lvl9pPr>
-              <a:buClr>
-                <a:schemeClr val="tx2"/>
-              </a:buClr>
-              <a:buFont typeface="Arial" pitchFamily="34" charset="0"/>
-              <a:buChar char="•"/>
-              <a:defRPr/>
-            </a:lvl9pPr>
-          </a:lstStyle>
-          <a:p>
-            <a:pPr lvl="0"/>
-            <a:r>
-              <a:rPr lang="ru-RU" smtClean="0"/>
-              <a:t>Образец текста</a:t>
-            </a:r>
-          </a:p>
-          <a:p>
-            <a:pPr lvl="1"/>
-            <a:r>
-              <a:rPr lang="ru-RU" smtClean="0"/>
-              <a:t>Второй уровень</a:t>
-            </a:r>
-          </a:p>
-          <a:p>
-            <a:pPr lvl="2"/>
-            <a:r>
-              <a:rPr lang="ru-RU" smtClean="0"/>
-              <a:t>Третий уровень</a:t>
-            </a:r>
-          </a:p>
-          <a:p>
-            <a:pPr lvl="3"/>
-            <a:r>
-              <a:rPr lang="ru-RU" smtClean="0"/>
-              <a:t>Четвертый уровень</a:t>
-            </a:r>
-          </a:p>
-          <a:p>
-            <a:pPr lvl="4"/>
-            <a:r>
-              <a:rPr lang="ru-RU" smtClean="0"/>
-              <a:t>Пятый уровень</a:t>
-            </a:r>
-            <a:endParaRPr lang="en-US" dirty="0" smtClean="0"/>
-          </a:p>
-        </p:txBody>
-      </p:sp>
-      <p:sp>
-        <p:nvSpPr>
-          <p:cNvPr id="13" name="Content Placeholder 12"/>
-          <p:cNvSpPr>
-            <a:spLocks noGrp="1"/>
-          </p:cNvSpPr>
-          <p:nvPr>
-            <p:ph sz="quarter" idx="14"/>
-          </p:nvPr>
-        </p:nvSpPr>
-        <p:spPr>
-          <a:xfrm>
-            <a:off x="4800600" y="1600200"/>
-            <a:ext cx="3733800" cy="4114800"/>
-          </a:xfrm>
-        </p:spPr>
-        <p:txBody>
-          <a:bodyPr/>
-          <a:lstStyle>
-            <a:lvl6pPr>
-              <a:buClr>
-                <a:schemeClr val="tx2"/>
-              </a:buClr>
-              <a:defRPr/>
-            </a:lvl6pPr>
-            <a:lvl7pPr>
-              <a:buClr>
-                <a:schemeClr val="tx2"/>
-              </a:buClr>
-              <a:defRPr/>
-            </a:lvl7pPr>
-            <a:lvl8pPr>
-              <a:buClr>
-                <a:schemeClr val="tx2"/>
-              </a:buClr>
-              <a:defRPr/>
-            </a:lvl8pPr>
-            <a:lvl9pPr>
-              <a:buClr>
-                <a:schemeClr val="tx2"/>
-              </a:buClr>
-              <a:defRPr/>
-            </a:lvl9pPr>
-          </a:lstStyle>
-          <a:p>
-            <a:pPr lvl="0"/>
-            <a:r>
-              <a:rPr lang="ru-RU" smtClean="0"/>
-              <a:t>Образец текста</a:t>
-            </a:r>
-          </a:p>
-          <a:p>
-            <a:pPr lvl="1"/>
-            <a:r>
-              <a:rPr lang="ru-RU" smtClean="0"/>
-              <a:t>Второй уровень</a:t>
-            </a:r>
-          </a:p>
-          <a:p>
-            <a:pPr lvl="2"/>
-            <a:r>
-              <a:rPr lang="ru-RU" smtClean="0"/>
-              <a:t>Третий уровень</a:t>
-            </a:r>
-          </a:p>
-          <a:p>
-            <a:pPr lvl="3"/>
-            <a:r>
-              <a:rPr lang="ru-RU" smtClean="0"/>
-              <a:t>Четвертый уровень</a:t>
-            </a:r>
-          </a:p>
-          <a:p>
-            <a:pPr lvl="4"/>
-            <a:r>
-              <a:rPr lang="ru-RU" smtClean="0"/>
-              <a:t>Пятый уровень</a:t>
-            </a:r>
-            <a:endParaRPr lang="en-US" dirty="0" smtClean="0"/>
-          </a:p>
-        </p:txBody>
-      </p:sp>
-      <p:sp>
-        <p:nvSpPr>
           <p:cNvPr id="2" name="Title 1"/>
           <p:cNvSpPr>
             <a:spLocks noGrp="1"/>
@@ -1340,8 +1937,8 @@
         </p:nvSpPr>
         <p:spPr>
           <a:xfrm>
-            <a:off x="609600" y="274638"/>
-            <a:ext cx="7924800" cy="1143000"/>
+            <a:off x="426128" y="408372"/>
+            <a:ext cx="8260672" cy="1039427"/>
           </a:xfrm>
         </p:spPr>
         <p:txBody>
@@ -1351,6 +1948,176 @@
             <a:r>
               <a:rPr lang="ru-RU" smtClean="0"/>
               <a:t>Образец заголовка</a:t>
+            </a:r>
+            <a:endParaRPr lang="en-US"/>
+          </a:p>
+        </p:txBody>
+      </p:sp>
+      <p:sp>
+        <p:nvSpPr>
+          <p:cNvPr id="3" name="Content Placeholder 2"/>
+          <p:cNvSpPr>
+            <a:spLocks noGrp="1"/>
+          </p:cNvSpPr>
+          <p:nvPr>
+            <p:ph sz="half" idx="1"/>
+          </p:nvPr>
+        </p:nvSpPr>
+        <p:spPr>
+          <a:xfrm>
+            <a:off x="426128" y="1719071"/>
+            <a:ext cx="4038600" cy="4407408"/>
+          </a:xfrm>
+        </p:spPr>
+        <p:txBody>
+          <a:bodyPr/>
+          <a:lstStyle>
+            <a:lvl1pPr>
+              <a:defRPr sz="2800"/>
+            </a:lvl1pPr>
+            <a:lvl2pPr>
+              <a:defRPr sz="2400"/>
+            </a:lvl2pPr>
+            <a:lvl3pPr>
+              <a:defRPr sz="2000"/>
+            </a:lvl3pPr>
+            <a:lvl4pPr>
+              <a:defRPr sz="1800"/>
+            </a:lvl4pPr>
+            <a:lvl5pPr>
+              <a:defRPr sz="1800"/>
+            </a:lvl5pPr>
+            <a:lvl6pPr>
+              <a:defRPr sz="1800"/>
+            </a:lvl6pPr>
+            <a:lvl7pPr>
+              <a:defRPr sz="1800"/>
+            </a:lvl7pPr>
+            <a:lvl8pPr>
+              <a:defRPr sz="1800"/>
+            </a:lvl8pPr>
+            <a:lvl9pPr>
+              <a:defRPr sz="1800"/>
+            </a:lvl9pPr>
+          </a:lstStyle>
+          <a:p>
+            <a:pPr lvl="0"/>
+            <a:r>
+              <a:rPr lang="ru-RU" smtClean="0"/>
+              <a:t>Образец текста</a:t>
+            </a:r>
+          </a:p>
+          <a:p>
+            <a:pPr lvl="1"/>
+            <a:r>
+              <a:rPr lang="ru-RU" smtClean="0"/>
+              <a:t>Второй уровень</a:t>
+            </a:r>
+          </a:p>
+          <a:p>
+            <a:pPr lvl="2"/>
+            <a:r>
+              <a:rPr lang="ru-RU" smtClean="0"/>
+              <a:t>Третий уровень</a:t>
+            </a:r>
+          </a:p>
+          <a:p>
+            <a:pPr lvl="3"/>
+            <a:r>
+              <a:rPr lang="ru-RU" smtClean="0"/>
+              <a:t>Четвертый уровень</a:t>
+            </a:r>
+          </a:p>
+          <a:p>
+            <a:pPr lvl="4"/>
+            <a:r>
+              <a:rPr lang="ru-RU" smtClean="0"/>
+              <a:t>Пятый уровень</a:t>
+            </a:r>
+            <a:endParaRPr lang="en-US" dirty="0"/>
+          </a:p>
+        </p:txBody>
+      </p:sp>
+      <p:sp>
+        <p:nvSpPr>
+          <p:cNvPr id="4" name="Content Placeholder 3"/>
+          <p:cNvSpPr>
+            <a:spLocks noGrp="1"/>
+          </p:cNvSpPr>
+          <p:nvPr>
+            <p:ph sz="half" idx="2"/>
+          </p:nvPr>
+        </p:nvSpPr>
+        <p:spPr>
+          <a:xfrm>
+            <a:off x="4648200" y="1719071"/>
+            <a:ext cx="4038600" cy="4407408"/>
+          </a:xfrm>
+        </p:spPr>
+        <p:txBody>
+          <a:bodyPr/>
+          <a:lstStyle>
+            <a:lvl1pPr>
+              <a:defRPr sz="2800"/>
+            </a:lvl1pPr>
+            <a:lvl2pPr>
+              <a:defRPr sz="2400"/>
+            </a:lvl2pPr>
+            <a:lvl3pPr>
+              <a:defRPr sz="2000"/>
+            </a:lvl3pPr>
+            <a:lvl4pPr>
+              <a:defRPr sz="1800"/>
+            </a:lvl4pPr>
+            <a:lvl5pPr>
+              <a:defRPr sz="1800"/>
+            </a:lvl5pPr>
+            <a:lvl6pPr>
+              <a:defRPr sz="1800"/>
+            </a:lvl6pPr>
+            <a:lvl7pPr>
+              <a:defRPr sz="1800"/>
+            </a:lvl7pPr>
+            <a:lvl8pPr>
+              <a:defRPr sz="1800"/>
+            </a:lvl8pPr>
+            <a:lvl9pPr>
+              <a:defRPr sz="1800"/>
+            </a:lvl9pPr>
+          </a:lstStyle>
+          <a:p>
+            <a:pPr lvl="0"/>
+            <a:r>
+              <a:rPr lang="ru-RU" smtClean="0"/>
+              <a:t>Образец текста</a:t>
+            </a:r>
+          </a:p>
+          <a:p>
+            <a:pPr lvl="1"/>
+            <a:r>
+              <a:rPr lang="ru-RU" smtClean="0"/>
+              <a:t>Второй уровень</a:t>
+            </a:r>
+          </a:p>
+          <a:p>
+            <a:pPr lvl="2"/>
+            <a:r>
+              <a:rPr lang="ru-RU" smtClean="0"/>
+              <a:t>Третий уровень</a:t>
+            </a:r>
+          </a:p>
+          <a:p>
+            <a:pPr lvl="3"/>
+            <a:r>
+              <a:rPr lang="ru-RU" smtClean="0"/>
+              <a:t>Четвертый уровень</a:t>
+            </a:r>
+          </a:p>
+          <a:p>
+            <a:pPr lvl="4"/>
+            <a:r>
+              <a:rPr lang="ru-RU" smtClean="0"/>
+              <a:t>Пятый уровень</a:t>
             </a:r>
             <a:endParaRPr lang="en-US" dirty="0"/>
           </a:p>
@@ -1373,7 +2140,7 @@
           <a:p>
             <a:fld id="{B4C71EC6-210F-42DE-9C53-41977AD35B3D}" type="datetimeFigureOut">
               <a:rPr lang="ru-RU" smtClean="0"/>
-              <a:t>02.01.2019</a:t>
+              <a:t>03.01.2019</a:t>
             </a:fld>
             <a:endParaRPr lang="ru-RU"/>
           </a:p>
@@ -1448,170 +2215,6 @@
       </p:grpSpPr>
       <p:sp>
         <p:nvSpPr>
-          <p:cNvPr id="13" name="Content Placeholder 12"/>
-          <p:cNvSpPr>
-            <a:spLocks noGrp="1"/>
-          </p:cNvSpPr>
-          <p:nvPr>
-            <p:ph sz="quarter" idx="14"/>
-          </p:nvPr>
-        </p:nvSpPr>
-        <p:spPr>
-          <a:xfrm>
-            <a:off x="4800600" y="2209800"/>
-            <a:ext cx="3733800" cy="3505200"/>
-          </a:xfrm>
-        </p:spPr>
-        <p:txBody>
-          <a:bodyPr/>
-          <a:lstStyle>
-            <a:lvl6pPr>
-              <a:buClr>
-                <a:schemeClr val="tx2"/>
-              </a:buClr>
-              <a:defRPr/>
-            </a:lvl6pPr>
-            <a:lvl7pPr>
-              <a:buClr>
-                <a:schemeClr val="tx2"/>
-              </a:buClr>
-              <a:defRPr/>
-            </a:lvl7pPr>
-            <a:lvl8pPr>
-              <a:buClr>
-                <a:schemeClr val="tx2"/>
-              </a:buClr>
-              <a:defRPr/>
-            </a:lvl8pPr>
-            <a:lvl9pPr>
-              <a:buClr>
-                <a:schemeClr val="tx2"/>
-              </a:buClr>
-              <a:defRPr/>
-            </a:lvl9pPr>
-          </a:lstStyle>
-          <a:p>
-            <a:pPr lvl="0"/>
-            <a:r>
-              <a:rPr lang="ru-RU" smtClean="0"/>
-              <a:t>Образец текста</a:t>
-            </a:r>
-          </a:p>
-          <a:p>
-            <a:pPr lvl="1"/>
-            <a:r>
-              <a:rPr lang="ru-RU" smtClean="0"/>
-              <a:t>Второй уровень</a:t>
-            </a:r>
-          </a:p>
-          <a:p>
-            <a:pPr lvl="2"/>
-            <a:r>
-              <a:rPr lang="ru-RU" smtClean="0"/>
-              <a:t>Третий уровень</a:t>
-            </a:r>
-          </a:p>
-          <a:p>
-            <a:pPr lvl="3"/>
-            <a:r>
-              <a:rPr lang="ru-RU" smtClean="0"/>
-              <a:t>Четвертый уровень</a:t>
-            </a:r>
-          </a:p>
-          <a:p>
-            <a:pPr lvl="4"/>
-            <a:r>
-              <a:rPr lang="ru-RU" smtClean="0"/>
-              <a:t>Пятый уровень</a:t>
-            </a:r>
-            <a:endParaRPr lang="en-US" dirty="0" smtClean="0"/>
-          </a:p>
-        </p:txBody>
-      </p:sp>
-      <p:sp>
-        <p:nvSpPr>
-          <p:cNvPr id="11" name="Content Placeholder 10"/>
-          <p:cNvSpPr>
-            <a:spLocks noGrp="1"/>
-          </p:cNvSpPr>
-          <p:nvPr>
-            <p:ph sz="quarter" idx="13"/>
-          </p:nvPr>
-        </p:nvSpPr>
-        <p:spPr>
-          <a:xfrm>
-            <a:off x="609600" y="2209800"/>
-            <a:ext cx="3733800" cy="3505200"/>
-          </a:xfrm>
-        </p:spPr>
-        <p:txBody>
-          <a:bodyPr/>
-          <a:lstStyle>
-            <a:lvl6pPr>
-              <a:buClr>
-                <a:schemeClr val="tx2"/>
-              </a:buClr>
-              <a:defRPr/>
-            </a:lvl6pPr>
-            <a:lvl7pPr>
-              <a:buClr>
-                <a:schemeClr val="tx2"/>
-              </a:buClr>
-              <a:defRPr/>
-            </a:lvl7pPr>
-            <a:lvl8pPr>
-              <a:buClr>
-                <a:schemeClr val="tx2"/>
-              </a:buClr>
-              <a:defRPr/>
-            </a:lvl8pPr>
-            <a:lvl9pPr>
-              <a:buClr>
-                <a:schemeClr val="tx2"/>
-              </a:buClr>
-              <a:defRPr/>
-            </a:lvl9pPr>
-          </a:lstStyle>
-          <a:p>
-            <a:pPr lvl="0"/>
-            <a:r>
-              <a:rPr lang="ru-RU" smtClean="0"/>
-              <a:t>Образец текста</a:t>
-            </a:r>
-          </a:p>
-          <a:p>
-            <a:pPr lvl="1"/>
-            <a:r>
-              <a:rPr lang="ru-RU" smtClean="0"/>
-              <a:t>Второй уровень</a:t>
-            </a:r>
-          </a:p>
-          <a:p>
-            <a:pPr lvl="2"/>
-            <a:r>
-              <a:rPr lang="ru-RU" smtClean="0"/>
-              <a:t>Третий уровень</a:t>
-            </a:r>
-          </a:p>
-          <a:p>
-            <a:pPr lvl="3"/>
-            <a:r>
-              <a:rPr lang="ru-RU" smtClean="0"/>
-              <a:t>Четвертый уровень</a:t>
-            </a:r>
-          </a:p>
-          <a:p>
-            <a:pPr lvl="4"/>
-            <a:r>
-              <a:rPr lang="ru-RU" smtClean="0"/>
-              <a:t>Пятый уровень</a:t>
-            </a:r>
-            <a:endParaRPr lang="en-US" dirty="0" smtClean="0"/>
-          </a:p>
-        </p:txBody>
-      </p:sp>
-      <p:sp>
-        <p:nvSpPr>
           <p:cNvPr id="2" name="Title 1"/>
           <p:cNvSpPr>
             <a:spLocks noGrp="1"/>
@@ -1622,8 +2225,8 @@
         </p:nvSpPr>
         <p:spPr>
           <a:xfrm>
-            <a:off x="609600" y="274638"/>
-            <a:ext cx="7924800" cy="1143000"/>
+            <a:off x="426128" y="408372"/>
+            <a:ext cx="8260672" cy="1039427"/>
           </a:xfrm>
         </p:spPr>
         <p:txBody>
@@ -1638,7 +2241,7 @@
               <a:rPr lang="ru-RU" smtClean="0"/>
               <a:t>Образец заголовка</a:t>
             </a:r>
-            <a:endParaRPr lang="en-US" dirty="0"/>
+            <a:endParaRPr lang="en-US"/>
           </a:p>
         </p:txBody>
       </p:sp>
@@ -1654,22 +2257,18 @@
         </p:nvSpPr>
         <p:spPr>
           <a:xfrm>
-            <a:off x="609600" y="1600199"/>
-            <a:ext cx="3733800" cy="574675"/>
+            <a:off x="426128" y="1722438"/>
+            <a:ext cx="4040188" cy="639762"/>
           </a:xfrm>
         </p:spPr>
         <p:txBody>
           <a:bodyPr anchor="b">
-            <a:normAutofit/>
+            <a:noAutofit/>
           </a:bodyPr>
           <a:lstStyle>
-            <a:lvl1pPr marL="0" indent="0">
+            <a:lvl1pPr marL="0" indent="0" algn="ctr">
               <a:buNone/>
-              <a:defRPr sz="1700" b="0" i="0" baseline="0">
-                <a:solidFill>
-                  <a:schemeClr val="tx2"/>
-                </a:solidFill>
-              </a:defRPr>
+              <a:defRPr sz="2200" b="1"/>
             </a:lvl1pPr>
             <a:lvl2pPr marL="457200" indent="0">
               <a:buNone/>
@@ -1715,6 +2314,91 @@
       </p:sp>
       <p:sp>
         <p:nvSpPr>
+          <p:cNvPr id="4" name="Content Placeholder 3"/>
+          <p:cNvSpPr>
+            <a:spLocks noGrp="1"/>
+          </p:cNvSpPr>
+          <p:nvPr>
+            <p:ph sz="half" idx="2"/>
+          </p:nvPr>
+        </p:nvSpPr>
+        <p:spPr>
+          <a:xfrm>
+            <a:off x="426128" y="2438400"/>
+            <a:ext cx="4040188" cy="3687762"/>
+          </a:xfrm>
+        </p:spPr>
+        <p:txBody>
+          <a:bodyPr/>
+          <a:lstStyle>
+            <a:lvl1pPr>
+              <a:defRPr sz="2400"/>
+            </a:lvl1pPr>
+            <a:lvl2pPr>
+              <a:defRPr sz="2000"/>
+            </a:lvl2pPr>
+            <a:lvl3pPr>
+              <a:defRPr sz="1800"/>
+            </a:lvl3pPr>
+            <a:lvl4pPr>
+              <a:defRPr sz="1600"/>
+            </a:lvl4pPr>
+            <a:lvl5pPr>
+              <a:defRPr sz="1600"/>
+            </a:lvl5pPr>
+            <a:lvl6pPr>
+              <a:defRPr sz="1600"/>
+            </a:lvl6pPr>
+            <a:lvl7pPr>
+              <a:defRPr sz="1600"/>
+            </a:lvl7pPr>
+            <a:lvl8pPr>
+              <a:defRPr sz="1600"/>
+            </a:lvl8pPr>
+            <a:lvl9pPr>
+              <a:defRPr sz="1600"/>
+            </a:lvl9pPr>
+          </a:lstStyle>
+          <a:p>
+            <a:pPr lvl="0"/>
+            <a:r>
+              <a:rPr lang="ru-RU" smtClean="0"/>
+              <a:t>Образец текста</a:t>
+            </a:r>
+          </a:p>
+          <a:p>
+            <a:pPr lvl="1"/>
+            <a:r>
+              <a:rPr lang="ru-RU" smtClean="0"/>
+              <a:t>Второй уровень</a:t>
+            </a:r>
+          </a:p>
+          <a:p>
+            <a:pPr lvl="2"/>
+            <a:r>
+              <a:rPr lang="ru-RU" smtClean="0"/>
+              <a:t>Третий уровень</a:t>
+            </a:r>
+          </a:p>
+          <a:p>
+            <a:pPr lvl="3"/>
+            <a:r>
+              <a:rPr lang="ru-RU" smtClean="0"/>
+              <a:t>Четвертый уровень</a:t>
+            </a:r>
+          </a:p>
+          <a:p>
+            <a:pPr lvl="4"/>
+            <a:r>
+              <a:rPr lang="ru-RU" smtClean="0"/>
+              <a:t>Пятый уровень</a:t>
+            </a:r>
+            <a:endParaRPr lang="en-US" dirty="0"/>
+          </a:p>
+        </p:txBody>
+      </p:sp>
+      <p:sp>
+        <p:nvSpPr>
           <p:cNvPr id="5" name="Text Placeholder 4"/>
           <p:cNvSpPr>
             <a:spLocks noGrp="1"/>
@@ -1725,22 +2409,18 @@
         </p:nvSpPr>
         <p:spPr>
           <a:xfrm>
-            <a:off x="4800600" y="1600199"/>
-            <a:ext cx="3733800" cy="574675"/>
+            <a:off x="4645025" y="1722438"/>
+            <a:ext cx="4041775" cy="639762"/>
           </a:xfrm>
         </p:spPr>
         <p:txBody>
           <a:bodyPr anchor="b">
-            <a:normAutofit/>
+            <a:noAutofit/>
           </a:bodyPr>
           <a:lstStyle>
-            <a:lvl1pPr marL="0" indent="0">
+            <a:lvl1pPr marL="0" indent="0" algn="ctr">
               <a:buNone/>
-              <a:defRPr sz="1700" b="0" i="0" baseline="0">
-                <a:solidFill>
-                  <a:schemeClr val="tx2"/>
-                </a:solidFill>
-              </a:defRPr>
+              <a:defRPr sz="2200" b="1"/>
             </a:lvl1pPr>
             <a:lvl2pPr marL="457200" indent="0">
               <a:buNone/>
@@ -1786,6 +2466,91 @@
       </p:sp>
       <p:sp>
         <p:nvSpPr>
+          <p:cNvPr id="6" name="Content Placeholder 5"/>
+          <p:cNvSpPr>
+            <a:spLocks noGrp="1"/>
+          </p:cNvSpPr>
+          <p:nvPr>
+            <p:ph sz="quarter" idx="4"/>
+          </p:nvPr>
+        </p:nvSpPr>
+        <p:spPr>
+          <a:xfrm>
+            <a:off x="4645025" y="2438400"/>
+            <a:ext cx="4041775" cy="3687762"/>
+          </a:xfrm>
+        </p:spPr>
+        <p:txBody>
+          <a:bodyPr/>
+          <a:lstStyle>
+            <a:lvl1pPr>
+              <a:defRPr sz="2400"/>
+            </a:lvl1pPr>
+            <a:lvl2pPr>
+              <a:defRPr sz="2000"/>
+            </a:lvl2pPr>
+            <a:lvl3pPr>
+              <a:defRPr sz="1800"/>
+            </a:lvl3pPr>
+            <a:lvl4pPr>
+              <a:defRPr sz="1600"/>
+            </a:lvl4pPr>
+            <a:lvl5pPr>
+              <a:defRPr sz="1600"/>
+            </a:lvl5pPr>
+            <a:lvl6pPr>
+              <a:defRPr sz="1600"/>
+            </a:lvl6pPr>
+            <a:lvl7pPr>
+              <a:defRPr sz="1600"/>
+            </a:lvl7pPr>
+            <a:lvl8pPr>
+              <a:defRPr sz="1600"/>
+            </a:lvl8pPr>
+            <a:lvl9pPr>
+              <a:defRPr sz="1600"/>
+            </a:lvl9pPr>
+          </a:lstStyle>
+          <a:p>
+            <a:pPr lvl="0"/>
+            <a:r>
+              <a:rPr lang="ru-RU" smtClean="0"/>
+              <a:t>Образец текста</a:t>
+            </a:r>
+          </a:p>
+          <a:p>
+            <a:pPr lvl="1"/>
+            <a:r>
+              <a:rPr lang="ru-RU" smtClean="0"/>
+              <a:t>Второй уровень</a:t>
+            </a:r>
+          </a:p>
+          <a:p>
+            <a:pPr lvl="2"/>
+            <a:r>
+              <a:rPr lang="ru-RU" smtClean="0"/>
+              <a:t>Третий уровень</a:t>
+            </a:r>
+          </a:p>
+          <a:p>
+            <a:pPr lvl="3"/>
+            <a:r>
+              <a:rPr lang="ru-RU" smtClean="0"/>
+              <a:t>Четвертый уровень</a:t>
+            </a:r>
+          </a:p>
+          <a:p>
+            <a:pPr lvl="4"/>
+            <a:r>
+              <a:rPr lang="ru-RU" smtClean="0"/>
+              <a:t>Пятый уровень</a:t>
+            </a:r>
+            <a:endParaRPr lang="en-US" dirty="0"/>
+          </a:p>
+        </p:txBody>
+      </p:sp>
+      <p:sp>
+        <p:nvSpPr>
           <p:cNvPr id="7" name="Date Placeholder 6"/>
           <p:cNvSpPr>
             <a:spLocks noGrp="1"/>
@@ -1801,7 +2566,7 @@
           <a:p>
             <a:fld id="{B4C71EC6-210F-42DE-9C53-41977AD35B3D}" type="datetimeFigureOut">
               <a:rPr lang="ru-RU" smtClean="0"/>
-              <a:t>02.01.2019</a:t>
+              <a:t>03.01.2019</a:t>
             </a:fld>
             <a:endParaRPr lang="ru-RU"/>
           </a:p>
@@ -1884,12 +2649,7 @@
             <p:ph type="title"/>
           </p:nvPr>
         </p:nvSpPr>
-        <p:spPr>
-          <a:xfrm>
-            <a:off x="609600" y="274638"/>
-            <a:ext cx="7924800" cy="1143000"/>
-          </a:xfrm>
-        </p:spPr>
+        <p:spPr/>
         <p:txBody>
           <a:bodyPr/>
           <a:lstStyle/>
@@ -1898,7 +2658,7 @@
               <a:rPr lang="ru-RU" smtClean="0"/>
               <a:t>Образец заголовка</a:t>
             </a:r>
-            <a:endParaRPr lang="en-US" dirty="0"/>
+            <a:endParaRPr lang="en-US"/>
           </a:p>
         </p:txBody>
       </p:sp>
@@ -1919,7 +2679,7 @@
           <a:p>
             <a:fld id="{B4C71EC6-210F-42DE-9C53-41977AD35B3D}" type="datetimeFigureOut">
               <a:rPr lang="ru-RU" smtClean="0"/>
-              <a:t>02.01.2019</a:t>
+              <a:t>03.01.2019</a:t>
             </a:fld>
             <a:endParaRPr lang="ru-RU"/>
           </a:p>
@@ -1976,7 +2736,7 @@
 </file>
 
 <file path=ppt/slideLayouts/slideLayout7.xml><?xml version="1.0" encoding="utf-8"?>
-<p:sldLayout xmlns:a="http://schemas.openxmlformats.org/drawingml/2006/main" xmlns:r="http://schemas.openxmlformats.org/officeDocument/2006/relationships" xmlns:p="http://schemas.openxmlformats.org/presentationml/2006/main" type="blank" preserve="1">
+<p:sldLayout xmlns:a="http://schemas.openxmlformats.org/drawingml/2006/main" xmlns:r="http://schemas.openxmlformats.org/officeDocument/2006/relationships" xmlns:p="http://schemas.openxmlformats.org/presentationml/2006/main" showMasterSp="0" type="blank" preserve="1">
   <p:cSld name="Пустой слайд">
     <p:spTree>
       <p:nvGrpSpPr>
@@ -1994,6 +2754,97 @@
       </p:grpSpPr>
       <p:sp>
         <p:nvSpPr>
+          <p:cNvPr id="5" name="Rectangle 4"/>
+          <p:cNvSpPr/>
+          <p:nvPr/>
+        </p:nvSpPr>
+        <p:spPr>
+          <a:xfrm>
+            <a:off x="0" y="0"/>
+            <a:ext cx="9144000" cy="6858000"/>
+          </a:xfrm>
+          <a:prstGeom prst="rect">
+            <a:avLst/>
+          </a:prstGeom>
+          <a:solidFill>
+            <a:srgbClr val="FFFFFF"/>
+          </a:solidFill>
+          <a:ln>
+            <a:noFill/>
+          </a:ln>
+        </p:spPr>
+        <p:style>
+          <a:lnRef idx="2">
+            <a:schemeClr val="accent1">
+              <a:shade val="50000"/>
+            </a:schemeClr>
+          </a:lnRef>
+          <a:fillRef idx="1">
+            <a:schemeClr val="accent1"/>
+          </a:fillRef>
+          <a:effectRef idx="0">
+            <a:schemeClr val="accent1"/>
+          </a:effectRef>
+          <a:fontRef idx="minor">
+            <a:schemeClr val="lt1"/>
+          </a:fontRef>
+        </p:style>
+        <p:txBody>
+          <a:bodyPr rtlCol="0" anchor="ctr"/>
+          <a:lstStyle/>
+          <a:p>
+            <a:pPr algn="ctr"/>
+            <a:endParaRPr lang="en-US"/>
+          </a:p>
+        </p:txBody>
+      </p:sp>
+      <p:sp useBgFill="1">
+        <p:nvSpPr>
+          <p:cNvPr id="11" name="Rounded Rectangle 10"/>
+          <p:cNvSpPr/>
+          <p:nvPr/>
+        </p:nvSpPr>
+        <p:spPr>
+          <a:xfrm>
+            <a:off x="91440" y="101600"/>
+            <a:ext cx="8961120" cy="6664960"/>
+          </a:xfrm>
+          <a:prstGeom prst="roundRect">
+            <a:avLst>
+              <a:gd name="adj" fmla="val 1735"/>
+            </a:avLst>
+          </a:prstGeom>
+          <a:ln w="12700" cmpd="sng">
+            <a:noFill/>
+          </a:ln>
+        </p:spPr>
+        <p:style>
+          <a:lnRef idx="2">
+            <a:schemeClr val="accent1">
+              <a:shade val="50000"/>
+            </a:schemeClr>
+          </a:lnRef>
+          <a:fillRef idx="1">
+            <a:schemeClr val="accent1"/>
+          </a:fillRef>
+          <a:effectRef idx="0">
+            <a:schemeClr val="accent1"/>
+          </a:effectRef>
+          <a:fontRef idx="minor">
+            <a:schemeClr val="lt1"/>
+          </a:fontRef>
+        </p:style>
+        <p:txBody>
+          <a:bodyPr rtlCol="0" anchor="ctr"/>
+          <a:lstStyle/>
+          <a:p>
+            <a:pPr algn="ctr"/>
+            <a:endParaRPr lang="en-US"/>
+          </a:p>
+        </p:txBody>
+      </p:sp>
+      <p:sp>
+        <p:nvSpPr>
           <p:cNvPr id="2" name="Date Placeholder 1"/>
           <p:cNvSpPr>
             <a:spLocks noGrp="1"/>
@@ -2009,7 +2860,7 @@
           <a:p>
             <a:fld id="{B4C71EC6-210F-42DE-9C53-41977AD35B3D}" type="datetimeFigureOut">
               <a:rPr lang="ru-RU" smtClean="0"/>
-              <a:t>02.01.2019</a:t>
+              <a:t>03.01.2019</a:t>
             </a:fld>
             <a:endParaRPr lang="ru-RU"/>
           </a:p>
@@ -2066,7 +2917,7 @@
 </file>
 
 <file path=ppt/slideLayouts/slideLayout8.xml><?xml version="1.0" encoding="utf-8"?>
-<p:sldLayout xmlns:a="http://schemas.openxmlformats.org/drawingml/2006/main" xmlns:r="http://schemas.openxmlformats.org/officeDocument/2006/relationships" xmlns:p="http://schemas.openxmlformats.org/presentationml/2006/main" type="objTx" preserve="1">
+<p:sldLayout xmlns:a="http://schemas.openxmlformats.org/drawingml/2006/main" xmlns:r="http://schemas.openxmlformats.org/officeDocument/2006/relationships" xmlns:p="http://schemas.openxmlformats.org/presentationml/2006/main" showMasterSp="0" type="objTx" preserve="1">
   <p:cSld name="Объект с подписью">
     <p:spTree>
       <p:nvGrpSpPr>
@@ -2084,23 +2935,142 @@
       </p:grpSpPr>
       <p:sp>
         <p:nvSpPr>
-          <p:cNvPr id="9" name="Content Placeholder 8"/>
+          <p:cNvPr id="11" name="Rectangle 10"/>
+          <p:cNvSpPr/>
+          <p:nvPr/>
+        </p:nvSpPr>
+        <p:spPr>
+          <a:xfrm>
+            <a:off x="0" y="0"/>
+            <a:ext cx="9144000" cy="6858000"/>
+          </a:xfrm>
+          <a:prstGeom prst="rect">
+            <a:avLst/>
+          </a:prstGeom>
+          <a:solidFill>
+            <a:srgbClr val="FFFFFF"/>
+          </a:solidFill>
+          <a:ln>
+            <a:noFill/>
+          </a:ln>
+        </p:spPr>
+        <p:style>
+          <a:lnRef idx="2">
+            <a:schemeClr val="accent1">
+              <a:shade val="50000"/>
+            </a:schemeClr>
+          </a:lnRef>
+          <a:fillRef idx="1">
+            <a:schemeClr val="accent1"/>
+          </a:fillRef>
+          <a:effectRef idx="0">
+            <a:schemeClr val="accent1"/>
+          </a:effectRef>
+          <a:fontRef idx="minor">
+            <a:schemeClr val="lt1"/>
+          </a:fontRef>
+        </p:style>
+        <p:txBody>
+          <a:bodyPr rtlCol="0" anchor="ctr"/>
+          <a:lstStyle/>
+          <a:p>
+            <a:pPr algn="ctr"/>
+            <a:endParaRPr lang="en-US"/>
+          </a:p>
+        </p:txBody>
+      </p:sp>
+      <p:sp useBgFill="1">
+        <p:nvSpPr>
+          <p:cNvPr id="12" name="Rounded Rectangle 11"/>
+          <p:cNvSpPr/>
+          <p:nvPr/>
+        </p:nvSpPr>
+        <p:spPr>
+          <a:xfrm>
+            <a:off x="91440" y="101600"/>
+            <a:ext cx="8961120" cy="6664960"/>
+          </a:xfrm>
+          <a:prstGeom prst="roundRect">
+            <a:avLst>
+              <a:gd name="adj" fmla="val 1735"/>
+            </a:avLst>
+          </a:prstGeom>
+          <a:ln w="12700" cmpd="sng">
+            <a:noFill/>
+          </a:ln>
+        </p:spPr>
+        <p:style>
+          <a:lnRef idx="2">
+            <a:schemeClr val="accent1">
+              <a:shade val="50000"/>
+            </a:schemeClr>
+          </a:lnRef>
+          <a:fillRef idx="1">
+            <a:schemeClr val="accent1"/>
+          </a:fillRef>
+          <a:effectRef idx="0">
+            <a:schemeClr val="accent1"/>
+          </a:effectRef>
+          <a:fontRef idx="minor">
+            <a:schemeClr val="lt1"/>
+          </a:fontRef>
+        </p:style>
+        <p:txBody>
+          <a:bodyPr rtlCol="0" anchor="ctr"/>
+          <a:lstStyle/>
+          <a:p>
+            <a:pPr algn="ctr"/>
+            <a:endParaRPr lang="en-US"/>
+          </a:p>
+        </p:txBody>
+      </p:sp>
+      <p:sp>
+        <p:nvSpPr>
+          <p:cNvPr id="3" name="Content Placeholder 2"/>
           <p:cNvSpPr>
             <a:spLocks noGrp="1"/>
           </p:cNvSpPr>
           <p:nvPr>
-            <p:ph sz="quarter" idx="13"/>
+            <p:ph idx="1"/>
           </p:nvPr>
         </p:nvSpPr>
         <p:spPr>
           <a:xfrm>
-            <a:off x="3962400" y="1447800"/>
-            <a:ext cx="4648200" cy="4267200"/>
+            <a:off x="3886200" y="685800"/>
+            <a:ext cx="4572000" cy="5257802"/>
           </a:xfrm>
         </p:spPr>
         <p:txBody>
           <a:bodyPr/>
-          <a:lstStyle/>
+          <a:lstStyle>
+            <a:lvl1pPr>
+              <a:defRPr sz="3200"/>
+            </a:lvl1pPr>
+            <a:lvl2pPr>
+              <a:defRPr sz="2800"/>
+            </a:lvl2pPr>
+            <a:lvl3pPr>
+              <a:defRPr sz="2400"/>
+            </a:lvl3pPr>
+            <a:lvl4pPr>
+              <a:defRPr sz="2000"/>
+            </a:lvl4pPr>
+            <a:lvl5pPr>
+              <a:defRPr sz="2000"/>
+            </a:lvl5pPr>
+            <a:lvl6pPr>
+              <a:defRPr sz="2000"/>
+            </a:lvl6pPr>
+            <a:lvl7pPr>
+              <a:defRPr sz="2000"/>
+            </a:lvl7pPr>
+            <a:lvl8pPr>
+              <a:defRPr sz="2000"/>
+            </a:lvl8pPr>
+            <a:lvl9pPr>
+              <a:defRPr sz="2000"/>
+            </a:lvl9pPr>
+          </a:lstStyle>
           <a:p>
             <a:pPr lvl="0"/>
             <a:r>
@@ -2141,37 +3111,167 @@
       </p:sp>
       <p:sp>
         <p:nvSpPr>
-          <p:cNvPr id="2" name="Title 1"/>
+          <p:cNvPr id="5" name="Date Placeholder 4"/>
           <p:cNvSpPr>
             <a:spLocks noGrp="1"/>
           </p:cNvSpPr>
           <p:nvPr>
-            <p:ph type="title"/>
+            <p:ph type="dt" sz="half" idx="10"/>
           </p:nvPr>
         </p:nvSpPr>
-        <p:spPr>
-          <a:xfrm>
-            <a:off x="612648" y="1447800"/>
-            <a:ext cx="2971800" cy="1097280"/>
-          </a:xfrm>
-        </p:spPr>
-        <p:txBody>
-          <a:bodyPr anchor="b"/>
-          <a:lstStyle>
-            <a:lvl1pPr algn="l">
-              <a:defRPr sz="1800" b="0" i="0" cap="none" baseline="0">
-                <a:solidFill>
-                  <a:schemeClr val="tx2"/>
-                </a:solidFill>
-              </a:defRPr>
-            </a:lvl1pPr>
-          </a:lstStyle>
-          <a:p>
-            <a:r>
-              <a:rPr lang="ru-RU" smtClean="0"/>
-              <a:t>Образец заголовка</a:t>
-            </a:r>
-            <a:endParaRPr lang="en-US" dirty="0"/>
+        <p:spPr/>
+        <p:txBody>
+          <a:bodyPr/>
+          <a:lstStyle/>
+          <a:p>
+            <a:fld id="{B4C71EC6-210F-42DE-9C53-41977AD35B3D}" type="datetimeFigureOut">
+              <a:rPr lang="ru-RU" smtClean="0"/>
+              <a:t>03.01.2019</a:t>
+            </a:fld>
+            <a:endParaRPr lang="ru-RU"/>
+          </a:p>
+        </p:txBody>
+      </p:sp>
+      <p:sp>
+        <p:nvSpPr>
+          <p:cNvPr id="6" name="Footer Placeholder 5"/>
+          <p:cNvSpPr>
+            <a:spLocks noGrp="1"/>
+          </p:cNvSpPr>
+          <p:nvPr>
+            <p:ph type="ftr" sz="quarter" idx="11"/>
+          </p:nvPr>
+        </p:nvSpPr>
+        <p:spPr/>
+        <p:txBody>
+          <a:bodyPr/>
+          <a:lstStyle/>
+          <a:p>
+            <a:endParaRPr lang="ru-RU"/>
+          </a:p>
+        </p:txBody>
+      </p:sp>
+      <p:sp>
+        <p:nvSpPr>
+          <p:cNvPr id="7" name="Slide Number Placeholder 6"/>
+          <p:cNvSpPr>
+            <a:spLocks noGrp="1"/>
+          </p:cNvSpPr>
+          <p:nvPr>
+            <p:ph type="sldNum" sz="quarter" idx="12"/>
+          </p:nvPr>
+        </p:nvSpPr>
+        <p:spPr/>
+        <p:txBody>
+          <a:bodyPr/>
+          <a:lstStyle/>
+          <a:p>
+            <a:fld id="{B19B0651-EE4F-4900-A07F-96A6BFA9D0F0}" type="slidenum">
+              <a:rPr lang="ru-RU" smtClean="0"/>
+              <a:t>‹#›</a:t>
+            </a:fld>
+            <a:endParaRPr lang="ru-RU"/>
+          </a:p>
+        </p:txBody>
+      </p:sp>
+      <p:sp>
+        <p:nvSpPr>
+          <p:cNvPr id="8" name="Rectangle 7"/>
+          <p:cNvSpPr/>
+          <p:nvPr/>
+        </p:nvSpPr>
+        <p:spPr>
+          <a:xfrm>
+            <a:off x="560034" y="1505712"/>
+            <a:ext cx="2716566" cy="3523488"/>
+          </a:xfrm>
+          <a:prstGeom prst="rect">
+            <a:avLst/>
+          </a:prstGeom>
+          <a:solidFill>
+            <a:srgbClr val="FFFFFF">
+              <a:alpha val="83000"/>
+            </a:srgbClr>
+          </a:solidFill>
+          <a:ln>
+            <a:noFill/>
+          </a:ln>
+          <a:effectLst>
+            <a:softEdge rad="12700"/>
+          </a:effectLst>
+        </p:spPr>
+        <p:style>
+          <a:lnRef idx="2">
+            <a:schemeClr val="accent1">
+              <a:shade val="50000"/>
+            </a:schemeClr>
+          </a:lnRef>
+          <a:fillRef idx="1">
+            <a:schemeClr val="accent1"/>
+          </a:fillRef>
+          <a:effectRef idx="0">
+            <a:schemeClr val="accent1"/>
+          </a:effectRef>
+          <a:fontRef idx="minor">
+            <a:schemeClr val="lt1"/>
+          </a:fontRef>
+        </p:style>
+        <p:txBody>
+          <a:bodyPr rtlCol="0" anchor="ctr"/>
+          <a:lstStyle/>
+          <a:p>
+            <a:pPr algn="ctr"/>
+            <a:endParaRPr lang="en-US"/>
+          </a:p>
+        </p:txBody>
+      </p:sp>
+      <p:sp>
+        <p:nvSpPr>
+          <p:cNvPr id="10" name="Rectangle 9"/>
+          <p:cNvSpPr/>
+          <p:nvPr/>
+        </p:nvSpPr>
+        <p:spPr>
+          <a:xfrm>
+            <a:off x="676690" y="1642472"/>
+            <a:ext cx="2483254" cy="3234328"/>
+          </a:xfrm>
+          <a:prstGeom prst="rect">
+            <a:avLst/>
+          </a:prstGeom>
+          <a:solidFill>
+            <a:srgbClr val="FFFFFF"/>
+          </a:solidFill>
+          <a:ln w="6350" cmpd="dbl">
+            <a:solidFill>
+              <a:schemeClr val="accent1">
+                <a:lumMod val="75000"/>
+              </a:schemeClr>
+            </a:solidFill>
+          </a:ln>
+        </p:spPr>
+        <p:style>
+          <a:lnRef idx="2">
+            <a:schemeClr val="accent1">
+              <a:shade val="50000"/>
+            </a:schemeClr>
+          </a:lnRef>
+          <a:fillRef idx="1">
+            <a:schemeClr val="accent1"/>
+          </a:fillRef>
+          <a:effectRef idx="0">
+            <a:schemeClr val="accent1"/>
+          </a:effectRef>
+          <a:fontRef idx="minor">
+            <a:schemeClr val="lt1"/>
+          </a:fontRef>
+        </p:style>
+        <p:txBody>
+          <a:bodyPr rtlCol="0" anchor="ctr"/>
+          <a:lstStyle/>
+          <a:p>
+            <a:pPr algn="ctr"/>
+            <a:endParaRPr lang="en-US"/>
           </a:p>
         </p:txBody>
       </p:sp>
@@ -2187,18 +3287,25 @@
         </p:nvSpPr>
         <p:spPr>
           <a:xfrm>
-            <a:off x="612648" y="2547891"/>
-            <a:ext cx="2971800" cy="3167109"/>
-          </a:xfrm>
-        </p:spPr>
-        <p:txBody>
-          <a:bodyPr tIns="9144">
-            <a:normAutofit/>
-          </a:bodyPr>
+            <a:off x="769000" y="2971800"/>
+            <a:ext cx="2298634" cy="1752600"/>
+          </a:xfrm>
+        </p:spPr>
+        <p:txBody>
+          <a:bodyPr/>
           <a:lstStyle>
             <a:lvl1pPr marL="0" indent="0">
+              <a:spcBef>
+                <a:spcPts val="400"/>
+              </a:spcBef>
               <a:buNone/>
-              <a:defRPr sz="1400"/>
+              <a:defRPr sz="1400">
+                <a:solidFill>
+                  <a:schemeClr val="accent1">
+                    <a:lumMod val="50000"/>
+                  </a:schemeClr>
+                </a:solidFill>
+              </a:defRPr>
             </a:lvl1pPr>
             <a:lvl2pPr marL="457200" indent="0">
               <a:buNone/>
@@ -2244,66 +3351,41 @@
       </p:sp>
       <p:sp>
         <p:nvSpPr>
-          <p:cNvPr id="5" name="Date Placeholder 4"/>
+          <p:cNvPr id="2" name="Title 1"/>
           <p:cNvSpPr>
             <a:spLocks noGrp="1"/>
           </p:cNvSpPr>
           <p:nvPr>
-            <p:ph type="dt" sz="half" idx="10"/>
+            <p:ph type="title"/>
           </p:nvPr>
         </p:nvSpPr>
-        <p:spPr/>
-        <p:txBody>
-          <a:bodyPr/>
-          <a:lstStyle/>
-          <a:p>
-            <a:fld id="{B4C71EC6-210F-42DE-9C53-41977AD35B3D}" type="datetimeFigureOut">
-              <a:rPr lang="ru-RU" smtClean="0"/>
-              <a:t>02.01.2019</a:t>
-            </a:fld>
-            <a:endParaRPr lang="ru-RU"/>
-          </a:p>
-        </p:txBody>
-      </p:sp>
-      <p:sp>
-        <p:nvSpPr>
-          <p:cNvPr id="6" name="Footer Placeholder 5"/>
-          <p:cNvSpPr>
-            <a:spLocks noGrp="1"/>
-          </p:cNvSpPr>
-          <p:nvPr>
-            <p:ph type="ftr" sz="quarter" idx="11"/>
-          </p:nvPr>
-        </p:nvSpPr>
-        <p:spPr/>
-        <p:txBody>
-          <a:bodyPr/>
-          <a:lstStyle/>
-          <a:p>
-            <a:endParaRPr lang="ru-RU"/>
-          </a:p>
-        </p:txBody>
-      </p:sp>
-      <p:sp>
-        <p:nvSpPr>
-          <p:cNvPr id="7" name="Slide Number Placeholder 6"/>
-          <p:cNvSpPr>
-            <a:spLocks noGrp="1"/>
-          </p:cNvSpPr>
-          <p:nvPr>
-            <p:ph type="sldNum" sz="quarter" idx="12"/>
-          </p:nvPr>
-        </p:nvSpPr>
-        <p:spPr/>
-        <p:txBody>
-          <a:bodyPr/>
-          <a:lstStyle/>
-          <a:p>
-            <a:fld id="{B19B0651-EE4F-4900-A07F-96A6BFA9D0F0}" type="slidenum">
-              <a:rPr lang="ru-RU" smtClean="0"/>
-              <a:t>‹#›</a:t>
-            </a:fld>
-            <a:endParaRPr lang="ru-RU"/>
+        <p:spPr>
+          <a:xfrm>
+            <a:off x="769000" y="1734312"/>
+            <a:ext cx="2298634" cy="1191620"/>
+          </a:xfrm>
+        </p:spPr>
+        <p:txBody>
+          <a:bodyPr anchor="b">
+            <a:normAutofit/>
+          </a:bodyPr>
+          <a:lstStyle>
+            <a:lvl1pPr algn="l">
+              <a:defRPr sz="2000" b="0">
+                <a:solidFill>
+                  <a:schemeClr val="accent1">
+                    <a:lumMod val="75000"/>
+                  </a:schemeClr>
+                </a:solidFill>
+              </a:defRPr>
+            </a:lvl1pPr>
+          </a:lstStyle>
+          <a:p>
+            <a:r>
+              <a:rPr lang="ru-RU" smtClean="0"/>
+              <a:t>Образец заголовка</a:t>
+            </a:r>
+            <a:endParaRPr lang="en-US" dirty="0"/>
           </a:p>
         </p:txBody>
       </p:sp>
@@ -2332,20 +3414,12 @@
           <a:chExt cx="0" cy="0"/>
         </a:xfrm>
       </p:grpSpPr>
-      <p:pic>
-        <p:nvPicPr>
-          <p:cNvPr id="11" name="Picture 10" descr="horizon.png"/>
-          <p:cNvPicPr>
-            <a:picLocks noChangeAspect="1"/>
-          </p:cNvPicPr>
+      <p:sp>
+        <p:nvSpPr>
+          <p:cNvPr id="8" name="Rectangle 7"/>
+          <p:cNvSpPr/>
           <p:nvPr/>
-        </p:nvPicPr>
-        <p:blipFill>
-          <a:blip r:embed="rId2" cstate="print"/>
-          <a:stretch>
-            <a:fillRect/>
-          </a:stretch>
-        </p:blipFill>
+        </p:nvSpPr>
         <p:spPr>
           <a:xfrm>
             <a:off x="0" y="0"/>
@@ -2354,41 +3428,80 @@
           <a:prstGeom prst="rect">
             <a:avLst/>
           </a:prstGeom>
-        </p:spPr>
-      </p:pic>
-      <p:sp>
-        <p:nvSpPr>
-          <p:cNvPr id="2" name="Title 1"/>
-          <p:cNvSpPr>
-            <a:spLocks noGrp="1"/>
-          </p:cNvSpPr>
-          <p:nvPr>
-            <p:ph type="title"/>
-          </p:nvPr>
-        </p:nvSpPr>
-        <p:spPr>
-          <a:xfrm>
-            <a:off x="609600" y="1447800"/>
-            <a:ext cx="2971800" cy="1097280"/>
-          </a:xfrm>
-        </p:spPr>
-        <p:txBody>
-          <a:bodyPr anchor="b"/>
-          <a:lstStyle>
-            <a:lvl1pPr algn="l">
-              <a:defRPr sz="1800" b="0" i="0" cap="none" baseline="0">
-                <a:solidFill>
-                  <a:schemeClr val="tx2"/>
-                </a:solidFill>
-              </a:defRPr>
-            </a:lvl1pPr>
-          </a:lstStyle>
-          <a:p>
-            <a:r>
-              <a:rPr lang="ru-RU" smtClean="0"/>
-              <a:t>Образец заголовка</a:t>
-            </a:r>
-            <a:endParaRPr lang="en-US" dirty="0"/>
+          <a:solidFill>
+            <a:srgbClr val="FFFFFF"/>
+          </a:solidFill>
+          <a:ln>
+            <a:noFill/>
+          </a:ln>
+        </p:spPr>
+        <p:style>
+          <a:lnRef idx="2">
+            <a:schemeClr val="accent1">
+              <a:shade val="50000"/>
+            </a:schemeClr>
+          </a:lnRef>
+          <a:fillRef idx="1">
+            <a:schemeClr val="accent1"/>
+          </a:fillRef>
+          <a:effectRef idx="0">
+            <a:schemeClr val="accent1"/>
+          </a:effectRef>
+          <a:fontRef idx="minor">
+            <a:schemeClr val="lt1"/>
+          </a:fontRef>
+        </p:style>
+        <p:txBody>
+          <a:bodyPr rtlCol="0" anchor="ctr"/>
+          <a:lstStyle/>
+          <a:p>
+            <a:pPr algn="ctr"/>
+            <a:endParaRPr lang="en-US"/>
+          </a:p>
+        </p:txBody>
+      </p:sp>
+      <p:sp useBgFill="1">
+        <p:nvSpPr>
+          <p:cNvPr id="9" name="Rounded Rectangle 8"/>
+          <p:cNvSpPr/>
+          <p:nvPr/>
+        </p:nvSpPr>
+        <p:spPr>
+          <a:xfrm>
+            <a:off x="91440" y="101600"/>
+            <a:ext cx="8961120" cy="6664960"/>
+          </a:xfrm>
+          <a:prstGeom prst="roundRect">
+            <a:avLst>
+              <a:gd name="adj" fmla="val 1735"/>
+            </a:avLst>
+          </a:prstGeom>
+          <a:ln w="12700" cmpd="sng">
+            <a:noFill/>
+          </a:ln>
+        </p:spPr>
+        <p:style>
+          <a:lnRef idx="2">
+            <a:schemeClr val="accent1">
+              <a:shade val="50000"/>
+            </a:schemeClr>
+          </a:lnRef>
+          <a:fillRef idx="1">
+            <a:schemeClr val="accent1"/>
+          </a:fillRef>
+          <a:effectRef idx="0">
+            <a:schemeClr val="accent1"/>
+          </a:effectRef>
+          <a:fontRef idx="minor">
+            <a:schemeClr val="lt1"/>
+          </a:fontRef>
+        </p:style>
+        <p:txBody>
+          <a:bodyPr rtlCol="0" anchor="ctr"/>
+          <a:lstStyle/>
+          <a:p>
+            <a:pPr algn="ctr"/>
+            <a:endParaRPr lang="en-US"/>
           </a:p>
         </p:txBody>
       </p:sp>
@@ -2404,250 +3517,25 @@
         </p:nvSpPr>
         <p:spPr>
           <a:xfrm>
-            <a:off x="4657344" y="1447800"/>
-            <a:ext cx="3419856" cy="3474720"/>
-          </a:xfrm>
-          <a:custGeom>
-            <a:avLst/>
-            <a:gdLst>
-              <a:gd name="connsiteX0" fmla="*/ 0 w 3419856"/>
-              <a:gd name="connsiteY0" fmla="*/ 74450 h 3429000"/>
-              <a:gd name="connsiteX1" fmla="*/ 21806 w 3419856"/>
-              <a:gd name="connsiteY1" fmla="*/ 21806 h 3429000"/>
-              <a:gd name="connsiteX2" fmla="*/ 74450 w 3419856"/>
-              <a:gd name="connsiteY2" fmla="*/ 0 h 3429000"/>
-              <a:gd name="connsiteX3" fmla="*/ 3345406 w 3419856"/>
-              <a:gd name="connsiteY3" fmla="*/ 0 h 3429000"/>
-              <a:gd name="connsiteX4" fmla="*/ 3398050 w 3419856"/>
-              <a:gd name="connsiteY4" fmla="*/ 21806 h 3429000"/>
-              <a:gd name="connsiteX5" fmla="*/ 3419856 w 3419856"/>
-              <a:gd name="connsiteY5" fmla="*/ 74450 h 3429000"/>
-              <a:gd name="connsiteX6" fmla="*/ 3419856 w 3419856"/>
-              <a:gd name="connsiteY6" fmla="*/ 3354550 h 3429000"/>
-              <a:gd name="connsiteX7" fmla="*/ 3398050 w 3419856"/>
-              <a:gd name="connsiteY7" fmla="*/ 3407194 h 3429000"/>
-              <a:gd name="connsiteX8" fmla="*/ 3345406 w 3419856"/>
-              <a:gd name="connsiteY8" fmla="*/ 3429000 h 3429000"/>
-              <a:gd name="connsiteX9" fmla="*/ 74450 w 3419856"/>
-              <a:gd name="connsiteY9" fmla="*/ 3429000 h 3429000"/>
-              <a:gd name="connsiteX10" fmla="*/ 21806 w 3419856"/>
-              <a:gd name="connsiteY10" fmla="*/ 3407194 h 3429000"/>
-              <a:gd name="connsiteX11" fmla="*/ 0 w 3419856"/>
-              <a:gd name="connsiteY11" fmla="*/ 3354550 h 3429000"/>
-              <a:gd name="connsiteX12" fmla="*/ 0 w 3419856"/>
-              <a:gd name="connsiteY12" fmla="*/ 74450 h 3429000"/>
-              <a:gd name="connsiteX0" fmla="*/ 0 w 3419856"/>
-              <a:gd name="connsiteY0" fmla="*/ 74450 h 3429000"/>
-              <a:gd name="connsiteX1" fmla="*/ 21806 w 3419856"/>
-              <a:gd name="connsiteY1" fmla="*/ 21806 h 3429000"/>
-              <a:gd name="connsiteX2" fmla="*/ 74450 w 3419856"/>
-              <a:gd name="connsiteY2" fmla="*/ 0 h 3429000"/>
-              <a:gd name="connsiteX3" fmla="*/ 3345406 w 3419856"/>
-              <a:gd name="connsiteY3" fmla="*/ 0 h 3429000"/>
-              <a:gd name="connsiteX4" fmla="*/ 3398050 w 3419856"/>
-              <a:gd name="connsiteY4" fmla="*/ 21806 h 3429000"/>
-              <a:gd name="connsiteX5" fmla="*/ 3419856 w 3419856"/>
-              <a:gd name="connsiteY5" fmla="*/ 74450 h 3429000"/>
-              <a:gd name="connsiteX6" fmla="*/ 3419856 w 3419856"/>
-              <a:gd name="connsiteY6" fmla="*/ 3354550 h 3429000"/>
-              <a:gd name="connsiteX7" fmla="*/ 3398050 w 3419856"/>
-              <a:gd name="connsiteY7" fmla="*/ 3407194 h 3429000"/>
-              <a:gd name="connsiteX8" fmla="*/ 3345406 w 3419856"/>
-              <a:gd name="connsiteY8" fmla="*/ 3429000 h 3429000"/>
-              <a:gd name="connsiteX9" fmla="*/ 21806 w 3419856"/>
-              <a:gd name="connsiteY9" fmla="*/ 3407194 h 3429000"/>
-              <a:gd name="connsiteX10" fmla="*/ 0 w 3419856"/>
-              <a:gd name="connsiteY10" fmla="*/ 3354550 h 3429000"/>
-              <a:gd name="connsiteX11" fmla="*/ 0 w 3419856"/>
-              <a:gd name="connsiteY11" fmla="*/ 74450 h 3429000"/>
-              <a:gd name="connsiteX0" fmla="*/ 0 w 3964392"/>
-              <a:gd name="connsiteY0" fmla="*/ 74450 h 3415968"/>
-              <a:gd name="connsiteX1" fmla="*/ 21806 w 3964392"/>
-              <a:gd name="connsiteY1" fmla="*/ 21806 h 3415968"/>
-              <a:gd name="connsiteX2" fmla="*/ 74450 w 3964392"/>
-              <a:gd name="connsiteY2" fmla="*/ 0 h 3415968"/>
-              <a:gd name="connsiteX3" fmla="*/ 3345406 w 3964392"/>
-              <a:gd name="connsiteY3" fmla="*/ 0 h 3415968"/>
-              <a:gd name="connsiteX4" fmla="*/ 3398050 w 3964392"/>
-              <a:gd name="connsiteY4" fmla="*/ 21806 h 3415968"/>
-              <a:gd name="connsiteX5" fmla="*/ 3419856 w 3964392"/>
-              <a:gd name="connsiteY5" fmla="*/ 74450 h 3415968"/>
-              <a:gd name="connsiteX6" fmla="*/ 3419856 w 3964392"/>
-              <a:gd name="connsiteY6" fmla="*/ 3354550 h 3415968"/>
-              <a:gd name="connsiteX7" fmla="*/ 3398050 w 3964392"/>
-              <a:gd name="connsiteY7" fmla="*/ 3407194 h 3415968"/>
-              <a:gd name="connsiteX8" fmla="*/ 21806 w 3964392"/>
-              <a:gd name="connsiteY8" fmla="*/ 3407194 h 3415968"/>
-              <a:gd name="connsiteX9" fmla="*/ 0 w 3964392"/>
-              <a:gd name="connsiteY9" fmla="*/ 3354550 h 3415968"/>
-              <a:gd name="connsiteX10" fmla="*/ 0 w 3964392"/>
-              <a:gd name="connsiteY10" fmla="*/ 74450 h 3415968"/>
-              <a:gd name="connsiteX0" fmla="*/ 0 w 3964392"/>
-              <a:gd name="connsiteY0" fmla="*/ 74450 h 3415968"/>
-              <a:gd name="connsiteX1" fmla="*/ 21806 w 3964392"/>
-              <a:gd name="connsiteY1" fmla="*/ 21806 h 3415968"/>
-              <a:gd name="connsiteX2" fmla="*/ 74450 w 3964392"/>
-              <a:gd name="connsiteY2" fmla="*/ 0 h 3415968"/>
-              <a:gd name="connsiteX3" fmla="*/ 3345406 w 3964392"/>
-              <a:gd name="connsiteY3" fmla="*/ 0 h 3415968"/>
-              <a:gd name="connsiteX4" fmla="*/ 3398050 w 3964392"/>
-              <a:gd name="connsiteY4" fmla="*/ 21806 h 3415968"/>
-              <a:gd name="connsiteX5" fmla="*/ 3419856 w 3964392"/>
-              <a:gd name="connsiteY5" fmla="*/ 74450 h 3415968"/>
-              <a:gd name="connsiteX6" fmla="*/ 3419856 w 3964392"/>
-              <a:gd name="connsiteY6" fmla="*/ 3354550 h 3415968"/>
-              <a:gd name="connsiteX7" fmla="*/ 3398050 w 3964392"/>
-              <a:gd name="connsiteY7" fmla="*/ 3407194 h 3415968"/>
-              <a:gd name="connsiteX8" fmla="*/ 21806 w 3964392"/>
-              <a:gd name="connsiteY8" fmla="*/ 3407194 h 3415968"/>
-              <a:gd name="connsiteX9" fmla="*/ 0 w 3964392"/>
-              <a:gd name="connsiteY9" fmla="*/ 3354550 h 3415968"/>
-              <a:gd name="connsiteX10" fmla="*/ 0 w 3964392"/>
-              <a:gd name="connsiteY10" fmla="*/ 74450 h 3415968"/>
-              <a:gd name="connsiteX0" fmla="*/ 0 w 3968026"/>
-              <a:gd name="connsiteY0" fmla="*/ 74450 h 3910007"/>
-              <a:gd name="connsiteX1" fmla="*/ 21806 w 3968026"/>
-              <a:gd name="connsiteY1" fmla="*/ 21806 h 3910007"/>
-              <a:gd name="connsiteX2" fmla="*/ 74450 w 3968026"/>
-              <a:gd name="connsiteY2" fmla="*/ 0 h 3910007"/>
-              <a:gd name="connsiteX3" fmla="*/ 3345406 w 3968026"/>
-              <a:gd name="connsiteY3" fmla="*/ 0 h 3910007"/>
-              <a:gd name="connsiteX4" fmla="*/ 3398050 w 3968026"/>
-              <a:gd name="connsiteY4" fmla="*/ 21806 h 3910007"/>
-              <a:gd name="connsiteX5" fmla="*/ 3419856 w 3968026"/>
-              <a:gd name="connsiteY5" fmla="*/ 74450 h 3910007"/>
-              <a:gd name="connsiteX6" fmla="*/ 3419856 w 3968026"/>
-              <a:gd name="connsiteY6" fmla="*/ 3354550 h 3910007"/>
-              <a:gd name="connsiteX7" fmla="*/ 3398050 w 3968026"/>
-              <a:gd name="connsiteY7" fmla="*/ 3407194 h 3910007"/>
-              <a:gd name="connsiteX8" fmla="*/ 0 w 3968026"/>
-              <a:gd name="connsiteY8" fmla="*/ 3354550 h 3910007"/>
-              <a:gd name="connsiteX9" fmla="*/ 0 w 3968026"/>
-              <a:gd name="connsiteY9" fmla="*/ 74450 h 3910007"/>
-              <a:gd name="connsiteX0" fmla="*/ 0 w 3419856"/>
-              <a:gd name="connsiteY0" fmla="*/ 74450 h 3901233"/>
-              <a:gd name="connsiteX1" fmla="*/ 21806 w 3419856"/>
-              <a:gd name="connsiteY1" fmla="*/ 21806 h 3901233"/>
-              <a:gd name="connsiteX2" fmla="*/ 74450 w 3419856"/>
-              <a:gd name="connsiteY2" fmla="*/ 0 h 3901233"/>
-              <a:gd name="connsiteX3" fmla="*/ 3345406 w 3419856"/>
-              <a:gd name="connsiteY3" fmla="*/ 0 h 3901233"/>
-              <a:gd name="connsiteX4" fmla="*/ 3398050 w 3419856"/>
-              <a:gd name="connsiteY4" fmla="*/ 21806 h 3901233"/>
-              <a:gd name="connsiteX5" fmla="*/ 3419856 w 3419856"/>
-              <a:gd name="connsiteY5" fmla="*/ 74450 h 3901233"/>
-              <a:gd name="connsiteX6" fmla="*/ 3419856 w 3419856"/>
-              <a:gd name="connsiteY6" fmla="*/ 3354550 h 3901233"/>
-              <a:gd name="connsiteX7" fmla="*/ 0 w 3419856"/>
-              <a:gd name="connsiteY7" fmla="*/ 3354550 h 3901233"/>
-              <a:gd name="connsiteX8" fmla="*/ 0 w 3419856"/>
-              <a:gd name="connsiteY8" fmla="*/ 74450 h 3901233"/>
-              <a:gd name="connsiteX0" fmla="*/ 0 w 3419856"/>
-              <a:gd name="connsiteY0" fmla="*/ 74450 h 3354550"/>
-              <a:gd name="connsiteX1" fmla="*/ 21806 w 3419856"/>
-              <a:gd name="connsiteY1" fmla="*/ 21806 h 3354550"/>
-              <a:gd name="connsiteX2" fmla="*/ 74450 w 3419856"/>
-              <a:gd name="connsiteY2" fmla="*/ 0 h 3354550"/>
-              <a:gd name="connsiteX3" fmla="*/ 3345406 w 3419856"/>
-              <a:gd name="connsiteY3" fmla="*/ 0 h 3354550"/>
-              <a:gd name="connsiteX4" fmla="*/ 3398050 w 3419856"/>
-              <a:gd name="connsiteY4" fmla="*/ 21806 h 3354550"/>
-              <a:gd name="connsiteX5" fmla="*/ 3419856 w 3419856"/>
-              <a:gd name="connsiteY5" fmla="*/ 74450 h 3354550"/>
-              <a:gd name="connsiteX6" fmla="*/ 3419856 w 3419856"/>
-              <a:gd name="connsiteY6" fmla="*/ 3354550 h 3354550"/>
-              <a:gd name="connsiteX7" fmla="*/ 0 w 3419856"/>
-              <a:gd name="connsiteY7" fmla="*/ 3354550 h 3354550"/>
-              <a:gd name="connsiteX8" fmla="*/ 0 w 3419856"/>
-              <a:gd name="connsiteY8" fmla="*/ 74450 h 3354550"/>
-            </a:gdLst>
-            <a:ahLst/>
-            <a:cxnLst>
-              <a:cxn ang="0">
-                <a:pos x="connsiteX0" y="connsiteY0"/>
-              </a:cxn>
-              <a:cxn ang="0">
-                <a:pos x="connsiteX1" y="connsiteY1"/>
-              </a:cxn>
-              <a:cxn ang="0">
-                <a:pos x="connsiteX2" y="connsiteY2"/>
-              </a:cxn>
-              <a:cxn ang="0">
-                <a:pos x="connsiteX3" y="connsiteY3"/>
-              </a:cxn>
-              <a:cxn ang="0">
-                <a:pos x="connsiteX4" y="connsiteY4"/>
-              </a:cxn>
-              <a:cxn ang="0">
-                <a:pos x="connsiteX5" y="connsiteY5"/>
-              </a:cxn>
-              <a:cxn ang="0">
-                <a:pos x="connsiteX6" y="connsiteY6"/>
-              </a:cxn>
-              <a:cxn ang="0">
-                <a:pos x="connsiteX7" y="connsiteY7"/>
-              </a:cxn>
-              <a:cxn ang="0">
-                <a:pos x="connsiteX8" y="connsiteY8"/>
-              </a:cxn>
-            </a:cxnLst>
-            <a:rect l="l" t="t" r="r" b="b"/>
-            <a:pathLst>
-              <a:path w="3419856" h="3354550">
-                <a:moveTo>
-                  <a:pt x="0" y="74450"/>
-                </a:moveTo>
-                <a:cubicBezTo>
-                  <a:pt x="0" y="54705"/>
-                  <a:pt x="7844" y="35768"/>
-                  <a:pt x="21806" y="21806"/>
-                </a:cubicBezTo>
-                <a:cubicBezTo>
-                  <a:pt x="35768" y="7844"/>
-                  <a:pt x="54705" y="0"/>
-                  <a:pt x="74450" y="0"/>
-                </a:cubicBezTo>
-                <a:lnTo>
-                  <a:pt x="3345406" y="0"/>
-                </a:lnTo>
-                <a:cubicBezTo>
-                  <a:pt x="3365151" y="0"/>
-                  <a:pt x="3384088" y="7844"/>
-                  <a:pt x="3398050" y="21806"/>
-                </a:cubicBezTo>
-                <a:cubicBezTo>
-                  <a:pt x="3412012" y="35768"/>
-                  <a:pt x="3419856" y="54705"/>
-                  <a:pt x="3419856" y="74450"/>
-                </a:cubicBezTo>
-                <a:lnTo>
-                  <a:pt x="3419856" y="3354550"/>
-                </a:lnTo>
-                <a:lnTo>
-                  <a:pt x="0" y="3354550"/>
-                </a:lnTo>
-                <a:lnTo>
-                  <a:pt x="0" y="74450"/>
-                </a:lnTo>
-                <a:close/>
-              </a:path>
-            </a:pathLst>
-          </a:custGeom>
-        </p:spPr>
-        <p:txBody>
-          <a:bodyPr>
-            <a:normAutofit/>
-          </a:bodyPr>
+            <a:off x="685800" y="621437"/>
+            <a:ext cx="7772400" cy="4331564"/>
+          </a:xfrm>
+          <a:solidFill>
+            <a:schemeClr val="bg2"/>
+          </a:solidFill>
+          <a:ln>
+            <a:noFill/>
+          </a:ln>
+          <a:effectLst>
+            <a:softEdge rad="12700"/>
+          </a:effectLst>
+        </p:spPr>
+        <p:txBody>
+          <a:bodyPr/>
           <a:lstStyle>
-            <a:lvl1pPr marL="0" indent="0" algn="ctr">
+            <a:lvl1pPr marL="0" indent="0">
               <a:buNone/>
-              <a:defRPr sz="2000" baseline="0">
-                <a:solidFill>
-                  <a:schemeClr val="tx1">
-                    <a:lumMod val="65000"/>
-                  </a:schemeClr>
-                </a:solidFill>
-              </a:defRPr>
+              <a:defRPr sz="3200"/>
             </a:lvl1pPr>
             <a:lvl2pPr marL="457200" indent="0">
               <a:buNone/>
@@ -2693,6 +3581,258 @@
       </p:sp>
       <p:sp>
         <p:nvSpPr>
+          <p:cNvPr id="5" name="Date Placeholder 4"/>
+          <p:cNvSpPr>
+            <a:spLocks noGrp="1"/>
+          </p:cNvSpPr>
+          <p:nvPr>
+            <p:ph type="dt" sz="half" idx="10"/>
+          </p:nvPr>
+        </p:nvSpPr>
+        <p:spPr/>
+        <p:txBody>
+          <a:bodyPr/>
+          <a:lstStyle/>
+          <a:p>
+            <a:fld id="{B4C71EC6-210F-42DE-9C53-41977AD35B3D}" type="datetimeFigureOut">
+              <a:rPr lang="ru-RU" smtClean="0"/>
+              <a:t>03.01.2019</a:t>
+            </a:fld>
+            <a:endParaRPr lang="ru-RU"/>
+          </a:p>
+        </p:txBody>
+      </p:sp>
+      <p:sp>
+        <p:nvSpPr>
+          <p:cNvPr id="7" name="Slide Number Placeholder 6"/>
+          <p:cNvSpPr>
+            <a:spLocks noGrp="1"/>
+          </p:cNvSpPr>
+          <p:nvPr>
+            <p:ph type="sldNum" sz="quarter" idx="12"/>
+          </p:nvPr>
+        </p:nvSpPr>
+        <p:spPr/>
+        <p:txBody>
+          <a:bodyPr/>
+          <a:lstStyle/>
+          <a:p>
+            <a:fld id="{B19B0651-EE4F-4900-A07F-96A6BFA9D0F0}" type="slidenum">
+              <a:rPr lang="ru-RU" smtClean="0"/>
+              <a:t>‹#›</a:t>
+            </a:fld>
+            <a:endParaRPr lang="ru-RU"/>
+          </a:p>
+        </p:txBody>
+      </p:sp>
+      <p:sp>
+        <p:nvSpPr>
+          <p:cNvPr id="10" name="Rectangle 9"/>
+          <p:cNvSpPr/>
+          <p:nvPr/>
+        </p:nvSpPr>
+        <p:spPr>
+          <a:xfrm>
+            <a:off x="685800" y="4953000"/>
+            <a:ext cx="7772400" cy="1371600"/>
+          </a:xfrm>
+          <a:prstGeom prst="rect">
+            <a:avLst/>
+          </a:prstGeom>
+          <a:solidFill>
+            <a:srgbClr val="FFFFFF">
+              <a:alpha val="83000"/>
+            </a:srgbClr>
+          </a:solidFill>
+          <a:ln>
+            <a:noFill/>
+          </a:ln>
+          <a:effectLst>
+            <a:softEdge rad="12700"/>
+          </a:effectLst>
+        </p:spPr>
+        <p:style>
+          <a:lnRef idx="2">
+            <a:schemeClr val="accent1">
+              <a:shade val="50000"/>
+            </a:schemeClr>
+          </a:lnRef>
+          <a:fillRef idx="1">
+            <a:schemeClr val="accent1"/>
+          </a:fillRef>
+          <a:effectRef idx="0">
+            <a:schemeClr val="accent1"/>
+          </a:effectRef>
+          <a:fontRef idx="minor">
+            <a:schemeClr val="lt1"/>
+          </a:fontRef>
+        </p:style>
+        <p:txBody>
+          <a:bodyPr rtlCol="0" anchor="ctr"/>
+          <a:lstStyle/>
+          <a:p>
+            <a:pPr algn="ctr"/>
+            <a:endParaRPr lang="en-US"/>
+          </a:p>
+        </p:txBody>
+      </p:sp>
+      <p:sp>
+        <p:nvSpPr>
+          <p:cNvPr id="12" name="Rectangle 11"/>
+          <p:cNvSpPr/>
+          <p:nvPr/>
+        </p:nvSpPr>
+        <p:spPr>
+          <a:xfrm>
+            <a:off x="761999" y="5029200"/>
+            <a:ext cx="7600765" cy="1202924"/>
+          </a:xfrm>
+          <a:prstGeom prst="rect">
+            <a:avLst/>
+          </a:prstGeom>
+          <a:solidFill>
+            <a:srgbClr val="FFFFFF"/>
+          </a:solidFill>
+          <a:ln w="6350" cmpd="dbl">
+            <a:noFill/>
+          </a:ln>
+        </p:spPr>
+        <p:style>
+          <a:lnRef idx="2">
+            <a:schemeClr val="accent1">
+              <a:shade val="50000"/>
+            </a:schemeClr>
+          </a:lnRef>
+          <a:fillRef idx="1">
+            <a:schemeClr val="accent1"/>
+          </a:fillRef>
+          <a:effectRef idx="0">
+            <a:schemeClr val="accent1"/>
+          </a:effectRef>
+          <a:fontRef idx="minor">
+            <a:schemeClr val="lt1"/>
+          </a:fontRef>
+        </p:style>
+        <p:txBody>
+          <a:bodyPr rtlCol="0" anchor="ctr"/>
+          <a:lstStyle/>
+          <a:p>
+            <a:pPr algn="ctr"/>
+            <a:endParaRPr lang="en-US"/>
+          </a:p>
+        </p:txBody>
+      </p:sp>
+      <p:sp>
+        <p:nvSpPr>
+          <p:cNvPr id="6" name="Footer Placeholder 5"/>
+          <p:cNvSpPr>
+            <a:spLocks noGrp="1"/>
+          </p:cNvSpPr>
+          <p:nvPr>
+            <p:ph type="ftr" sz="quarter" idx="11"/>
+          </p:nvPr>
+        </p:nvSpPr>
+        <p:spPr/>
+        <p:txBody>
+          <a:bodyPr/>
+          <a:lstStyle/>
+          <a:p>
+            <a:endParaRPr lang="ru-RU"/>
+          </a:p>
+        </p:txBody>
+      </p:sp>
+      <p:sp>
+        <p:nvSpPr>
+          <p:cNvPr id="13" name="Rectangle 12"/>
+          <p:cNvSpPr/>
+          <p:nvPr/>
+        </p:nvSpPr>
+        <p:spPr>
+          <a:xfrm>
+            <a:off x="914400" y="5638800"/>
+            <a:ext cx="7328514" cy="451696"/>
+          </a:xfrm>
+          <a:prstGeom prst="rect">
+            <a:avLst/>
+          </a:prstGeom>
+          <a:solidFill>
+            <a:schemeClr val="accent1"/>
+          </a:solidFill>
+          <a:ln w="6350" cmpd="dbl">
+            <a:noFill/>
+          </a:ln>
+        </p:spPr>
+        <p:style>
+          <a:lnRef idx="2">
+            <a:schemeClr val="accent1">
+              <a:shade val="50000"/>
+            </a:schemeClr>
+          </a:lnRef>
+          <a:fillRef idx="1">
+            <a:schemeClr val="accent1"/>
+          </a:fillRef>
+          <a:effectRef idx="0">
+            <a:schemeClr val="accent1"/>
+          </a:effectRef>
+          <a:fontRef idx="minor">
+            <a:schemeClr val="lt1"/>
+          </a:fontRef>
+        </p:style>
+        <p:txBody>
+          <a:bodyPr rtlCol="0" anchor="ctr"/>
+          <a:lstStyle/>
+          <a:p>
+            <a:pPr algn="ctr"/>
+            <a:endParaRPr lang="en-US"/>
+          </a:p>
+        </p:txBody>
+      </p:sp>
+      <p:sp>
+        <p:nvSpPr>
+          <p:cNvPr id="11" name="Rectangle 10"/>
+          <p:cNvSpPr/>
+          <p:nvPr/>
+        </p:nvSpPr>
+        <p:spPr>
+          <a:xfrm>
+            <a:off x="605589" y="5074920"/>
+            <a:ext cx="7946136" cy="1097280"/>
+          </a:xfrm>
+          <a:prstGeom prst="rect">
+            <a:avLst/>
+          </a:prstGeom>
+          <a:noFill/>
+          <a:ln w="6350" cmpd="dbl">
+            <a:noFill/>
+          </a:ln>
+        </p:spPr>
+        <p:style>
+          <a:lnRef idx="2">
+            <a:schemeClr val="accent1">
+              <a:shade val="50000"/>
+            </a:schemeClr>
+          </a:lnRef>
+          <a:fillRef idx="1">
+            <a:schemeClr val="accent1"/>
+          </a:fillRef>
+          <a:effectRef idx="0">
+            <a:schemeClr val="accent1"/>
+          </a:effectRef>
+          <a:fontRef idx="minor">
+            <a:schemeClr val="lt1"/>
+          </a:fontRef>
+        </p:style>
+        <p:txBody>
+          <a:bodyPr rtlCol="0" anchor="ctr"/>
+          <a:lstStyle/>
+          <a:p>
+            <a:pPr algn="ctr"/>
+            <a:endParaRPr lang="en-US"/>
+          </a:p>
+        </p:txBody>
+      </p:sp>
+      <p:sp>
+        <p:nvSpPr>
           <p:cNvPr id="4" name="Text Placeholder 3"/>
           <p:cNvSpPr>
             <a:spLocks noGrp="1"/>
@@ -2703,18 +3843,22 @@
         </p:nvSpPr>
         <p:spPr>
           <a:xfrm>
-            <a:off x="609600" y="2547890"/>
-            <a:ext cx="2971800" cy="2405109"/>
-          </a:xfrm>
-        </p:spPr>
-        <p:txBody>
-          <a:bodyPr tIns="9144">
+            <a:off x="956289" y="5656556"/>
+            <a:ext cx="7244736" cy="401715"/>
+          </a:xfrm>
+        </p:spPr>
+        <p:txBody>
+          <a:bodyPr anchor="ctr">
             <a:normAutofit/>
           </a:bodyPr>
           <a:lstStyle>
-            <a:lvl1pPr marL="0" indent="0">
+            <a:lvl1pPr marL="0" indent="0" algn="ctr">
               <a:buNone/>
-              <a:defRPr sz="1400"/>
+              <a:defRPr sz="1500" cap="all" spc="250" baseline="0">
+                <a:solidFill>
+                  <a:srgbClr val="FFFFFF"/>
+                </a:solidFill>
+              </a:defRPr>
             </a:lvl1pPr>
             <a:lvl2pPr marL="457200" indent="0">
               <a:buNone/>
@@ -2760,66 +3904,39 @@
       </p:sp>
       <p:sp>
         <p:nvSpPr>
-          <p:cNvPr id="5" name="Date Placeholder 4"/>
+          <p:cNvPr id="2" name="Title 1"/>
           <p:cNvSpPr>
             <a:spLocks noGrp="1"/>
           </p:cNvSpPr>
           <p:nvPr>
-            <p:ph type="dt" sz="half" idx="10"/>
+            <p:ph type="title"/>
           </p:nvPr>
         </p:nvSpPr>
-        <p:spPr/>
-        <p:txBody>
-          <a:bodyPr/>
-          <a:lstStyle/>
-          <a:p>
-            <a:fld id="{B4C71EC6-210F-42DE-9C53-41977AD35B3D}" type="datetimeFigureOut">
-              <a:rPr lang="ru-RU" smtClean="0"/>
-              <a:t>02.01.2019</a:t>
-            </a:fld>
-            <a:endParaRPr lang="ru-RU"/>
-          </a:p>
-        </p:txBody>
-      </p:sp>
-      <p:sp>
-        <p:nvSpPr>
-          <p:cNvPr id="6" name="Footer Placeholder 5"/>
-          <p:cNvSpPr>
-            <a:spLocks noGrp="1"/>
-          </p:cNvSpPr>
-          <p:nvPr>
-            <p:ph type="ftr" sz="quarter" idx="11"/>
-          </p:nvPr>
-        </p:nvSpPr>
-        <p:spPr/>
-        <p:txBody>
-          <a:bodyPr/>
-          <a:lstStyle/>
-          <a:p>
-            <a:endParaRPr lang="ru-RU"/>
-          </a:p>
-        </p:txBody>
-      </p:sp>
-      <p:sp>
-        <p:nvSpPr>
-          <p:cNvPr id="7" name="Slide Number Placeholder 6"/>
-          <p:cNvSpPr>
-            <a:spLocks noGrp="1"/>
-          </p:cNvSpPr>
-          <p:nvPr>
-            <p:ph type="sldNum" sz="quarter" idx="12"/>
-          </p:nvPr>
-        </p:nvSpPr>
-        <p:spPr/>
-        <p:txBody>
-          <a:bodyPr/>
-          <a:lstStyle/>
-          <a:p>
-            <a:fld id="{B19B0651-EE4F-4900-A07F-96A6BFA9D0F0}" type="slidenum">
-              <a:rPr lang="ru-RU" smtClean="0"/>
-              <a:t>‹#›</a:t>
-            </a:fld>
-            <a:endParaRPr lang="ru-RU"/>
+        <p:spPr>
+          <a:xfrm>
+            <a:off x="914400" y="5105400"/>
+            <a:ext cx="7328514" cy="523043"/>
+          </a:xfrm>
+        </p:spPr>
+        <p:txBody>
+          <a:bodyPr anchor="ctr" anchorCtr="0"/>
+          <a:lstStyle>
+            <a:lvl1pPr algn="ctr">
+              <a:defRPr sz="2000" b="0">
+                <a:solidFill>
+                  <a:schemeClr val="accent1">
+                    <a:lumMod val="75000"/>
+                  </a:schemeClr>
+                </a:solidFill>
+              </a:defRPr>
+            </a:lvl1pPr>
+          </a:lstStyle>
+          <a:p>
+            <a:r>
+              <a:rPr lang="ru-RU" smtClean="0"/>
+              <a:t>Образец заголовка</a:t>
+            </a:r>
+            <a:endParaRPr lang="en-US" dirty="0"/>
           </a:p>
         </p:txBody>
       </p:sp>
@@ -2835,7 +3952,7 @@
 <p:sldMaster xmlns:a="http://schemas.openxmlformats.org/drawingml/2006/main" xmlns:r="http://schemas.openxmlformats.org/officeDocument/2006/relationships" xmlns:p="http://schemas.openxmlformats.org/presentationml/2006/main">
   <p:cSld>
     <p:bg>
-      <p:bgRef idx="1002">
+      <p:bgRef idx="1003">
         <a:schemeClr val="bg1"/>
       </p:bgRef>
     </p:bg>
@@ -2853,20 +3970,12 @@
           <a:chExt cx="0" cy="0"/>
         </a:xfrm>
       </p:grpSpPr>
-      <p:pic>
-        <p:nvPicPr>
-          <p:cNvPr id="7" name="Picture 6" descr="horizon.png"/>
-          <p:cNvPicPr>
-            <a:picLocks noChangeAspect="1"/>
-          </p:cNvPicPr>
+      <p:sp>
+        <p:nvSpPr>
+          <p:cNvPr id="8" name="Rectangle 7"/>
+          <p:cNvSpPr/>
           <p:nvPr/>
-        </p:nvPicPr>
-        <p:blipFill>
-          <a:blip r:embed="rId13" cstate="print"/>
-          <a:stretch>
-            <a:fillRect/>
-          </a:stretch>
-        </p:blipFill>
+        </p:nvSpPr>
         <p:spPr>
           <a:xfrm>
             <a:off x="0" y="0"/>
@@ -2875,8 +3984,362 @@
           <a:prstGeom prst="rect">
             <a:avLst/>
           </a:prstGeom>
-        </p:spPr>
-      </p:pic>
+          <a:solidFill>
+            <a:srgbClr val="FFFFFF"/>
+          </a:solidFill>
+          <a:ln>
+            <a:noFill/>
+          </a:ln>
+        </p:spPr>
+        <p:style>
+          <a:lnRef idx="2">
+            <a:schemeClr val="accent1">
+              <a:shade val="50000"/>
+            </a:schemeClr>
+          </a:lnRef>
+          <a:fillRef idx="1">
+            <a:schemeClr val="accent1"/>
+          </a:fillRef>
+          <a:effectRef idx="0">
+            <a:schemeClr val="accent1"/>
+          </a:effectRef>
+          <a:fontRef idx="minor">
+            <a:schemeClr val="lt1"/>
+          </a:fontRef>
+        </p:style>
+        <p:txBody>
+          <a:bodyPr rtlCol="0" anchor="ctr"/>
+          <a:lstStyle/>
+          <a:p>
+            <a:pPr algn="ctr"/>
+            <a:endParaRPr lang="en-US"/>
+          </a:p>
+        </p:txBody>
+      </p:sp>
+      <p:sp useBgFill="1">
+        <p:nvSpPr>
+          <p:cNvPr id="7" name="Rounded Rectangle 6"/>
+          <p:cNvSpPr/>
+          <p:nvPr/>
+        </p:nvSpPr>
+        <p:spPr>
+          <a:xfrm>
+            <a:off x="91440" y="101600"/>
+            <a:ext cx="8961120" cy="6664960"/>
+          </a:xfrm>
+          <a:prstGeom prst="roundRect">
+            <a:avLst>
+              <a:gd name="adj" fmla="val 1735"/>
+            </a:avLst>
+          </a:prstGeom>
+          <a:ln w="12700" cmpd="sng">
+            <a:noFill/>
+          </a:ln>
+        </p:spPr>
+        <p:style>
+          <a:lnRef idx="2">
+            <a:schemeClr val="accent1">
+              <a:shade val="50000"/>
+            </a:schemeClr>
+          </a:lnRef>
+          <a:fillRef idx="1">
+            <a:schemeClr val="accent1"/>
+          </a:fillRef>
+          <a:effectRef idx="0">
+            <a:schemeClr val="accent1"/>
+          </a:effectRef>
+          <a:fontRef idx="minor">
+            <a:schemeClr val="lt1"/>
+          </a:fontRef>
+        </p:style>
+        <p:txBody>
+          <a:bodyPr rtlCol="0" anchor="ctr"/>
+          <a:lstStyle/>
+          <a:p>
+            <a:pPr algn="ctr"/>
+            <a:endParaRPr lang="en-US"/>
+          </a:p>
+        </p:txBody>
+      </p:sp>
+      <p:sp>
+        <p:nvSpPr>
+          <p:cNvPr id="3" name="Text Placeholder 2"/>
+          <p:cNvSpPr>
+            <a:spLocks noGrp="1"/>
+          </p:cNvSpPr>
+          <p:nvPr>
+            <p:ph type="body" idx="1"/>
+          </p:nvPr>
+        </p:nvSpPr>
+        <p:spPr>
+          <a:xfrm>
+            <a:off x="457200" y="1752600"/>
+            <a:ext cx="8229600" cy="4373563"/>
+          </a:xfrm>
+          <a:prstGeom prst="rect">
+            <a:avLst/>
+          </a:prstGeom>
+        </p:spPr>
+        <p:txBody>
+          <a:bodyPr vert="horz" lIns="91440" tIns="45720" rIns="91440" bIns="45720" rtlCol="0">
+            <a:normAutofit/>
+          </a:bodyPr>
+          <a:lstStyle/>
+          <a:p>
+            <a:pPr lvl="0"/>
+            <a:r>
+              <a:rPr lang="ru-RU" smtClean="0"/>
+              <a:t>Образец текста</a:t>
+            </a:r>
+          </a:p>
+          <a:p>
+            <a:pPr lvl="1"/>
+            <a:r>
+              <a:rPr lang="ru-RU" smtClean="0"/>
+              <a:t>Второй уровень</a:t>
+            </a:r>
+          </a:p>
+          <a:p>
+            <a:pPr lvl="2"/>
+            <a:r>
+              <a:rPr lang="ru-RU" smtClean="0"/>
+              <a:t>Третий уровень</a:t>
+            </a:r>
+          </a:p>
+          <a:p>
+            <a:pPr lvl="3"/>
+            <a:r>
+              <a:rPr lang="ru-RU" smtClean="0"/>
+              <a:t>Четвертый уровень</a:t>
+            </a:r>
+          </a:p>
+          <a:p>
+            <a:pPr lvl="4"/>
+            <a:r>
+              <a:rPr lang="ru-RU" smtClean="0"/>
+              <a:t>Пятый уровень</a:t>
+            </a:r>
+            <a:endParaRPr lang="en-US" dirty="0"/>
+          </a:p>
+        </p:txBody>
+      </p:sp>
+      <p:sp>
+        <p:nvSpPr>
+          <p:cNvPr id="4" name="Date Placeholder 3"/>
+          <p:cNvSpPr>
+            <a:spLocks noGrp="1"/>
+          </p:cNvSpPr>
+          <p:nvPr>
+            <p:ph type="dt" sz="half" idx="2"/>
+          </p:nvPr>
+        </p:nvSpPr>
+        <p:spPr>
+          <a:xfrm>
+            <a:off x="457200" y="6356350"/>
+            <a:ext cx="2133600" cy="365125"/>
+          </a:xfrm>
+          <a:prstGeom prst="rect">
+            <a:avLst/>
+          </a:prstGeom>
+        </p:spPr>
+        <p:txBody>
+          <a:bodyPr vert="horz" lIns="91440" tIns="45720" rIns="91440" bIns="45720" rtlCol="0" anchor="ctr"/>
+          <a:lstStyle>
+            <a:lvl1pPr algn="l">
+              <a:defRPr sz="1200">
+                <a:solidFill>
+                  <a:schemeClr val="tx2"/>
+                </a:solidFill>
+              </a:defRPr>
+            </a:lvl1pPr>
+          </a:lstStyle>
+          <a:p>
+            <a:fld id="{B4C71EC6-210F-42DE-9C53-41977AD35B3D}" type="datetimeFigureOut">
+              <a:rPr lang="ru-RU" smtClean="0"/>
+              <a:t>03.01.2019</a:t>
+            </a:fld>
+            <a:endParaRPr lang="ru-RU"/>
+          </a:p>
+        </p:txBody>
+      </p:sp>
+      <p:sp>
+        <p:nvSpPr>
+          <p:cNvPr id="5" name="Footer Placeholder 4"/>
+          <p:cNvSpPr>
+            <a:spLocks noGrp="1"/>
+          </p:cNvSpPr>
+          <p:nvPr>
+            <p:ph type="ftr" sz="quarter" idx="3"/>
+          </p:nvPr>
+        </p:nvSpPr>
+        <p:spPr>
+          <a:xfrm>
+            <a:off x="3124200" y="6356350"/>
+            <a:ext cx="2895600" cy="365125"/>
+          </a:xfrm>
+          <a:prstGeom prst="rect">
+            <a:avLst/>
+          </a:prstGeom>
+        </p:spPr>
+        <p:txBody>
+          <a:bodyPr vert="horz" lIns="91440" tIns="45720" rIns="91440" bIns="45720" rtlCol="0" anchor="ctr"/>
+          <a:lstStyle>
+            <a:lvl1pPr algn="ctr">
+              <a:defRPr sz="1200">
+                <a:solidFill>
+                  <a:schemeClr val="tx2"/>
+                </a:solidFill>
+              </a:defRPr>
+            </a:lvl1pPr>
+          </a:lstStyle>
+          <a:p>
+            <a:endParaRPr lang="ru-RU"/>
+          </a:p>
+        </p:txBody>
+      </p:sp>
+      <p:sp>
+        <p:nvSpPr>
+          <p:cNvPr id="6" name="Slide Number Placeholder 5"/>
+          <p:cNvSpPr>
+            <a:spLocks noGrp="1"/>
+          </p:cNvSpPr>
+          <p:nvPr>
+            <p:ph type="sldNum" sz="quarter" idx="4"/>
+          </p:nvPr>
+        </p:nvSpPr>
+        <p:spPr>
+          <a:xfrm>
+            <a:off x="6553200" y="6356350"/>
+            <a:ext cx="2133600" cy="365125"/>
+          </a:xfrm>
+          <a:prstGeom prst="rect">
+            <a:avLst/>
+          </a:prstGeom>
+        </p:spPr>
+        <p:txBody>
+          <a:bodyPr vert="horz" lIns="91440" tIns="45720" rIns="91440" bIns="45720" rtlCol="0" anchor="ctr"/>
+          <a:lstStyle>
+            <a:lvl1pPr algn="r">
+              <a:defRPr sz="1200">
+                <a:solidFill>
+                  <a:schemeClr val="tx2"/>
+                </a:solidFill>
+              </a:defRPr>
+            </a:lvl1pPr>
+          </a:lstStyle>
+          <a:p>
+            <a:fld id="{B19B0651-EE4F-4900-A07F-96A6BFA9D0F0}" type="slidenum">
+              <a:rPr lang="ru-RU" smtClean="0"/>
+              <a:t>‹#›</a:t>
+            </a:fld>
+            <a:endParaRPr lang="ru-RU"/>
+          </a:p>
+        </p:txBody>
+      </p:sp>
+      <p:sp>
+        <p:nvSpPr>
+          <p:cNvPr id="9" name="Rectangle 8"/>
+          <p:cNvSpPr/>
+          <p:nvPr/>
+        </p:nvSpPr>
+        <p:spPr>
+          <a:xfrm>
+            <a:off x="274320" y="278166"/>
+            <a:ext cx="8595360" cy="1325880"/>
+          </a:xfrm>
+          <a:prstGeom prst="rect">
+            <a:avLst/>
+          </a:prstGeom>
+          <a:solidFill>
+            <a:srgbClr val="FFFFFF">
+              <a:alpha val="83000"/>
+            </a:srgbClr>
+          </a:solidFill>
+          <a:ln>
+            <a:noFill/>
+          </a:ln>
+          <a:effectLst>
+            <a:softEdge rad="12700"/>
+          </a:effectLst>
+        </p:spPr>
+        <p:style>
+          <a:lnRef idx="2">
+            <a:schemeClr val="accent1">
+              <a:shade val="50000"/>
+            </a:schemeClr>
+          </a:lnRef>
+          <a:fillRef idx="1">
+            <a:schemeClr val="accent1"/>
+          </a:fillRef>
+          <a:effectRef idx="0">
+            <a:schemeClr val="accent1"/>
+          </a:effectRef>
+          <a:fontRef idx="minor">
+            <a:schemeClr val="lt1"/>
+          </a:fontRef>
+        </p:style>
+        <p:txBody>
+          <a:bodyPr rtlCol="0" anchor="ctr"/>
+          <a:lstStyle/>
+          <a:p>
+            <a:pPr marL="0" algn="ctr" defTabSz="914400" rtl="0" eaLnBrk="1" latinLnBrk="0" hangingPunct="1"/>
+            <a:endParaRPr lang="en-US" sz="1800" kern="1200">
+              <a:solidFill>
+                <a:schemeClr val="lt1"/>
+              </a:solidFill>
+              <a:latin typeface="+mn-lt"/>
+              <a:ea typeface="+mn-ea"/>
+              <a:cs typeface="+mn-cs"/>
+            </a:endParaRPr>
+          </a:p>
+        </p:txBody>
+      </p:sp>
+      <p:sp>
+        <p:nvSpPr>
+          <p:cNvPr id="10" name="Rectangle 9"/>
+          <p:cNvSpPr/>
+          <p:nvPr/>
+        </p:nvSpPr>
+        <p:spPr>
+          <a:xfrm>
+            <a:off x="372863" y="372862"/>
+            <a:ext cx="8380520" cy="1118587"/>
+          </a:xfrm>
+          <a:prstGeom prst="rect">
+            <a:avLst/>
+          </a:prstGeom>
+          <a:solidFill>
+            <a:srgbClr val="FFFFFF"/>
+          </a:solidFill>
+          <a:ln w="6350">
+            <a:noFill/>
+          </a:ln>
+        </p:spPr>
+        <p:style>
+          <a:lnRef idx="2">
+            <a:schemeClr val="accent1">
+              <a:shade val="50000"/>
+            </a:schemeClr>
+          </a:lnRef>
+          <a:fillRef idx="1">
+            <a:schemeClr val="accent1"/>
+          </a:fillRef>
+          <a:effectRef idx="0">
+            <a:schemeClr val="accent1"/>
+          </a:effectRef>
+          <a:fontRef idx="minor">
+            <a:schemeClr val="lt1"/>
+          </a:fontRef>
+        </p:style>
+        <p:txBody>
+          <a:bodyPr rtlCol="0" anchor="ctr"/>
+          <a:lstStyle/>
+          <a:p>
+            <a:pPr algn="ctr"/>
+            <a:endParaRPr lang="en-US"/>
+          </a:p>
+        </p:txBody>
+      </p:sp>
       <p:sp>
         <p:nvSpPr>
           <p:cNvPr id="2" name="Title Placeholder 1"/>
@@ -2889,502 +4352,219 @@
         </p:nvSpPr>
         <p:spPr>
           <a:xfrm>
-            <a:off x="609600" y="274638"/>
-            <a:ext cx="7924800" cy="1143000"/>
+            <a:off x="426128" y="408372"/>
+            <a:ext cx="8260672" cy="1039427"/>
           </a:xfrm>
           <a:prstGeom prst="rect">
             <a:avLst/>
           </a:prstGeom>
         </p:spPr>
         <p:txBody>
-          <a:bodyPr vert="horz" lIns="91440" tIns="45720" rIns="91440" bIns="45720" rtlCol="0" anchor="b" anchorCtr="0">
-            <a:noAutofit/>
-          </a:bodyPr>
-          <a:lstStyle/>
-          <a:p>
-            <a:r>
-              <a:rPr lang="ru-RU" smtClean="0"/>
-              <a:t>Образец заголовка</a:t>
-            </a:r>
-            <a:endParaRPr lang="en-US" dirty="0"/>
-          </a:p>
-        </p:txBody>
-      </p:sp>
-      <p:sp>
-        <p:nvSpPr>
-          <p:cNvPr id="3" name="Text Placeholder 2"/>
-          <p:cNvSpPr>
-            <a:spLocks noGrp="1"/>
-          </p:cNvSpPr>
-          <p:nvPr>
-            <p:ph type="body" idx="1"/>
-          </p:nvPr>
-        </p:nvSpPr>
-        <p:spPr>
-          <a:xfrm>
-            <a:off x="609600" y="1600200"/>
-            <a:ext cx="7924800" cy="4525963"/>
-          </a:xfrm>
-          <a:prstGeom prst="rect">
-            <a:avLst/>
-          </a:prstGeom>
-        </p:spPr>
-        <p:txBody>
-          <a:bodyPr vert="horz" lIns="91440" tIns="45720" rIns="91440" bIns="45720" rtlCol="0">
+          <a:bodyPr vert="horz" lIns="91440" tIns="45720" rIns="91440" bIns="45720" rtlCol="0" anchor="ctr">
             <a:normAutofit/>
           </a:bodyPr>
           <a:lstStyle/>
           <a:p>
-            <a:pPr lvl="0"/>
-            <a:r>
-              <a:rPr lang="ru-RU" smtClean="0"/>
-              <a:t>Образец текста</a:t>
-            </a:r>
-          </a:p>
-          <a:p>
-            <a:pPr lvl="1"/>
-            <a:r>
-              <a:rPr lang="ru-RU" smtClean="0"/>
-              <a:t>Второй уровень</a:t>
-            </a:r>
-          </a:p>
-          <a:p>
-            <a:pPr lvl="2"/>
-            <a:r>
-              <a:rPr lang="ru-RU" smtClean="0"/>
-              <a:t>Третий уровень</a:t>
-            </a:r>
-          </a:p>
-          <a:p>
-            <a:pPr lvl="3"/>
-            <a:r>
-              <a:rPr lang="ru-RU" smtClean="0"/>
-              <a:t>Четвертый уровень</a:t>
-            </a:r>
-          </a:p>
-          <a:p>
-            <a:pPr lvl="4"/>
-            <a:r>
-              <a:rPr lang="ru-RU" smtClean="0"/>
-              <a:t>Пятый уровень</a:t>
-            </a:r>
-            <a:endParaRPr lang="en-US" dirty="0" smtClean="0"/>
-          </a:p>
-        </p:txBody>
-      </p:sp>
-      <p:sp>
-        <p:nvSpPr>
-          <p:cNvPr id="4" name="Date Placeholder 3"/>
-          <p:cNvSpPr>
-            <a:spLocks noGrp="1"/>
-          </p:cNvSpPr>
-          <p:nvPr>
-            <p:ph type="dt" sz="half" idx="2"/>
-          </p:nvPr>
-        </p:nvSpPr>
-        <p:spPr>
-          <a:xfrm>
-            <a:off x="5715000" y="6356350"/>
-            <a:ext cx="1524000" cy="365125"/>
-          </a:xfrm>
-          <a:prstGeom prst="rect">
-            <a:avLst/>
-          </a:prstGeom>
-        </p:spPr>
-        <p:txBody>
-          <a:bodyPr vert="horz" lIns="91440" tIns="45720" rIns="91440" bIns="45720" rtlCol="0" anchor="ctr"/>
-          <a:lstStyle>
-            <a:lvl1pPr algn="r">
-              <a:defRPr sz="1000" strike="noStrike" spc="60" baseline="0">
-                <a:solidFill>
-                  <a:schemeClr val="tx1"/>
-                </a:solidFill>
-              </a:defRPr>
-            </a:lvl1pPr>
-          </a:lstStyle>
-          <a:p>
-            <a:fld id="{B4C71EC6-210F-42DE-9C53-41977AD35B3D}" type="datetimeFigureOut">
-              <a:rPr lang="ru-RU" smtClean="0"/>
-              <a:t>02.01.2019</a:t>
-            </a:fld>
-            <a:endParaRPr lang="ru-RU"/>
-          </a:p>
-        </p:txBody>
-      </p:sp>
-      <p:sp>
-        <p:nvSpPr>
-          <p:cNvPr id="5" name="Footer Placeholder 4"/>
-          <p:cNvSpPr>
-            <a:spLocks noGrp="1"/>
-          </p:cNvSpPr>
-          <p:nvPr>
-            <p:ph type="ftr" sz="quarter" idx="3"/>
-          </p:nvPr>
-        </p:nvSpPr>
-        <p:spPr>
-          <a:xfrm>
-            <a:off x="609600" y="6356350"/>
-            <a:ext cx="2895600" cy="365125"/>
-          </a:xfrm>
-          <a:prstGeom prst="rect">
-            <a:avLst/>
-          </a:prstGeom>
-        </p:spPr>
-        <p:txBody>
-          <a:bodyPr vert="horz" lIns="91440" tIns="45720" rIns="91440" bIns="45720" rtlCol="0" anchor="ctr"/>
-          <a:lstStyle>
-            <a:lvl1pPr algn="l">
-              <a:defRPr sz="1000" cap="all" spc="60" baseline="0">
-                <a:solidFill>
-                  <a:schemeClr val="tx1"/>
-                </a:solidFill>
-              </a:defRPr>
-            </a:lvl1pPr>
-          </a:lstStyle>
-          <a:p>
-            <a:endParaRPr lang="ru-RU"/>
-          </a:p>
-        </p:txBody>
-      </p:sp>
-      <p:sp>
-        <p:nvSpPr>
-          <p:cNvPr id="6" name="Slide Number Placeholder 5"/>
-          <p:cNvSpPr>
-            <a:spLocks noGrp="1"/>
-          </p:cNvSpPr>
-          <p:nvPr>
-            <p:ph type="sldNum" sz="quarter" idx="4"/>
-          </p:nvPr>
-        </p:nvSpPr>
-        <p:spPr>
-          <a:xfrm>
-            <a:off x="7543800" y="6356350"/>
-            <a:ext cx="990600" cy="365125"/>
-          </a:xfrm>
-          <a:prstGeom prst="rect">
-            <a:avLst/>
-          </a:prstGeom>
-        </p:spPr>
-        <p:txBody>
-          <a:bodyPr vert="horz" lIns="91440" tIns="45720" rIns="91440" bIns="45720" rtlCol="0" anchor="ctr"/>
-          <a:lstStyle>
-            <a:lvl1pPr algn="r">
-              <a:defRPr sz="1100" baseline="0">
-                <a:solidFill>
-                  <a:schemeClr val="tx1"/>
-                </a:solidFill>
-              </a:defRPr>
-            </a:lvl1pPr>
-          </a:lstStyle>
-          <a:p>
-            <a:fld id="{B19B0651-EE4F-4900-A07F-96A6BFA9D0F0}" type="slidenum">
-              <a:rPr lang="ru-RU" smtClean="0"/>
-              <a:t>‹#›</a:t>
-            </a:fld>
-            <a:endParaRPr lang="ru-RU"/>
+            <a:r>
+              <a:rPr lang="ru-RU" smtClean="0"/>
+              <a:t>Образец заголовка</a:t>
+            </a:r>
+            <a:endParaRPr lang="en-US" dirty="0"/>
           </a:p>
         </p:txBody>
       </p:sp>
     </p:spTree>
   </p:cSld>
-  <p:clrMap bg1="dk1" tx1="lt1" bg2="dk2" tx2="lt2" accent1="accent1" accent2="accent2" accent3="accent3" accent4="accent4" accent5="accent5" accent6="accent6" hlink="hlink" folHlink="folHlink"/>
+  <p:clrMap bg1="lt1" tx1="dk1" bg2="lt2" tx2="dk2" accent1="accent1" accent2="accent2" accent3="accent3" accent4="accent4" accent5="accent5" accent6="accent6" hlink="hlink" folHlink="folHlink"/>
   <p:sldLayoutIdLst>
-    <p:sldLayoutId id="2147483661" r:id="rId1"/>
-    <p:sldLayoutId id="2147483662" r:id="rId2"/>
-    <p:sldLayoutId id="2147483663" r:id="rId3"/>
-    <p:sldLayoutId id="2147483664" r:id="rId4"/>
-    <p:sldLayoutId id="2147483665" r:id="rId5"/>
-    <p:sldLayoutId id="2147483666" r:id="rId6"/>
-    <p:sldLayoutId id="2147483667" r:id="rId7"/>
-    <p:sldLayoutId id="2147483668" r:id="rId8"/>
-    <p:sldLayoutId id="2147483669" r:id="rId9"/>
-    <p:sldLayoutId id="2147483670" r:id="rId10"/>
-    <p:sldLayoutId id="2147483671" r:id="rId11"/>
+    <p:sldLayoutId id="2147483673" r:id="rId1"/>
+    <p:sldLayoutId id="2147483674" r:id="rId2"/>
+    <p:sldLayoutId id="2147483675" r:id="rId3"/>
+    <p:sldLayoutId id="2147483676" r:id="rId4"/>
+    <p:sldLayoutId id="2147483677" r:id="rId5"/>
+    <p:sldLayoutId id="2147483678" r:id="rId6"/>
+    <p:sldLayoutId id="2147483679" r:id="rId7"/>
+    <p:sldLayoutId id="2147483680" r:id="rId8"/>
+    <p:sldLayoutId id="2147483681" r:id="rId9"/>
+    <p:sldLayoutId id="2147483682" r:id="rId10"/>
+    <p:sldLayoutId id="2147483683" r:id="rId11"/>
   </p:sldLayoutIdLst>
   <p:txStyles>
     <p:titleStyle>
-      <a:lvl1pPr algn="l" defTabSz="914400" rtl="0" eaLnBrk="1" latinLnBrk="0" hangingPunct="1">
+      <a:lvl1pPr algn="ctr" defTabSz="914400" rtl="0" eaLnBrk="1" latinLnBrk="0" hangingPunct="1">
         <a:spcBef>
           <a:spcPct val="0"/>
         </a:spcBef>
         <a:buNone/>
-        <a:defRPr sz="3000" kern="1200" cap="all" spc="50" baseline="0">
+        <a:defRPr sz="3500" kern="1200" cap="all" baseline="0">
           <a:solidFill>
-            <a:schemeClr val="tx1"/>
+            <a:schemeClr val="accent1">
+              <a:lumMod val="75000"/>
+            </a:schemeClr>
           </a:solidFill>
           <a:latin typeface="+mj-lt"/>
           <a:ea typeface="+mj-ea"/>
           <a:cs typeface="+mj-cs"/>
         </a:defRPr>
       </a:lvl1pPr>
-      <a:lvl2pPr eaLnBrk="1" hangingPunct="1">
-        <a:defRPr>
-          <a:solidFill>
-            <a:schemeClr val="tx2"/>
-          </a:solidFill>
-        </a:defRPr>
-      </a:lvl2pPr>
-      <a:lvl3pPr eaLnBrk="1" hangingPunct="1">
-        <a:defRPr>
-          <a:solidFill>
-            <a:schemeClr val="tx2"/>
-          </a:solidFill>
-        </a:defRPr>
-      </a:lvl3pPr>
-      <a:lvl4pPr eaLnBrk="1" hangingPunct="1">
-        <a:defRPr>
-          <a:solidFill>
-            <a:schemeClr val="tx2"/>
-          </a:solidFill>
-        </a:defRPr>
-      </a:lvl4pPr>
-      <a:lvl5pPr eaLnBrk="1" hangingPunct="1">
-        <a:defRPr>
-          <a:solidFill>
-            <a:schemeClr val="tx2"/>
-          </a:solidFill>
-        </a:defRPr>
-      </a:lvl5pPr>
-      <a:lvl6pPr eaLnBrk="1" hangingPunct="1">
-        <a:defRPr>
-          <a:solidFill>
-            <a:schemeClr val="tx2"/>
-          </a:solidFill>
-        </a:defRPr>
-      </a:lvl6pPr>
-      <a:lvl7pPr eaLnBrk="1" hangingPunct="1">
-        <a:defRPr>
-          <a:solidFill>
-            <a:schemeClr val="tx2"/>
-          </a:solidFill>
-        </a:defRPr>
-      </a:lvl7pPr>
-      <a:lvl8pPr eaLnBrk="1" hangingPunct="1">
-        <a:defRPr>
-          <a:solidFill>
-            <a:schemeClr val="tx2"/>
-          </a:solidFill>
-        </a:defRPr>
-      </a:lvl8pPr>
-      <a:lvl9pPr eaLnBrk="1" hangingPunct="1">
-        <a:defRPr>
-          <a:solidFill>
-            <a:schemeClr val="tx2"/>
-          </a:solidFill>
-        </a:defRPr>
-      </a:lvl9pPr>
     </p:titleStyle>
     <p:bodyStyle>
-      <a:lvl1pPr marL="342900" indent="-342900" algn="l" defTabSz="914400" rtl="0" eaLnBrk="1" latinLnBrk="0" hangingPunct="1">
-        <a:lnSpc>
-          <a:spcPct val="100000"/>
-        </a:lnSpc>
+      <a:lvl1pPr marL="342900" indent="-228600" algn="l" defTabSz="914400" rtl="0" eaLnBrk="1" latinLnBrk="0" hangingPunct="1">
         <a:spcBef>
           <a:spcPct val="20000"/>
         </a:spcBef>
-        <a:spcAft>
-          <a:spcPts val="600"/>
-        </a:spcAft>
         <a:buClr>
-          <a:schemeClr val="tx2"/>
+          <a:schemeClr val="accent1"/>
         </a:buClr>
         <a:buFont typeface="Arial" pitchFamily="34" charset="0"/>
         <a:buChar char="•"/>
-        <a:defRPr sz="1700" kern="1200" spc="30" baseline="0">
+        <a:defRPr sz="2400" kern="1200">
           <a:solidFill>
-            <a:schemeClr val="tx1"/>
+            <a:schemeClr val="tx2"/>
           </a:solidFill>
           <a:latin typeface="+mn-lt"/>
           <a:ea typeface="+mn-ea"/>
           <a:cs typeface="+mn-cs"/>
         </a:defRPr>
       </a:lvl1pPr>
-      <a:lvl2pPr marL="742950" indent="-285750" algn="l" defTabSz="914400" rtl="0" eaLnBrk="1" latinLnBrk="0" hangingPunct="1">
-        <a:lnSpc>
-          <a:spcPct val="100000"/>
-        </a:lnSpc>
+      <a:lvl2pPr marL="640080" indent="-228600" algn="l" defTabSz="914400" rtl="0" eaLnBrk="1" latinLnBrk="0" hangingPunct="1">
         <a:spcBef>
           <a:spcPct val="20000"/>
         </a:spcBef>
-        <a:spcAft>
-          <a:spcPts val="600"/>
-        </a:spcAft>
         <a:buClr>
-          <a:schemeClr val="tx2"/>
+          <a:schemeClr val="accent2"/>
         </a:buClr>
         <a:buFont typeface="Arial" pitchFamily="34" charset="0"/>
         <a:buChar char="•"/>
-        <a:defRPr sz="1700" kern="1200" spc="30" baseline="0">
+        <a:defRPr sz="2000" kern="1200">
           <a:solidFill>
-            <a:schemeClr val="tx1"/>
+            <a:schemeClr val="tx2"/>
           </a:solidFill>
           <a:latin typeface="+mn-lt"/>
           <a:ea typeface="+mn-ea"/>
           <a:cs typeface="+mn-cs"/>
         </a:defRPr>
       </a:lvl2pPr>
-      <a:lvl3pPr marL="1143000" indent="-228600" algn="l" defTabSz="914400" rtl="0" eaLnBrk="1" latinLnBrk="0" hangingPunct="1">
-        <a:lnSpc>
-          <a:spcPct val="100000"/>
-        </a:lnSpc>
+      <a:lvl3pPr marL="914400" indent="-228600" algn="l" defTabSz="914400" rtl="0" eaLnBrk="1" latinLnBrk="0" hangingPunct="1">
         <a:spcBef>
           <a:spcPct val="20000"/>
         </a:spcBef>
-        <a:spcAft>
-          <a:spcPts val="600"/>
-        </a:spcAft>
         <a:buClr>
-          <a:schemeClr val="tx2"/>
+          <a:schemeClr val="accent3"/>
         </a:buClr>
         <a:buFont typeface="Arial" pitchFamily="34" charset="0"/>
         <a:buChar char="•"/>
-        <a:defRPr sz="1700" kern="1200" spc="30" baseline="0">
+        <a:defRPr sz="1800" kern="1200">
           <a:solidFill>
-            <a:schemeClr val="tx1"/>
+            <a:schemeClr val="tx2"/>
           </a:solidFill>
           <a:latin typeface="+mn-lt"/>
           <a:ea typeface="+mn-ea"/>
           <a:cs typeface="+mn-cs"/>
         </a:defRPr>
       </a:lvl3pPr>
-      <a:lvl4pPr marL="1600200" indent="-228600" algn="l" defTabSz="914400" rtl="0" eaLnBrk="1" latinLnBrk="0" hangingPunct="1">
-        <a:lnSpc>
-          <a:spcPct val="100000"/>
-        </a:lnSpc>
+      <a:lvl4pPr marL="1280160" indent="-228600" algn="l" defTabSz="914400" rtl="0" eaLnBrk="1" latinLnBrk="0" hangingPunct="1">
         <a:spcBef>
           <a:spcPct val="20000"/>
         </a:spcBef>
-        <a:spcAft>
-          <a:spcPts val="600"/>
-        </a:spcAft>
         <a:buClr>
-          <a:schemeClr val="tx2"/>
+          <a:schemeClr val="accent4"/>
         </a:buClr>
         <a:buFont typeface="Arial" pitchFamily="34" charset="0"/>
         <a:buChar char="•"/>
-        <a:defRPr sz="1700" kern="1200" spc="30" baseline="0">
+        <a:defRPr sz="1600" kern="1200">
           <a:solidFill>
-            <a:schemeClr val="tx1"/>
+            <a:schemeClr val="tx2"/>
           </a:solidFill>
           <a:latin typeface="+mn-lt"/>
           <a:ea typeface="+mn-ea"/>
           <a:cs typeface="+mn-cs"/>
         </a:defRPr>
       </a:lvl4pPr>
-      <a:lvl5pPr marL="2057400" indent="-228600" algn="l" defTabSz="914400" rtl="0" eaLnBrk="1" latinLnBrk="0" hangingPunct="1">
-        <a:lnSpc>
-          <a:spcPct val="100000"/>
-        </a:lnSpc>
+      <a:lvl5pPr marL="1554480" indent="-228600" algn="l" defTabSz="914400" rtl="0" eaLnBrk="1" latinLnBrk="0" hangingPunct="1">
         <a:spcBef>
           <a:spcPct val="20000"/>
         </a:spcBef>
-        <a:spcAft>
-          <a:spcPts val="600"/>
-        </a:spcAft>
         <a:buClr>
-          <a:schemeClr val="tx2"/>
+          <a:schemeClr val="accent5"/>
         </a:buClr>
         <a:buFont typeface="Arial" pitchFamily="34" charset="0"/>
         <a:buChar char="•"/>
-        <a:defRPr sz="1700" kern="1200" spc="30" baseline="0">
+        <a:defRPr sz="1600" kern="1200" baseline="0">
           <a:solidFill>
-            <a:schemeClr val="tx1"/>
+            <a:schemeClr val="tx2"/>
           </a:solidFill>
           <a:latin typeface="+mn-lt"/>
           <a:ea typeface="+mn-ea"/>
           <a:cs typeface="+mn-cs"/>
         </a:defRPr>
       </a:lvl5pPr>
-      <a:lvl6pPr marL="2514600" indent="-228600" algn="l" defTabSz="914400" rtl="0" eaLnBrk="1" latinLnBrk="0" hangingPunct="1">
-        <a:lnSpc>
-          <a:spcPct val="100000"/>
-        </a:lnSpc>
+      <a:lvl6pPr marL="1737360" indent="-182880" algn="l" defTabSz="914400" rtl="0" eaLnBrk="1" latinLnBrk="0" hangingPunct="1">
         <a:spcBef>
           <a:spcPct val="20000"/>
         </a:spcBef>
-        <a:spcAft>
-          <a:spcPts val="600"/>
-        </a:spcAft>
         <a:buClr>
-          <a:schemeClr val="tx2"/>
+          <a:schemeClr val="accent1"/>
         </a:buClr>
         <a:buFont typeface="Arial" pitchFamily="34" charset="0"/>
         <a:buChar char="•"/>
-        <a:defRPr sz="1700" kern="1200">
+        <a:defRPr sz="1400" kern="1200">
           <a:solidFill>
-            <a:schemeClr val="tx1"/>
+            <a:schemeClr val="tx2"/>
           </a:solidFill>
           <a:latin typeface="+mn-lt"/>
           <a:ea typeface="+mn-ea"/>
           <a:cs typeface="+mn-cs"/>
         </a:defRPr>
       </a:lvl6pPr>
-      <a:lvl7pPr marL="2971800" indent="-228600" algn="l" defTabSz="914400" rtl="0" eaLnBrk="1" latinLnBrk="0" hangingPunct="1">
-        <a:lnSpc>
-          <a:spcPct val="100000"/>
-        </a:lnSpc>
+      <a:lvl7pPr marL="2011680" indent="-182880" algn="l" defTabSz="914400" rtl="0" eaLnBrk="1" latinLnBrk="0" hangingPunct="1">
         <a:spcBef>
           <a:spcPct val="20000"/>
         </a:spcBef>
-        <a:spcAft>
-          <a:spcPts val="600"/>
-        </a:spcAft>
         <a:buClr>
-          <a:schemeClr val="tx2"/>
+          <a:schemeClr val="accent2"/>
         </a:buClr>
         <a:buFont typeface="Arial" pitchFamily="34" charset="0"/>
         <a:buChar char="•"/>
-        <a:defRPr sz="1700" kern="1200">
+        <a:defRPr sz="1400" kern="1200">
           <a:solidFill>
-            <a:schemeClr val="tx1"/>
+            <a:schemeClr val="tx2"/>
           </a:solidFill>
           <a:latin typeface="+mn-lt"/>
           <a:ea typeface="+mn-ea"/>
           <a:cs typeface="+mn-cs"/>
         </a:defRPr>
       </a:lvl7pPr>
-      <a:lvl8pPr marL="3429000" indent="-228600" algn="l" defTabSz="914400" rtl="0" eaLnBrk="1" latinLnBrk="0" hangingPunct="1">
-        <a:lnSpc>
-          <a:spcPct val="100000"/>
-        </a:lnSpc>
+      <a:lvl8pPr marL="2194560" indent="-182880" algn="l" defTabSz="914400" rtl="0" eaLnBrk="1" latinLnBrk="0" hangingPunct="1">
         <a:spcBef>
           <a:spcPct val="20000"/>
         </a:spcBef>
-        <a:spcAft>
-          <a:spcPts val="600"/>
-        </a:spcAft>
         <a:buClr>
-          <a:schemeClr val="tx2"/>
+          <a:schemeClr val="accent3"/>
         </a:buClr>
         <a:buFont typeface="Arial" pitchFamily="34" charset="0"/>
         <a:buChar char="•"/>
-        <a:defRPr sz="1700" kern="1200">
+        <a:defRPr sz="1400" kern="1200">
           <a:solidFill>
-            <a:schemeClr val="tx1"/>
+            <a:schemeClr val="tx2"/>
           </a:solidFill>
           <a:latin typeface="+mn-lt"/>
           <a:ea typeface="+mn-ea"/>
           <a:cs typeface="+mn-cs"/>
         </a:defRPr>
       </a:lvl8pPr>
-      <a:lvl9pPr marL="3886200" indent="-228600" algn="l" defTabSz="914400" rtl="0" eaLnBrk="1" latinLnBrk="0" hangingPunct="1">
-        <a:lnSpc>
-          <a:spcPct val="100000"/>
-        </a:lnSpc>
+      <a:lvl9pPr marL="2377440" indent="-182880" algn="l" defTabSz="914400" rtl="0" eaLnBrk="1" latinLnBrk="0" hangingPunct="1">
         <a:spcBef>
           <a:spcPct val="20000"/>
         </a:spcBef>
-        <a:spcAft>
-          <a:spcPts val="600"/>
-        </a:spcAft>
         <a:buClr>
-          <a:schemeClr val="tx2"/>
+          <a:schemeClr val="accent4"/>
         </a:buClr>
         <a:buFont typeface="Arial" pitchFamily="34" charset="0"/>
         <a:buChar char="•"/>
-        <a:defRPr sz="1700" kern="1200">
+        <a:defRPr sz="1400" kern="1200">
           <a:solidFill>
-            <a:schemeClr val="tx1"/>
+            <a:schemeClr val="tx2"/>
           </a:solidFill>
           <a:latin typeface="+mn-lt"/>
           <a:ea typeface="+mn-ea"/>
@@ -3521,7 +4701,7 @@
         <p:spPr/>
         <p:txBody>
           <a:bodyPr>
-            <a:normAutofit/>
+            <a:normAutofit fontScale="92500" lnSpcReduction="20000"/>
           </a:bodyPr>
           <a:lstStyle/>
           <a:p>
@@ -3679,149 +4859,111 @@
           <a:lstStyle/>
           <a:p>
             <a:r>
-              <a:rPr lang="ru-RU" b="1" dirty="0" smtClean="0">
-                <a:latin typeface="Times New Roman" panose="02020603050405020304" pitchFamily="18" charset="0"/>
-                <a:cs typeface="Times New Roman" panose="02020603050405020304" pitchFamily="18" charset="0"/>
-              </a:rPr>
+              <a:rPr lang="ru-RU" b="1" dirty="0"/>
               <a:t>Цель:</a:t>
             </a:r>
-          </a:p>
-          <a:p>
-            <a:pPr marL="285750" indent="-285750">
+            <a:endParaRPr lang="ru-RU" dirty="0"/>
+          </a:p>
+          <a:p>
+            <a:pPr marL="285750" lvl="0" indent="-285750">
               <a:buFont typeface="Arial" panose="020B0604020202020204" pitchFamily="34" charset="0"/>
               <a:buChar char="•"/>
             </a:pPr>
             <a:r>
-              <a:rPr lang="ru-RU" dirty="0" smtClean="0">
-                <a:latin typeface="Times New Roman" panose="02020603050405020304" pitchFamily="18" charset="0"/>
-                <a:cs typeface="Times New Roman" panose="02020603050405020304" pitchFamily="18" charset="0"/>
-              </a:rPr>
-              <a:t>Создать простой фото редактор</a:t>
-            </a:r>
-            <a:r>
-              <a:rPr lang="ru-RU" dirty="0" smtClean="0">
-                <a:latin typeface="Times New Roman" panose="02020603050405020304" pitchFamily="18" charset="0"/>
-                <a:cs typeface="Times New Roman" panose="02020603050405020304" pitchFamily="18" charset="0"/>
-              </a:rPr>
-              <a:t>;</a:t>
-            </a:r>
-          </a:p>
-          <a:p>
-            <a:endParaRPr lang="ru-RU" dirty="0" smtClean="0">
-              <a:latin typeface="Times New Roman" panose="02020603050405020304" pitchFamily="18" charset="0"/>
-              <a:cs typeface="Times New Roman" panose="02020603050405020304" pitchFamily="18" charset="0"/>
-            </a:endParaRPr>
-          </a:p>
-          <a:p>
-            <a:r>
-              <a:rPr lang="ru-RU" b="1" dirty="0" smtClean="0">
-                <a:latin typeface="Times New Roman" panose="02020603050405020304" pitchFamily="18" charset="0"/>
-                <a:cs typeface="Times New Roman" panose="02020603050405020304" pitchFamily="18" charset="0"/>
-              </a:rPr>
+              <a:rPr lang="ru-RU" dirty="0"/>
+              <a:t>Создать приложение фоторедактора;</a:t>
+            </a:r>
+          </a:p>
+          <a:p>
+            <a:r>
+              <a:rPr lang="ru-RU" dirty="0"/>
+              <a:t> </a:t>
+            </a:r>
+          </a:p>
+          <a:p>
+            <a:r>
+              <a:rPr lang="ru-RU" b="1" dirty="0"/>
               <a:t>Задачи:</a:t>
             </a:r>
-          </a:p>
-          <a:p>
-            <a:pPr marL="285750" indent="-285750">
+            <a:endParaRPr lang="ru-RU" dirty="0"/>
+          </a:p>
+          <a:p>
+            <a:pPr marL="285750" lvl="0" indent="-285750">
               <a:buFont typeface="Arial" panose="020B0604020202020204" pitchFamily="34" charset="0"/>
               <a:buChar char="•"/>
             </a:pPr>
             <a:r>
-              <a:rPr lang="ru-RU" dirty="0" smtClean="0">
-                <a:latin typeface="Times New Roman" panose="02020603050405020304" pitchFamily="18" charset="0"/>
-                <a:cs typeface="Times New Roman" panose="02020603050405020304" pitchFamily="18" charset="0"/>
-              </a:rPr>
-              <a:t>Изучить возможности аналогичных программ;</a:t>
-            </a:r>
-          </a:p>
-          <a:p>
-            <a:pPr marL="285750" indent="-285750">
+              <a:rPr lang="ru-RU" dirty="0"/>
+              <a:t>Проанализировать задачу;</a:t>
+            </a:r>
+          </a:p>
+          <a:p>
+            <a:pPr marL="285750" lvl="0" indent="-285750">
               <a:buFont typeface="Arial" panose="020B0604020202020204" pitchFamily="34" charset="0"/>
               <a:buChar char="•"/>
             </a:pPr>
             <a:r>
-              <a:rPr lang="ru-RU" dirty="0" smtClean="0">
-                <a:latin typeface="Times New Roman" panose="02020603050405020304" pitchFamily="18" charset="0"/>
-                <a:cs typeface="Times New Roman" panose="02020603050405020304" pitchFamily="18" charset="0"/>
-              </a:rPr>
+              <a:rPr lang="ru-RU" dirty="0"/>
               <a:t>Определить возможности фоторедактора;</a:t>
             </a:r>
           </a:p>
           <a:p>
-            <a:pPr marL="285750" indent="-285750">
+            <a:pPr marL="285750" lvl="0" indent="-285750">
               <a:buFont typeface="Arial" panose="020B0604020202020204" pitchFamily="34" charset="0"/>
               <a:buChar char="•"/>
             </a:pPr>
             <a:r>
-              <a:rPr lang="ru-RU" dirty="0" smtClean="0">
-                <a:latin typeface="Times New Roman" panose="02020603050405020304" pitchFamily="18" charset="0"/>
-                <a:cs typeface="Times New Roman" panose="02020603050405020304" pitchFamily="18" charset="0"/>
-              </a:rPr>
-              <a:t>Создать дизайн окна;</a:t>
-            </a:r>
-          </a:p>
-          <a:p>
-            <a:pPr marL="285750" indent="-285750">
+              <a:rPr lang="ru-RU" dirty="0"/>
+              <a:t>Создать пользовательский интерфейс;</a:t>
+            </a:r>
+          </a:p>
+          <a:p>
+            <a:pPr marL="285750" lvl="0" indent="-285750">
               <a:buFont typeface="Arial" panose="020B0604020202020204" pitchFamily="34" charset="0"/>
               <a:buChar char="•"/>
             </a:pPr>
             <a:r>
-              <a:rPr lang="ru-RU" dirty="0" smtClean="0">
-                <a:latin typeface="Times New Roman" panose="02020603050405020304" pitchFamily="18" charset="0"/>
-                <a:cs typeface="Times New Roman" panose="02020603050405020304" pitchFamily="18" charset="0"/>
-              </a:rPr>
-              <a:t>Составить алгоритмическую цепочку редактора;</a:t>
-            </a:r>
-          </a:p>
-          <a:p>
-            <a:pPr marL="285750" indent="-285750">
+              <a:rPr lang="ru-RU" dirty="0"/>
+              <a:t>Составить алгоритм работы редактора;</a:t>
+            </a:r>
+          </a:p>
+          <a:p>
+            <a:pPr marL="285750" lvl="0" indent="-285750">
               <a:buFont typeface="Arial" panose="020B0604020202020204" pitchFamily="34" charset="0"/>
               <a:buChar char="•"/>
             </a:pPr>
             <a:r>
-              <a:rPr lang="ru-RU" dirty="0" smtClean="0">
-                <a:latin typeface="Times New Roman" panose="02020603050405020304" pitchFamily="18" charset="0"/>
-                <a:cs typeface="Times New Roman" panose="02020603050405020304" pitchFamily="18" charset="0"/>
-              </a:rPr>
-              <a:t>Инициализировать основные классы;</a:t>
-            </a:r>
-          </a:p>
-          <a:p>
-            <a:pPr marL="285750" indent="-285750">
+              <a:rPr lang="ru-RU" dirty="0"/>
+              <a:t>Создать основные классы;</a:t>
+            </a:r>
+          </a:p>
+          <a:p>
+            <a:pPr marL="285750" lvl="0" indent="-285750">
               <a:buFont typeface="Arial" panose="020B0604020202020204" pitchFamily="34" charset="0"/>
               <a:buChar char="•"/>
             </a:pPr>
             <a:r>
-              <a:rPr lang="ru-RU" dirty="0" smtClean="0">
-                <a:latin typeface="Times New Roman" panose="02020603050405020304" pitchFamily="18" charset="0"/>
-                <a:cs typeface="Times New Roman" panose="02020603050405020304" pitchFamily="18" charset="0"/>
-              </a:rPr>
-              <a:t>Инициализировать и прописать все функции редактора;</a:t>
-            </a:r>
-          </a:p>
-          <a:p>
-            <a:pPr marL="285750" indent="-285750">
+              <a:rPr lang="ru-RU" dirty="0"/>
+              <a:t>Создать все функции редактора;</a:t>
+            </a:r>
+          </a:p>
+          <a:p>
+            <a:pPr marL="285750" lvl="0" indent="-285750">
               <a:buFont typeface="Arial" panose="020B0604020202020204" pitchFamily="34" charset="0"/>
               <a:buChar char="•"/>
             </a:pPr>
             <a:r>
-              <a:rPr lang="ru-RU" dirty="0" smtClean="0">
-                <a:latin typeface="Times New Roman" panose="02020603050405020304" pitchFamily="18" charset="0"/>
-                <a:cs typeface="Times New Roman" panose="02020603050405020304" pitchFamily="18" charset="0"/>
-              </a:rPr>
-              <a:t>Проверить работу всех функций;</a:t>
-            </a:r>
-          </a:p>
-          <a:p>
-            <a:pPr marL="285750" indent="-285750">
+              <a:rPr lang="ru-RU" dirty="0"/>
+              <a:t>Отладка программы;</a:t>
+            </a:r>
+          </a:p>
+          <a:p>
+            <a:pPr marL="285750" lvl="0" indent="-285750">
               <a:buFont typeface="Arial" panose="020B0604020202020204" pitchFamily="34" charset="0"/>
               <a:buChar char="•"/>
             </a:pPr>
             <a:r>
-              <a:rPr lang="ru-RU" dirty="0" smtClean="0">
-                <a:latin typeface="Times New Roman" panose="02020603050405020304" pitchFamily="18" charset="0"/>
-                <a:cs typeface="Times New Roman" panose="02020603050405020304" pitchFamily="18" charset="0"/>
-              </a:rPr>
+              <a:rPr lang="ru-RU" dirty="0"/>
               <a:t>Написать пояснительную записку и подготовиться к защите проекта.</a:t>
             </a:r>
           </a:p>
@@ -4030,7 +5172,7 @@
         <p:spPr>
           <a:xfrm>
             <a:off x="467544" y="1772816"/>
-            <a:ext cx="8208912" cy="2031325"/>
+            <a:ext cx="8208912" cy="2585323"/>
           </a:xfrm>
           <a:prstGeom prst="rect">
             <a:avLst/>
@@ -4043,45 +5185,98 @@
           </a:bodyPr>
           <a:lstStyle/>
           <a:p>
-            <a:pPr marL="342900" indent="-342900">
+            <a:pPr marL="342900" lvl="0" indent="-342900">
               <a:buFont typeface="+mj-lt"/>
               <a:buAutoNum type="arabicPeriod"/>
             </a:pPr>
             <a:r>
+              <a:rPr lang="ru-RU" dirty="0"/>
+              <a:t>Постановка задачи</a:t>
+            </a:r>
+            <a:r>
               <a:rPr lang="ru-RU" dirty="0" smtClean="0"/>
-              <a:t>Определение возможностей фоторедактора, которые я смогу осуществить на момент написания этого  проекта;</a:t>
-            </a:r>
-          </a:p>
-          <a:p>
-            <a:pPr marL="342900" indent="-342900">
+              <a:t>;</a:t>
+            </a:r>
+          </a:p>
+          <a:p>
+            <a:pPr marL="342900" lvl="0" indent="-342900">
               <a:buFont typeface="+mj-lt"/>
               <a:buAutoNum type="arabicPeriod"/>
             </a:pPr>
-            <a:r>
-              <a:rPr lang="ru-RU" dirty="0" smtClean="0"/>
-              <a:t>Создание дизайна окна, который будет использоваться кодом фоторедактора и будет прост в обращении; </a:t>
-            </a:r>
-          </a:p>
-          <a:p>
-            <a:pPr marL="342900" indent="-342900">
+            <a:endParaRPr lang="ru-RU" dirty="0"/>
+          </a:p>
+          <a:p>
+            <a:pPr marL="342900" lvl="0" indent="-342900">
               <a:buFont typeface="+mj-lt"/>
               <a:buAutoNum type="arabicPeriod"/>
             </a:pPr>
             <a:r>
+              <a:rPr lang="ru-RU" dirty="0"/>
+              <a:t>Создание простого интерфейса</a:t>
+            </a:r>
+            <a:r>
               <a:rPr lang="ru-RU" dirty="0" smtClean="0"/>
-              <a:t>Составление алгоритмической цепочки, по которой будут взаимодействовать функции моего проекта;</a:t>
-            </a:r>
-          </a:p>
-          <a:p>
-            <a:pPr marL="342900" indent="-342900">
+              <a:t>;</a:t>
+            </a:r>
+          </a:p>
+          <a:p>
+            <a:pPr marL="342900" lvl="0" indent="-342900">
               <a:buFont typeface="+mj-lt"/>
               <a:buAutoNum type="arabicPeriod"/>
             </a:pPr>
+            <a:endParaRPr lang="ru-RU" dirty="0"/>
+          </a:p>
+          <a:p>
+            <a:pPr marL="342900" lvl="0" indent="-342900">
+              <a:buFont typeface="+mj-lt"/>
+              <a:buAutoNum type="arabicPeriod"/>
+            </a:pPr>
+            <a:r>
+              <a:rPr lang="ru-RU" dirty="0"/>
+              <a:t>Составление алгоритма проекта</a:t>
+            </a:r>
             <a:r>
               <a:rPr lang="ru-RU" dirty="0" smtClean="0"/>
-              <a:t>Постепенное написание функций проекта и их тестирование.</a:t>
-            </a:r>
+              <a:t>;</a:t>
+            </a:r>
+          </a:p>
+          <a:p>
+            <a:pPr marL="342900" lvl="0" indent="-342900">
+              <a:buFont typeface="+mj-lt"/>
+              <a:buAutoNum type="arabicPeriod"/>
+            </a:pPr>
             <a:endParaRPr lang="ru-RU" dirty="0"/>
+          </a:p>
+          <a:p>
+            <a:pPr marL="342900" lvl="0" indent="-342900">
+              <a:buFont typeface="+mj-lt"/>
+              <a:buAutoNum type="arabicPeriod"/>
+            </a:pPr>
+            <a:r>
+              <a:rPr lang="ru-RU" dirty="0"/>
+              <a:t>Написание и отладка программы</a:t>
+            </a:r>
+            <a:r>
+              <a:rPr lang="ru-RU" dirty="0" smtClean="0"/>
+              <a:t>;</a:t>
+            </a:r>
+          </a:p>
+          <a:p>
+            <a:pPr marL="342900" lvl="0" indent="-342900">
+              <a:buFont typeface="+mj-lt"/>
+              <a:buAutoNum type="arabicPeriod"/>
+            </a:pPr>
+            <a:endParaRPr lang="ru-RU" dirty="0"/>
+          </a:p>
+          <a:p>
+            <a:pPr marL="342900" lvl="0" indent="-342900">
+              <a:buFont typeface="+mj-lt"/>
+              <a:buAutoNum type="arabicPeriod"/>
+            </a:pPr>
+            <a:r>
+              <a:rPr lang="ru-RU" dirty="0"/>
+              <a:t>Написание пояснительной записки и подготовка защите проекта.</a:t>
+            </a:r>
           </a:p>
         </p:txBody>
       </p:sp>
@@ -4147,7 +5342,7 @@
         <p:spPr/>
         <p:txBody>
           <a:bodyPr>
-            <a:normAutofit/>
+            <a:normAutofit fontScale="90000"/>
           </a:bodyPr>
           <a:lstStyle/>
           <a:p>
@@ -4302,7 +5497,7 @@
         <p:spPr/>
         <p:txBody>
           <a:bodyPr>
-            <a:normAutofit/>
+            <a:normAutofit fontScale="90000"/>
           </a:bodyPr>
           <a:lstStyle/>
           <a:p>
@@ -4338,8 +5533,8 @@
         </p:nvSpPr>
         <p:spPr>
           <a:xfrm>
-            <a:off x="827584" y="1772816"/>
-            <a:ext cx="792088" cy="360040"/>
+            <a:off x="7380312" y="5104124"/>
+            <a:ext cx="864096" cy="360040"/>
           </a:xfrm>
           <a:prstGeom prst="roundRect">
             <a:avLst/>
@@ -4382,8 +5577,8 @@
         </p:nvSpPr>
         <p:spPr>
           <a:xfrm>
-            <a:off x="827584" y="2348880"/>
-            <a:ext cx="792088" cy="360040"/>
+            <a:off x="7380312" y="5680188"/>
+            <a:ext cx="864096" cy="360040"/>
           </a:xfrm>
           <a:prstGeom prst="roundRect">
             <a:avLst/>
@@ -4426,8 +5621,8 @@
         </p:nvSpPr>
         <p:spPr>
           <a:xfrm>
-            <a:off x="2951820" y="1772816"/>
-            <a:ext cx="1080120" cy="360040"/>
+            <a:off x="2153756" y="1682299"/>
+            <a:ext cx="1260140" cy="240328"/>
           </a:xfrm>
           <a:prstGeom prst="roundRect">
             <a:avLst/>
@@ -4470,8 +5665,8 @@
         </p:nvSpPr>
         <p:spPr>
           <a:xfrm>
-            <a:off x="5652120" y="1780206"/>
-            <a:ext cx="936104" cy="360040"/>
+            <a:off x="3590696" y="2826684"/>
+            <a:ext cx="984863" cy="360040"/>
           </a:xfrm>
           <a:prstGeom prst="roundRect">
             <a:avLst/>
@@ -4514,8 +5709,8 @@
         </p:nvSpPr>
         <p:spPr>
           <a:xfrm>
-            <a:off x="3023828" y="2348880"/>
-            <a:ext cx="936104" cy="360040"/>
+            <a:off x="2248751" y="2258363"/>
+            <a:ext cx="1092121" cy="240328"/>
           </a:xfrm>
           <a:prstGeom prst="roundRect">
             <a:avLst/>
@@ -4552,14 +5747,14 @@
       </p:sp>
       <p:sp>
         <p:nvSpPr>
-          <p:cNvPr id="12" name="Скругленный прямоугольник 11"/>
+          <p:cNvPr id="14" name="Скругленный прямоугольник 13"/>
           <p:cNvSpPr/>
           <p:nvPr/>
         </p:nvSpPr>
         <p:spPr>
           <a:xfrm>
-            <a:off x="827584" y="3068960"/>
-            <a:ext cx="792088" cy="360040"/>
+            <a:off x="2321774" y="2882131"/>
+            <a:ext cx="924103" cy="240328"/>
           </a:xfrm>
           <a:prstGeom prst="roundRect">
             <a:avLst/>
@@ -4588,150 +5783,6 @@
             <a:pPr algn="ctr"/>
             <a:r>
               <a:rPr lang="en-US" sz="1000" dirty="0" err="1"/>
-              <a:t>i</a:t>
-            </a:r>
-            <a:r>
-              <a:rPr lang="en-US" sz="1000" dirty="0" err="1" smtClean="0"/>
-              <a:t>nit</a:t>
-            </a:r>
-            <a:r>
-              <a:rPr lang="en-US" sz="1000" dirty="0" smtClean="0"/>
-              <a:t>()</a:t>
-            </a:r>
-            <a:endParaRPr lang="ru-RU" sz="1000" dirty="0"/>
-          </a:p>
-        </p:txBody>
-      </p:sp>
-      <p:sp>
-        <p:nvSpPr>
-          <p:cNvPr id="13" name="Скругленный прямоугольник 12"/>
-          <p:cNvSpPr/>
-          <p:nvPr/>
-        </p:nvSpPr>
-        <p:spPr>
-          <a:xfrm>
-            <a:off x="3959932" y="3041340"/>
-            <a:ext cx="792088" cy="360040"/>
-          </a:xfrm>
-          <a:prstGeom prst="roundRect">
-            <a:avLst/>
-          </a:prstGeom>
-        </p:spPr>
-        <p:style>
-          <a:lnRef idx="2">
-            <a:schemeClr val="accent1">
-              <a:shade val="50000"/>
-            </a:schemeClr>
-          </a:lnRef>
-          <a:fillRef idx="1">
-            <a:schemeClr val="accent1"/>
-          </a:fillRef>
-          <a:effectRef idx="0">
-            <a:schemeClr val="accent1"/>
-          </a:effectRef>
-          <a:fontRef idx="minor">
-            <a:schemeClr val="lt1"/>
-          </a:fontRef>
-        </p:style>
-        <p:txBody>
-          <a:bodyPr rtlCol="0" anchor="ctr"/>
-          <a:lstStyle/>
-          <a:p>
-            <a:pPr algn="ctr"/>
-            <a:r>
-              <a:rPr lang="en-US" sz="1000" dirty="0" smtClean="0"/>
-              <a:t>base()</a:t>
-            </a:r>
-            <a:endParaRPr lang="ru-RU" sz="1000" dirty="0"/>
-          </a:p>
-        </p:txBody>
-      </p:sp>
-      <p:sp>
-        <p:nvSpPr>
-          <p:cNvPr id="14" name="Скругленный прямоугольник 13"/>
-          <p:cNvSpPr/>
-          <p:nvPr/>
-        </p:nvSpPr>
-        <p:spPr>
-          <a:xfrm>
-            <a:off x="2015716" y="3041340"/>
-            <a:ext cx="792088" cy="360040"/>
-          </a:xfrm>
-          <a:prstGeom prst="roundRect">
-            <a:avLst/>
-          </a:prstGeom>
-        </p:spPr>
-        <p:style>
-          <a:lnRef idx="2">
-            <a:schemeClr val="accent1">
-              <a:shade val="50000"/>
-            </a:schemeClr>
-          </a:lnRef>
-          <a:fillRef idx="1">
-            <a:schemeClr val="accent1"/>
-          </a:fillRef>
-          <a:effectRef idx="0">
-            <a:schemeClr val="accent1"/>
-          </a:effectRef>
-          <a:fontRef idx="minor">
-            <a:schemeClr val="lt1"/>
-          </a:fontRef>
-        </p:style>
-        <p:txBody>
-          <a:bodyPr rtlCol="0" anchor="ctr"/>
-          <a:lstStyle/>
-          <a:p>
-            <a:pPr algn="ctr"/>
-            <a:r>
-              <a:rPr lang="en-US" sz="1000" dirty="0" err="1"/>
-              <a:t>init</a:t>
-            </a:r>
-            <a:r>
-              <a:rPr lang="en-US" sz="1000" dirty="0" smtClean="0"/>
-              <a:t>()</a:t>
-            </a:r>
-            <a:endParaRPr lang="ru-RU" sz="1000" dirty="0"/>
-          </a:p>
-        </p:txBody>
-      </p:sp>
-      <p:sp>
-        <p:nvSpPr>
-          <p:cNvPr id="15" name="Скругленный прямоугольник 14"/>
-          <p:cNvSpPr/>
-          <p:nvPr/>
-        </p:nvSpPr>
-        <p:spPr>
-          <a:xfrm>
-            <a:off x="4860032" y="2428278"/>
-            <a:ext cx="792088" cy="360040"/>
-          </a:xfrm>
-          <a:prstGeom prst="roundRect">
-            <a:avLst/>
-          </a:prstGeom>
-        </p:spPr>
-        <p:style>
-          <a:lnRef idx="2">
-            <a:schemeClr val="accent1">
-              <a:shade val="50000"/>
-            </a:schemeClr>
-          </a:lnRef>
-          <a:fillRef idx="1">
-            <a:schemeClr val="accent1"/>
-          </a:fillRef>
-          <a:effectRef idx="0">
-            <a:schemeClr val="accent1"/>
-          </a:effectRef>
-          <a:fontRef idx="minor">
-            <a:schemeClr val="lt1"/>
-          </a:fontRef>
-        </p:style>
-        <p:txBody>
-          <a:bodyPr rtlCol="0" anchor="ctr"/>
-          <a:lstStyle/>
-          <a:p>
-            <a:pPr algn="ctr"/>
-            <a:r>
-              <a:rPr lang="en-US" sz="1000" dirty="0" err="1"/>
               <a:t>init</a:t>
             </a:r>
             <a:r>
@@ -4750,7 +5801,7 @@
         </p:nvSpPr>
         <p:spPr>
           <a:xfrm>
-            <a:off x="7812360" y="2428278"/>
+            <a:off x="5750937" y="2958549"/>
             <a:ext cx="792088" cy="360040"/>
           </a:xfrm>
           <a:prstGeom prst="roundRect">
@@ -4805,8 +5856,8 @@
         </p:nvCxnSpPr>
         <p:spPr>
           <a:xfrm>
-            <a:off x="3491880" y="2132856"/>
-            <a:ext cx="0" cy="216024"/>
+            <a:off x="2783826" y="1922627"/>
+            <a:ext cx="10986" cy="335736"/>
           </a:xfrm>
           <a:prstGeom prst="straightConnector1">
             <a:avLst/>
@@ -4841,7 +5892,7 @@
         </p:nvCxnSpPr>
         <p:spPr>
           <a:xfrm>
-            <a:off x="1223628" y="2132856"/>
+            <a:off x="7812360" y="5464164"/>
             <a:ext cx="0" cy="216024"/>
           </a:xfrm>
           <a:prstGeom prst="straightConnector1">
@@ -4866,42 +5917,6 @@
           </a:fontRef>
         </p:style>
       </p:cxnSp>
-      <p:cxnSp>
-        <p:nvCxnSpPr>
-          <p:cNvPr id="26" name="Прямая со стрелкой 25"/>
-          <p:cNvCxnSpPr>
-            <a:stCxn id="5" idx="2"/>
-            <a:endCxn id="12" idx="0"/>
-          </p:cNvCxnSpPr>
-          <p:nvPr/>
-        </p:nvCxnSpPr>
-        <p:spPr>
-          <a:xfrm>
-            <a:off x="1223628" y="2708920"/>
-            <a:ext cx="0" cy="360040"/>
-          </a:xfrm>
-          <a:prstGeom prst="straightConnector1">
-            <a:avLst/>
-          </a:prstGeom>
-          <a:ln>
-            <a:tailEnd type="arrow"/>
-          </a:ln>
-        </p:spPr>
-        <p:style>
-          <a:lnRef idx="1">
-            <a:schemeClr val="accent1"/>
-          </a:lnRef>
-          <a:fillRef idx="0">
-            <a:schemeClr val="accent1"/>
-          </a:fillRef>
-          <a:effectRef idx="0">
-            <a:schemeClr val="accent1"/>
-          </a:effectRef>
-          <a:fontRef idx="minor">
-            <a:schemeClr val="tx1"/>
-          </a:fontRef>
-        </p:style>
-      </p:cxnSp>
       <p:sp>
         <p:nvSpPr>
           <p:cNvPr id="33" name="Скругленный прямоугольник 32"/>
@@ -4910,7 +5925,7 @@
         </p:nvSpPr>
         <p:spPr>
           <a:xfrm>
-            <a:off x="7812360" y="2974294"/>
+            <a:off x="5750937" y="3504565"/>
             <a:ext cx="792088" cy="360040"/>
           </a:xfrm>
           <a:prstGeom prst="roundRect">
@@ -4958,7 +5973,7 @@
         </p:nvSpPr>
         <p:spPr>
           <a:xfrm>
-            <a:off x="7812360" y="3481014"/>
+            <a:off x="5750937" y="4011285"/>
             <a:ext cx="792088" cy="360040"/>
           </a:xfrm>
           <a:prstGeom prst="roundRect">
@@ -5006,8 +6021,8 @@
         </p:nvSpPr>
         <p:spPr>
           <a:xfrm>
-            <a:off x="7812360" y="3994647"/>
-            <a:ext cx="792088" cy="360040"/>
+            <a:off x="5750937" y="4524918"/>
+            <a:ext cx="936104" cy="360040"/>
           </a:xfrm>
           <a:prstGeom prst="roundRect">
             <a:avLst/>
@@ -5054,8 +6069,8 @@
         </p:nvSpPr>
         <p:spPr>
           <a:xfrm>
-            <a:off x="6120170" y="2431420"/>
-            <a:ext cx="1033623" cy="360040"/>
+            <a:off x="4058746" y="3537755"/>
+            <a:ext cx="1145391" cy="360040"/>
           </a:xfrm>
           <a:prstGeom prst="roundRect">
             <a:avLst/>
@@ -5102,8 +6117,8 @@
         </p:nvSpPr>
         <p:spPr>
           <a:xfrm>
-            <a:off x="6120171" y="2977436"/>
-            <a:ext cx="1033622" cy="360040"/>
+            <a:off x="4058747" y="4083771"/>
+            <a:ext cx="1145390" cy="360040"/>
           </a:xfrm>
           <a:prstGeom prst="roundRect">
             <a:avLst/>
@@ -5150,8 +6165,8 @@
         </p:nvSpPr>
         <p:spPr>
           <a:xfrm>
-            <a:off x="6120171" y="3484156"/>
-            <a:ext cx="1033622" cy="360040"/>
+            <a:off x="4058747" y="4590491"/>
+            <a:ext cx="1145390" cy="360040"/>
           </a:xfrm>
           <a:prstGeom prst="roundRect">
             <a:avLst/>
@@ -5198,8 +6213,8 @@
         </p:nvSpPr>
         <p:spPr>
           <a:xfrm>
-            <a:off x="6120173" y="3997789"/>
-            <a:ext cx="1033620" cy="360040"/>
+            <a:off x="4058749" y="5104124"/>
+            <a:ext cx="1145388" cy="360040"/>
           </a:xfrm>
           <a:prstGeom prst="roundRect">
             <a:avLst/>
@@ -5246,8 +6261,8 @@
         </p:nvSpPr>
         <p:spPr>
           <a:xfrm>
-            <a:off x="6120171" y="4535750"/>
-            <a:ext cx="1033622" cy="360040"/>
+            <a:off x="4058747" y="5642085"/>
+            <a:ext cx="1145390" cy="360040"/>
           </a:xfrm>
           <a:prstGeom prst="roundRect">
             <a:avLst/>
@@ -5294,8 +6309,8 @@
         </p:nvSpPr>
         <p:spPr>
           <a:xfrm>
-            <a:off x="6120171" y="5088326"/>
-            <a:ext cx="1033622" cy="360040"/>
+            <a:off x="4058747" y="6194661"/>
+            <a:ext cx="1145390" cy="360040"/>
           </a:xfrm>
           <a:prstGeom prst="roundRect">
             <a:avLst/>
@@ -5345,13 +6360,13 @@
         </p:nvCxnSpPr>
         <p:spPr>
           <a:xfrm rot="5400000">
-            <a:off x="5884574" y="2375842"/>
-            <a:ext cx="471194" cy="2"/>
+            <a:off x="3805412" y="3440058"/>
+            <a:ext cx="531051" cy="24382"/>
           </a:xfrm>
           <a:prstGeom prst="bentConnector4">
             <a:avLst>
-              <a:gd name="adj1" fmla="val 30897"/>
-              <a:gd name="adj2" fmla="val 11430100000"/>
+              <a:gd name="adj1" fmla="val 37746"/>
+              <a:gd name="adj2" fmla="val 1037577"/>
             </a:avLst>
           </a:prstGeom>
           <a:ln>
@@ -5384,13 +6399,13 @@
         </p:nvCxnSpPr>
         <p:spPr>
           <a:xfrm rot="5400000">
-            <a:off x="5611567" y="2648851"/>
-            <a:ext cx="1017210" cy="1"/>
+            <a:off x="3532405" y="3713067"/>
+            <a:ext cx="1077067" cy="24381"/>
           </a:xfrm>
           <a:prstGeom prst="bentConnector4">
             <a:avLst>
-              <a:gd name="adj1" fmla="val 14450"/>
-              <a:gd name="adj2" fmla="val 22860100000"/>
+              <a:gd name="adj1" fmla="val 20805"/>
+              <a:gd name="adj2" fmla="val 1037615"/>
             </a:avLst>
           </a:prstGeom>
           <a:ln>
@@ -5423,13 +6438,13 @@
         </p:nvCxnSpPr>
         <p:spPr>
           <a:xfrm rot="5400000">
-            <a:off x="5358207" y="2902211"/>
-            <a:ext cx="1523930" cy="1"/>
+            <a:off x="3279045" y="3966427"/>
+            <a:ext cx="1583787" cy="24381"/>
           </a:xfrm>
           <a:prstGeom prst="bentConnector4">
             <a:avLst>
-              <a:gd name="adj1" fmla="val 9043"/>
-              <a:gd name="adj2" fmla="val 22860100000"/>
+              <a:gd name="adj1" fmla="val 12300"/>
+              <a:gd name="adj2" fmla="val 1037615"/>
             </a:avLst>
           </a:prstGeom>
           <a:ln>
@@ -5462,13 +6477,13 @@
         </p:nvCxnSpPr>
         <p:spPr>
           <a:xfrm rot="5400000">
-            <a:off x="4832410" y="3428008"/>
-            <a:ext cx="2575524" cy="1"/>
+            <a:off x="2753248" y="4492224"/>
+            <a:ext cx="2635381" cy="24381"/>
           </a:xfrm>
           <a:prstGeom prst="bentConnector4">
             <a:avLst>
-              <a:gd name="adj1" fmla="val 6080"/>
-              <a:gd name="adj2" fmla="val 22860100000"/>
+              <a:gd name="adj1" fmla="val 7787"/>
+              <a:gd name="adj2" fmla="val 1037615"/>
             </a:avLst>
           </a:prstGeom>
           <a:ln>
@@ -5501,257 +6516,14 @@
         </p:nvCxnSpPr>
         <p:spPr>
           <a:xfrm rot="5400000">
-            <a:off x="4556122" y="3704296"/>
-            <a:ext cx="3128100" cy="1"/>
+            <a:off x="2476960" y="4768512"/>
+            <a:ext cx="3187957" cy="24381"/>
           </a:xfrm>
           <a:prstGeom prst="bentConnector4">
             <a:avLst>
-              <a:gd name="adj1" fmla="val 4867"/>
-              <a:gd name="adj2" fmla="val 22860100000"/>
+              <a:gd name="adj1" fmla="val 5978"/>
+              <a:gd name="adj2" fmla="val 1037615"/>
             </a:avLst>
-          </a:prstGeom>
-          <a:ln>
-            <a:tailEnd type="arrow"/>
-          </a:ln>
-        </p:spPr>
-        <p:style>
-          <a:lnRef idx="1">
-            <a:schemeClr val="accent1"/>
-          </a:lnRef>
-          <a:fillRef idx="0">
-            <a:schemeClr val="accent1"/>
-          </a:fillRef>
-          <a:effectRef idx="0">
-            <a:schemeClr val="accent1"/>
-          </a:effectRef>
-          <a:fontRef idx="minor">
-            <a:schemeClr val="tx1"/>
-          </a:fontRef>
-        </p:style>
-      </p:cxnSp>
-      <p:cxnSp>
-        <p:nvCxnSpPr>
-          <p:cNvPr id="71" name="Соединительная линия уступом 70"/>
-          <p:cNvCxnSpPr>
-            <a:endCxn id="33" idx="1"/>
-          </p:cNvCxnSpPr>
-          <p:nvPr/>
-        </p:nvCxnSpPr>
-        <p:spPr>
-          <a:xfrm rot="16200000" flipH="1">
-            <a:off x="7186436" y="2528389"/>
-            <a:ext cx="870053" cy="381796"/>
-          </a:xfrm>
-          <a:prstGeom prst="bentConnector2">
-            <a:avLst/>
-          </a:prstGeom>
-          <a:ln>
-            <a:tailEnd type="arrow"/>
-          </a:ln>
-        </p:spPr>
-        <p:style>
-          <a:lnRef idx="1">
-            <a:schemeClr val="accent1"/>
-          </a:lnRef>
-          <a:fillRef idx="0">
-            <a:schemeClr val="accent1"/>
-          </a:fillRef>
-          <a:effectRef idx="0">
-            <a:schemeClr val="accent1"/>
-          </a:effectRef>
-          <a:fontRef idx="minor">
-            <a:schemeClr val="tx1"/>
-          </a:fontRef>
-        </p:style>
-      </p:cxnSp>
-      <p:cxnSp>
-        <p:nvCxnSpPr>
-          <p:cNvPr id="73" name="Соединительная линия уступом 72"/>
-          <p:cNvCxnSpPr>
-            <a:endCxn id="34" idx="1"/>
-          </p:cNvCxnSpPr>
-          <p:nvPr/>
-        </p:nvCxnSpPr>
-        <p:spPr>
-          <a:xfrm rot="16200000" flipH="1">
-            <a:off x="6933077" y="2781750"/>
-            <a:ext cx="1376771" cy="381796"/>
-          </a:xfrm>
-          <a:prstGeom prst="bentConnector2">
-            <a:avLst/>
-          </a:prstGeom>
-          <a:ln>
-            <a:tailEnd type="arrow"/>
-          </a:ln>
-        </p:spPr>
-        <p:style>
-          <a:lnRef idx="1">
-            <a:schemeClr val="accent1"/>
-          </a:lnRef>
-          <a:fillRef idx="0">
-            <a:schemeClr val="accent1"/>
-          </a:fillRef>
-          <a:effectRef idx="0">
-            <a:schemeClr val="accent1"/>
-          </a:effectRef>
-          <a:fontRef idx="minor">
-            <a:schemeClr val="tx1"/>
-          </a:fontRef>
-        </p:style>
-      </p:cxnSp>
-      <p:cxnSp>
-        <p:nvCxnSpPr>
-          <p:cNvPr id="75" name="Соединительная линия уступом 74"/>
-          <p:cNvCxnSpPr>
-            <a:endCxn id="35" idx="1"/>
-          </p:cNvCxnSpPr>
-          <p:nvPr/>
-        </p:nvCxnSpPr>
-        <p:spPr>
-          <a:xfrm rot="16200000" flipH="1">
-            <a:off x="7364646" y="3726952"/>
-            <a:ext cx="513633" cy="381796"/>
-          </a:xfrm>
-          <a:prstGeom prst="bentConnector2">
-            <a:avLst/>
-          </a:prstGeom>
-          <a:ln>
-            <a:tailEnd type="arrow"/>
-          </a:ln>
-        </p:spPr>
-        <p:style>
-          <a:lnRef idx="1">
-            <a:schemeClr val="accent1"/>
-          </a:lnRef>
-          <a:fillRef idx="0">
-            <a:schemeClr val="accent1"/>
-          </a:fillRef>
-          <a:effectRef idx="0">
-            <a:schemeClr val="accent1"/>
-          </a:effectRef>
-          <a:fontRef idx="minor">
-            <a:schemeClr val="tx1"/>
-          </a:fontRef>
-        </p:style>
-      </p:cxnSp>
-      <p:cxnSp>
-        <p:nvCxnSpPr>
-          <p:cNvPr id="81" name="Соединительная линия уступом 80"/>
-          <p:cNvCxnSpPr>
-            <a:stCxn id="7" idx="2"/>
-          </p:cNvCxnSpPr>
-          <p:nvPr/>
-        </p:nvCxnSpPr>
-        <p:spPr>
-          <a:xfrm rot="16200000" flipH="1">
-            <a:off x="6620859" y="1639558"/>
-            <a:ext cx="144016" cy="1145391"/>
-          </a:xfrm>
-          <a:prstGeom prst="bentConnector2">
-            <a:avLst/>
-          </a:prstGeom>
-        </p:spPr>
-        <p:style>
-          <a:lnRef idx="1">
-            <a:schemeClr val="accent1"/>
-          </a:lnRef>
-          <a:fillRef idx="0">
-            <a:schemeClr val="accent1"/>
-          </a:fillRef>
-          <a:effectRef idx="0">
-            <a:schemeClr val="accent1"/>
-          </a:effectRef>
-          <a:fontRef idx="minor">
-            <a:schemeClr val="tx1"/>
-          </a:fontRef>
-        </p:style>
-      </p:cxnSp>
-      <p:cxnSp>
-        <p:nvCxnSpPr>
-          <p:cNvPr id="85" name="Соединительная линия уступом 84"/>
-          <p:cNvCxnSpPr>
-            <a:endCxn id="16" idx="1"/>
-          </p:cNvCxnSpPr>
-          <p:nvPr/>
-        </p:nvCxnSpPr>
-        <p:spPr>
-          <a:xfrm>
-            <a:off x="7041257" y="2284262"/>
-            <a:ext cx="771103" cy="324036"/>
-          </a:xfrm>
-          <a:prstGeom prst="bentConnector3">
-            <a:avLst>
-              <a:gd name="adj1" fmla="val 51174"/>
-            </a:avLst>
-          </a:prstGeom>
-          <a:ln>
-            <a:tailEnd type="arrow"/>
-          </a:ln>
-        </p:spPr>
-        <p:style>
-          <a:lnRef idx="1">
-            <a:schemeClr val="accent1"/>
-          </a:lnRef>
-          <a:fillRef idx="0">
-            <a:schemeClr val="accent1"/>
-          </a:fillRef>
-          <a:effectRef idx="0">
-            <a:schemeClr val="accent1"/>
-          </a:effectRef>
-          <a:fontRef idx="minor">
-            <a:schemeClr val="tx1"/>
-          </a:fontRef>
-        </p:style>
-      </p:cxnSp>
-      <p:cxnSp>
-        <p:nvCxnSpPr>
-          <p:cNvPr id="90" name="Соединительная линия уступом 89"/>
-          <p:cNvCxnSpPr/>
-          <p:nvPr/>
-        </p:nvCxnSpPr>
-        <p:spPr>
-          <a:xfrm rot="5400000">
-            <a:off x="5544108" y="1844824"/>
-            <a:ext cx="288032" cy="864096"/>
-          </a:xfrm>
-          <a:prstGeom prst="bentConnector3">
-            <a:avLst/>
-          </a:prstGeom>
-          <a:ln>
-            <a:tailEnd type="arrow"/>
-          </a:ln>
-        </p:spPr>
-        <p:style>
-          <a:lnRef idx="1">
-            <a:schemeClr val="accent1"/>
-          </a:lnRef>
-          <a:fillRef idx="0">
-            <a:schemeClr val="accent1"/>
-          </a:fillRef>
-          <a:effectRef idx="0">
-            <a:schemeClr val="accent1"/>
-          </a:effectRef>
-          <a:fontRef idx="minor">
-            <a:schemeClr val="tx1"/>
-          </a:fontRef>
-        </p:style>
-      </p:cxnSp>
-      <p:cxnSp>
-        <p:nvCxnSpPr>
-          <p:cNvPr id="92" name="Соединительная линия уступом 91"/>
-          <p:cNvCxnSpPr>
-            <a:stCxn id="9" idx="2"/>
-            <a:endCxn id="13" idx="0"/>
-          </p:cNvCxnSpPr>
-          <p:nvPr/>
-        </p:nvCxnSpPr>
-        <p:spPr>
-          <a:xfrm rot="16200000" flipH="1">
-            <a:off x="3757718" y="2443082"/>
-            <a:ext cx="332420" cy="864096"/>
-          </a:xfrm>
-          <a:prstGeom prst="bentConnector3">
-            <a:avLst/>
           </a:prstGeom>
           <a:ln>
             <a:tailEnd type="arrow"/>
@@ -5783,8 +6555,8 @@
         </p:nvCxnSpPr>
         <p:spPr>
           <a:xfrm rot="5400000">
-            <a:off x="2785610" y="2335070"/>
-            <a:ext cx="332420" cy="1080120"/>
+            <a:off x="2597599" y="2684918"/>
+            <a:ext cx="383440" cy="10986"/>
           </a:xfrm>
           <a:prstGeom prst="bentConnector3">
             <a:avLst/>
@@ -5816,10 +6588,388 @@
         </p:nvCxnSpPr>
         <p:spPr>
           <a:xfrm>
-            <a:off x="5868144" y="4177809"/>
+            <a:off x="3806720" y="5284144"/>
             <a:ext cx="252029" cy="0"/>
           </a:xfrm>
           <a:prstGeom prst="straightConnector1">
+            <a:avLst/>
+          </a:prstGeom>
+          <a:ln>
+            <a:tailEnd type="arrow"/>
+          </a:ln>
+        </p:spPr>
+        <p:style>
+          <a:lnRef idx="1">
+            <a:schemeClr val="accent1"/>
+          </a:lnRef>
+          <a:fillRef idx="0">
+            <a:schemeClr val="accent1"/>
+          </a:fillRef>
+          <a:effectRef idx="0">
+            <a:schemeClr val="accent1"/>
+          </a:effectRef>
+          <a:fontRef idx="minor">
+            <a:schemeClr val="tx1"/>
+          </a:fontRef>
+        </p:style>
+      </p:cxnSp>
+      <p:cxnSp>
+        <p:nvCxnSpPr>
+          <p:cNvPr id="48" name="Соединительная линия уступом 47"/>
+          <p:cNvCxnSpPr>
+            <a:stCxn id="7" idx="2"/>
+            <a:endCxn id="16" idx="1"/>
+          </p:cNvCxnSpPr>
+          <p:nvPr/>
+        </p:nvCxnSpPr>
+        <p:spPr>
+          <a:xfrm rot="5400000" flipH="1" flipV="1">
+            <a:off x="4892954" y="2328742"/>
+            <a:ext cx="48155" cy="1667809"/>
+          </a:xfrm>
+          <a:prstGeom prst="bentConnector4">
+            <a:avLst>
+              <a:gd name="adj1" fmla="val -474717"/>
+              <a:gd name="adj2" fmla="val 64763"/>
+            </a:avLst>
+          </a:prstGeom>
+          <a:ln>
+            <a:tailEnd type="arrow"/>
+          </a:ln>
+        </p:spPr>
+        <p:style>
+          <a:lnRef idx="1">
+            <a:schemeClr val="accent1"/>
+          </a:lnRef>
+          <a:fillRef idx="0">
+            <a:schemeClr val="accent1"/>
+          </a:fillRef>
+          <a:effectRef idx="0">
+            <a:schemeClr val="accent1"/>
+          </a:effectRef>
+          <a:fontRef idx="minor">
+            <a:schemeClr val="tx1"/>
+          </a:fontRef>
+        </p:style>
+      </p:cxnSp>
+      <p:cxnSp>
+        <p:nvCxnSpPr>
+          <p:cNvPr id="55" name="Соединительная линия уступом 54"/>
+          <p:cNvCxnSpPr>
+            <a:endCxn id="35" idx="1"/>
+          </p:cNvCxnSpPr>
+          <p:nvPr/>
+        </p:nvCxnSpPr>
+        <p:spPr>
+          <a:xfrm rot="16200000" flipH="1">
+            <a:off x="4821970" y="3775970"/>
+            <a:ext cx="1566369" cy="291566"/>
+          </a:xfrm>
+          <a:prstGeom prst="bentConnector2">
+            <a:avLst/>
+          </a:prstGeom>
+          <a:ln>
+            <a:tailEnd type="arrow"/>
+          </a:ln>
+        </p:spPr>
+        <p:style>
+          <a:lnRef idx="1">
+            <a:schemeClr val="accent1"/>
+          </a:lnRef>
+          <a:fillRef idx="0">
+            <a:schemeClr val="accent1"/>
+          </a:fillRef>
+          <a:effectRef idx="0">
+            <a:schemeClr val="accent1"/>
+          </a:effectRef>
+          <a:fontRef idx="minor">
+            <a:schemeClr val="tx1"/>
+          </a:fontRef>
+        </p:style>
+      </p:cxnSp>
+      <p:cxnSp>
+        <p:nvCxnSpPr>
+          <p:cNvPr id="57" name="Соединительная линия уступом 56"/>
+          <p:cNvCxnSpPr>
+            <a:endCxn id="33" idx="1"/>
+          </p:cNvCxnSpPr>
+          <p:nvPr/>
+        </p:nvCxnSpPr>
+        <p:spPr>
+          <a:xfrm rot="16200000" flipH="1">
+            <a:off x="5332146" y="3265793"/>
+            <a:ext cx="546017" cy="291566"/>
+          </a:xfrm>
+          <a:prstGeom prst="bentConnector2">
+            <a:avLst/>
+          </a:prstGeom>
+          <a:ln>
+            <a:tailEnd type="arrow"/>
+          </a:ln>
+        </p:spPr>
+        <p:style>
+          <a:lnRef idx="1">
+            <a:schemeClr val="accent1"/>
+          </a:lnRef>
+          <a:fillRef idx="0">
+            <a:schemeClr val="accent1"/>
+          </a:fillRef>
+          <a:effectRef idx="0">
+            <a:schemeClr val="accent1"/>
+          </a:effectRef>
+          <a:fontRef idx="minor">
+            <a:schemeClr val="tx1"/>
+          </a:fontRef>
+        </p:style>
+      </p:cxnSp>
+      <p:cxnSp>
+        <p:nvCxnSpPr>
+          <p:cNvPr id="59" name="Соединительная линия уступом 58"/>
+          <p:cNvCxnSpPr>
+            <a:endCxn id="34" idx="1"/>
+          </p:cNvCxnSpPr>
+          <p:nvPr/>
+        </p:nvCxnSpPr>
+        <p:spPr>
+          <a:xfrm rot="16200000" flipH="1">
+            <a:off x="5078785" y="3519153"/>
+            <a:ext cx="1052738" cy="291566"/>
+          </a:xfrm>
+          <a:prstGeom prst="bentConnector2">
+            <a:avLst/>
+          </a:prstGeom>
+          <a:ln>
+            <a:tailEnd type="arrow"/>
+          </a:ln>
+        </p:spPr>
+        <p:style>
+          <a:lnRef idx="1">
+            <a:schemeClr val="accent1"/>
+          </a:lnRef>
+          <a:fillRef idx="0">
+            <a:schemeClr val="accent1"/>
+          </a:fillRef>
+          <a:effectRef idx="0">
+            <a:schemeClr val="accent1"/>
+          </a:effectRef>
+          <a:fontRef idx="minor">
+            <a:schemeClr val="tx1"/>
+          </a:fontRef>
+        </p:style>
+      </p:cxnSp>
+      <p:cxnSp>
+        <p:nvCxnSpPr>
+          <p:cNvPr id="63" name="Прямая со стрелкой 62"/>
+          <p:cNvCxnSpPr>
+            <a:stCxn id="14" idx="3"/>
+            <a:endCxn id="7" idx="1"/>
+          </p:cNvCxnSpPr>
+          <p:nvPr/>
+        </p:nvCxnSpPr>
+        <p:spPr>
+          <a:xfrm>
+            <a:off x="3245877" y="3002295"/>
+            <a:ext cx="344819" cy="4409"/>
+          </a:xfrm>
+          <a:prstGeom prst="straightConnector1">
+            <a:avLst/>
+          </a:prstGeom>
+          <a:ln>
+            <a:tailEnd type="arrow"/>
+          </a:ln>
+        </p:spPr>
+        <p:style>
+          <a:lnRef idx="1">
+            <a:schemeClr val="accent1"/>
+          </a:lnRef>
+          <a:fillRef idx="0">
+            <a:schemeClr val="accent1"/>
+          </a:fillRef>
+          <a:effectRef idx="0">
+            <a:schemeClr val="accent1"/>
+          </a:effectRef>
+          <a:fontRef idx="minor">
+            <a:schemeClr val="tx1"/>
+          </a:fontRef>
+        </p:style>
+      </p:cxnSp>
+      <p:sp>
+        <p:nvSpPr>
+          <p:cNvPr id="137" name="Скругленный прямоугольник 136"/>
+          <p:cNvSpPr/>
+          <p:nvPr/>
+        </p:nvSpPr>
+        <p:spPr>
+          <a:xfrm>
+            <a:off x="2332760" y="3524220"/>
+            <a:ext cx="924103" cy="369166"/>
+          </a:xfrm>
+          <a:prstGeom prst="roundRect">
+            <a:avLst/>
+          </a:prstGeom>
+        </p:spPr>
+        <p:style>
+          <a:lnRef idx="2">
+            <a:schemeClr val="accent1">
+              <a:shade val="50000"/>
+            </a:schemeClr>
+          </a:lnRef>
+          <a:fillRef idx="1">
+            <a:schemeClr val="accent1"/>
+          </a:fillRef>
+          <a:effectRef idx="0">
+            <a:schemeClr val="accent1"/>
+          </a:effectRef>
+          <a:fontRef idx="minor">
+            <a:schemeClr val="lt1"/>
+          </a:fontRef>
+        </p:style>
+        <p:txBody>
+          <a:bodyPr rtlCol="0" anchor="ctr"/>
+          <a:lstStyle/>
+          <a:p>
+            <a:pPr algn="ctr"/>
+            <a:r>
+              <a:rPr lang="ru-RU" sz="1050" dirty="0" smtClean="0"/>
+              <a:t>дизайн</a:t>
+            </a:r>
+            <a:r>
+              <a:rPr lang="en-US" sz="1050" dirty="0" smtClean="0"/>
+              <a:t>.</a:t>
+            </a:r>
+            <a:r>
+              <a:rPr lang="en-US" sz="1050" dirty="0" err="1" smtClean="0"/>
+              <a:t>ui</a:t>
+            </a:r>
+            <a:endParaRPr lang="ru-RU" sz="1050" dirty="0"/>
+          </a:p>
+        </p:txBody>
+      </p:sp>
+      <p:cxnSp>
+        <p:nvCxnSpPr>
+          <p:cNvPr id="139" name="Прямая со стрелкой 138"/>
+          <p:cNvCxnSpPr>
+            <a:stCxn id="137" idx="0"/>
+            <a:endCxn id="14" idx="2"/>
+          </p:cNvCxnSpPr>
+          <p:nvPr/>
+        </p:nvCxnSpPr>
+        <p:spPr>
+          <a:xfrm flipH="1" flipV="1">
+            <a:off x="2783826" y="3122459"/>
+            <a:ext cx="10986" cy="401761"/>
+          </a:xfrm>
+          <a:prstGeom prst="straightConnector1">
+            <a:avLst/>
+          </a:prstGeom>
+          <a:ln>
+            <a:tailEnd type="arrow"/>
+          </a:ln>
+        </p:spPr>
+        <p:style>
+          <a:lnRef idx="1">
+            <a:schemeClr val="accent1"/>
+          </a:lnRef>
+          <a:fillRef idx="0">
+            <a:schemeClr val="accent1"/>
+          </a:fillRef>
+          <a:effectRef idx="0">
+            <a:schemeClr val="accent1"/>
+          </a:effectRef>
+          <a:fontRef idx="minor">
+            <a:schemeClr val="tx1"/>
+          </a:fontRef>
+        </p:style>
+      </p:cxnSp>
+      <p:cxnSp>
+        <p:nvCxnSpPr>
+          <p:cNvPr id="156" name="Соединительная линия уступом 155"/>
+          <p:cNvCxnSpPr>
+            <a:stCxn id="40" idx="3"/>
+            <a:endCxn id="5" idx="1"/>
+          </p:cNvCxnSpPr>
+          <p:nvPr/>
+        </p:nvCxnSpPr>
+        <p:spPr>
+          <a:xfrm>
+            <a:off x="5204137" y="5284144"/>
+            <a:ext cx="2176175" cy="576064"/>
+          </a:xfrm>
+          <a:prstGeom prst="bentConnector3">
+            <a:avLst/>
+          </a:prstGeom>
+          <a:ln>
+            <a:tailEnd type="arrow"/>
+          </a:ln>
+        </p:spPr>
+        <p:style>
+          <a:lnRef idx="1">
+            <a:schemeClr val="accent1"/>
+          </a:lnRef>
+          <a:fillRef idx="0">
+            <a:schemeClr val="accent1"/>
+          </a:fillRef>
+          <a:effectRef idx="0">
+            <a:schemeClr val="accent1"/>
+          </a:effectRef>
+          <a:fontRef idx="minor">
+            <a:schemeClr val="tx1"/>
+          </a:fontRef>
+        </p:style>
+      </p:cxnSp>
+      <p:cxnSp>
+        <p:nvCxnSpPr>
+          <p:cNvPr id="158" name="Соединительная линия уступом 157"/>
+          <p:cNvCxnSpPr>
+            <a:stCxn id="39" idx="3"/>
+            <a:endCxn id="5" idx="1"/>
+          </p:cNvCxnSpPr>
+          <p:nvPr/>
+        </p:nvCxnSpPr>
+        <p:spPr>
+          <a:xfrm>
+            <a:off x="5204137" y="4770511"/>
+            <a:ext cx="2176175" cy="1089697"/>
+          </a:xfrm>
+          <a:prstGeom prst="bentConnector3">
+            <a:avLst>
+              <a:gd name="adj1" fmla="val 50000"/>
+            </a:avLst>
+          </a:prstGeom>
+          <a:ln>
+            <a:tailEnd type="arrow"/>
+          </a:ln>
+        </p:spPr>
+        <p:style>
+          <a:lnRef idx="1">
+            <a:schemeClr val="accent1"/>
+          </a:lnRef>
+          <a:fillRef idx="0">
+            <a:schemeClr val="accent1"/>
+          </a:fillRef>
+          <a:effectRef idx="0">
+            <a:schemeClr val="accent1"/>
+          </a:effectRef>
+          <a:fontRef idx="minor">
+            <a:schemeClr val="tx1"/>
+          </a:fontRef>
+        </p:style>
+      </p:cxnSp>
+      <p:cxnSp>
+        <p:nvCxnSpPr>
+          <p:cNvPr id="161" name="Соединительная линия уступом 160"/>
+          <p:cNvCxnSpPr>
+            <a:stCxn id="41" idx="3"/>
+            <a:endCxn id="5" idx="1"/>
+          </p:cNvCxnSpPr>
+          <p:nvPr/>
+        </p:nvCxnSpPr>
+        <p:spPr>
+          <a:xfrm>
+            <a:off x="5204137" y="5822105"/>
+            <a:ext cx="2176175" cy="38103"/>
+          </a:xfrm>
+          <a:prstGeom prst="bentConnector3">
             <a:avLst/>
           </a:prstGeom>
           <a:ln>
@@ -6065,44 +7215,44 @@
 </file>
 
 <file path=ppt/theme/theme1.xml><?xml version="1.0" encoding="utf-8"?>
-<a:theme xmlns:a="http://schemas.openxmlformats.org/drawingml/2006/main" name="Горизонт">
+<a:theme xmlns:a="http://schemas.openxmlformats.org/drawingml/2006/main" name="Аптека">
   <a:themeElements>
-    <a:clrScheme name="Горизонт">
+    <a:clrScheme name="Аптека">
       <a:dk1>
-        <a:srgbClr val="000000"/>
+        <a:sysClr val="windowText" lastClr="000000"/>
       </a:dk1>
       <a:lt1>
-        <a:srgbClr val="FFFFFF"/>
+        <a:sysClr val="window" lastClr="FFFFFF"/>
       </a:lt1>
       <a:dk2>
-        <a:srgbClr val="1F2123"/>
+        <a:srgbClr val="564B3C"/>
       </a:dk2>
       <a:lt2>
-        <a:srgbClr val="DC9E1F"/>
+        <a:srgbClr val="ECEDD1"/>
       </a:lt2>
       <a:accent1>
-        <a:srgbClr val="7E97AD"/>
+        <a:srgbClr val="93A299"/>
       </a:accent1>
       <a:accent2>
-        <a:srgbClr val="CC8E60"/>
+        <a:srgbClr val="CF543F"/>
       </a:accent2>
       <a:accent3>
-        <a:srgbClr val="7A6A60"/>
+        <a:srgbClr val="B5AE53"/>
       </a:accent3>
       <a:accent4>
-        <a:srgbClr val="B4936D"/>
+        <a:srgbClr val="848058"/>
       </a:accent4>
       <a:accent5>
-        <a:srgbClr val="67787B"/>
+        <a:srgbClr val="E8B54D"/>
       </a:accent5>
       <a:accent6>
-        <a:srgbClr val="9D936F"/>
+        <a:srgbClr val="786C71"/>
       </a:accent6>
       <a:hlink>
-        <a:srgbClr val="646464"/>
+        <a:srgbClr val="CCCC00"/>
       </a:hlink>
       <a:folHlink>
-        <a:srgbClr val="969696"/>
+        <a:srgbClr val="B2B2B2"/>
       </a:folHlink>
     </a:clrScheme>
     <a:fontScheme name="Классическая">
@@ -6177,7 +7327,7 @@
         <a:font script="Geor" typeface="Sylfaen"/>
       </a:minorFont>
     </a:fontScheme>
-    <a:fmtScheme name="Горизонт">
+    <a:fmtScheme name="Аптека">
       <a:fillStyleLst>
         <a:solidFill>
           <a:schemeClr val="phClr"/>
@@ -6186,132 +7336,32 @@
           <a:gsLst>
             <a:gs pos="0">
               <a:schemeClr val="phClr">
-                <a:tint val="83000"/>
-                <a:shade val="100000"/>
+                <a:tint val="1000"/>
+                <a:satMod val="100000"/>
+              </a:schemeClr>
+            </a:gs>
+            <a:gs pos="68000">
+              <a:schemeClr val="phClr">
+                <a:tint val="77000"/>
+                <a:satMod val="100000"/>
+              </a:schemeClr>
+            </a:gs>
+            <a:gs pos="81000">
+              <a:schemeClr val="phClr">
+                <a:tint val="79000"/>
+                <a:satMod val="100000"/>
+              </a:schemeClr>
+            </a:gs>
+            <a:gs pos="86000">
+              <a:schemeClr val="phClr">
+                <a:tint val="73000"/>
                 <a:satMod val="100000"/>
               </a:schemeClr>
             </a:gs>
             <a:gs pos="100000">
               <a:schemeClr val="phClr">
-                <a:tint val="61000"/>
-                <a:alpha val="100000"/>
-                <a:satMod val="200000"/>
-              </a:schemeClr>
-            </a:gs>
-          </a:gsLst>
-          <a:path path="circle">
-            <a:fillToRect l="100000" t="100000" r="100000" b="100000"/>
-          </a:path>
-        </a:gradFill>
-        <a:gradFill rotWithShape="1">
-          <a:gsLst>
-            <a:gs pos="0">
-              <a:schemeClr val="phClr">
-                <a:shade val="85000"/>
-              </a:schemeClr>
-            </a:gs>
-            <a:gs pos="100000">
-              <a:schemeClr val="phClr">
-                <a:tint val="90000"/>
-                <a:alpha val="100000"/>
-                <a:satMod val="200000"/>
-              </a:schemeClr>
-            </a:gs>
-          </a:gsLst>
-          <a:path path="circle">
-            <a:fillToRect l="100000" t="100000" r="100000" b="100000"/>
-          </a:path>
-        </a:gradFill>
-      </a:fillStyleLst>
-      <a:lnStyleLst>
-        <a:ln w="9525" cap="flat" cmpd="sng" algn="ctr">
-          <a:solidFill>
-            <a:schemeClr val="phClr"/>
-          </a:solidFill>
-          <a:prstDash val="solid"/>
-        </a:ln>
-        <a:ln w="10795" cap="flat" cmpd="sng" algn="ctr">
-          <a:solidFill>
-            <a:schemeClr val="phClr"/>
-          </a:solidFill>
-          <a:prstDash val="solid"/>
-        </a:ln>
-        <a:ln w="15240" cap="flat" cmpd="sng" algn="ctr">
-          <a:solidFill>
-            <a:schemeClr val="phClr">
-              <a:tint val="25000"/>
-              <a:alpha val="25000"/>
-            </a:schemeClr>
-          </a:solidFill>
-          <a:prstDash val="solid"/>
-        </a:ln>
-      </a:lnStyleLst>
-      <a:effectStyleLst>
-        <a:effectStyle>
-          <a:effectLst>
-            <a:outerShdw blurRad="38100" dist="25400" dir="5400000" rotWithShape="0">
-              <a:srgbClr val="000000">
-                <a:alpha val="40000"/>
-              </a:srgbClr>
-            </a:outerShdw>
-          </a:effectLst>
-        </a:effectStyle>
-        <a:effectStyle>
-          <a:effectLst>
-            <a:outerShdw blurRad="50800" dist="42924" dir="5400000" rotWithShape="0">
-              <a:srgbClr val="000000">
-                <a:alpha val="40000"/>
-              </a:srgbClr>
-            </a:outerShdw>
-          </a:effectLst>
-        </a:effectStyle>
-        <a:effectStyle>
-          <a:effectLst>
-            <a:outerShdw blurRad="50800" dist="25400" dir="5400000" rotWithShape="0">
-              <a:srgbClr val="000000">
-                <a:alpha val="40000"/>
-              </a:srgbClr>
-            </a:outerShdw>
-          </a:effectLst>
-          <a:scene3d>
-            <a:camera prst="orthographicFront">
-              <a:rot lat="0" lon="0" rev="0"/>
-            </a:camera>
-            <a:lightRig rig="flat" dir="t">
-              <a:rot lat="0" lon="0" rev="3600000"/>
-            </a:lightRig>
-          </a:scene3d>
-          <a:sp3d prstMaterial="flat">
-            <a:bevelT w="34925" h="47625" prst="coolSlant"/>
-          </a:sp3d>
-        </a:effectStyle>
-      </a:effectStyleLst>
-      <a:bgFillStyleLst>
-        <a:solidFill>
-          <a:schemeClr val="phClr"/>
-        </a:solidFill>
-        <a:gradFill rotWithShape="1">
-          <a:gsLst>
-            <a:gs pos="0">
-              <a:schemeClr val="phClr">
-                <a:tint val="96000"/>
-                <a:shade val="100000"/>
-                <a:alpha val="100000"/>
-                <a:satMod val="140000"/>
-              </a:schemeClr>
-            </a:gs>
-            <a:gs pos="31000">
-              <a:schemeClr val="phClr">
-                <a:tint val="100000"/>
-                <a:shade val="90000"/>
-                <a:alpha val="100000"/>
-              </a:schemeClr>
-            </a:gs>
-            <a:gs pos="100000">
-              <a:schemeClr val="phClr">
-                <a:tint val="100000"/>
-                <a:shade val="80000"/>
-                <a:alpha val="100000"/>
+                <a:tint val="35000"/>
+                <a:satMod val="100000"/>
               </a:schemeClr>
             </a:gs>
           </a:gsLst>
@@ -6321,32 +7371,159 @@
           <a:gsLst>
             <a:gs pos="0">
               <a:schemeClr val="phClr">
-                <a:tint val="96000"/>
+                <a:tint val="73000"/>
                 <a:shade val="100000"/>
-                <a:alpha val="100000"/>
-                <a:satMod val="180000"/>
+                <a:satMod val="150000"/>
               </a:schemeClr>
             </a:gs>
-            <a:gs pos="41000">
+            <a:gs pos="25000">
+              <a:schemeClr val="phClr">
+                <a:tint val="96000"/>
+                <a:shade val="80000"/>
+                <a:satMod val="105000"/>
+              </a:schemeClr>
+            </a:gs>
+            <a:gs pos="38000">
+              <a:schemeClr val="phClr">
+                <a:tint val="96000"/>
+                <a:shade val="59000"/>
+                <a:satMod val="120000"/>
+              </a:schemeClr>
+            </a:gs>
+            <a:gs pos="55000">
               <a:schemeClr val="phClr">
                 <a:tint val="100000"/>
-                <a:shade val="100000"/>
-                <a:alpha val="100000"/>
-                <a:satMod val="150000"/>
+                <a:shade val="57000"/>
+                <a:satMod val="120000"/>
+              </a:schemeClr>
+            </a:gs>
+            <a:gs pos="80000">
+              <a:schemeClr val="phClr">
+                <a:tint val="100000"/>
+                <a:shade val="56000"/>
+                <a:satMod val="145000"/>
+              </a:schemeClr>
+            </a:gs>
+            <a:gs pos="88000">
+              <a:schemeClr val="phClr">
+                <a:tint val="100000"/>
+                <a:shade val="63000"/>
+                <a:satMod val="160000"/>
               </a:schemeClr>
             </a:gs>
             <a:gs pos="100000">
               <a:schemeClr val="phClr">
-                <a:tint val="100000"/>
-                <a:shade val="65000"/>
-                <a:alpha val="100000"/>
+                <a:tint val="99000"/>
+                <a:shade val="100000"/>
+                <a:satMod val="155000"/>
               </a:schemeClr>
             </a:gs>
           </a:gsLst>
-          <a:path path="circle">
-            <a:fillToRect l="50000" t="80000" r="100000" b="100000"/>
-          </a:path>
+          <a:lin ang="5400000" scaled="0"/>
         </a:gradFill>
+      </a:fillStyleLst>
+      <a:lnStyleLst>
+        <a:ln w="9525" cap="flat" cmpd="sng" algn="ctr">
+          <a:solidFill>
+            <a:schemeClr val="phClr">
+              <a:shade val="95000"/>
+              <a:satMod val="105000"/>
+            </a:schemeClr>
+          </a:solidFill>
+          <a:prstDash val="solid"/>
+        </a:ln>
+        <a:ln w="25400" cap="flat" cmpd="sng" algn="ctr">
+          <a:solidFill>
+            <a:schemeClr val="phClr"/>
+          </a:solidFill>
+          <a:prstDash val="solid"/>
+        </a:ln>
+        <a:ln w="38100" cap="flat" cmpd="sng" algn="ctr">
+          <a:solidFill>
+            <a:schemeClr val="phClr"/>
+          </a:solidFill>
+          <a:prstDash val="solid"/>
+        </a:ln>
+      </a:lnStyleLst>
+      <a:effectStyleLst>
+        <a:effectStyle>
+          <a:effectLst/>
+        </a:effectStyle>
+        <a:effectStyle>
+          <a:effectLst/>
+          <a:scene3d>
+            <a:camera prst="orthographicFront">
+              <a:rot lat="0" lon="0" rev="0"/>
+            </a:camera>
+            <a:lightRig rig="glow" dir="tl">
+              <a:rot lat="0" lon="0" rev="1800000"/>
+            </a:lightRig>
+          </a:scene3d>
+          <a:sp3d contourW="10160" prstMaterial="dkEdge">
+            <a:bevelT w="0" h="0" prst="angle"/>
+            <a:contourClr>
+              <a:schemeClr val="phClr">
+                <a:shade val="30000"/>
+                <a:satMod val="150000"/>
+              </a:schemeClr>
+            </a:contourClr>
+          </a:sp3d>
+        </a:effectStyle>
+        <a:effectStyle>
+          <a:effectLst>
+            <a:glow rad="50800">
+              <a:schemeClr val="phClr">
+                <a:tint val="68000"/>
+                <a:shade val="93000"/>
+                <a:alpha val="37000"/>
+                <a:satMod val="250000"/>
+              </a:schemeClr>
+            </a:glow>
+          </a:effectLst>
+          <a:scene3d>
+            <a:camera prst="orthographicFront">
+              <a:rot lat="0" lon="0" rev="0"/>
+            </a:camera>
+            <a:lightRig rig="glow" dir="t">
+              <a:rot lat="0" lon="0" rev="1800000"/>
+            </a:lightRig>
+          </a:scene3d>
+          <a:sp3d contourW="10160" prstMaterial="dkEdge">
+            <a:bevelT w="20320" h="19050" prst="angle"/>
+            <a:contourClr>
+              <a:schemeClr val="phClr">
+                <a:shade val="30000"/>
+                <a:satMod val="150000"/>
+              </a:schemeClr>
+            </a:contourClr>
+          </a:sp3d>
+        </a:effectStyle>
+      </a:effectStyleLst>
+      <a:bgFillStyleLst>
+        <a:solidFill>
+          <a:schemeClr val="phClr"/>
+        </a:solidFill>
+        <a:solidFill>
+          <a:schemeClr val="phClr">
+            <a:tint val="93000"/>
+            <a:satMod val="140000"/>
+          </a:schemeClr>
+        </a:solidFill>
+        <a:blipFill rotWithShape="1">
+          <a:blip xmlns:r="http://schemas.openxmlformats.org/officeDocument/2006/relationships" r:embed="rId1">
+            <a:duotone>
+              <a:schemeClr val="phClr">
+                <a:tint val="70000"/>
+                <a:satMod val="170000"/>
+              </a:schemeClr>
+              <a:schemeClr val="phClr">
+                <a:shade val="70000"/>
+                <a:satMod val="130000"/>
+              </a:schemeClr>
+            </a:duotone>
+          </a:blip>
+          <a:tile tx="0" ty="0" sx="100000" sy="100000" flip="none" algn="tl"/>
+        </a:blipFill>
       </a:bgFillStyleLst>
     </a:fmtScheme>
   </a:themeElements>

--- a/Project/Минипроект Белоуса Фёдора.pptx
+++ b/Project/Минипроект Белоуса Фёдора.pptx
@@ -239,7 +239,7 @@
           <a:p>
             <a:fld id="{B4C71EC6-210F-42DE-9C53-41977AD35B3D}" type="datetimeFigureOut">
               <a:rPr lang="ru-RU" smtClean="0"/>
-              <a:t>03.01.2019</a:t>
+              <a:t>04.01.2019</a:t>
             </a:fld>
             <a:endParaRPr lang="ru-RU"/>
           </a:p>
@@ -872,7 +872,7 @@
           <a:p>
             <a:fld id="{B4C71EC6-210F-42DE-9C53-41977AD35B3D}" type="datetimeFigureOut">
               <a:rPr lang="ru-RU" smtClean="0"/>
-              <a:t>03.01.2019</a:t>
+              <a:t>04.01.2019</a:t>
             </a:fld>
             <a:endParaRPr lang="ru-RU"/>
           </a:p>
@@ -1149,7 +1149,7 @@
           <a:p>
             <a:fld id="{B4C71EC6-210F-42DE-9C53-41977AD35B3D}" type="datetimeFigureOut">
               <a:rPr lang="ru-RU" smtClean="0"/>
-              <a:t>03.01.2019</a:t>
+              <a:t>04.01.2019</a:t>
             </a:fld>
             <a:endParaRPr lang="ru-RU"/>
           </a:p>
@@ -1314,7 +1314,7 @@
           <a:p>
             <a:fld id="{B4C71EC6-210F-42DE-9C53-41977AD35B3D}" type="datetimeFigureOut">
               <a:rPr lang="ru-RU" smtClean="0"/>
-              <a:t>03.01.2019</a:t>
+              <a:t>04.01.2019</a:t>
             </a:fld>
             <a:endParaRPr lang="ru-RU"/>
           </a:p>
@@ -1495,7 +1495,7 @@
           <a:p>
             <a:fld id="{B4C71EC6-210F-42DE-9C53-41977AD35B3D}" type="datetimeFigureOut">
               <a:rPr lang="ru-RU" smtClean="0"/>
-              <a:t>03.01.2019</a:t>
+              <a:t>04.01.2019</a:t>
             </a:fld>
             <a:endParaRPr lang="ru-RU"/>
           </a:p>
@@ -2140,7 +2140,7 @@
           <a:p>
             <a:fld id="{B4C71EC6-210F-42DE-9C53-41977AD35B3D}" type="datetimeFigureOut">
               <a:rPr lang="ru-RU" smtClean="0"/>
-              <a:t>03.01.2019</a:t>
+              <a:t>04.01.2019</a:t>
             </a:fld>
             <a:endParaRPr lang="ru-RU"/>
           </a:p>
@@ -2566,7 +2566,7 @@
           <a:p>
             <a:fld id="{B4C71EC6-210F-42DE-9C53-41977AD35B3D}" type="datetimeFigureOut">
               <a:rPr lang="ru-RU" smtClean="0"/>
-              <a:t>03.01.2019</a:t>
+              <a:t>04.01.2019</a:t>
             </a:fld>
             <a:endParaRPr lang="ru-RU"/>
           </a:p>
@@ -2679,7 +2679,7 @@
           <a:p>
             <a:fld id="{B4C71EC6-210F-42DE-9C53-41977AD35B3D}" type="datetimeFigureOut">
               <a:rPr lang="ru-RU" smtClean="0"/>
-              <a:t>03.01.2019</a:t>
+              <a:t>04.01.2019</a:t>
             </a:fld>
             <a:endParaRPr lang="ru-RU"/>
           </a:p>
@@ -2860,7 +2860,7 @@
           <a:p>
             <a:fld id="{B4C71EC6-210F-42DE-9C53-41977AD35B3D}" type="datetimeFigureOut">
               <a:rPr lang="ru-RU" smtClean="0"/>
-              <a:t>03.01.2019</a:t>
+              <a:t>04.01.2019</a:t>
             </a:fld>
             <a:endParaRPr lang="ru-RU"/>
           </a:p>
@@ -3126,7 +3126,7 @@
           <a:p>
             <a:fld id="{B4C71EC6-210F-42DE-9C53-41977AD35B3D}" type="datetimeFigureOut">
               <a:rPr lang="ru-RU" smtClean="0"/>
-              <a:t>03.01.2019</a:t>
+              <a:t>04.01.2019</a:t>
             </a:fld>
             <a:endParaRPr lang="ru-RU"/>
           </a:p>
@@ -3596,7 +3596,7 @@
           <a:p>
             <a:fld id="{B4C71EC6-210F-42DE-9C53-41977AD35B3D}" type="datetimeFigureOut">
               <a:rPr lang="ru-RU" smtClean="0"/>
-              <a:t>03.01.2019</a:t>
+              <a:t>04.01.2019</a:t>
             </a:fld>
             <a:endParaRPr lang="ru-RU"/>
           </a:p>
@@ -4156,7 +4156,7 @@
           <a:p>
             <a:fld id="{B4C71EC6-210F-42DE-9C53-41977AD35B3D}" type="datetimeFigureOut">
               <a:rPr lang="ru-RU" smtClean="0"/>
-              <a:t>03.01.2019</a:t>
+              <a:t>04.01.2019</a:t>
             </a:fld>
             <a:endParaRPr lang="ru-RU"/>
           </a:p>
@@ -4953,9 +4953,10 @@
               <a:buChar char="•"/>
             </a:pPr>
             <a:r>
-              <a:rPr lang="ru-RU" dirty="0"/>
-              <a:t>Отладка программы;</a:t>
-            </a:r>
+              <a:rPr lang="ru-RU" dirty="0" smtClean="0"/>
+              <a:t>Отладить программу;</a:t>
+            </a:r>
+            <a:endParaRPr lang="ru-RU" dirty="0"/>
           </a:p>
           <a:p>
             <a:pPr marL="285750" lvl="0" indent="-285750">
@@ -5391,7 +5392,7 @@
         <p:spPr>
           <a:xfrm>
             <a:off x="467544" y="1628800"/>
-            <a:ext cx="8280920" cy="1754326"/>
+            <a:ext cx="8280920" cy="2031325"/>
           </a:xfrm>
           <a:prstGeom prst="rect">
             <a:avLst/>
@@ -5412,8 +5413,15 @@
           <a:p>
             <a:r>
               <a:rPr lang="ru-RU" dirty="0" smtClean="0"/>
-              <a:t>При активации программы фоторедактора, пользователю предоставляется окно через активные элементы которого он может воздействовать на фотографию.</a:t>
-            </a:r>
+              <a:t>При активации программы фоторедактора, пользователю предоставляется окно через активные элементы которого он может воздействовать на фотографию</a:t>
+            </a:r>
+            <a:r>
+              <a:rPr lang="ru-RU" dirty="0" smtClean="0"/>
+              <a:t>.</a:t>
+            </a:r>
+          </a:p>
+          <a:p>
+            <a:endParaRPr lang="ru-RU" dirty="0" smtClean="0"/>
           </a:p>
           <a:p>
             <a:r>
@@ -6404,7 +6412,7 @@
           </a:xfrm>
           <a:prstGeom prst="bentConnector4">
             <a:avLst>
-              <a:gd name="adj1" fmla="val 20805"/>
+              <a:gd name="adj1" fmla="val 17830"/>
               <a:gd name="adj2" fmla="val 1037615"/>
             </a:avLst>
           </a:prstGeom>
@@ -6896,7 +6904,9 @@
             <a:ext cx="2176175" cy="576064"/>
           </a:xfrm>
           <a:prstGeom prst="bentConnector3">
-            <a:avLst/>
+            <a:avLst>
+              <a:gd name="adj1" fmla="val 18677"/>
+            </a:avLst>
           </a:prstGeom>
           <a:ln>
             <a:tailEnd type="arrow"/>
@@ -6933,7 +6943,7 @@
           </a:xfrm>
           <a:prstGeom prst="bentConnector3">
             <a:avLst>
-              <a:gd name="adj1" fmla="val 50000"/>
+              <a:gd name="adj1" fmla="val 19059"/>
             </a:avLst>
           </a:prstGeom>
           <a:ln>
@@ -6968,6 +6978,328 @@
           <a:xfrm>
             <a:off x="5204137" y="5822105"/>
             <a:ext cx="2176175" cy="38103"/>
+          </a:xfrm>
+          <a:prstGeom prst="bentConnector3">
+            <a:avLst>
+              <a:gd name="adj1" fmla="val 19441"/>
+            </a:avLst>
+          </a:prstGeom>
+          <a:ln>
+            <a:tailEnd type="arrow"/>
+          </a:ln>
+        </p:spPr>
+        <p:style>
+          <a:lnRef idx="1">
+            <a:schemeClr val="accent1"/>
+          </a:lnRef>
+          <a:fillRef idx="0">
+            <a:schemeClr val="accent1"/>
+          </a:fillRef>
+          <a:effectRef idx="0">
+            <a:schemeClr val="accent1"/>
+          </a:effectRef>
+          <a:fontRef idx="minor">
+            <a:schemeClr val="tx1"/>
+          </a:fontRef>
+        </p:style>
+      </p:cxnSp>
+      <p:sp>
+        <p:nvSpPr>
+          <p:cNvPr id="3" name="Скругленный прямоугольник 2"/>
+          <p:cNvSpPr/>
+          <p:nvPr/>
+        </p:nvSpPr>
+        <p:spPr>
+          <a:xfrm>
+            <a:off x="298882" y="1598365"/>
+            <a:ext cx="1512168" cy="408196"/>
+          </a:xfrm>
+          <a:prstGeom prst="roundRect">
+            <a:avLst/>
+          </a:prstGeom>
+        </p:spPr>
+        <p:style>
+          <a:lnRef idx="2">
+            <a:schemeClr val="accent1">
+              <a:shade val="50000"/>
+            </a:schemeClr>
+          </a:lnRef>
+          <a:fillRef idx="1">
+            <a:schemeClr val="accent1"/>
+          </a:fillRef>
+          <a:effectRef idx="0">
+            <a:schemeClr val="accent1"/>
+          </a:effectRef>
+          <a:fontRef idx="minor">
+            <a:schemeClr val="lt1"/>
+          </a:fontRef>
+        </p:style>
+        <p:txBody>
+          <a:bodyPr rtlCol="0" anchor="ctr"/>
+          <a:lstStyle/>
+          <a:p>
+            <a:pPr algn="ctr"/>
+            <a:r>
+              <a:rPr lang="ru-RU" sz="1200" dirty="0" smtClean="0"/>
+              <a:t>Запуск программы на исполнение</a:t>
+            </a:r>
+            <a:endParaRPr lang="ru-RU" sz="1200" dirty="0"/>
+          </a:p>
+        </p:txBody>
+      </p:sp>
+      <p:sp>
+        <p:nvSpPr>
+          <p:cNvPr id="43" name="Скругленный прямоугольник 42"/>
+          <p:cNvSpPr/>
+          <p:nvPr/>
+        </p:nvSpPr>
+        <p:spPr>
+          <a:xfrm>
+            <a:off x="298882" y="2278755"/>
+            <a:ext cx="1512168" cy="411656"/>
+          </a:xfrm>
+          <a:prstGeom prst="roundRect">
+            <a:avLst/>
+          </a:prstGeom>
+        </p:spPr>
+        <p:style>
+          <a:lnRef idx="2">
+            <a:schemeClr val="accent1">
+              <a:shade val="50000"/>
+            </a:schemeClr>
+          </a:lnRef>
+          <a:fillRef idx="1">
+            <a:schemeClr val="accent1"/>
+          </a:fillRef>
+          <a:effectRef idx="0">
+            <a:schemeClr val="accent1"/>
+          </a:effectRef>
+          <a:fontRef idx="minor">
+            <a:schemeClr val="lt1"/>
+          </a:fontRef>
+        </p:style>
+        <p:txBody>
+          <a:bodyPr rtlCol="0" anchor="ctr"/>
+          <a:lstStyle/>
+          <a:p>
+            <a:pPr algn="ctr"/>
+            <a:r>
+              <a:rPr lang="ru-RU" sz="1200" dirty="0" smtClean="0"/>
+              <a:t>Подключение библиотек</a:t>
+            </a:r>
+            <a:endParaRPr lang="ru-RU" sz="1200" dirty="0"/>
+          </a:p>
+        </p:txBody>
+      </p:sp>
+      <p:sp>
+        <p:nvSpPr>
+          <p:cNvPr id="44" name="Скругленный прямоугольник 43"/>
+          <p:cNvSpPr/>
+          <p:nvPr/>
+        </p:nvSpPr>
+        <p:spPr>
+          <a:xfrm>
+            <a:off x="298882" y="2920486"/>
+            <a:ext cx="1510315" cy="402853"/>
+          </a:xfrm>
+          <a:prstGeom prst="roundRect">
+            <a:avLst/>
+          </a:prstGeom>
+        </p:spPr>
+        <p:style>
+          <a:lnRef idx="2">
+            <a:schemeClr val="accent1">
+              <a:shade val="50000"/>
+            </a:schemeClr>
+          </a:lnRef>
+          <a:fillRef idx="1">
+            <a:schemeClr val="accent1"/>
+          </a:fillRef>
+          <a:effectRef idx="0">
+            <a:schemeClr val="accent1"/>
+          </a:effectRef>
+          <a:fontRef idx="minor">
+            <a:schemeClr val="lt1"/>
+          </a:fontRef>
+        </p:style>
+        <p:txBody>
+          <a:bodyPr rtlCol="0" anchor="ctr"/>
+          <a:lstStyle/>
+          <a:p>
+            <a:pPr algn="ctr"/>
+            <a:r>
+              <a:rPr lang="ru-RU" sz="1200" dirty="0" smtClean="0"/>
+              <a:t>Основное тело программы</a:t>
+            </a:r>
+            <a:endParaRPr lang="ru-RU" sz="1200" dirty="0"/>
+          </a:p>
+        </p:txBody>
+      </p:sp>
+      <p:sp>
+        <p:nvSpPr>
+          <p:cNvPr id="45" name="Скругленный прямоугольник 44"/>
+          <p:cNvSpPr/>
+          <p:nvPr/>
+        </p:nvSpPr>
+        <p:spPr>
+          <a:xfrm>
+            <a:off x="283860" y="3629445"/>
+            <a:ext cx="1512168" cy="414113"/>
+          </a:xfrm>
+          <a:prstGeom prst="roundRect">
+            <a:avLst/>
+          </a:prstGeom>
+        </p:spPr>
+        <p:style>
+          <a:lnRef idx="2">
+            <a:schemeClr val="accent1">
+              <a:shade val="50000"/>
+            </a:schemeClr>
+          </a:lnRef>
+          <a:fillRef idx="1">
+            <a:schemeClr val="accent1"/>
+          </a:fillRef>
+          <a:effectRef idx="0">
+            <a:schemeClr val="accent1"/>
+          </a:effectRef>
+          <a:fontRef idx="minor">
+            <a:schemeClr val="lt1"/>
+          </a:fontRef>
+        </p:style>
+        <p:txBody>
+          <a:bodyPr rtlCol="0" anchor="ctr"/>
+          <a:lstStyle/>
+          <a:p>
+            <a:pPr algn="ctr"/>
+            <a:r>
+              <a:rPr lang="ru-RU" sz="1200" dirty="0" smtClean="0"/>
+              <a:t>Прекращение работы программы</a:t>
+            </a:r>
+            <a:endParaRPr lang="ru-RU" sz="1200" dirty="0"/>
+          </a:p>
+        </p:txBody>
+      </p:sp>
+      <p:cxnSp>
+        <p:nvCxnSpPr>
+          <p:cNvPr id="10" name="Прямая со стрелкой 9"/>
+          <p:cNvCxnSpPr>
+            <a:stCxn id="3" idx="2"/>
+            <a:endCxn id="43" idx="0"/>
+          </p:cNvCxnSpPr>
+          <p:nvPr/>
+        </p:nvCxnSpPr>
+        <p:spPr>
+          <a:xfrm>
+            <a:off x="1054966" y="2006561"/>
+            <a:ext cx="0" cy="272194"/>
+          </a:xfrm>
+          <a:prstGeom prst="straightConnector1">
+            <a:avLst/>
+          </a:prstGeom>
+          <a:ln>
+            <a:tailEnd type="arrow"/>
+          </a:ln>
+        </p:spPr>
+        <p:style>
+          <a:lnRef idx="1">
+            <a:schemeClr val="accent1"/>
+          </a:lnRef>
+          <a:fillRef idx="0">
+            <a:schemeClr val="accent1"/>
+          </a:fillRef>
+          <a:effectRef idx="0">
+            <a:schemeClr val="accent1"/>
+          </a:effectRef>
+          <a:fontRef idx="minor">
+            <a:schemeClr val="tx1"/>
+          </a:fontRef>
+        </p:style>
+      </p:cxnSp>
+      <p:cxnSp>
+        <p:nvCxnSpPr>
+          <p:cNvPr id="13" name="Прямая со стрелкой 12"/>
+          <p:cNvCxnSpPr>
+            <a:stCxn id="43" idx="2"/>
+            <a:endCxn id="44" idx="0"/>
+          </p:cNvCxnSpPr>
+          <p:nvPr/>
+        </p:nvCxnSpPr>
+        <p:spPr>
+          <a:xfrm flipH="1">
+            <a:off x="1054040" y="2690411"/>
+            <a:ext cx="926" cy="230075"/>
+          </a:xfrm>
+          <a:prstGeom prst="straightConnector1">
+            <a:avLst/>
+          </a:prstGeom>
+          <a:ln>
+            <a:tailEnd type="arrow"/>
+          </a:ln>
+        </p:spPr>
+        <p:style>
+          <a:lnRef idx="1">
+            <a:schemeClr val="accent1"/>
+          </a:lnRef>
+          <a:fillRef idx="0">
+            <a:schemeClr val="accent1"/>
+          </a:fillRef>
+          <a:effectRef idx="0">
+            <a:schemeClr val="accent1"/>
+          </a:effectRef>
+          <a:fontRef idx="minor">
+            <a:schemeClr val="tx1"/>
+          </a:fontRef>
+        </p:style>
+      </p:cxnSp>
+      <p:cxnSp>
+        <p:nvCxnSpPr>
+          <p:cNvPr id="19" name="Прямая со стрелкой 18"/>
+          <p:cNvCxnSpPr>
+            <a:stCxn id="44" idx="2"/>
+            <a:endCxn id="45" idx="0"/>
+          </p:cNvCxnSpPr>
+          <p:nvPr/>
+        </p:nvCxnSpPr>
+        <p:spPr>
+          <a:xfrm flipH="1">
+            <a:off x="1039944" y="3323339"/>
+            <a:ext cx="14096" cy="306106"/>
+          </a:xfrm>
+          <a:prstGeom prst="straightConnector1">
+            <a:avLst/>
+          </a:prstGeom>
+          <a:ln>
+            <a:tailEnd type="arrow"/>
+          </a:ln>
+        </p:spPr>
+        <p:style>
+          <a:lnRef idx="1">
+            <a:schemeClr val="accent1"/>
+          </a:lnRef>
+          <a:fillRef idx="0">
+            <a:schemeClr val="accent1"/>
+          </a:fillRef>
+          <a:effectRef idx="0">
+            <a:schemeClr val="accent1"/>
+          </a:effectRef>
+          <a:fontRef idx="minor">
+            <a:schemeClr val="tx1"/>
+          </a:fontRef>
+        </p:style>
+      </p:cxnSp>
+      <p:cxnSp>
+        <p:nvCxnSpPr>
+          <p:cNvPr id="26" name="Соединительная линия уступом 25"/>
+          <p:cNvCxnSpPr>
+            <a:stCxn id="44" idx="3"/>
+            <a:endCxn id="9" idx="1"/>
+          </p:cNvCxnSpPr>
+          <p:nvPr/>
+        </p:nvCxnSpPr>
+        <p:spPr>
+          <a:xfrm flipV="1">
+            <a:off x="1809197" y="2378527"/>
+            <a:ext cx="439554" cy="743386"/>
           </a:xfrm>
           <a:prstGeom prst="bentConnector3">
             <a:avLst/>
@@ -7094,7 +7426,23 @@
           <a:p>
             <a:r>
               <a:rPr lang="ru-RU" dirty="0" smtClean="0"/>
-              <a:t>Мною был реализован фоторедактор, который может поворачивать изображение, применять к изображению фильтр, создавать копии изображений, изменять процентную составляющую цвета в изображении.</a:t>
+              <a:t>Мною был реализован фоторедактор, который может поворачивать изображение, применять к изображению </a:t>
+            </a:r>
+            <a:r>
+              <a:rPr lang="ru-RU" dirty="0" smtClean="0"/>
+              <a:t>фильтры, </a:t>
+            </a:r>
+            <a:r>
+              <a:rPr lang="ru-RU" dirty="0" smtClean="0"/>
+              <a:t>создавать копии изображений, изменять процентную составляющую цвета </a:t>
+            </a:r>
+            <a:r>
+              <a:rPr lang="ru-RU" dirty="0" smtClean="0"/>
+              <a:t>в </a:t>
+            </a:r>
+            <a:r>
+              <a:rPr lang="ru-RU" dirty="0" smtClean="0"/>
+              <a:t>изображении.</a:t>
             </a:r>
             <a:endParaRPr lang="ru-RU" dirty="0"/>
           </a:p>

--- a/Project/Минипроект Белоуса Фёдора.pptx
+++ b/Project/Минипроект Белоуса Фёдора.pptx
@@ -4845,7 +4845,7 @@
         <p:spPr>
           <a:xfrm>
             <a:off x="539552" y="1916832"/>
-            <a:ext cx="8136904" cy="3416320"/>
+            <a:ext cx="8136904" cy="3139321"/>
           </a:xfrm>
           <a:prstGeom prst="rect">
             <a:avLst/>
@@ -4934,7 +4934,23 @@
             </a:pPr>
             <a:r>
               <a:rPr lang="ru-RU" dirty="0"/>
-              <a:t>Создать основные классы;</a:t>
+              <a:t>Создать основные </a:t>
+            </a:r>
+            <a:r>
+              <a:rPr lang="ru-RU" dirty="0" smtClean="0"/>
+              <a:t>классы и все </a:t>
+            </a:r>
+            <a:r>
+              <a:rPr lang="ru-RU" dirty="0"/>
+              <a:t>функции редактора</a:t>
+            </a:r>
+            <a:r>
+              <a:rPr lang="ru-RU" dirty="0" smtClean="0"/>
+              <a:t>;</a:t>
+            </a:r>
+            <a:r>
+              <a:rPr lang="ru-RU" dirty="0" smtClean="0"/>
+              <a:t> </a:t>
             </a:r>
           </a:p>
           <a:p>
@@ -4943,18 +4959,12 @@
               <a:buChar char="•"/>
             </a:pPr>
             <a:r>
-              <a:rPr lang="ru-RU" dirty="0"/>
-              <a:t>Создать все функции редактора;</a:t>
-            </a:r>
-          </a:p>
-          <a:p>
-            <a:pPr marL="285750" lvl="0" indent="-285750">
-              <a:buFont typeface="Arial" panose="020B0604020202020204" pitchFamily="34" charset="0"/>
-              <a:buChar char="•"/>
-            </a:pPr>
-            <a:r>
               <a:rPr lang="ru-RU" dirty="0" smtClean="0"/>
-              <a:t>Отладить программу;</a:t>
+              <a:t>Отладить </a:t>
+            </a:r>
+            <a:r>
+              <a:rPr lang="ru-RU" dirty="0" smtClean="0"/>
+              <a:t>программу;</a:t>
             </a:r>
             <a:endParaRPr lang="ru-RU" dirty="0"/>
           </a:p>
@@ -5413,11 +5423,7 @@
           <a:p>
             <a:r>
               <a:rPr lang="ru-RU" dirty="0" smtClean="0"/>
-              <a:t>При активации программы фоторедактора, пользователю предоставляется окно через активные элементы которого он может воздействовать на фотографию</a:t>
-            </a:r>
-            <a:r>
-              <a:rPr lang="ru-RU" dirty="0" smtClean="0"/>
-              <a:t>.</a:t>
+              <a:t>При активации программы фоторедактора, пользователю предоставляется окно через активные элементы которого он может воздействовать на фотографию.</a:t>
             </a:r>
           </a:p>
           <a:p>
@@ -7426,23 +7432,7 @@
           <a:p>
             <a:r>
               <a:rPr lang="ru-RU" dirty="0" smtClean="0"/>
-              <a:t>Мною был реализован фоторедактор, который может поворачивать изображение, применять к изображению </a:t>
-            </a:r>
-            <a:r>
-              <a:rPr lang="ru-RU" dirty="0" smtClean="0"/>
-              <a:t>фильтры, </a:t>
-            </a:r>
-            <a:r>
-              <a:rPr lang="ru-RU" dirty="0" smtClean="0"/>
-              <a:t>создавать копии изображений, изменять процентную составляющую цвета </a:t>
-            </a:r>
-            <a:r>
-              <a:rPr lang="ru-RU" dirty="0" smtClean="0"/>
-              <a:t>в </a:t>
-            </a:r>
-            <a:r>
-              <a:rPr lang="ru-RU" dirty="0" smtClean="0"/>
-              <a:t>изображении.</a:t>
+              <a:t>Мною был реализован фоторедактор, который может поворачивать изображение, применять к изображению фильтры, создавать копии изображений, изменять процентную составляющую цвета в изображении.</a:t>
             </a:r>
             <a:endParaRPr lang="ru-RU" dirty="0"/>
           </a:p>

--- a/Project/Минипроект Белоуса Фёдора.pptx
+++ b/Project/Минипроект Белоуса Фёдора.pptx
@@ -4946,11 +4946,7 @@
             </a:r>
             <a:r>
               <a:rPr lang="ru-RU" dirty="0" smtClean="0"/>
-              <a:t>;</a:t>
-            </a:r>
-            <a:r>
-              <a:rPr lang="ru-RU" dirty="0" smtClean="0"/>
-              <a:t> </a:t>
+              <a:t>; </a:t>
             </a:r>
           </a:p>
           <a:p>
@@ -4960,11 +4956,7 @@
             </a:pPr>
             <a:r>
               <a:rPr lang="ru-RU" dirty="0" smtClean="0"/>
-              <a:t>Отладить </a:t>
-            </a:r>
-            <a:r>
-              <a:rPr lang="ru-RU" dirty="0" smtClean="0"/>
-              <a:t>программу;</a:t>
+              <a:t>Отладить программу;</a:t>
             </a:r>
             <a:endParaRPr lang="ru-RU" dirty="0"/>
           </a:p>
@@ -5068,7 +5060,7 @@
         <p:spPr>
           <a:xfrm>
             <a:off x="467544" y="1772816"/>
-            <a:ext cx="8280920" cy="1200329"/>
+            <a:ext cx="8280920" cy="646331"/>
           </a:xfrm>
           <a:prstGeom prst="rect">
             <a:avLst/>
@@ -5082,16 +5074,9 @@
           <a:lstStyle/>
           <a:p>
             <a:r>
-              <a:rPr lang="ru-RU" dirty="0" smtClean="0">
-                <a:latin typeface="Times New Roman" panose="02020603050405020304" pitchFamily="18" charset="0"/>
-                <a:cs typeface="Times New Roman" panose="02020603050405020304" pitchFamily="18" charset="0"/>
-              </a:rPr>
-              <a:t>Сейчас существует большое множество различных редакторов, но они не всегда способны отредактировать фотографию так как мне надо, а если и могут, то не всегда они общедоступны, поэтому я решил написать фоторедактор с простейшими функциями.</a:t>
-            </a:r>
-            <a:endParaRPr lang="ru-RU" dirty="0">
-              <a:latin typeface="Times New Roman" panose="02020603050405020304" pitchFamily="18" charset="0"/>
-              <a:cs typeface="Times New Roman" panose="02020603050405020304" pitchFamily="18" charset="0"/>
-            </a:endParaRPr>
+              <a:rPr lang="ru-RU" dirty="0"/>
+              <a:t>Сейчас существует большое множество различных редакторов, но они не всегда располагают всем необходимым интерфейсом, или сложны в обращении.</a:t>
+            </a:r>
           </a:p>
         </p:txBody>
       </p:sp>
@@ -6036,7 +6021,7 @@
         <p:spPr>
           <a:xfrm>
             <a:off x="5750937" y="4524918"/>
-            <a:ext cx="936104" cy="360040"/>
+            <a:ext cx="837287" cy="360040"/>
           </a:xfrm>
           <a:prstGeom prst="roundRect">
             <a:avLst/>
@@ -6676,8 +6661,8 @@
         </p:nvCxnSpPr>
         <p:spPr>
           <a:xfrm rot="16200000" flipH="1">
-            <a:off x="4821970" y="3775970"/>
-            <a:ext cx="1566369" cy="291566"/>
+            <a:off x="4821969" y="3775970"/>
+            <a:ext cx="1566370" cy="291566"/>
           </a:xfrm>
           <a:prstGeom prst="bentConnector2">
             <a:avLst/>
